--- a/ppts/x86.pptx
+++ b/ppts/x86.pptx
@@ -8,6 +8,7 @@
     <p:sldId id="256" r:id="rId2"/>
     <p:sldId id="257" r:id="rId3"/>
     <p:sldId id="258" r:id="rId4"/>
+    <p:sldId id="259" r:id="rId5"/>
   </p:sldIdLst>
   <p:sldSz cx="12192000" cy="6858000"/>
   <p:notesSz cx="6858000" cy="9144000"/>
@@ -245,7 +246,7 @@
           <a:p>
             <a:fld id="{B3C7F969-47C4-468A-9F80-B758B73F497F}" type="datetimeFigureOut">
               <a:rPr lang="zh-CN" altLang="en-US" smtClean="0"/>
-              <a:t>2019/5/10</a:t>
+              <a:t>2019/5/12</a:t>
             </a:fld>
             <a:endParaRPr lang="zh-CN" altLang="en-US"/>
           </a:p>
@@ -415,7 +416,7 @@
           <a:p>
             <a:fld id="{B3C7F969-47C4-468A-9F80-B758B73F497F}" type="datetimeFigureOut">
               <a:rPr lang="zh-CN" altLang="en-US" smtClean="0"/>
-              <a:t>2019/5/10</a:t>
+              <a:t>2019/5/12</a:t>
             </a:fld>
             <a:endParaRPr lang="zh-CN" altLang="en-US"/>
           </a:p>
@@ -595,7 +596,7 @@
           <a:p>
             <a:fld id="{B3C7F969-47C4-468A-9F80-B758B73F497F}" type="datetimeFigureOut">
               <a:rPr lang="zh-CN" altLang="en-US" smtClean="0"/>
-              <a:t>2019/5/10</a:t>
+              <a:t>2019/5/12</a:t>
             </a:fld>
             <a:endParaRPr lang="zh-CN" altLang="en-US"/>
           </a:p>
@@ -765,7 +766,7 @@
           <a:p>
             <a:fld id="{B3C7F969-47C4-468A-9F80-B758B73F497F}" type="datetimeFigureOut">
               <a:rPr lang="zh-CN" altLang="en-US" smtClean="0"/>
-              <a:t>2019/5/10</a:t>
+              <a:t>2019/5/12</a:t>
             </a:fld>
             <a:endParaRPr lang="zh-CN" altLang="en-US"/>
           </a:p>
@@ -1011,7 +1012,7 @@
           <a:p>
             <a:fld id="{B3C7F969-47C4-468A-9F80-B758B73F497F}" type="datetimeFigureOut">
               <a:rPr lang="zh-CN" altLang="en-US" smtClean="0"/>
-              <a:t>2019/5/10</a:t>
+              <a:t>2019/5/12</a:t>
             </a:fld>
             <a:endParaRPr lang="zh-CN" altLang="en-US"/>
           </a:p>
@@ -1243,7 +1244,7 @@
           <a:p>
             <a:fld id="{B3C7F969-47C4-468A-9F80-B758B73F497F}" type="datetimeFigureOut">
               <a:rPr lang="zh-CN" altLang="en-US" smtClean="0"/>
-              <a:t>2019/5/10</a:t>
+              <a:t>2019/5/12</a:t>
             </a:fld>
             <a:endParaRPr lang="zh-CN" altLang="en-US"/>
           </a:p>
@@ -1610,7 +1611,7 @@
           <a:p>
             <a:fld id="{B3C7F969-47C4-468A-9F80-B758B73F497F}" type="datetimeFigureOut">
               <a:rPr lang="zh-CN" altLang="en-US" smtClean="0"/>
-              <a:t>2019/5/10</a:t>
+              <a:t>2019/5/12</a:t>
             </a:fld>
             <a:endParaRPr lang="zh-CN" altLang="en-US"/>
           </a:p>
@@ -1728,7 +1729,7 @@
           <a:p>
             <a:fld id="{B3C7F969-47C4-468A-9F80-B758B73F497F}" type="datetimeFigureOut">
               <a:rPr lang="zh-CN" altLang="en-US" smtClean="0"/>
-              <a:t>2019/5/10</a:t>
+              <a:t>2019/5/12</a:t>
             </a:fld>
             <a:endParaRPr lang="zh-CN" altLang="en-US"/>
           </a:p>
@@ -1823,7 +1824,7 @@
           <a:p>
             <a:fld id="{B3C7F969-47C4-468A-9F80-B758B73F497F}" type="datetimeFigureOut">
               <a:rPr lang="zh-CN" altLang="en-US" smtClean="0"/>
-              <a:t>2019/5/10</a:t>
+              <a:t>2019/5/12</a:t>
             </a:fld>
             <a:endParaRPr lang="zh-CN" altLang="en-US"/>
           </a:p>
@@ -2100,7 +2101,7 @@
           <a:p>
             <a:fld id="{B3C7F969-47C4-468A-9F80-B758B73F497F}" type="datetimeFigureOut">
               <a:rPr lang="zh-CN" altLang="en-US" smtClean="0"/>
-              <a:t>2019/5/10</a:t>
+              <a:t>2019/5/12</a:t>
             </a:fld>
             <a:endParaRPr lang="zh-CN" altLang="en-US"/>
           </a:p>
@@ -2353,7 +2354,7 @@
           <a:p>
             <a:fld id="{B3C7F969-47C4-468A-9F80-B758B73F497F}" type="datetimeFigureOut">
               <a:rPr lang="zh-CN" altLang="en-US" smtClean="0"/>
-              <a:t>2019/5/10</a:t>
+              <a:t>2019/5/12</a:t>
             </a:fld>
             <a:endParaRPr lang="zh-CN" altLang="en-US"/>
           </a:p>
@@ -2566,7 +2567,7 @@
           <a:p>
             <a:fld id="{B3C7F969-47C4-468A-9F80-B758B73F497F}" type="datetimeFigureOut">
               <a:rPr lang="zh-CN" altLang="en-US" smtClean="0"/>
-              <a:t>2019/5/10</a:t>
+              <a:t>2019/5/12</a:t>
             </a:fld>
             <a:endParaRPr lang="zh-CN" altLang="en-US"/>
           </a:p>
@@ -6771,6 +6772,747 @@
 </p:sld>
 </file>
 
+<file path=ppt/slides/slide4.xml><?xml version="1.0" encoding="utf-8"?>
+<p:sld xmlns:a="http://schemas.openxmlformats.org/drawingml/2006/main" xmlns:r="http://schemas.openxmlformats.org/officeDocument/2006/relationships" xmlns:p="http://schemas.openxmlformats.org/presentationml/2006/main">
+  <p:cSld>
+    <p:spTree>
+      <p:nvGrpSpPr>
+        <p:cNvPr id="1" name=""/>
+        <p:cNvGrpSpPr/>
+        <p:nvPr/>
+      </p:nvGrpSpPr>
+      <p:grpSpPr>
+        <a:xfrm>
+          <a:off x="0" y="0"/>
+          <a:ext cx="0" cy="0"/>
+          <a:chOff x="0" y="0"/>
+          <a:chExt cx="0" cy="0"/>
+        </a:xfrm>
+      </p:grpSpPr>
+      <p:sp>
+        <p:nvSpPr>
+          <p:cNvPr id="9" name="矩形 8"/>
+          <p:cNvSpPr/>
+          <p:nvPr/>
+        </p:nvSpPr>
+        <p:spPr>
+          <a:xfrm>
+            <a:off x="5058033" y="2479589"/>
+            <a:ext cx="3031524" cy="1219200"/>
+          </a:xfrm>
+          <a:prstGeom prst="rect">
+            <a:avLst/>
+          </a:prstGeom>
+          <a:noFill/>
+          <a:ln>
+            <a:solidFill>
+              <a:schemeClr val="accent2">
+                <a:lumMod val="75000"/>
+              </a:schemeClr>
+            </a:solidFill>
+          </a:ln>
+        </p:spPr>
+        <p:style>
+          <a:lnRef idx="2">
+            <a:schemeClr val="accent1">
+              <a:shade val="50000"/>
+            </a:schemeClr>
+          </a:lnRef>
+          <a:fillRef idx="1">
+            <a:schemeClr val="accent1"/>
+          </a:fillRef>
+          <a:effectRef idx="0">
+            <a:schemeClr val="accent1"/>
+          </a:effectRef>
+          <a:fontRef idx="minor">
+            <a:schemeClr val="lt1"/>
+          </a:fontRef>
+        </p:style>
+        <p:txBody>
+          <a:bodyPr rtlCol="0" anchor="ctr"/>
+          <a:lstStyle/>
+          <a:p>
+            <a:pPr algn="ctr"/>
+            <a:endParaRPr lang="zh-CN" altLang="en-US" dirty="0">
+              <a:solidFill>
+                <a:schemeClr val="tx1">
+                  <a:lumMod val="95000"/>
+                  <a:lumOff val="5000"/>
+                </a:schemeClr>
+              </a:solidFill>
+            </a:endParaRPr>
+          </a:p>
+        </p:txBody>
+      </p:sp>
+      <p:sp>
+        <p:nvSpPr>
+          <p:cNvPr id="4" name="矩形 3"/>
+          <p:cNvSpPr/>
+          <p:nvPr/>
+        </p:nvSpPr>
+        <p:spPr>
+          <a:xfrm>
+            <a:off x="2496065" y="1153299"/>
+            <a:ext cx="988540" cy="510746"/>
+          </a:xfrm>
+          <a:prstGeom prst="rect">
+            <a:avLst/>
+          </a:prstGeom>
+          <a:noFill/>
+          <a:ln>
+            <a:solidFill>
+              <a:schemeClr val="accent1">
+                <a:lumMod val="50000"/>
+              </a:schemeClr>
+            </a:solidFill>
+          </a:ln>
+        </p:spPr>
+        <p:style>
+          <a:lnRef idx="2">
+            <a:schemeClr val="accent1">
+              <a:shade val="50000"/>
+            </a:schemeClr>
+          </a:lnRef>
+          <a:fillRef idx="1">
+            <a:schemeClr val="accent1"/>
+          </a:fillRef>
+          <a:effectRef idx="0">
+            <a:schemeClr val="accent1"/>
+          </a:effectRef>
+          <a:fontRef idx="minor">
+            <a:schemeClr val="lt1"/>
+          </a:fontRef>
+        </p:style>
+        <p:txBody>
+          <a:bodyPr rtlCol="0" anchor="ctr"/>
+          <a:lstStyle/>
+          <a:p>
+            <a:pPr algn="ctr"/>
+            <a:r>
+              <a:rPr lang="en-US" altLang="zh-CN" dirty="0" smtClean="0">
+                <a:solidFill>
+                  <a:schemeClr val="tx1">
+                    <a:lumMod val="95000"/>
+                    <a:lumOff val="5000"/>
+                  </a:schemeClr>
+                </a:solidFill>
+              </a:rPr>
+              <a:t>0x3d4</a:t>
+            </a:r>
+            <a:endParaRPr lang="zh-CN" altLang="en-US" dirty="0">
+              <a:solidFill>
+                <a:schemeClr val="tx1">
+                  <a:lumMod val="95000"/>
+                  <a:lumOff val="5000"/>
+                </a:schemeClr>
+              </a:solidFill>
+            </a:endParaRPr>
+          </a:p>
+        </p:txBody>
+      </p:sp>
+      <p:sp>
+        <p:nvSpPr>
+          <p:cNvPr id="5" name="矩形 4"/>
+          <p:cNvSpPr/>
+          <p:nvPr/>
+        </p:nvSpPr>
+        <p:spPr>
+          <a:xfrm>
+            <a:off x="5247503" y="2833816"/>
+            <a:ext cx="988540" cy="510746"/>
+          </a:xfrm>
+          <a:prstGeom prst="rect">
+            <a:avLst/>
+          </a:prstGeom>
+          <a:noFill/>
+          <a:ln>
+            <a:solidFill>
+              <a:schemeClr val="accent2">
+                <a:lumMod val="75000"/>
+              </a:schemeClr>
+            </a:solidFill>
+          </a:ln>
+        </p:spPr>
+        <p:style>
+          <a:lnRef idx="2">
+            <a:schemeClr val="accent1">
+              <a:shade val="50000"/>
+            </a:schemeClr>
+          </a:lnRef>
+          <a:fillRef idx="1">
+            <a:schemeClr val="accent1"/>
+          </a:fillRef>
+          <a:effectRef idx="0">
+            <a:schemeClr val="accent1"/>
+          </a:effectRef>
+          <a:fontRef idx="minor">
+            <a:schemeClr val="lt1"/>
+          </a:fontRef>
+        </p:style>
+        <p:txBody>
+          <a:bodyPr rtlCol="0" anchor="ctr"/>
+          <a:lstStyle/>
+          <a:p>
+            <a:pPr algn="ctr"/>
+            <a:r>
+              <a:rPr lang="en-US" altLang="zh-CN" dirty="0" smtClean="0">
+                <a:solidFill>
+                  <a:schemeClr val="tx1">
+                    <a:lumMod val="95000"/>
+                    <a:lumOff val="5000"/>
+                  </a:schemeClr>
+                </a:solidFill>
+              </a:rPr>
+              <a:t>0x0e</a:t>
+            </a:r>
+            <a:endParaRPr lang="zh-CN" altLang="en-US" dirty="0">
+              <a:solidFill>
+                <a:schemeClr val="tx1">
+                  <a:lumMod val="95000"/>
+                  <a:lumOff val="5000"/>
+                </a:schemeClr>
+              </a:solidFill>
+            </a:endParaRPr>
+          </a:p>
+        </p:txBody>
+      </p:sp>
+      <p:sp>
+        <p:nvSpPr>
+          <p:cNvPr id="7" name="矩形 6"/>
+          <p:cNvSpPr/>
+          <p:nvPr/>
+        </p:nvSpPr>
+        <p:spPr>
+          <a:xfrm>
+            <a:off x="6376087" y="2833816"/>
+            <a:ext cx="988540" cy="510746"/>
+          </a:xfrm>
+          <a:prstGeom prst="rect">
+            <a:avLst/>
+          </a:prstGeom>
+          <a:noFill/>
+          <a:ln>
+            <a:solidFill>
+              <a:schemeClr val="accent2">
+                <a:lumMod val="75000"/>
+              </a:schemeClr>
+            </a:solidFill>
+          </a:ln>
+        </p:spPr>
+        <p:style>
+          <a:lnRef idx="2">
+            <a:schemeClr val="accent1">
+              <a:shade val="50000"/>
+            </a:schemeClr>
+          </a:lnRef>
+          <a:fillRef idx="1">
+            <a:schemeClr val="accent1"/>
+          </a:fillRef>
+          <a:effectRef idx="0">
+            <a:schemeClr val="accent1"/>
+          </a:effectRef>
+          <a:fontRef idx="minor">
+            <a:schemeClr val="lt1"/>
+          </a:fontRef>
+        </p:style>
+        <p:txBody>
+          <a:bodyPr rtlCol="0" anchor="ctr"/>
+          <a:lstStyle/>
+          <a:p>
+            <a:pPr algn="ctr"/>
+            <a:r>
+              <a:rPr lang="en-US" altLang="zh-CN" dirty="0" smtClean="0">
+                <a:solidFill>
+                  <a:schemeClr val="tx1">
+                    <a:lumMod val="95000"/>
+                    <a:lumOff val="5000"/>
+                  </a:schemeClr>
+                </a:solidFill>
+              </a:rPr>
+              <a:t>0x0f</a:t>
+            </a:r>
+            <a:endParaRPr lang="zh-CN" altLang="en-US" dirty="0">
+              <a:solidFill>
+                <a:schemeClr val="tx1">
+                  <a:lumMod val="95000"/>
+                  <a:lumOff val="5000"/>
+                </a:schemeClr>
+              </a:solidFill>
+            </a:endParaRPr>
+          </a:p>
+        </p:txBody>
+      </p:sp>
+      <p:sp>
+        <p:nvSpPr>
+          <p:cNvPr id="12" name="矩形 11"/>
+          <p:cNvSpPr/>
+          <p:nvPr/>
+        </p:nvSpPr>
+        <p:spPr>
+          <a:xfrm>
+            <a:off x="2496064" y="3797643"/>
+            <a:ext cx="988540" cy="510746"/>
+          </a:xfrm>
+          <a:prstGeom prst="rect">
+            <a:avLst/>
+          </a:prstGeom>
+          <a:noFill/>
+          <a:ln>
+            <a:solidFill>
+              <a:schemeClr val="accent1">
+                <a:lumMod val="50000"/>
+              </a:schemeClr>
+            </a:solidFill>
+          </a:ln>
+        </p:spPr>
+        <p:style>
+          <a:lnRef idx="2">
+            <a:schemeClr val="accent1">
+              <a:shade val="50000"/>
+            </a:schemeClr>
+          </a:lnRef>
+          <a:fillRef idx="1">
+            <a:schemeClr val="accent1"/>
+          </a:fillRef>
+          <a:effectRef idx="0">
+            <a:schemeClr val="accent1"/>
+          </a:effectRef>
+          <a:fontRef idx="minor">
+            <a:schemeClr val="lt1"/>
+          </a:fontRef>
+        </p:style>
+        <p:txBody>
+          <a:bodyPr rtlCol="0" anchor="ctr"/>
+          <a:lstStyle/>
+          <a:p>
+            <a:pPr algn="ctr"/>
+            <a:r>
+              <a:rPr lang="en-US" altLang="zh-CN" dirty="0" smtClean="0">
+                <a:solidFill>
+                  <a:schemeClr val="tx1">
+                    <a:lumMod val="95000"/>
+                    <a:lumOff val="5000"/>
+                  </a:schemeClr>
+                </a:solidFill>
+              </a:rPr>
+              <a:t>0x3d5</a:t>
+            </a:r>
+            <a:endParaRPr lang="zh-CN" altLang="en-US" dirty="0">
+              <a:solidFill>
+                <a:schemeClr val="tx1">
+                  <a:lumMod val="95000"/>
+                  <a:lumOff val="5000"/>
+                </a:schemeClr>
+              </a:solidFill>
+            </a:endParaRPr>
+          </a:p>
+        </p:txBody>
+      </p:sp>
+      <p:cxnSp>
+        <p:nvCxnSpPr>
+          <p:cNvPr id="14" name="肘形连接符 13"/>
+          <p:cNvCxnSpPr/>
+          <p:nvPr/>
+        </p:nvCxnSpPr>
+        <p:spPr>
+          <a:xfrm>
+            <a:off x="1754659" y="1268627"/>
+            <a:ext cx="3987114" cy="1573427"/>
+          </a:xfrm>
+          <a:prstGeom prst="bentConnector2">
+            <a:avLst/>
+          </a:prstGeom>
+          <a:ln>
+            <a:tailEnd type="triangle"/>
+          </a:ln>
+        </p:spPr>
+        <p:style>
+          <a:lnRef idx="1">
+            <a:schemeClr val="accent1"/>
+          </a:lnRef>
+          <a:fillRef idx="0">
+            <a:schemeClr val="accent1"/>
+          </a:fillRef>
+          <a:effectRef idx="0">
+            <a:schemeClr val="accent1"/>
+          </a:effectRef>
+          <a:fontRef idx="minor">
+            <a:schemeClr val="tx1"/>
+          </a:fontRef>
+        </p:style>
+      </p:cxnSp>
+      <p:cxnSp>
+        <p:nvCxnSpPr>
+          <p:cNvPr id="16" name="肘形连接符 15"/>
+          <p:cNvCxnSpPr>
+            <a:endCxn id="7" idx="0"/>
+          </p:cNvCxnSpPr>
+          <p:nvPr/>
+        </p:nvCxnSpPr>
+        <p:spPr>
+          <a:xfrm>
+            <a:off x="1754659" y="1268627"/>
+            <a:ext cx="5115698" cy="1565189"/>
+          </a:xfrm>
+          <a:prstGeom prst="bentConnector2">
+            <a:avLst/>
+          </a:prstGeom>
+          <a:ln>
+            <a:tailEnd type="triangle"/>
+          </a:ln>
+        </p:spPr>
+        <p:style>
+          <a:lnRef idx="1">
+            <a:schemeClr val="accent1"/>
+          </a:lnRef>
+          <a:fillRef idx="0">
+            <a:schemeClr val="accent1"/>
+          </a:fillRef>
+          <a:effectRef idx="0">
+            <a:schemeClr val="accent1"/>
+          </a:effectRef>
+          <a:fontRef idx="minor">
+            <a:schemeClr val="tx1"/>
+          </a:fontRef>
+        </p:style>
+      </p:cxnSp>
+      <p:sp>
+        <p:nvSpPr>
+          <p:cNvPr id="17" name="文本框 16"/>
+          <p:cNvSpPr txBox="1"/>
+          <p:nvPr/>
+        </p:nvSpPr>
+        <p:spPr>
+          <a:xfrm>
+            <a:off x="184999" y="1022177"/>
+            <a:ext cx="1569660" cy="369332"/>
+          </a:xfrm>
+          <a:prstGeom prst="rect">
+            <a:avLst/>
+          </a:prstGeom>
+          <a:noFill/>
+        </p:spPr>
+        <p:txBody>
+          <a:bodyPr wrap="none" rtlCol="0">
+            <a:spAutoFit/>
+          </a:bodyPr>
+          <a:lstStyle/>
+          <a:p>
+            <a:r>
+              <a:rPr lang="zh-CN" altLang="en-US" dirty="0" smtClean="0"/>
+              <a:t>寄存器索引值</a:t>
+            </a:r>
+            <a:endParaRPr lang="zh-CN" altLang="en-US" dirty="0"/>
+          </a:p>
+        </p:txBody>
+      </p:sp>
+      <p:sp>
+        <p:nvSpPr>
+          <p:cNvPr id="18" name="文本框 17"/>
+          <p:cNvSpPr txBox="1"/>
+          <p:nvPr/>
+        </p:nvSpPr>
+        <p:spPr>
+          <a:xfrm>
+            <a:off x="2667168" y="457887"/>
+            <a:ext cx="646331" cy="369332"/>
+          </a:xfrm>
+          <a:prstGeom prst="rect">
+            <a:avLst/>
+          </a:prstGeom>
+          <a:noFill/>
+        </p:spPr>
+        <p:txBody>
+          <a:bodyPr wrap="none" rtlCol="0">
+            <a:spAutoFit/>
+          </a:bodyPr>
+          <a:lstStyle/>
+          <a:p>
+            <a:r>
+              <a:rPr lang="zh-CN" altLang="en-US" dirty="0" smtClean="0"/>
+              <a:t>端口</a:t>
+            </a:r>
+            <a:endParaRPr lang="zh-CN" altLang="en-US" dirty="0"/>
+          </a:p>
+        </p:txBody>
+      </p:sp>
+      <p:cxnSp>
+        <p:nvCxnSpPr>
+          <p:cNvPr id="20" name="肘形连接符 19"/>
+          <p:cNvCxnSpPr>
+            <a:stCxn id="5" idx="2"/>
+          </p:cNvCxnSpPr>
+          <p:nvPr/>
+        </p:nvCxnSpPr>
+        <p:spPr>
+          <a:xfrm rot="5400000">
+            <a:off x="3336324" y="1762897"/>
+            <a:ext cx="823785" cy="3987114"/>
+          </a:xfrm>
+          <a:prstGeom prst="bentConnector2">
+            <a:avLst/>
+          </a:prstGeom>
+          <a:ln>
+            <a:headEnd type="triangle"/>
+            <a:tailEnd type="triangle"/>
+          </a:ln>
+        </p:spPr>
+        <p:style>
+          <a:lnRef idx="1">
+            <a:schemeClr val="accent1"/>
+          </a:lnRef>
+          <a:fillRef idx="0">
+            <a:schemeClr val="accent1"/>
+          </a:fillRef>
+          <a:effectRef idx="0">
+            <a:schemeClr val="accent1"/>
+          </a:effectRef>
+          <a:fontRef idx="minor">
+            <a:schemeClr val="tx1"/>
+          </a:fontRef>
+        </p:style>
+      </p:cxnSp>
+      <p:cxnSp>
+        <p:nvCxnSpPr>
+          <p:cNvPr id="22" name="肘形连接符 21"/>
+          <p:cNvCxnSpPr>
+            <a:stCxn id="7" idx="2"/>
+          </p:cNvCxnSpPr>
+          <p:nvPr/>
+        </p:nvCxnSpPr>
+        <p:spPr>
+          <a:xfrm rot="5400000">
+            <a:off x="3900616" y="1198605"/>
+            <a:ext cx="823785" cy="5115698"/>
+          </a:xfrm>
+          <a:prstGeom prst="bentConnector2">
+            <a:avLst/>
+          </a:prstGeom>
+          <a:ln>
+            <a:headEnd type="triangle"/>
+            <a:tailEnd type="triangle"/>
+          </a:ln>
+        </p:spPr>
+        <p:style>
+          <a:lnRef idx="1">
+            <a:schemeClr val="accent1"/>
+          </a:lnRef>
+          <a:fillRef idx="0">
+            <a:schemeClr val="accent1"/>
+          </a:fillRef>
+          <a:effectRef idx="0">
+            <a:schemeClr val="accent1"/>
+          </a:effectRef>
+          <a:fontRef idx="minor">
+            <a:schemeClr val="tx1"/>
+          </a:fontRef>
+        </p:style>
+      </p:cxnSp>
+      <p:sp>
+        <p:nvSpPr>
+          <p:cNvPr id="23" name="矩形 22"/>
+          <p:cNvSpPr/>
+          <p:nvPr/>
+        </p:nvSpPr>
+        <p:spPr>
+          <a:xfrm>
+            <a:off x="2339546" y="889691"/>
+            <a:ext cx="1408670" cy="3624644"/>
+          </a:xfrm>
+          <a:prstGeom prst="rect">
+            <a:avLst/>
+          </a:prstGeom>
+          <a:noFill/>
+          <a:ln>
+            <a:solidFill>
+              <a:schemeClr val="bg1">
+                <a:lumMod val="85000"/>
+              </a:schemeClr>
+            </a:solidFill>
+            <a:prstDash val="lgDash"/>
+          </a:ln>
+        </p:spPr>
+        <p:style>
+          <a:lnRef idx="2">
+            <a:schemeClr val="accent1">
+              <a:shade val="50000"/>
+            </a:schemeClr>
+          </a:lnRef>
+          <a:fillRef idx="1">
+            <a:schemeClr val="accent1"/>
+          </a:fillRef>
+          <a:effectRef idx="0">
+            <a:schemeClr val="accent1"/>
+          </a:effectRef>
+          <a:fontRef idx="minor">
+            <a:schemeClr val="lt1"/>
+          </a:fontRef>
+        </p:style>
+        <p:txBody>
+          <a:bodyPr rtlCol="0" anchor="ctr"/>
+          <a:lstStyle/>
+          <a:p>
+            <a:pPr algn="ctr"/>
+            <a:endParaRPr lang="zh-CN" altLang="en-US"/>
+          </a:p>
+        </p:txBody>
+      </p:sp>
+      <p:sp>
+        <p:nvSpPr>
+          <p:cNvPr id="26" name="文本框 25"/>
+          <p:cNvSpPr txBox="1"/>
+          <p:nvPr/>
+        </p:nvSpPr>
+        <p:spPr>
+          <a:xfrm>
+            <a:off x="184999" y="3983681"/>
+            <a:ext cx="1569660" cy="369332"/>
+          </a:xfrm>
+          <a:prstGeom prst="rect">
+            <a:avLst/>
+          </a:prstGeom>
+          <a:noFill/>
+        </p:spPr>
+        <p:txBody>
+          <a:bodyPr wrap="none" rtlCol="0">
+            <a:spAutoFit/>
+          </a:bodyPr>
+          <a:lstStyle/>
+          <a:p>
+            <a:r>
+              <a:rPr lang="zh-CN" altLang="en-US" dirty="0"/>
+              <a:t>读写</a:t>
+            </a:r>
+            <a:r>
+              <a:rPr lang="zh-CN" altLang="en-US" dirty="0" smtClean="0"/>
+              <a:t>寄存器</a:t>
+            </a:r>
+            <a:r>
+              <a:rPr lang="zh-CN" altLang="en-US" dirty="0"/>
+              <a:t>值</a:t>
+            </a:r>
+          </a:p>
+        </p:txBody>
+      </p:sp>
+      <p:sp>
+        <p:nvSpPr>
+          <p:cNvPr id="27" name="文本框 26"/>
+          <p:cNvSpPr txBox="1"/>
+          <p:nvPr/>
+        </p:nvSpPr>
+        <p:spPr>
+          <a:xfrm>
+            <a:off x="8180175" y="3354169"/>
+            <a:ext cx="646331" cy="369332"/>
+          </a:xfrm>
+          <a:prstGeom prst="rect">
+            <a:avLst/>
+          </a:prstGeom>
+          <a:noFill/>
+        </p:spPr>
+        <p:txBody>
+          <a:bodyPr wrap="none" rtlCol="0">
+            <a:spAutoFit/>
+          </a:bodyPr>
+          <a:lstStyle/>
+          <a:p>
+            <a:r>
+              <a:rPr lang="zh-CN" altLang="en-US" dirty="0" smtClean="0"/>
+              <a:t>显卡</a:t>
+            </a:r>
+            <a:endParaRPr lang="zh-CN" altLang="en-US" dirty="0"/>
+          </a:p>
+        </p:txBody>
+      </p:sp>
+      <p:sp>
+        <p:nvSpPr>
+          <p:cNvPr id="28" name="文本框 27"/>
+          <p:cNvSpPr txBox="1"/>
+          <p:nvPr/>
+        </p:nvSpPr>
+        <p:spPr>
+          <a:xfrm>
+            <a:off x="5165123" y="3328085"/>
+            <a:ext cx="522900" cy="253916"/>
+          </a:xfrm>
+          <a:prstGeom prst="rect">
+            <a:avLst/>
+          </a:prstGeom>
+          <a:noFill/>
+        </p:spPr>
+        <p:txBody>
+          <a:bodyPr wrap="none" rtlCol="0">
+            <a:spAutoFit/>
+          </a:bodyPr>
+          <a:lstStyle/>
+          <a:p>
+            <a:r>
+              <a:rPr lang="zh-CN" altLang="en-US" sz="1050" dirty="0" smtClean="0"/>
+              <a:t>高</a:t>
+            </a:r>
+            <a:r>
+              <a:rPr lang="en-US" altLang="zh-CN" sz="1050" dirty="0" smtClean="0"/>
+              <a:t>8</a:t>
+            </a:r>
+            <a:r>
+              <a:rPr lang="zh-CN" altLang="en-US" sz="1050" dirty="0" smtClean="0"/>
+              <a:t>位</a:t>
+            </a:r>
+            <a:endParaRPr lang="zh-CN" altLang="en-US" sz="1050" dirty="0"/>
+          </a:p>
+        </p:txBody>
+      </p:sp>
+      <p:sp>
+        <p:nvSpPr>
+          <p:cNvPr id="29" name="文本框 28"/>
+          <p:cNvSpPr txBox="1"/>
+          <p:nvPr/>
+        </p:nvSpPr>
+        <p:spPr>
+          <a:xfrm>
+            <a:off x="6376087" y="3352799"/>
+            <a:ext cx="522900" cy="253916"/>
+          </a:xfrm>
+          <a:prstGeom prst="rect">
+            <a:avLst/>
+          </a:prstGeom>
+          <a:noFill/>
+        </p:spPr>
+        <p:txBody>
+          <a:bodyPr wrap="none" rtlCol="0">
+            <a:spAutoFit/>
+          </a:bodyPr>
+          <a:lstStyle/>
+          <a:p>
+            <a:r>
+              <a:rPr lang="zh-CN" altLang="en-US" sz="1050" dirty="0"/>
+              <a:t>低</a:t>
+            </a:r>
+            <a:r>
+              <a:rPr lang="en-US" altLang="zh-CN" sz="1050" dirty="0" smtClean="0"/>
+              <a:t>8</a:t>
+            </a:r>
+            <a:r>
+              <a:rPr lang="zh-CN" altLang="en-US" sz="1050" dirty="0" smtClean="0"/>
+              <a:t>位</a:t>
+            </a:r>
+            <a:endParaRPr lang="zh-CN" altLang="en-US" sz="1050" dirty="0"/>
+          </a:p>
+        </p:txBody>
+      </p:sp>
+    </p:spTree>
+    <p:extLst>
+      <p:ext uri="{BB962C8B-B14F-4D97-AF65-F5344CB8AC3E}">
+        <p14:creationId xmlns:p14="http://schemas.microsoft.com/office/powerpoint/2010/main" val="1705412340"/>
+      </p:ext>
+    </p:extLst>
+  </p:cSld>
+  <p:clrMapOvr>
+    <a:masterClrMapping/>
+  </p:clrMapOvr>
+</p:sld>
+</file>
+
 <file path=ppt/theme/theme1.xml><?xml version="1.0" encoding="utf-8"?>
 <a:theme xmlns:a="http://schemas.openxmlformats.org/drawingml/2006/main" name="Office 主题">
   <a:themeElements>

--- a/ppts/x86.pptx
+++ b/ppts/x86.pptx
@@ -2,13 +2,15 @@
 <file path=ppt/presentation.xml><?xml version="1.0" encoding="utf-8"?>
 <p:presentation xmlns:a="http://schemas.openxmlformats.org/drawingml/2006/main" xmlns:r="http://schemas.openxmlformats.org/officeDocument/2006/relationships" xmlns:p="http://schemas.openxmlformats.org/presentationml/2006/main" saveSubsetFonts="1">
   <p:sldMasterIdLst>
-    <p:sldMasterId id="2147483648" r:id="rId1"/>
+    <p:sldMasterId id="2147483816" r:id="rId1"/>
   </p:sldMasterIdLst>
   <p:sldIdLst>
     <p:sldId id="256" r:id="rId2"/>
     <p:sldId id="257" r:id="rId3"/>
     <p:sldId id="258" r:id="rId4"/>
     <p:sldId id="259" r:id="rId5"/>
+    <p:sldId id="260" r:id="rId6"/>
+    <p:sldId id="261" r:id="rId7"/>
   </p:sldIdLst>
   <p:sldSz cx="12192000" cy="6858000"/>
   <p:notesSz cx="6858000" cy="9144000"/>
@@ -246,7 +248,7 @@
           <a:p>
             <a:fld id="{B3C7F969-47C4-468A-9F80-B758B73F497F}" type="datetimeFigureOut">
               <a:rPr lang="zh-CN" altLang="en-US" smtClean="0"/>
-              <a:t>2019/5/12</a:t>
+              <a:t>2019/5/23</a:t>
             </a:fld>
             <a:endParaRPr lang="zh-CN" altLang="en-US"/>
           </a:p>
@@ -297,7 +299,7 @@
     </p:spTree>
     <p:extLst>
       <p:ext uri="{BB962C8B-B14F-4D97-AF65-F5344CB8AC3E}">
-        <p14:creationId xmlns:p14="http://schemas.microsoft.com/office/powerpoint/2010/main" val="4038193284"/>
+        <p14:creationId xmlns:p14="http://schemas.microsoft.com/office/powerpoint/2010/main" val="1206263134"/>
       </p:ext>
     </p:extLst>
   </p:cSld>
@@ -416,7 +418,7 @@
           <a:p>
             <a:fld id="{B3C7F969-47C4-468A-9F80-B758B73F497F}" type="datetimeFigureOut">
               <a:rPr lang="zh-CN" altLang="en-US" smtClean="0"/>
-              <a:t>2019/5/12</a:t>
+              <a:t>2019/5/23</a:t>
             </a:fld>
             <a:endParaRPr lang="zh-CN" altLang="en-US"/>
           </a:p>
@@ -467,7 +469,7 @@
     </p:spTree>
     <p:extLst>
       <p:ext uri="{BB962C8B-B14F-4D97-AF65-F5344CB8AC3E}">
-        <p14:creationId xmlns:p14="http://schemas.microsoft.com/office/powerpoint/2010/main" val="3818081549"/>
+        <p14:creationId xmlns:p14="http://schemas.microsoft.com/office/powerpoint/2010/main" val="1923277592"/>
       </p:ext>
     </p:extLst>
   </p:cSld>
@@ -596,7 +598,7 @@
           <a:p>
             <a:fld id="{B3C7F969-47C4-468A-9F80-B758B73F497F}" type="datetimeFigureOut">
               <a:rPr lang="zh-CN" altLang="en-US" smtClean="0"/>
-              <a:t>2019/5/12</a:t>
+              <a:t>2019/5/23</a:t>
             </a:fld>
             <a:endParaRPr lang="zh-CN" altLang="en-US"/>
           </a:p>
@@ -647,7 +649,7 @@
     </p:spTree>
     <p:extLst>
       <p:ext uri="{BB962C8B-B14F-4D97-AF65-F5344CB8AC3E}">
-        <p14:creationId xmlns:p14="http://schemas.microsoft.com/office/powerpoint/2010/main" val="2209543430"/>
+        <p14:creationId xmlns:p14="http://schemas.microsoft.com/office/powerpoint/2010/main" val="3777772752"/>
       </p:ext>
     </p:extLst>
   </p:cSld>
@@ -766,7 +768,7 @@
           <a:p>
             <a:fld id="{B3C7F969-47C4-468A-9F80-B758B73F497F}" type="datetimeFigureOut">
               <a:rPr lang="zh-CN" altLang="en-US" smtClean="0"/>
-              <a:t>2019/5/12</a:t>
+              <a:t>2019/5/23</a:t>
             </a:fld>
             <a:endParaRPr lang="zh-CN" altLang="en-US"/>
           </a:p>
@@ -817,7 +819,7 @@
     </p:spTree>
     <p:extLst>
       <p:ext uri="{BB962C8B-B14F-4D97-AF65-F5344CB8AC3E}">
-        <p14:creationId xmlns:p14="http://schemas.microsoft.com/office/powerpoint/2010/main" val="924400768"/>
+        <p14:creationId xmlns:p14="http://schemas.microsoft.com/office/powerpoint/2010/main" val="2139527267"/>
       </p:ext>
     </p:extLst>
   </p:cSld>
@@ -1012,7 +1014,7 @@
           <a:p>
             <a:fld id="{B3C7F969-47C4-468A-9F80-B758B73F497F}" type="datetimeFigureOut">
               <a:rPr lang="zh-CN" altLang="en-US" smtClean="0"/>
-              <a:t>2019/5/12</a:t>
+              <a:t>2019/5/23</a:t>
             </a:fld>
             <a:endParaRPr lang="zh-CN" altLang="en-US"/>
           </a:p>
@@ -1063,7 +1065,7 @@
     </p:spTree>
     <p:extLst>
       <p:ext uri="{BB962C8B-B14F-4D97-AF65-F5344CB8AC3E}">
-        <p14:creationId xmlns:p14="http://schemas.microsoft.com/office/powerpoint/2010/main" val="1190381661"/>
+        <p14:creationId xmlns:p14="http://schemas.microsoft.com/office/powerpoint/2010/main" val="4057816764"/>
       </p:ext>
     </p:extLst>
   </p:cSld>
@@ -1244,7 +1246,7 @@
           <a:p>
             <a:fld id="{B3C7F969-47C4-468A-9F80-B758B73F497F}" type="datetimeFigureOut">
               <a:rPr lang="zh-CN" altLang="en-US" smtClean="0"/>
-              <a:t>2019/5/12</a:t>
+              <a:t>2019/5/23</a:t>
             </a:fld>
             <a:endParaRPr lang="zh-CN" altLang="en-US"/>
           </a:p>
@@ -1295,7 +1297,7 @@
     </p:spTree>
     <p:extLst>
       <p:ext uri="{BB962C8B-B14F-4D97-AF65-F5344CB8AC3E}">
-        <p14:creationId xmlns:p14="http://schemas.microsoft.com/office/powerpoint/2010/main" val="1013300916"/>
+        <p14:creationId xmlns:p14="http://schemas.microsoft.com/office/powerpoint/2010/main" val="2101810874"/>
       </p:ext>
     </p:extLst>
   </p:cSld>
@@ -1611,7 +1613,7 @@
           <a:p>
             <a:fld id="{B3C7F969-47C4-468A-9F80-B758B73F497F}" type="datetimeFigureOut">
               <a:rPr lang="zh-CN" altLang="en-US" smtClean="0"/>
-              <a:t>2019/5/12</a:t>
+              <a:t>2019/5/23</a:t>
             </a:fld>
             <a:endParaRPr lang="zh-CN" altLang="en-US"/>
           </a:p>
@@ -1662,7 +1664,7 @@
     </p:spTree>
     <p:extLst>
       <p:ext uri="{BB962C8B-B14F-4D97-AF65-F5344CB8AC3E}">
-        <p14:creationId xmlns:p14="http://schemas.microsoft.com/office/powerpoint/2010/main" val="1219096196"/>
+        <p14:creationId xmlns:p14="http://schemas.microsoft.com/office/powerpoint/2010/main" val="2543662123"/>
       </p:ext>
     </p:extLst>
   </p:cSld>
@@ -1729,7 +1731,7 @@
           <a:p>
             <a:fld id="{B3C7F969-47C4-468A-9F80-B758B73F497F}" type="datetimeFigureOut">
               <a:rPr lang="zh-CN" altLang="en-US" smtClean="0"/>
-              <a:t>2019/5/12</a:t>
+              <a:t>2019/5/23</a:t>
             </a:fld>
             <a:endParaRPr lang="zh-CN" altLang="en-US"/>
           </a:p>
@@ -1780,7 +1782,7 @@
     </p:spTree>
     <p:extLst>
       <p:ext uri="{BB962C8B-B14F-4D97-AF65-F5344CB8AC3E}">
-        <p14:creationId xmlns:p14="http://schemas.microsoft.com/office/powerpoint/2010/main" val="1409190696"/>
+        <p14:creationId xmlns:p14="http://schemas.microsoft.com/office/powerpoint/2010/main" val="2940107220"/>
       </p:ext>
     </p:extLst>
   </p:cSld>
@@ -1824,7 +1826,7 @@
           <a:p>
             <a:fld id="{B3C7F969-47C4-468A-9F80-B758B73F497F}" type="datetimeFigureOut">
               <a:rPr lang="zh-CN" altLang="en-US" smtClean="0"/>
-              <a:t>2019/5/12</a:t>
+              <a:t>2019/5/23</a:t>
             </a:fld>
             <a:endParaRPr lang="zh-CN" altLang="en-US"/>
           </a:p>
@@ -1875,7 +1877,7 @@
     </p:spTree>
     <p:extLst>
       <p:ext uri="{BB962C8B-B14F-4D97-AF65-F5344CB8AC3E}">
-        <p14:creationId xmlns:p14="http://schemas.microsoft.com/office/powerpoint/2010/main" val="4230158749"/>
+        <p14:creationId xmlns:p14="http://schemas.microsoft.com/office/powerpoint/2010/main" val="2768198107"/>
       </p:ext>
     </p:extLst>
   </p:cSld>
@@ -2101,7 +2103,7 @@
           <a:p>
             <a:fld id="{B3C7F969-47C4-468A-9F80-B758B73F497F}" type="datetimeFigureOut">
               <a:rPr lang="zh-CN" altLang="en-US" smtClean="0"/>
-              <a:t>2019/5/12</a:t>
+              <a:t>2019/5/23</a:t>
             </a:fld>
             <a:endParaRPr lang="zh-CN" altLang="en-US"/>
           </a:p>
@@ -2152,7 +2154,7 @@
     </p:spTree>
     <p:extLst>
       <p:ext uri="{BB962C8B-B14F-4D97-AF65-F5344CB8AC3E}">
-        <p14:creationId xmlns:p14="http://schemas.microsoft.com/office/powerpoint/2010/main" val="1107995726"/>
+        <p14:creationId xmlns:p14="http://schemas.microsoft.com/office/powerpoint/2010/main" val="1026021847"/>
       </p:ext>
     </p:extLst>
   </p:cSld>
@@ -2354,7 +2356,7 @@
           <a:p>
             <a:fld id="{B3C7F969-47C4-468A-9F80-B758B73F497F}" type="datetimeFigureOut">
               <a:rPr lang="zh-CN" altLang="en-US" smtClean="0"/>
-              <a:t>2019/5/12</a:t>
+              <a:t>2019/5/23</a:t>
             </a:fld>
             <a:endParaRPr lang="zh-CN" altLang="en-US"/>
           </a:p>
@@ -2405,7 +2407,7 @@
     </p:spTree>
     <p:extLst>
       <p:ext uri="{BB962C8B-B14F-4D97-AF65-F5344CB8AC3E}">
-        <p14:creationId xmlns:p14="http://schemas.microsoft.com/office/powerpoint/2010/main" val="400730293"/>
+        <p14:creationId xmlns:p14="http://schemas.microsoft.com/office/powerpoint/2010/main" val="650875393"/>
       </p:ext>
     </p:extLst>
   </p:cSld>
@@ -2567,7 +2569,7 @@
           <a:p>
             <a:fld id="{B3C7F969-47C4-468A-9F80-B758B73F497F}" type="datetimeFigureOut">
               <a:rPr lang="zh-CN" altLang="en-US" smtClean="0"/>
-              <a:t>2019/5/12</a:t>
+              <a:t>2019/5/23</a:t>
             </a:fld>
             <a:endParaRPr lang="zh-CN" altLang="en-US"/>
           </a:p>
@@ -2654,23 +2656,23 @@
     </p:spTree>
     <p:extLst>
       <p:ext uri="{BB962C8B-B14F-4D97-AF65-F5344CB8AC3E}">
-        <p14:creationId xmlns:p14="http://schemas.microsoft.com/office/powerpoint/2010/main" val="1136302031"/>
+        <p14:creationId xmlns:p14="http://schemas.microsoft.com/office/powerpoint/2010/main" val="3669777871"/>
       </p:ext>
     </p:extLst>
   </p:cSld>
   <p:clrMap bg1="lt1" tx1="dk1" bg2="lt2" tx2="dk2" accent1="accent1" accent2="accent2" accent3="accent3" accent4="accent4" accent5="accent5" accent6="accent6" hlink="hlink" folHlink="folHlink"/>
   <p:sldLayoutIdLst>
-    <p:sldLayoutId id="2147483649" r:id="rId1"/>
-    <p:sldLayoutId id="2147483650" r:id="rId2"/>
-    <p:sldLayoutId id="2147483651" r:id="rId3"/>
-    <p:sldLayoutId id="2147483652" r:id="rId4"/>
-    <p:sldLayoutId id="2147483653" r:id="rId5"/>
-    <p:sldLayoutId id="2147483654" r:id="rId6"/>
-    <p:sldLayoutId id="2147483655" r:id="rId7"/>
-    <p:sldLayoutId id="2147483656" r:id="rId8"/>
-    <p:sldLayoutId id="2147483657" r:id="rId9"/>
-    <p:sldLayoutId id="2147483658" r:id="rId10"/>
-    <p:sldLayoutId id="2147483659" r:id="rId11"/>
+    <p:sldLayoutId id="2147483817" r:id="rId1"/>
+    <p:sldLayoutId id="2147483818" r:id="rId2"/>
+    <p:sldLayoutId id="2147483819" r:id="rId3"/>
+    <p:sldLayoutId id="2147483820" r:id="rId4"/>
+    <p:sldLayoutId id="2147483821" r:id="rId5"/>
+    <p:sldLayoutId id="2147483822" r:id="rId6"/>
+    <p:sldLayoutId id="2147483823" r:id="rId7"/>
+    <p:sldLayoutId id="2147483824" r:id="rId8"/>
+    <p:sldLayoutId id="2147483825" r:id="rId9"/>
+    <p:sldLayoutId id="2147483826" r:id="rId10"/>
+    <p:sldLayoutId id="2147483827" r:id="rId11"/>
   </p:sldLayoutIdLst>
   <p:txStyles>
     <p:titleStyle>
@@ -4153,6 +4155,13 @@
   <p:clrMapOvr>
     <a:masterClrMapping/>
   </p:clrMapOvr>
+  <p:timing>
+    <p:tnLst>
+      <p:par>
+        <p:cTn id="1" dur="indefinite" restart="never" nodeType="tmRoot"/>
+      </p:par>
+    </p:tnLst>
+  </p:timing>
 </p:sld>
 </file>
 
@@ -5982,6 +5991,13 @@
   <p:clrMapOvr>
     <a:masterClrMapping/>
   </p:clrMapOvr>
+  <p:timing>
+    <p:tnLst>
+      <p:par>
+        <p:cTn id="1" dur="indefinite" restart="never" nodeType="tmRoot"/>
+      </p:par>
+    </p:tnLst>
+  </p:timing>
 </p:sld>
 </file>
 
@@ -6769,6 +6785,13 @@
   <p:clrMapOvr>
     <a:masterClrMapping/>
   </p:clrMapOvr>
+  <p:timing>
+    <p:tnLst>
+      <p:par>
+        <p:cTn id="1" dur="indefinite" restart="never" nodeType="tmRoot"/>
+      </p:par>
+    </p:tnLst>
+  </p:timing>
 </p:sld>
 </file>
 
@@ -6797,7 +6820,7 @@
         </p:nvSpPr>
         <p:spPr>
           <a:xfrm>
-            <a:off x="5058033" y="2479589"/>
+            <a:off x="6852966" y="3303678"/>
             <a:ext cx="3031524" cy="1219200"/>
           </a:xfrm>
           <a:prstGeom prst="rect">
@@ -6852,7 +6875,7 @@
         </p:nvSpPr>
         <p:spPr>
           <a:xfrm>
-            <a:off x="2496065" y="1153299"/>
+            <a:off x="4290998" y="1977388"/>
             <a:ext cx="988540" cy="510746"/>
           </a:xfrm>
           <a:prstGeom prst="rect">
@@ -6918,7 +6941,7 @@
         </p:nvSpPr>
         <p:spPr>
           <a:xfrm>
-            <a:off x="5247503" y="2833816"/>
+            <a:off x="7042436" y="3657905"/>
             <a:ext cx="988540" cy="510746"/>
           </a:xfrm>
           <a:prstGeom prst="rect">
@@ -6984,7 +7007,7 @@
         </p:nvSpPr>
         <p:spPr>
           <a:xfrm>
-            <a:off x="6376087" y="2833816"/>
+            <a:off x="8171020" y="3657905"/>
             <a:ext cx="988540" cy="510746"/>
           </a:xfrm>
           <a:prstGeom prst="rect">
@@ -7050,7 +7073,7 @@
         </p:nvSpPr>
         <p:spPr>
           <a:xfrm>
-            <a:off x="2496064" y="3797643"/>
+            <a:off x="4290997" y="4621732"/>
             <a:ext cx="988540" cy="510746"/>
           </a:xfrm>
           <a:prstGeom prst="rect">
@@ -7116,7 +7139,7 @@
         </p:nvCxnSpPr>
         <p:spPr>
           <a:xfrm>
-            <a:off x="1754659" y="1268627"/>
+            <a:off x="3549592" y="2092716"/>
             <a:ext cx="3987114" cy="1573427"/>
           </a:xfrm>
           <a:prstGeom prst="bentConnector2">
@@ -7151,7 +7174,7 @@
         </p:nvCxnSpPr>
         <p:spPr>
           <a:xfrm>
-            <a:off x="1754659" y="1268627"/>
+            <a:off x="3549592" y="2092716"/>
             <a:ext cx="5115698" cy="1565189"/>
           </a:xfrm>
           <a:prstGeom prst="bentConnector2">
@@ -7184,7 +7207,7 @@
         </p:nvSpPr>
         <p:spPr>
           <a:xfrm>
-            <a:off x="184999" y="1022177"/>
+            <a:off x="1979932" y="1846266"/>
             <a:ext cx="1569660" cy="369332"/>
           </a:xfrm>
           <a:prstGeom prst="rect">
@@ -7214,7 +7237,7 @@
         </p:nvSpPr>
         <p:spPr>
           <a:xfrm>
-            <a:off x="2667168" y="457887"/>
+            <a:off x="4462101" y="1281976"/>
             <a:ext cx="646331" cy="369332"/>
           </a:xfrm>
           <a:prstGeom prst="rect">
@@ -7246,7 +7269,7 @@
         </p:nvCxnSpPr>
         <p:spPr>
           <a:xfrm rot="5400000">
-            <a:off x="3336324" y="1762897"/>
+            <a:off x="5131257" y="2586986"/>
             <a:ext cx="823785" cy="3987114"/>
           </a:xfrm>
           <a:prstGeom prst="bentConnector2">
@@ -7282,7 +7305,7 @@
         </p:nvCxnSpPr>
         <p:spPr>
           <a:xfrm rot="5400000">
-            <a:off x="3900616" y="1198605"/>
+            <a:off x="5695549" y="2022694"/>
             <a:ext cx="823785" cy="5115698"/>
           </a:xfrm>
           <a:prstGeom prst="bentConnector2">
@@ -7316,7 +7339,7 @@
         </p:nvSpPr>
         <p:spPr>
           <a:xfrm>
-            <a:off x="2339546" y="889691"/>
+            <a:off x="4134479" y="1713780"/>
             <a:ext cx="1408670" cy="3624644"/>
           </a:xfrm>
           <a:prstGeom prst="rect">
@@ -7365,7 +7388,7 @@
         </p:nvSpPr>
         <p:spPr>
           <a:xfrm>
-            <a:off x="184999" y="3983681"/>
+            <a:off x="1979932" y="4807770"/>
             <a:ext cx="1569660" cy="369332"/>
           </a:xfrm>
           <a:prstGeom prst="rect">
@@ -7402,7 +7425,7 @@
         </p:nvSpPr>
         <p:spPr>
           <a:xfrm>
-            <a:off x="8180175" y="3354169"/>
+            <a:off x="9975108" y="4178258"/>
             <a:ext cx="646331" cy="369332"/>
           </a:xfrm>
           <a:prstGeom prst="rect">
@@ -7432,7 +7455,7 @@
         </p:nvSpPr>
         <p:spPr>
           <a:xfrm>
-            <a:off x="5165123" y="3328085"/>
+            <a:off x="6960056" y="4152174"/>
             <a:ext cx="522900" cy="253916"/>
           </a:xfrm>
           <a:prstGeom prst="rect">
@@ -7470,7 +7493,7 @@
         </p:nvSpPr>
         <p:spPr>
           <a:xfrm>
-            <a:off x="6376087" y="3352799"/>
+            <a:off x="8171020" y="4176888"/>
             <a:ext cx="522900" cy="253916"/>
           </a:xfrm>
           <a:prstGeom prst="rect">
@@ -7497,6 +7520,49 @@
               <a:t>位</a:t>
             </a:r>
             <a:endParaRPr lang="zh-CN" altLang="en-US" sz="1050" dirty="0"/>
+          </a:p>
+        </p:txBody>
+      </p:sp>
+      <p:sp>
+        <p:nvSpPr>
+          <p:cNvPr id="19" name="文本框 18"/>
+          <p:cNvSpPr txBox="1"/>
+          <p:nvPr/>
+        </p:nvSpPr>
+        <p:spPr>
+          <a:xfrm>
+            <a:off x="113817" y="184491"/>
+            <a:ext cx="2698175" cy="523220"/>
+          </a:xfrm>
+          <a:prstGeom prst="rect">
+            <a:avLst/>
+          </a:prstGeom>
+          <a:noFill/>
+        </p:spPr>
+        <p:txBody>
+          <a:bodyPr wrap="none" rtlCol="0">
+            <a:spAutoFit/>
+          </a:bodyPr>
+          <a:lstStyle/>
+          <a:p>
+            <a:r>
+              <a:rPr lang="zh-CN" altLang="en-US" sz="2800" dirty="0">
+                <a:latin typeface="微软雅黑" panose="020B0503020204020204" pitchFamily="34" charset="-122"/>
+                <a:ea typeface="微软雅黑" panose="020B0503020204020204" pitchFamily="34" charset="-122"/>
+              </a:rPr>
+              <a:t>光</a:t>
+            </a:r>
+            <a:r>
+              <a:rPr lang="zh-CN" altLang="en-US" sz="2800" dirty="0" smtClean="0">
+                <a:latin typeface="微软雅黑" panose="020B0503020204020204" pitchFamily="34" charset="-122"/>
+                <a:ea typeface="微软雅黑" panose="020B0503020204020204" pitchFamily="34" charset="-122"/>
+              </a:rPr>
+              <a:t>标位置的读写</a:t>
+            </a:r>
+            <a:endParaRPr lang="zh-CN" altLang="en-US" sz="2800" dirty="0">
+              <a:latin typeface="微软雅黑" panose="020B0503020204020204" pitchFamily="34" charset="-122"/>
+              <a:ea typeface="微软雅黑" panose="020B0503020204020204" pitchFamily="34" charset="-122"/>
+            </a:endParaRPr>
           </a:p>
         </p:txBody>
       </p:sp>
@@ -7510,6 +7576,1668 @@
   <p:clrMapOvr>
     <a:masterClrMapping/>
   </p:clrMapOvr>
+  <p:timing>
+    <p:tnLst>
+      <p:par>
+        <p:cTn id="1" dur="indefinite" restart="never" nodeType="tmRoot"/>
+      </p:par>
+    </p:tnLst>
+  </p:timing>
+</p:sld>
+</file>
+
+<file path=ppt/slides/slide5.xml><?xml version="1.0" encoding="utf-8"?>
+<p:sld xmlns:a="http://schemas.openxmlformats.org/drawingml/2006/main" xmlns:r="http://schemas.openxmlformats.org/officeDocument/2006/relationships" xmlns:p="http://schemas.openxmlformats.org/presentationml/2006/main">
+  <p:cSld>
+    <p:spTree>
+      <p:nvGrpSpPr>
+        <p:cNvPr id="1" name=""/>
+        <p:cNvGrpSpPr/>
+        <p:nvPr/>
+      </p:nvGrpSpPr>
+      <p:grpSpPr>
+        <a:xfrm>
+          <a:off x="0" y="0"/>
+          <a:ext cx="0" cy="0"/>
+          <a:chOff x="0" y="0"/>
+          <a:chExt cx="0" cy="0"/>
+        </a:xfrm>
+      </p:grpSpPr>
+      <p:sp>
+        <p:nvSpPr>
+          <p:cNvPr id="2" name="矩形 1"/>
+          <p:cNvSpPr/>
+          <p:nvPr/>
+        </p:nvSpPr>
+        <p:spPr>
+          <a:xfrm>
+            <a:off x="821511" y="3824189"/>
+            <a:ext cx="2265406" cy="2091189"/>
+          </a:xfrm>
+          <a:prstGeom prst="rect">
+            <a:avLst/>
+          </a:prstGeom>
+          <a:noFill/>
+        </p:spPr>
+        <p:style>
+          <a:lnRef idx="2">
+            <a:schemeClr val="accent1">
+              <a:shade val="50000"/>
+            </a:schemeClr>
+          </a:lnRef>
+          <a:fillRef idx="1">
+            <a:schemeClr val="accent1"/>
+          </a:fillRef>
+          <a:effectRef idx="0">
+            <a:schemeClr val="accent1"/>
+          </a:effectRef>
+          <a:fontRef idx="minor">
+            <a:schemeClr val="lt1"/>
+          </a:fontRef>
+        </p:style>
+        <p:txBody>
+          <a:bodyPr rtlCol="0" anchor="ctr"/>
+          <a:lstStyle/>
+          <a:p>
+            <a:pPr algn="ctr"/>
+            <a:r>
+              <a:rPr lang="en-US" altLang="zh-CN" dirty="0" smtClean="0">
+                <a:solidFill>
+                  <a:schemeClr val="tx1">
+                    <a:lumMod val="95000"/>
+                    <a:lumOff val="5000"/>
+                  </a:schemeClr>
+                </a:solidFill>
+              </a:rPr>
+              <a:t>CPU</a:t>
+            </a:r>
+            <a:endParaRPr lang="zh-CN" altLang="en-US" dirty="0">
+              <a:solidFill>
+                <a:schemeClr val="tx1">
+                  <a:lumMod val="95000"/>
+                  <a:lumOff val="5000"/>
+                </a:schemeClr>
+              </a:solidFill>
+            </a:endParaRPr>
+          </a:p>
+        </p:txBody>
+      </p:sp>
+      <p:sp>
+        <p:nvSpPr>
+          <p:cNvPr id="3" name="矩形 2"/>
+          <p:cNvSpPr/>
+          <p:nvPr/>
+        </p:nvSpPr>
+        <p:spPr>
+          <a:xfrm>
+            <a:off x="1554678" y="3987724"/>
+            <a:ext cx="799071" cy="387179"/>
+          </a:xfrm>
+          <a:prstGeom prst="rect">
+            <a:avLst/>
+          </a:prstGeom>
+        </p:spPr>
+        <p:style>
+          <a:lnRef idx="2">
+            <a:schemeClr val="accent1">
+              <a:shade val="50000"/>
+            </a:schemeClr>
+          </a:lnRef>
+          <a:fillRef idx="1">
+            <a:schemeClr val="accent1"/>
+          </a:fillRef>
+          <a:effectRef idx="0">
+            <a:schemeClr val="accent1"/>
+          </a:effectRef>
+          <a:fontRef idx="minor">
+            <a:schemeClr val="lt1"/>
+          </a:fontRef>
+        </p:style>
+        <p:txBody>
+          <a:bodyPr rtlCol="0" anchor="ctr"/>
+          <a:lstStyle/>
+          <a:p>
+            <a:pPr algn="ctr"/>
+            <a:r>
+              <a:rPr lang="en-US" altLang="zh-CN" dirty="0" smtClean="0"/>
+              <a:t>GDTR</a:t>
+            </a:r>
+            <a:endParaRPr lang="zh-CN" altLang="en-US" dirty="0"/>
+          </a:p>
+        </p:txBody>
+      </p:sp>
+      <p:sp>
+        <p:nvSpPr>
+          <p:cNvPr id="5" name="矩形 4"/>
+          <p:cNvSpPr/>
+          <p:nvPr/>
+        </p:nvSpPr>
+        <p:spPr>
+          <a:xfrm>
+            <a:off x="5204913" y="1390228"/>
+            <a:ext cx="2265406" cy="4285544"/>
+          </a:xfrm>
+          <a:prstGeom prst="rect">
+            <a:avLst/>
+          </a:prstGeom>
+          <a:noFill/>
+        </p:spPr>
+        <p:style>
+          <a:lnRef idx="2">
+            <a:schemeClr val="accent1">
+              <a:shade val="50000"/>
+            </a:schemeClr>
+          </a:lnRef>
+          <a:fillRef idx="1">
+            <a:schemeClr val="accent1"/>
+          </a:fillRef>
+          <a:effectRef idx="0">
+            <a:schemeClr val="accent1"/>
+          </a:effectRef>
+          <a:fontRef idx="minor">
+            <a:schemeClr val="lt1"/>
+          </a:fontRef>
+        </p:style>
+        <p:txBody>
+          <a:bodyPr rtlCol="0" anchor="ctr"/>
+          <a:lstStyle/>
+          <a:p>
+            <a:pPr algn="ctr"/>
+            <a:endParaRPr lang="zh-CN" altLang="en-US" dirty="0">
+              <a:solidFill>
+                <a:schemeClr val="tx1">
+                  <a:lumMod val="95000"/>
+                  <a:lumOff val="5000"/>
+                </a:schemeClr>
+              </a:solidFill>
+            </a:endParaRPr>
+          </a:p>
+        </p:txBody>
+      </p:sp>
+      <p:cxnSp>
+        <p:nvCxnSpPr>
+          <p:cNvPr id="7" name="直接连接符 6"/>
+          <p:cNvCxnSpPr/>
+          <p:nvPr/>
+        </p:nvCxnSpPr>
+        <p:spPr>
+          <a:xfrm>
+            <a:off x="5204913" y="2455293"/>
+            <a:ext cx="2265406" cy="0"/>
+          </a:xfrm>
+          <a:prstGeom prst="line">
+            <a:avLst/>
+          </a:prstGeom>
+        </p:spPr>
+        <p:style>
+          <a:lnRef idx="1">
+            <a:schemeClr val="accent1"/>
+          </a:lnRef>
+          <a:fillRef idx="0">
+            <a:schemeClr val="accent1"/>
+          </a:fillRef>
+          <a:effectRef idx="0">
+            <a:schemeClr val="accent1"/>
+          </a:effectRef>
+          <a:fontRef idx="minor">
+            <a:schemeClr val="tx1"/>
+          </a:fontRef>
+        </p:style>
+      </p:cxnSp>
+      <p:cxnSp>
+        <p:nvCxnSpPr>
+          <p:cNvPr id="8" name="直接连接符 7"/>
+          <p:cNvCxnSpPr/>
+          <p:nvPr/>
+        </p:nvCxnSpPr>
+        <p:spPr>
+          <a:xfrm>
+            <a:off x="5204913" y="3512921"/>
+            <a:ext cx="2265406" cy="0"/>
+          </a:xfrm>
+          <a:prstGeom prst="line">
+            <a:avLst/>
+          </a:prstGeom>
+        </p:spPr>
+        <p:style>
+          <a:lnRef idx="1">
+            <a:schemeClr val="accent1"/>
+          </a:lnRef>
+          <a:fillRef idx="0">
+            <a:schemeClr val="accent1"/>
+          </a:fillRef>
+          <a:effectRef idx="0">
+            <a:schemeClr val="accent1"/>
+          </a:effectRef>
+          <a:fontRef idx="minor">
+            <a:schemeClr val="tx1"/>
+          </a:fontRef>
+        </p:style>
+      </p:cxnSp>
+      <p:sp>
+        <p:nvSpPr>
+          <p:cNvPr id="9" name="矩形 8"/>
+          <p:cNvSpPr/>
+          <p:nvPr/>
+        </p:nvSpPr>
+        <p:spPr>
+          <a:xfrm>
+            <a:off x="1505767" y="1344084"/>
+            <a:ext cx="1581150" cy="323144"/>
+          </a:xfrm>
+          <a:prstGeom prst="rect">
+            <a:avLst/>
+          </a:prstGeom>
+          <a:noFill/>
+        </p:spPr>
+        <p:style>
+          <a:lnRef idx="2">
+            <a:schemeClr val="accent1">
+              <a:shade val="50000"/>
+            </a:schemeClr>
+          </a:lnRef>
+          <a:fillRef idx="1">
+            <a:schemeClr val="accent1"/>
+          </a:fillRef>
+          <a:effectRef idx="0">
+            <a:schemeClr val="accent1"/>
+          </a:effectRef>
+          <a:fontRef idx="minor">
+            <a:schemeClr val="lt1"/>
+          </a:fontRef>
+        </p:style>
+        <p:txBody>
+          <a:bodyPr rtlCol="0" anchor="ctr"/>
+          <a:lstStyle/>
+          <a:p>
+            <a:pPr algn="ctr"/>
+            <a:r>
+              <a:rPr lang="en-US" altLang="zh-CN" dirty="0" smtClean="0">
+                <a:solidFill>
+                  <a:schemeClr val="tx1">
+                    <a:lumMod val="95000"/>
+                    <a:lumOff val="5000"/>
+                  </a:schemeClr>
+                </a:solidFill>
+              </a:rPr>
+              <a:t>32bit</a:t>
+            </a:r>
+            <a:endParaRPr lang="zh-CN" altLang="en-US" dirty="0">
+              <a:solidFill>
+                <a:schemeClr val="tx1">
+                  <a:lumMod val="95000"/>
+                  <a:lumOff val="5000"/>
+                </a:schemeClr>
+              </a:solidFill>
+            </a:endParaRPr>
+          </a:p>
+        </p:txBody>
+      </p:sp>
+      <p:sp>
+        <p:nvSpPr>
+          <p:cNvPr id="10" name="矩形 9"/>
+          <p:cNvSpPr/>
+          <p:nvPr/>
+        </p:nvSpPr>
+        <p:spPr>
+          <a:xfrm>
+            <a:off x="513619" y="1344084"/>
+            <a:ext cx="992148" cy="323144"/>
+          </a:xfrm>
+          <a:prstGeom prst="rect">
+            <a:avLst/>
+          </a:prstGeom>
+          <a:noFill/>
+        </p:spPr>
+        <p:style>
+          <a:lnRef idx="2">
+            <a:schemeClr val="accent1">
+              <a:shade val="50000"/>
+            </a:schemeClr>
+          </a:lnRef>
+          <a:fillRef idx="1">
+            <a:schemeClr val="accent1"/>
+          </a:fillRef>
+          <a:effectRef idx="0">
+            <a:schemeClr val="accent1"/>
+          </a:effectRef>
+          <a:fontRef idx="minor">
+            <a:schemeClr val="lt1"/>
+          </a:fontRef>
+        </p:style>
+        <p:txBody>
+          <a:bodyPr rtlCol="0" anchor="ctr"/>
+          <a:lstStyle/>
+          <a:p>
+            <a:pPr algn="ctr"/>
+            <a:r>
+              <a:rPr lang="en-US" altLang="zh-CN" dirty="0" smtClean="0">
+                <a:solidFill>
+                  <a:schemeClr val="tx1">
+                    <a:lumMod val="95000"/>
+                    <a:lumOff val="5000"/>
+                  </a:schemeClr>
+                </a:solidFill>
+              </a:rPr>
+              <a:t>16</a:t>
+            </a:r>
+            <a:r>
+              <a:rPr lang="en-US" altLang="zh-CN" dirty="0">
+                <a:solidFill>
+                  <a:schemeClr val="tx1">
+                    <a:lumMod val="95000"/>
+                    <a:lumOff val="5000"/>
+                  </a:schemeClr>
+                </a:solidFill>
+              </a:rPr>
+              <a:t>bit</a:t>
+            </a:r>
+            <a:endParaRPr lang="zh-CN" altLang="en-US" dirty="0">
+              <a:solidFill>
+                <a:schemeClr val="tx1">
+                  <a:lumMod val="95000"/>
+                  <a:lumOff val="5000"/>
+                </a:schemeClr>
+              </a:solidFill>
+            </a:endParaRPr>
+          </a:p>
+        </p:txBody>
+      </p:sp>
+      <p:sp>
+        <p:nvSpPr>
+          <p:cNvPr id="11" name="文本框 10"/>
+          <p:cNvSpPr txBox="1"/>
+          <p:nvPr/>
+        </p:nvSpPr>
+        <p:spPr>
+          <a:xfrm>
+            <a:off x="604674" y="1007362"/>
+            <a:ext cx="950004" cy="369332"/>
+          </a:xfrm>
+          <a:prstGeom prst="rect">
+            <a:avLst/>
+          </a:prstGeom>
+          <a:noFill/>
+        </p:spPr>
+        <p:txBody>
+          <a:bodyPr wrap="none" rtlCol="0">
+            <a:spAutoFit/>
+          </a:bodyPr>
+          <a:lstStyle/>
+          <a:p>
+            <a:r>
+              <a:rPr lang="en-US" altLang="zh-CN" dirty="0" smtClean="0"/>
+              <a:t>gdt_size</a:t>
+            </a:r>
+            <a:endParaRPr lang="zh-CN" altLang="en-US" dirty="0"/>
+          </a:p>
+        </p:txBody>
+      </p:sp>
+      <p:sp>
+        <p:nvSpPr>
+          <p:cNvPr id="12" name="文本框 11"/>
+          <p:cNvSpPr txBox="1"/>
+          <p:nvPr/>
+        </p:nvSpPr>
+        <p:spPr>
+          <a:xfrm>
+            <a:off x="1885178" y="995370"/>
+            <a:ext cx="1043363" cy="369332"/>
+          </a:xfrm>
+          <a:prstGeom prst="rect">
+            <a:avLst/>
+          </a:prstGeom>
+          <a:noFill/>
+        </p:spPr>
+        <p:txBody>
+          <a:bodyPr wrap="none" rtlCol="0">
+            <a:spAutoFit/>
+          </a:bodyPr>
+          <a:lstStyle/>
+          <a:p>
+            <a:r>
+              <a:rPr lang="en-US" altLang="zh-CN" dirty="0" smtClean="0"/>
+              <a:t>gdt_base</a:t>
+            </a:r>
+            <a:endParaRPr lang="zh-CN" altLang="en-US" dirty="0"/>
+          </a:p>
+        </p:txBody>
+      </p:sp>
+      <p:sp>
+        <p:nvSpPr>
+          <p:cNvPr id="13" name="文本框 12"/>
+          <p:cNvSpPr txBox="1"/>
+          <p:nvPr/>
+        </p:nvSpPr>
+        <p:spPr>
+          <a:xfrm>
+            <a:off x="113817" y="1390229"/>
+            <a:ext cx="338554" cy="276999"/>
+          </a:xfrm>
+          <a:prstGeom prst="rect">
+            <a:avLst/>
+          </a:prstGeom>
+          <a:noFill/>
+        </p:spPr>
+        <p:txBody>
+          <a:bodyPr wrap="none" rtlCol="0">
+            <a:spAutoFit/>
+          </a:bodyPr>
+          <a:lstStyle/>
+          <a:p>
+            <a:r>
+              <a:rPr lang="zh-CN" altLang="en-US" sz="1200" dirty="0" smtClean="0"/>
+              <a:t>低</a:t>
+            </a:r>
+            <a:endParaRPr lang="zh-CN" altLang="en-US" sz="1200" dirty="0"/>
+          </a:p>
+        </p:txBody>
+      </p:sp>
+      <p:sp>
+        <p:nvSpPr>
+          <p:cNvPr id="14" name="文本框 13"/>
+          <p:cNvSpPr txBox="1"/>
+          <p:nvPr/>
+        </p:nvSpPr>
+        <p:spPr>
+          <a:xfrm>
+            <a:off x="3120915" y="1390228"/>
+            <a:ext cx="338554" cy="276999"/>
+          </a:xfrm>
+          <a:prstGeom prst="rect">
+            <a:avLst/>
+          </a:prstGeom>
+          <a:noFill/>
+        </p:spPr>
+        <p:txBody>
+          <a:bodyPr wrap="none" rtlCol="0">
+            <a:spAutoFit/>
+          </a:bodyPr>
+          <a:lstStyle/>
+          <a:p>
+            <a:r>
+              <a:rPr lang="zh-CN" altLang="en-US" sz="1200" dirty="0"/>
+              <a:t>高</a:t>
+            </a:r>
+          </a:p>
+        </p:txBody>
+      </p:sp>
+      <p:cxnSp>
+        <p:nvCxnSpPr>
+          <p:cNvPr id="16" name="直接箭头连接符 15"/>
+          <p:cNvCxnSpPr/>
+          <p:nvPr/>
+        </p:nvCxnSpPr>
+        <p:spPr>
+          <a:xfrm flipH="1" flipV="1">
+            <a:off x="513619" y="1667228"/>
+            <a:ext cx="1041059" cy="2320496"/>
+          </a:xfrm>
+          <a:prstGeom prst="straightConnector1">
+            <a:avLst/>
+          </a:prstGeom>
+          <a:ln>
+            <a:tailEnd type="triangle"/>
+          </a:ln>
+        </p:spPr>
+        <p:style>
+          <a:lnRef idx="1">
+            <a:schemeClr val="accent1"/>
+          </a:lnRef>
+          <a:fillRef idx="0">
+            <a:schemeClr val="accent1"/>
+          </a:fillRef>
+          <a:effectRef idx="0">
+            <a:schemeClr val="accent1"/>
+          </a:effectRef>
+          <a:fontRef idx="minor">
+            <a:schemeClr val="tx1"/>
+          </a:fontRef>
+        </p:style>
+      </p:cxnSp>
+      <p:cxnSp>
+        <p:nvCxnSpPr>
+          <p:cNvPr id="18" name="直接箭头连接符 17"/>
+          <p:cNvCxnSpPr/>
+          <p:nvPr/>
+        </p:nvCxnSpPr>
+        <p:spPr>
+          <a:xfrm flipV="1">
+            <a:off x="2353749" y="1667228"/>
+            <a:ext cx="733168" cy="2320496"/>
+          </a:xfrm>
+          <a:prstGeom prst="straightConnector1">
+            <a:avLst/>
+          </a:prstGeom>
+          <a:ln>
+            <a:tailEnd type="triangle"/>
+          </a:ln>
+        </p:spPr>
+        <p:style>
+          <a:lnRef idx="1">
+            <a:schemeClr val="accent1"/>
+          </a:lnRef>
+          <a:fillRef idx="0">
+            <a:schemeClr val="accent1"/>
+          </a:fillRef>
+          <a:effectRef idx="0">
+            <a:schemeClr val="accent1"/>
+          </a:effectRef>
+          <a:fontRef idx="minor">
+            <a:schemeClr val="tx1"/>
+          </a:fontRef>
+        </p:style>
+      </p:cxnSp>
+      <p:sp>
+        <p:nvSpPr>
+          <p:cNvPr id="19" name="文本框 18"/>
+          <p:cNvSpPr txBox="1"/>
+          <p:nvPr/>
+        </p:nvSpPr>
+        <p:spPr>
+          <a:xfrm>
+            <a:off x="4001115" y="3328255"/>
+            <a:ext cx="1043363" cy="369332"/>
+          </a:xfrm>
+          <a:prstGeom prst="rect">
+            <a:avLst/>
+          </a:prstGeom>
+          <a:noFill/>
+        </p:spPr>
+        <p:txBody>
+          <a:bodyPr wrap="none" rtlCol="0">
+            <a:spAutoFit/>
+          </a:bodyPr>
+          <a:lstStyle/>
+          <a:p>
+            <a:r>
+              <a:rPr lang="en-US" altLang="zh-CN" dirty="0" smtClean="0"/>
+              <a:t>gdt_base</a:t>
+            </a:r>
+            <a:endParaRPr lang="zh-CN" altLang="en-US" dirty="0"/>
+          </a:p>
+        </p:txBody>
+      </p:sp>
+      <p:sp>
+        <p:nvSpPr>
+          <p:cNvPr id="20" name="左大括号 19"/>
+          <p:cNvSpPr/>
+          <p:nvPr/>
+        </p:nvSpPr>
+        <p:spPr>
+          <a:xfrm>
+            <a:off x="4628780" y="2455293"/>
+            <a:ext cx="415698" cy="963826"/>
+          </a:xfrm>
+          <a:prstGeom prst="leftBrace">
+            <a:avLst/>
+          </a:prstGeom>
+        </p:spPr>
+        <p:style>
+          <a:lnRef idx="1">
+            <a:schemeClr val="accent1"/>
+          </a:lnRef>
+          <a:fillRef idx="0">
+            <a:schemeClr val="accent1"/>
+          </a:fillRef>
+          <a:effectRef idx="0">
+            <a:schemeClr val="accent1"/>
+          </a:effectRef>
+          <a:fontRef idx="minor">
+            <a:schemeClr val="tx1"/>
+          </a:fontRef>
+        </p:style>
+        <p:txBody>
+          <a:bodyPr rtlCol="0" anchor="ctr"/>
+          <a:lstStyle/>
+          <a:p>
+            <a:pPr algn="ctr"/>
+            <a:endParaRPr lang="zh-CN" altLang="en-US"/>
+          </a:p>
+        </p:txBody>
+      </p:sp>
+      <p:sp>
+        <p:nvSpPr>
+          <p:cNvPr id="21" name="文本框 20"/>
+          <p:cNvSpPr txBox="1"/>
+          <p:nvPr/>
+        </p:nvSpPr>
+        <p:spPr>
+          <a:xfrm>
+            <a:off x="3572390" y="2746561"/>
+            <a:ext cx="950004" cy="369332"/>
+          </a:xfrm>
+          <a:prstGeom prst="rect">
+            <a:avLst/>
+          </a:prstGeom>
+          <a:noFill/>
+        </p:spPr>
+        <p:txBody>
+          <a:bodyPr wrap="none" rtlCol="0">
+            <a:spAutoFit/>
+          </a:bodyPr>
+          <a:lstStyle/>
+          <a:p>
+            <a:r>
+              <a:rPr lang="en-US" altLang="zh-CN" dirty="0" smtClean="0"/>
+              <a:t>gdt_size</a:t>
+            </a:r>
+            <a:endParaRPr lang="zh-CN" altLang="en-US" dirty="0"/>
+          </a:p>
+        </p:txBody>
+      </p:sp>
+      <p:sp>
+        <p:nvSpPr>
+          <p:cNvPr id="22" name="文本框 21"/>
+          <p:cNvSpPr txBox="1"/>
+          <p:nvPr/>
+        </p:nvSpPr>
+        <p:spPr>
+          <a:xfrm>
+            <a:off x="3394809" y="3083575"/>
+            <a:ext cx="1305165" cy="276999"/>
+          </a:xfrm>
+          <a:prstGeom prst="rect">
+            <a:avLst/>
+          </a:prstGeom>
+          <a:noFill/>
+        </p:spPr>
+        <p:txBody>
+          <a:bodyPr wrap="none" rtlCol="0">
+            <a:spAutoFit/>
+          </a:bodyPr>
+          <a:lstStyle/>
+          <a:p>
+            <a:r>
+              <a:rPr lang="zh-CN" altLang="en-US" sz="1200" dirty="0"/>
+              <a:t>描述符数量*</a:t>
+            </a:r>
+            <a:r>
+              <a:rPr lang="en-US" altLang="zh-CN" sz="1200" dirty="0" smtClean="0"/>
+              <a:t>8 - 1</a:t>
+            </a:r>
+            <a:endParaRPr lang="zh-CN" altLang="en-US" sz="1200" dirty="0"/>
+          </a:p>
+        </p:txBody>
+      </p:sp>
+      <p:cxnSp>
+        <p:nvCxnSpPr>
+          <p:cNvPr id="23" name="直接连接符 22"/>
+          <p:cNvCxnSpPr/>
+          <p:nvPr/>
+        </p:nvCxnSpPr>
+        <p:spPr>
+          <a:xfrm>
+            <a:off x="5204913" y="3258211"/>
+            <a:ext cx="2265406" cy="0"/>
+          </a:xfrm>
+          <a:prstGeom prst="line">
+            <a:avLst/>
+          </a:prstGeom>
+          <a:ln>
+            <a:solidFill>
+              <a:schemeClr val="bg2">
+                <a:lumMod val="50000"/>
+              </a:schemeClr>
+            </a:solidFill>
+            <a:prstDash val="dash"/>
+          </a:ln>
+        </p:spPr>
+        <p:style>
+          <a:lnRef idx="1">
+            <a:schemeClr val="accent1"/>
+          </a:lnRef>
+          <a:fillRef idx="0">
+            <a:schemeClr val="accent1"/>
+          </a:fillRef>
+          <a:effectRef idx="0">
+            <a:schemeClr val="accent1"/>
+          </a:effectRef>
+          <a:fontRef idx="minor">
+            <a:schemeClr val="tx1"/>
+          </a:fontRef>
+        </p:style>
+      </p:cxnSp>
+      <p:cxnSp>
+        <p:nvCxnSpPr>
+          <p:cNvPr id="24" name="直接连接符 23"/>
+          <p:cNvCxnSpPr/>
+          <p:nvPr/>
+        </p:nvCxnSpPr>
+        <p:spPr>
+          <a:xfrm>
+            <a:off x="5204913" y="3005368"/>
+            <a:ext cx="2265406" cy="0"/>
+          </a:xfrm>
+          <a:prstGeom prst="line">
+            <a:avLst/>
+          </a:prstGeom>
+          <a:ln>
+            <a:solidFill>
+              <a:schemeClr val="bg2">
+                <a:lumMod val="50000"/>
+              </a:schemeClr>
+            </a:solidFill>
+            <a:prstDash val="dash"/>
+          </a:ln>
+        </p:spPr>
+        <p:style>
+          <a:lnRef idx="1">
+            <a:schemeClr val="accent1"/>
+          </a:lnRef>
+          <a:fillRef idx="0">
+            <a:schemeClr val="accent1"/>
+          </a:fillRef>
+          <a:effectRef idx="0">
+            <a:schemeClr val="accent1"/>
+          </a:effectRef>
+          <a:fontRef idx="minor">
+            <a:schemeClr val="tx1"/>
+          </a:fontRef>
+        </p:style>
+      </p:cxnSp>
+      <p:cxnSp>
+        <p:nvCxnSpPr>
+          <p:cNvPr id="25" name="直接连接符 24"/>
+          <p:cNvCxnSpPr/>
+          <p:nvPr/>
+        </p:nvCxnSpPr>
+        <p:spPr>
+          <a:xfrm>
+            <a:off x="5204913" y="2746561"/>
+            <a:ext cx="2265406" cy="0"/>
+          </a:xfrm>
+          <a:prstGeom prst="line">
+            <a:avLst/>
+          </a:prstGeom>
+          <a:ln>
+            <a:solidFill>
+              <a:schemeClr val="bg2">
+                <a:lumMod val="50000"/>
+              </a:schemeClr>
+            </a:solidFill>
+            <a:prstDash val="dash"/>
+          </a:ln>
+        </p:spPr>
+        <p:style>
+          <a:lnRef idx="1">
+            <a:schemeClr val="accent1"/>
+          </a:lnRef>
+          <a:fillRef idx="0">
+            <a:schemeClr val="accent1"/>
+          </a:fillRef>
+          <a:effectRef idx="0">
+            <a:schemeClr val="accent1"/>
+          </a:effectRef>
+          <a:fontRef idx="minor">
+            <a:schemeClr val="tx1"/>
+          </a:fontRef>
+        </p:style>
+      </p:cxnSp>
+      <p:sp>
+        <p:nvSpPr>
+          <p:cNvPr id="26" name="文本框 25"/>
+          <p:cNvSpPr txBox="1"/>
+          <p:nvPr/>
+        </p:nvSpPr>
+        <p:spPr>
+          <a:xfrm>
+            <a:off x="5714833" y="3256001"/>
+            <a:ext cx="1127232" cy="276999"/>
+          </a:xfrm>
+          <a:prstGeom prst="rect">
+            <a:avLst/>
+          </a:prstGeom>
+          <a:noFill/>
+        </p:spPr>
+        <p:txBody>
+          <a:bodyPr wrap="none" rtlCol="0">
+            <a:spAutoFit/>
+          </a:bodyPr>
+          <a:lstStyle/>
+          <a:p>
+            <a:r>
+              <a:rPr lang="en-US" altLang="zh-CN" sz="1200" dirty="0" smtClean="0"/>
+              <a:t>NULL</a:t>
+            </a:r>
+            <a:r>
+              <a:rPr lang="zh-CN" altLang="en-US" sz="1200" dirty="0" smtClean="0"/>
+              <a:t>哑描述符</a:t>
+            </a:r>
+            <a:endParaRPr lang="zh-CN" altLang="en-US" sz="1200" dirty="0"/>
+          </a:p>
+        </p:txBody>
+      </p:sp>
+      <p:sp>
+        <p:nvSpPr>
+          <p:cNvPr id="28" name="文本框 27"/>
+          <p:cNvSpPr txBox="1"/>
+          <p:nvPr/>
+        </p:nvSpPr>
+        <p:spPr>
+          <a:xfrm>
+            <a:off x="113817" y="184491"/>
+            <a:ext cx="1866473" cy="523220"/>
+          </a:xfrm>
+          <a:prstGeom prst="rect">
+            <a:avLst/>
+          </a:prstGeom>
+          <a:noFill/>
+        </p:spPr>
+        <p:txBody>
+          <a:bodyPr wrap="none" rtlCol="0">
+            <a:spAutoFit/>
+          </a:bodyPr>
+          <a:lstStyle/>
+          <a:p>
+            <a:r>
+              <a:rPr lang="zh-CN" altLang="en-US" sz="2800" dirty="0">
+                <a:latin typeface="微软雅黑" panose="020B0503020204020204" pitchFamily="34" charset="-122"/>
+                <a:ea typeface="微软雅黑" panose="020B0503020204020204" pitchFamily="34" charset="-122"/>
+              </a:rPr>
+              <a:t>安</a:t>
+            </a:r>
+            <a:r>
+              <a:rPr lang="zh-CN" altLang="en-US" sz="2800" dirty="0" smtClean="0">
+                <a:latin typeface="微软雅黑" panose="020B0503020204020204" pitchFamily="34" charset="-122"/>
+                <a:ea typeface="微软雅黑" panose="020B0503020204020204" pitchFamily="34" charset="-122"/>
+              </a:rPr>
+              <a:t>装</a:t>
+            </a:r>
+            <a:r>
+              <a:rPr lang="en-US" altLang="zh-CN" sz="2800" dirty="0" smtClean="0">
+                <a:latin typeface="微软雅黑" panose="020B0503020204020204" pitchFamily="34" charset="-122"/>
+                <a:ea typeface="微软雅黑" panose="020B0503020204020204" pitchFamily="34" charset="-122"/>
+              </a:rPr>
+              <a:t>GDTR</a:t>
+            </a:r>
+            <a:endParaRPr lang="zh-CN" altLang="en-US" sz="2800" dirty="0">
+              <a:latin typeface="微软雅黑" panose="020B0503020204020204" pitchFamily="34" charset="-122"/>
+              <a:ea typeface="微软雅黑" panose="020B0503020204020204" pitchFamily="34" charset="-122"/>
+            </a:endParaRPr>
+          </a:p>
+        </p:txBody>
+      </p:sp>
+      <p:sp>
+        <p:nvSpPr>
+          <p:cNvPr id="29" name="矩形 28"/>
+          <p:cNvSpPr/>
+          <p:nvPr/>
+        </p:nvSpPr>
+        <p:spPr>
+          <a:xfrm>
+            <a:off x="8471011" y="1228656"/>
+            <a:ext cx="1581150" cy="323144"/>
+          </a:xfrm>
+          <a:prstGeom prst="rect">
+            <a:avLst/>
+          </a:prstGeom>
+          <a:noFill/>
+        </p:spPr>
+        <p:style>
+          <a:lnRef idx="2">
+            <a:schemeClr val="accent1">
+              <a:shade val="50000"/>
+            </a:schemeClr>
+          </a:lnRef>
+          <a:fillRef idx="1">
+            <a:schemeClr val="accent1"/>
+          </a:fillRef>
+          <a:effectRef idx="0">
+            <a:schemeClr val="accent1"/>
+          </a:effectRef>
+          <a:fontRef idx="minor">
+            <a:schemeClr val="lt1"/>
+          </a:fontRef>
+        </p:style>
+        <p:txBody>
+          <a:bodyPr rtlCol="0" anchor="ctr"/>
+          <a:lstStyle/>
+          <a:p>
+            <a:pPr algn="ctr"/>
+            <a:r>
+              <a:rPr lang="en-US" altLang="zh-CN" dirty="0" smtClean="0">
+                <a:solidFill>
+                  <a:schemeClr val="tx1">
+                    <a:lumMod val="95000"/>
+                    <a:lumOff val="5000"/>
+                  </a:schemeClr>
+                </a:solidFill>
+              </a:rPr>
+              <a:t>32bit</a:t>
+            </a:r>
+            <a:endParaRPr lang="zh-CN" altLang="en-US" dirty="0">
+              <a:solidFill>
+                <a:schemeClr val="tx1">
+                  <a:lumMod val="95000"/>
+                  <a:lumOff val="5000"/>
+                </a:schemeClr>
+              </a:solidFill>
+            </a:endParaRPr>
+          </a:p>
+        </p:txBody>
+      </p:sp>
+      <p:sp>
+        <p:nvSpPr>
+          <p:cNvPr id="30" name="矩形 29"/>
+          <p:cNvSpPr/>
+          <p:nvPr/>
+        </p:nvSpPr>
+        <p:spPr>
+          <a:xfrm>
+            <a:off x="10052161" y="1228656"/>
+            <a:ext cx="1581150" cy="323144"/>
+          </a:xfrm>
+          <a:prstGeom prst="rect">
+            <a:avLst/>
+          </a:prstGeom>
+          <a:noFill/>
+        </p:spPr>
+        <p:style>
+          <a:lnRef idx="2">
+            <a:schemeClr val="accent1">
+              <a:shade val="50000"/>
+            </a:schemeClr>
+          </a:lnRef>
+          <a:fillRef idx="1">
+            <a:schemeClr val="accent1"/>
+          </a:fillRef>
+          <a:effectRef idx="0">
+            <a:schemeClr val="accent1"/>
+          </a:effectRef>
+          <a:fontRef idx="minor">
+            <a:schemeClr val="lt1"/>
+          </a:fontRef>
+        </p:style>
+        <p:txBody>
+          <a:bodyPr rtlCol="0" anchor="ctr"/>
+          <a:lstStyle/>
+          <a:p>
+            <a:pPr algn="ctr"/>
+            <a:r>
+              <a:rPr lang="en-US" altLang="zh-CN" dirty="0" smtClean="0">
+                <a:solidFill>
+                  <a:schemeClr val="tx1">
+                    <a:lumMod val="95000"/>
+                    <a:lumOff val="5000"/>
+                  </a:schemeClr>
+                </a:solidFill>
+              </a:rPr>
+              <a:t>32bit</a:t>
+            </a:r>
+            <a:endParaRPr lang="zh-CN" altLang="en-US" dirty="0">
+              <a:solidFill>
+                <a:schemeClr val="tx1">
+                  <a:lumMod val="95000"/>
+                  <a:lumOff val="5000"/>
+                </a:schemeClr>
+              </a:solidFill>
+            </a:endParaRPr>
+          </a:p>
+        </p:txBody>
+      </p:sp>
+      <p:cxnSp>
+        <p:nvCxnSpPr>
+          <p:cNvPr id="32" name="直接箭头连接符 31"/>
+          <p:cNvCxnSpPr/>
+          <p:nvPr/>
+        </p:nvCxnSpPr>
+        <p:spPr>
+          <a:xfrm flipV="1">
+            <a:off x="5204913" y="1551800"/>
+            <a:ext cx="3266098" cy="1704201"/>
+          </a:xfrm>
+          <a:prstGeom prst="straightConnector1">
+            <a:avLst/>
+          </a:prstGeom>
+          <a:ln>
+            <a:tailEnd type="triangle"/>
+          </a:ln>
+        </p:spPr>
+        <p:style>
+          <a:lnRef idx="1">
+            <a:schemeClr val="accent1"/>
+          </a:lnRef>
+          <a:fillRef idx="0">
+            <a:schemeClr val="accent1"/>
+          </a:fillRef>
+          <a:effectRef idx="0">
+            <a:schemeClr val="accent1"/>
+          </a:effectRef>
+          <a:fontRef idx="minor">
+            <a:schemeClr val="tx1"/>
+          </a:fontRef>
+        </p:style>
+      </p:cxnSp>
+      <p:cxnSp>
+        <p:nvCxnSpPr>
+          <p:cNvPr id="34" name="直接箭头连接符 33"/>
+          <p:cNvCxnSpPr/>
+          <p:nvPr/>
+        </p:nvCxnSpPr>
+        <p:spPr>
+          <a:xfrm flipV="1">
+            <a:off x="7470319" y="1551800"/>
+            <a:ext cx="4162992" cy="1704201"/>
+          </a:xfrm>
+          <a:prstGeom prst="straightConnector1">
+            <a:avLst/>
+          </a:prstGeom>
+          <a:ln>
+            <a:tailEnd type="triangle"/>
+          </a:ln>
+        </p:spPr>
+        <p:style>
+          <a:lnRef idx="1">
+            <a:schemeClr val="accent1"/>
+          </a:lnRef>
+          <a:fillRef idx="0">
+            <a:schemeClr val="accent1"/>
+          </a:fillRef>
+          <a:effectRef idx="0">
+            <a:schemeClr val="accent1"/>
+          </a:effectRef>
+          <a:fontRef idx="minor">
+            <a:schemeClr val="tx1"/>
+          </a:fontRef>
+        </p:style>
+      </p:cxnSp>
+      <p:sp>
+        <p:nvSpPr>
+          <p:cNvPr id="35" name="文本框 34"/>
+          <p:cNvSpPr txBox="1"/>
+          <p:nvPr/>
+        </p:nvSpPr>
+        <p:spPr>
+          <a:xfrm>
+            <a:off x="8471011" y="833236"/>
+            <a:ext cx="800219" cy="276999"/>
+          </a:xfrm>
+          <a:prstGeom prst="rect">
+            <a:avLst/>
+          </a:prstGeom>
+          <a:noFill/>
+        </p:spPr>
+        <p:txBody>
+          <a:bodyPr wrap="none" rtlCol="0">
+            <a:spAutoFit/>
+          </a:bodyPr>
+          <a:lstStyle/>
+          <a:p>
+            <a:r>
+              <a:rPr lang="zh-CN" altLang="en-US" sz="1200" dirty="0" smtClean="0"/>
+              <a:t>段描述符</a:t>
+            </a:r>
+            <a:endParaRPr lang="zh-CN" altLang="en-US" sz="1200" dirty="0"/>
+          </a:p>
+        </p:txBody>
+      </p:sp>
+      <p:sp>
+        <p:nvSpPr>
+          <p:cNvPr id="36" name="文本框 35"/>
+          <p:cNvSpPr txBox="1"/>
+          <p:nvPr/>
+        </p:nvSpPr>
+        <p:spPr>
+          <a:xfrm>
+            <a:off x="8086993" y="3083575"/>
+            <a:ext cx="4258923" cy="2677656"/>
+          </a:xfrm>
+          <a:prstGeom prst="rect">
+            <a:avLst/>
+          </a:prstGeom>
+          <a:noFill/>
+        </p:spPr>
+        <p:txBody>
+          <a:bodyPr wrap="none" rtlCol="0">
+            <a:spAutoFit/>
+          </a:bodyPr>
+          <a:lstStyle/>
+          <a:p>
+            <a:pPr marL="171450" indent="-171450">
+              <a:buFont typeface="Arial" panose="020B0604020202020204" pitchFamily="34" charset="0"/>
+              <a:buChar char="•"/>
+            </a:pPr>
+            <a:r>
+              <a:rPr lang="zh-CN" altLang="en-US" sz="1200" dirty="0" smtClean="0"/>
+              <a:t>段起始位置：</a:t>
+            </a:r>
+            <a:r>
+              <a:rPr lang="en-US" altLang="zh-CN" sz="1200" dirty="0" smtClean="0"/>
+              <a:t>32bit</a:t>
+            </a:r>
+          </a:p>
+          <a:p>
+            <a:pPr marL="171450" indent="-171450">
+              <a:buFont typeface="Arial" panose="020B0604020202020204" pitchFamily="34" charset="0"/>
+              <a:buChar char="•"/>
+            </a:pPr>
+            <a:r>
+              <a:rPr lang="zh-CN" altLang="en-US" sz="1200" dirty="0" smtClean="0"/>
+              <a:t>段边界：</a:t>
+            </a:r>
+            <a:r>
+              <a:rPr lang="en-US" altLang="zh-CN" sz="1200" dirty="0" smtClean="0"/>
+              <a:t>20bit</a:t>
+            </a:r>
+          </a:p>
+          <a:p>
+            <a:pPr marL="171450" indent="-171450">
+              <a:buFont typeface="Arial" panose="020B0604020202020204" pitchFamily="34" charset="0"/>
+              <a:buChar char="•"/>
+            </a:pPr>
+            <a:r>
+              <a:rPr lang="en-US" altLang="zh-CN" sz="1200" b="1" dirty="0" smtClean="0"/>
+              <a:t>G</a:t>
+            </a:r>
+            <a:r>
+              <a:rPr lang="zh-CN" altLang="en-US" sz="1200" dirty="0" smtClean="0"/>
+              <a:t>：粒度，</a:t>
+            </a:r>
+            <a:r>
+              <a:rPr lang="en-US" altLang="zh-CN" sz="1200" dirty="0" smtClean="0"/>
+              <a:t>0</a:t>
+            </a:r>
+            <a:r>
+              <a:rPr lang="zh-CN" altLang="en-US" sz="1200" dirty="0" smtClean="0"/>
+              <a:t>：字节；</a:t>
+            </a:r>
+            <a:r>
+              <a:rPr lang="en-US" altLang="zh-CN" sz="1200" dirty="0" smtClean="0"/>
+              <a:t>1</a:t>
+            </a:r>
+            <a:r>
+              <a:rPr lang="zh-CN" altLang="en-US" sz="1200" dirty="0" smtClean="0"/>
+              <a:t>：</a:t>
+            </a:r>
+            <a:r>
+              <a:rPr lang="en-US" altLang="zh-CN" sz="1200" dirty="0" smtClean="0"/>
+              <a:t>M</a:t>
+            </a:r>
+          </a:p>
+          <a:p>
+            <a:pPr marL="171450" indent="-171450">
+              <a:buFont typeface="Arial" panose="020B0604020202020204" pitchFamily="34" charset="0"/>
+              <a:buChar char="•"/>
+            </a:pPr>
+            <a:r>
+              <a:rPr lang="en-US" altLang="zh-CN" sz="1200" b="1" dirty="0" smtClean="0"/>
+              <a:t>S</a:t>
+            </a:r>
+            <a:r>
+              <a:rPr lang="zh-CN" altLang="en-US" sz="1200" dirty="0"/>
+              <a:t>：</a:t>
+            </a:r>
+            <a:r>
+              <a:rPr lang="zh-CN" altLang="en-US" sz="1200" dirty="0" smtClean="0"/>
+              <a:t>类型，</a:t>
+            </a:r>
+            <a:r>
+              <a:rPr lang="en-US" altLang="zh-CN" sz="1200" dirty="0" smtClean="0"/>
+              <a:t>0</a:t>
+            </a:r>
+            <a:r>
+              <a:rPr lang="zh-CN" altLang="en-US" sz="1200" dirty="0" smtClean="0"/>
+              <a:t>：系统段；</a:t>
+            </a:r>
+            <a:r>
+              <a:rPr lang="en-US" altLang="zh-CN" sz="1200" dirty="0" smtClean="0"/>
+              <a:t>1</a:t>
+            </a:r>
+            <a:r>
+              <a:rPr lang="zh-CN" altLang="en-US" sz="1200" dirty="0" smtClean="0"/>
+              <a:t>：存储器段</a:t>
+            </a:r>
+            <a:r>
+              <a:rPr lang="en-US" altLang="zh-CN" sz="1200" dirty="0" smtClean="0"/>
+              <a:t/>
+            </a:r>
+            <a:br>
+              <a:rPr lang="en-US" altLang="zh-CN" sz="1200" dirty="0" smtClean="0"/>
+            </a:br>
+            <a:r>
+              <a:rPr lang="zh-CN" altLang="en-US" sz="1200" dirty="0" smtClean="0"/>
+              <a:t>（代码段、数据段或者栈段）</a:t>
+            </a:r>
+            <a:endParaRPr lang="en-US" altLang="zh-CN" sz="1200" dirty="0" smtClean="0"/>
+          </a:p>
+          <a:p>
+            <a:pPr marL="171450" indent="-171450">
+              <a:buFont typeface="Arial" panose="020B0604020202020204" pitchFamily="34" charset="0"/>
+              <a:buChar char="•"/>
+            </a:pPr>
+            <a:r>
+              <a:rPr lang="en-US" altLang="zh-CN" sz="1200" b="1" dirty="0" smtClean="0"/>
+              <a:t>DPL</a:t>
+            </a:r>
+            <a:r>
+              <a:rPr lang="zh-CN" altLang="en-US" sz="1200" dirty="0" smtClean="0"/>
+              <a:t>：特权级别</a:t>
+            </a:r>
+            <a:endParaRPr lang="en-US" altLang="zh-CN" sz="1200" dirty="0" smtClean="0"/>
+          </a:p>
+          <a:p>
+            <a:pPr marL="171450" indent="-171450">
+              <a:buFont typeface="Arial" panose="020B0604020202020204" pitchFamily="34" charset="0"/>
+              <a:buChar char="•"/>
+            </a:pPr>
+            <a:r>
+              <a:rPr lang="en-US" altLang="zh-CN" sz="1200" b="1" dirty="0" smtClean="0"/>
+              <a:t>P</a:t>
+            </a:r>
+            <a:r>
+              <a:rPr lang="zh-CN" altLang="en-US" sz="1200" dirty="0" smtClean="0"/>
+              <a:t>：段是否存在，</a:t>
+            </a:r>
+            <a:r>
+              <a:rPr lang="en-US" altLang="zh-CN" sz="1200" dirty="0" smtClean="0"/>
+              <a:t>0</a:t>
+            </a:r>
+            <a:r>
+              <a:rPr lang="zh-CN" altLang="en-US" sz="1200" dirty="0" smtClean="0"/>
+              <a:t>：不存在；</a:t>
+            </a:r>
+            <a:r>
+              <a:rPr lang="en-US" altLang="zh-CN" sz="1200" dirty="0" smtClean="0"/>
+              <a:t>1</a:t>
+            </a:r>
+            <a:r>
+              <a:rPr lang="zh-CN" altLang="en-US" sz="1200" dirty="0" smtClean="0"/>
+              <a:t>：存在</a:t>
+            </a:r>
+            <a:endParaRPr lang="en-US" altLang="zh-CN" sz="1200" dirty="0" smtClean="0"/>
+          </a:p>
+          <a:p>
+            <a:pPr marL="171450" indent="-171450">
+              <a:buFont typeface="Arial" panose="020B0604020202020204" pitchFamily="34" charset="0"/>
+              <a:buChar char="•"/>
+            </a:pPr>
+            <a:r>
+              <a:rPr lang="en-US" altLang="zh-CN" sz="1200" b="1" dirty="0" smtClean="0"/>
+              <a:t>TYPE</a:t>
+            </a:r>
+            <a:r>
+              <a:rPr lang="zh-CN" altLang="en-US" sz="1200" dirty="0" smtClean="0"/>
+              <a:t>：</a:t>
+            </a:r>
+            <a:r>
+              <a:rPr lang="en-US" altLang="zh-CN" sz="1200" dirty="0" smtClean="0"/>
+              <a:t>X</a:t>
+            </a:r>
+            <a:r>
+              <a:rPr lang="zh-CN" altLang="en-US" sz="1200" dirty="0" smtClean="0"/>
+              <a:t>：是否可执行；</a:t>
+            </a:r>
+            <a:r>
+              <a:rPr lang="en-US" altLang="zh-CN" sz="1200" dirty="0" smtClean="0"/>
+              <a:t>E</a:t>
+            </a:r>
+            <a:r>
+              <a:rPr lang="zh-CN" altLang="en-US" sz="1200" dirty="0" smtClean="0"/>
+              <a:t>：扩展方向（</a:t>
+            </a:r>
+            <a:r>
+              <a:rPr lang="en-US" altLang="zh-CN" sz="1200" dirty="0" smtClean="0"/>
+              <a:t>0</a:t>
+            </a:r>
+            <a:r>
+              <a:rPr lang="zh-CN" altLang="en-US" sz="1200" dirty="0" smtClean="0"/>
+              <a:t>：</a:t>
+            </a:r>
+            <a:r>
+              <a:rPr lang="en-US" altLang="zh-CN" sz="1200" dirty="0" smtClean="0"/>
+              <a:t>up</a:t>
+            </a:r>
+            <a:r>
+              <a:rPr lang="zh-CN" altLang="en-US" sz="1200" dirty="0" smtClean="0"/>
+              <a:t>，</a:t>
+            </a:r>
+            <a:r>
+              <a:rPr lang="en-US" altLang="zh-CN" sz="1200" dirty="0" smtClean="0"/>
+              <a:t>1</a:t>
+            </a:r>
+            <a:r>
+              <a:rPr lang="zh-CN" altLang="en-US" sz="1200" dirty="0" smtClean="0"/>
+              <a:t>：</a:t>
+            </a:r>
+            <a:r>
+              <a:rPr lang="en-US" altLang="zh-CN" sz="1200" dirty="0" smtClean="0"/>
+              <a:t>down</a:t>
+            </a:r>
+            <a:r>
+              <a:rPr lang="zh-CN" altLang="en-US" sz="1200" dirty="0" smtClean="0"/>
+              <a:t>）</a:t>
+            </a:r>
+            <a:r>
+              <a:rPr lang="en-US" altLang="zh-CN" sz="1200" dirty="0"/>
+              <a:t/>
+            </a:r>
+            <a:br>
+              <a:rPr lang="en-US" altLang="zh-CN" sz="1200" dirty="0"/>
+            </a:br>
+            <a:r>
+              <a:rPr lang="en-US" altLang="zh-CN" sz="1200" dirty="0" smtClean="0"/>
+              <a:t>             W</a:t>
+            </a:r>
+            <a:r>
+              <a:rPr lang="zh-CN" altLang="en-US" sz="1200" dirty="0" smtClean="0"/>
+              <a:t>：是否可写入；</a:t>
+            </a:r>
+            <a:r>
+              <a:rPr lang="en-US" altLang="zh-CN" sz="1200" dirty="0" smtClean="0"/>
+              <a:t>A</a:t>
+            </a:r>
+            <a:r>
+              <a:rPr lang="zh-CN" altLang="en-US" sz="1200" dirty="0" smtClean="0"/>
+              <a:t>：已访问</a:t>
+            </a:r>
+            <a:endParaRPr lang="en-US" altLang="zh-CN" sz="1200" dirty="0" smtClean="0"/>
+          </a:p>
+          <a:p>
+            <a:pPr marL="171450" indent="-171450">
+              <a:buFont typeface="Arial" panose="020B0604020202020204" pitchFamily="34" charset="0"/>
+              <a:buChar char="•"/>
+            </a:pPr>
+            <a:r>
+              <a:rPr lang="en-US" altLang="zh-CN" sz="1200" b="1" dirty="0" smtClean="0"/>
+              <a:t>DB</a:t>
+            </a:r>
+            <a:r>
+              <a:rPr lang="zh-CN" altLang="en-US" sz="1200" dirty="0" smtClean="0"/>
+              <a:t>：默认操作数大小</a:t>
+            </a:r>
+            <a:r>
+              <a:rPr lang="en-US" altLang="zh-CN" sz="1200" dirty="0" smtClean="0"/>
+              <a:t>/</a:t>
+            </a:r>
+            <a:r>
+              <a:rPr lang="zh-CN" altLang="en-US" sz="1200" dirty="0" smtClean="0"/>
+              <a:t>默认栈指针大小</a:t>
+            </a:r>
+            <a:r>
+              <a:rPr lang="en-US" altLang="zh-CN" sz="1200" dirty="0" smtClean="0"/>
+              <a:t/>
+            </a:r>
+            <a:br>
+              <a:rPr lang="en-US" altLang="zh-CN" sz="1200" dirty="0" smtClean="0"/>
+            </a:br>
+            <a:r>
+              <a:rPr lang="en-US" altLang="zh-CN" sz="1200" dirty="0" smtClean="0"/>
+              <a:t>        </a:t>
+            </a:r>
+            <a:r>
+              <a:rPr lang="zh-CN" altLang="en-US" sz="1200" dirty="0" smtClean="0"/>
+              <a:t>代码段：</a:t>
+            </a:r>
+            <a:r>
+              <a:rPr lang="en-US" altLang="zh-CN" sz="1200" dirty="0" smtClean="0"/>
+              <a:t>0</a:t>
+            </a:r>
+            <a:r>
+              <a:rPr lang="zh-CN" altLang="en-US" sz="1200" dirty="0" smtClean="0"/>
+              <a:t>：</a:t>
+            </a:r>
+            <a:r>
+              <a:rPr lang="en-US" altLang="zh-CN" sz="1200" dirty="0" smtClean="0"/>
+              <a:t>16</a:t>
+            </a:r>
+            <a:r>
+              <a:rPr lang="zh-CN" altLang="en-US" sz="1200" dirty="0" smtClean="0"/>
+              <a:t>位模式</a:t>
+            </a:r>
+            <a:endParaRPr lang="en-US" altLang="zh-CN" sz="1200" dirty="0" smtClean="0"/>
+          </a:p>
+          <a:p>
+            <a:pPr marL="171450" indent="-171450">
+              <a:buFont typeface="Arial" panose="020B0604020202020204" pitchFamily="34" charset="0"/>
+              <a:buChar char="•"/>
+            </a:pPr>
+            <a:r>
+              <a:rPr lang="en-US" altLang="zh-CN" sz="1200" dirty="0"/>
+              <a:t> </a:t>
+            </a:r>
+            <a:r>
+              <a:rPr lang="en-US" altLang="zh-CN" sz="1200" dirty="0" smtClean="0"/>
+              <a:t>                         1</a:t>
+            </a:r>
+            <a:r>
+              <a:rPr lang="zh-CN" altLang="en-US" sz="1200" dirty="0" smtClean="0"/>
+              <a:t>： </a:t>
+            </a:r>
+            <a:r>
+              <a:rPr lang="en-US" altLang="zh-CN" sz="1200" dirty="0" smtClean="0"/>
+              <a:t>32</a:t>
+            </a:r>
+            <a:r>
+              <a:rPr lang="zh-CN" altLang="en-US" sz="1200" dirty="0" smtClean="0"/>
+              <a:t>位模式</a:t>
+            </a:r>
+            <a:endParaRPr lang="en-US" altLang="zh-CN" sz="1200" dirty="0" smtClean="0"/>
+          </a:p>
+          <a:p>
+            <a:pPr marL="171450" indent="-171450">
+              <a:buFont typeface="Arial" panose="020B0604020202020204" pitchFamily="34" charset="0"/>
+              <a:buChar char="•"/>
+            </a:pPr>
+            <a:r>
+              <a:rPr lang="en-US" altLang="zh-CN" sz="1200" dirty="0" smtClean="0"/>
+              <a:t>         </a:t>
+            </a:r>
+            <a:r>
+              <a:rPr lang="zh-CN" altLang="en-US" sz="1200" dirty="0" smtClean="0"/>
+              <a:t>栈段：    </a:t>
+            </a:r>
+            <a:r>
+              <a:rPr lang="en-US" altLang="zh-CN" sz="1200" dirty="0" smtClean="0"/>
+              <a:t>0</a:t>
+            </a:r>
+            <a:r>
+              <a:rPr lang="zh-CN" altLang="en-US" sz="1200" dirty="0" smtClean="0"/>
+              <a:t>：</a:t>
+            </a:r>
+            <a:r>
+              <a:rPr lang="en-US" altLang="zh-CN" sz="1200" dirty="0" smtClean="0"/>
+              <a:t>SP</a:t>
+            </a:r>
+            <a:r>
+              <a:rPr lang="zh-CN" altLang="en-US" sz="1200" dirty="0" smtClean="0"/>
+              <a:t>，上部边界</a:t>
+            </a:r>
+            <a:r>
+              <a:rPr lang="en-US" altLang="zh-CN" sz="1200" dirty="0" smtClean="0"/>
+              <a:t>0xFFFF</a:t>
+            </a:r>
+          </a:p>
+          <a:p>
+            <a:pPr marL="171450" indent="-171450">
+              <a:buFont typeface="Arial" panose="020B0604020202020204" pitchFamily="34" charset="0"/>
+              <a:buChar char="•"/>
+            </a:pPr>
+            <a:r>
+              <a:rPr lang="en-US" altLang="zh-CN" sz="1200" dirty="0"/>
+              <a:t> </a:t>
+            </a:r>
+            <a:r>
+              <a:rPr lang="en-US" altLang="zh-CN" sz="1200" dirty="0" smtClean="0"/>
+              <a:t>                         1</a:t>
+            </a:r>
+            <a:r>
+              <a:rPr lang="zh-CN" altLang="en-US" sz="1200" dirty="0" smtClean="0"/>
+              <a:t>： </a:t>
+            </a:r>
+            <a:r>
+              <a:rPr lang="en-US" altLang="zh-CN" sz="1200" dirty="0" smtClean="0"/>
+              <a:t>ESP</a:t>
+            </a:r>
+            <a:r>
+              <a:rPr lang="zh-CN" altLang="en-US" sz="1200" dirty="0" smtClean="0"/>
+              <a:t>，上部边界</a:t>
+            </a:r>
+            <a:r>
+              <a:rPr lang="en-US" altLang="zh-CN" sz="1200" dirty="0" smtClean="0"/>
+              <a:t>0xFFFFFFFF</a:t>
+            </a:r>
+          </a:p>
+        </p:txBody>
+      </p:sp>
+    </p:spTree>
+    <p:extLst>
+      <p:ext uri="{BB962C8B-B14F-4D97-AF65-F5344CB8AC3E}">
+        <p14:creationId xmlns:p14="http://schemas.microsoft.com/office/powerpoint/2010/main" val="1890051213"/>
+      </p:ext>
+    </p:extLst>
+  </p:cSld>
+  <p:clrMapOvr>
+    <a:masterClrMapping/>
+  </p:clrMapOvr>
+  <p:timing>
+    <p:tnLst>
+      <p:par>
+        <p:cTn id="1" dur="indefinite" restart="never" nodeType="tmRoot"/>
+      </p:par>
+    </p:tnLst>
+  </p:timing>
+</p:sld>
+</file>
+
+<file path=ppt/slides/slide6.xml><?xml version="1.0" encoding="utf-8"?>
+<p:sld xmlns:a="http://schemas.openxmlformats.org/drawingml/2006/main" xmlns:r="http://schemas.openxmlformats.org/officeDocument/2006/relationships" xmlns:p="http://schemas.openxmlformats.org/presentationml/2006/main">
+  <p:cSld>
+    <p:spTree>
+      <p:nvGrpSpPr>
+        <p:cNvPr id="1" name=""/>
+        <p:cNvGrpSpPr/>
+        <p:nvPr/>
+      </p:nvGrpSpPr>
+      <p:grpSpPr>
+        <a:xfrm>
+          <a:off x="0" y="0"/>
+          <a:ext cx="0" cy="0"/>
+          <a:chOff x="0" y="0"/>
+          <a:chExt cx="0" cy="0"/>
+        </a:xfrm>
+      </p:grpSpPr>
+      <p:sp>
+        <p:nvSpPr>
+          <p:cNvPr id="4" name="文本框 3"/>
+          <p:cNvSpPr txBox="1"/>
+          <p:nvPr/>
+        </p:nvSpPr>
+        <p:spPr>
+          <a:xfrm>
+            <a:off x="113817" y="184491"/>
+            <a:ext cx="1576072" cy="523220"/>
+          </a:xfrm>
+          <a:prstGeom prst="rect">
+            <a:avLst/>
+          </a:prstGeom>
+          <a:noFill/>
+        </p:spPr>
+        <p:txBody>
+          <a:bodyPr wrap="none" rtlCol="0">
+            <a:spAutoFit/>
+          </a:bodyPr>
+          <a:lstStyle/>
+          <a:p>
+            <a:r>
+              <a:rPr lang="zh-CN" altLang="en-US" sz="2800" dirty="0" smtClean="0">
+                <a:latin typeface="微软雅黑" panose="020B0503020204020204" pitchFamily="34" charset="-122"/>
+                <a:ea typeface="微软雅黑" panose="020B0503020204020204" pitchFamily="34" charset="-122"/>
+              </a:rPr>
+              <a:t>打开</a:t>
+            </a:r>
+            <a:r>
+              <a:rPr lang="en-US" altLang="zh-CN" sz="2800" dirty="0" smtClean="0">
+                <a:latin typeface="微软雅黑" panose="020B0503020204020204" pitchFamily="34" charset="-122"/>
+                <a:ea typeface="微软雅黑" panose="020B0503020204020204" pitchFamily="34" charset="-122"/>
+              </a:rPr>
+              <a:t>A20</a:t>
+            </a:r>
+            <a:endParaRPr lang="zh-CN" altLang="en-US" sz="2800" dirty="0">
+              <a:latin typeface="微软雅黑" panose="020B0503020204020204" pitchFamily="34" charset="-122"/>
+              <a:ea typeface="微软雅黑" panose="020B0503020204020204" pitchFamily="34" charset="-122"/>
+            </a:endParaRPr>
+          </a:p>
+        </p:txBody>
+      </p:sp>
+      <p:sp>
+        <p:nvSpPr>
+          <p:cNvPr id="5" name="文本框 4"/>
+          <p:cNvSpPr txBox="1"/>
+          <p:nvPr/>
+        </p:nvSpPr>
+        <p:spPr>
+          <a:xfrm>
+            <a:off x="211743" y="845446"/>
+            <a:ext cx="2390398" cy="923330"/>
+          </a:xfrm>
+          <a:prstGeom prst="rect">
+            <a:avLst/>
+          </a:prstGeom>
+          <a:noFill/>
+          <a:ln>
+            <a:solidFill>
+              <a:schemeClr val="bg2">
+                <a:lumMod val="10000"/>
+              </a:schemeClr>
+            </a:solidFill>
+          </a:ln>
+        </p:spPr>
+        <p:txBody>
+          <a:bodyPr wrap="none" rtlCol="0">
+            <a:spAutoFit/>
+          </a:bodyPr>
+          <a:lstStyle/>
+          <a:p>
+            <a:r>
+              <a:rPr lang="en-US" altLang="zh-CN" dirty="0" smtClean="0">
+                <a:latin typeface="Courier New" panose="02070309020205020404" pitchFamily="49" charset="0"/>
+                <a:cs typeface="Courier New" panose="02070309020205020404" pitchFamily="49" charset="0"/>
+              </a:rPr>
+              <a:t>in al,0x92</a:t>
+            </a:r>
+          </a:p>
+          <a:p>
+            <a:r>
+              <a:rPr lang="en-US" altLang="zh-CN" dirty="0" smtClean="0">
+                <a:latin typeface="Courier New" panose="02070309020205020404" pitchFamily="49" charset="0"/>
+                <a:cs typeface="Courier New" panose="02070309020205020404" pitchFamily="49" charset="0"/>
+              </a:rPr>
+              <a:t>or al,0000_0010B</a:t>
+            </a:r>
+          </a:p>
+          <a:p>
+            <a:r>
+              <a:rPr lang="en-US" altLang="zh-CN" dirty="0" smtClean="0">
+                <a:latin typeface="Courier New" panose="02070309020205020404" pitchFamily="49" charset="0"/>
+                <a:cs typeface="Courier New" panose="02070309020205020404" pitchFamily="49" charset="0"/>
+              </a:rPr>
+              <a:t>out 0x92,al</a:t>
+            </a:r>
+            <a:endParaRPr lang="zh-CN" altLang="en-US" dirty="0">
+              <a:latin typeface="Courier New" panose="02070309020205020404" pitchFamily="49" charset="0"/>
+              <a:cs typeface="Courier New" panose="02070309020205020404" pitchFamily="49" charset="0"/>
+            </a:endParaRPr>
+          </a:p>
+        </p:txBody>
+      </p:sp>
+    </p:spTree>
+    <p:extLst>
+      <p:ext uri="{BB962C8B-B14F-4D97-AF65-F5344CB8AC3E}">
+        <p14:creationId xmlns:p14="http://schemas.microsoft.com/office/powerpoint/2010/main" val="691231065"/>
+      </p:ext>
+    </p:extLst>
+  </p:cSld>
+  <p:clrMapOvr>
+    <a:masterClrMapping/>
+  </p:clrMapOvr>
+  <p:timing>
+    <p:tnLst>
+      <p:par>
+        <p:cTn id="1" dur="indefinite" restart="never" nodeType="tmRoot"/>
+      </p:par>
+    </p:tnLst>
+  </p:timing>
 </p:sld>
 </file>
 

--- a/ppts/x86.pptx
+++ b/ppts/x86.pptx
@@ -10,7 +10,8 @@
     <p:sldId id="258" r:id="rId4"/>
     <p:sldId id="259" r:id="rId5"/>
     <p:sldId id="260" r:id="rId6"/>
-    <p:sldId id="261" r:id="rId7"/>
+    <p:sldId id="262" r:id="rId7"/>
+    <p:sldId id="261" r:id="rId8"/>
   </p:sldIdLst>
   <p:sldSz cx="12192000" cy="6858000"/>
   <p:notesSz cx="6858000" cy="9144000"/>
@@ -248,7 +249,7 @@
           <a:p>
             <a:fld id="{B3C7F969-47C4-468A-9F80-B758B73F497F}" type="datetimeFigureOut">
               <a:rPr lang="zh-CN" altLang="en-US" smtClean="0"/>
-              <a:t>2019/5/23</a:t>
+              <a:t>2019/5/24</a:t>
             </a:fld>
             <a:endParaRPr lang="zh-CN" altLang="en-US"/>
           </a:p>
@@ -418,7 +419,7 @@
           <a:p>
             <a:fld id="{B3C7F969-47C4-468A-9F80-B758B73F497F}" type="datetimeFigureOut">
               <a:rPr lang="zh-CN" altLang="en-US" smtClean="0"/>
-              <a:t>2019/5/23</a:t>
+              <a:t>2019/5/24</a:t>
             </a:fld>
             <a:endParaRPr lang="zh-CN" altLang="en-US"/>
           </a:p>
@@ -598,7 +599,7 @@
           <a:p>
             <a:fld id="{B3C7F969-47C4-468A-9F80-B758B73F497F}" type="datetimeFigureOut">
               <a:rPr lang="zh-CN" altLang="en-US" smtClean="0"/>
-              <a:t>2019/5/23</a:t>
+              <a:t>2019/5/24</a:t>
             </a:fld>
             <a:endParaRPr lang="zh-CN" altLang="en-US"/>
           </a:p>
@@ -768,7 +769,7 @@
           <a:p>
             <a:fld id="{B3C7F969-47C4-468A-9F80-B758B73F497F}" type="datetimeFigureOut">
               <a:rPr lang="zh-CN" altLang="en-US" smtClean="0"/>
-              <a:t>2019/5/23</a:t>
+              <a:t>2019/5/24</a:t>
             </a:fld>
             <a:endParaRPr lang="zh-CN" altLang="en-US"/>
           </a:p>
@@ -1014,7 +1015,7 @@
           <a:p>
             <a:fld id="{B3C7F969-47C4-468A-9F80-B758B73F497F}" type="datetimeFigureOut">
               <a:rPr lang="zh-CN" altLang="en-US" smtClean="0"/>
-              <a:t>2019/5/23</a:t>
+              <a:t>2019/5/24</a:t>
             </a:fld>
             <a:endParaRPr lang="zh-CN" altLang="en-US"/>
           </a:p>
@@ -1246,7 +1247,7 @@
           <a:p>
             <a:fld id="{B3C7F969-47C4-468A-9F80-B758B73F497F}" type="datetimeFigureOut">
               <a:rPr lang="zh-CN" altLang="en-US" smtClean="0"/>
-              <a:t>2019/5/23</a:t>
+              <a:t>2019/5/24</a:t>
             </a:fld>
             <a:endParaRPr lang="zh-CN" altLang="en-US"/>
           </a:p>
@@ -1613,7 +1614,7 @@
           <a:p>
             <a:fld id="{B3C7F969-47C4-468A-9F80-B758B73F497F}" type="datetimeFigureOut">
               <a:rPr lang="zh-CN" altLang="en-US" smtClean="0"/>
-              <a:t>2019/5/23</a:t>
+              <a:t>2019/5/24</a:t>
             </a:fld>
             <a:endParaRPr lang="zh-CN" altLang="en-US"/>
           </a:p>
@@ -1731,7 +1732,7 @@
           <a:p>
             <a:fld id="{B3C7F969-47C4-468A-9F80-B758B73F497F}" type="datetimeFigureOut">
               <a:rPr lang="zh-CN" altLang="en-US" smtClean="0"/>
-              <a:t>2019/5/23</a:t>
+              <a:t>2019/5/24</a:t>
             </a:fld>
             <a:endParaRPr lang="zh-CN" altLang="en-US"/>
           </a:p>
@@ -1826,7 +1827,7 @@
           <a:p>
             <a:fld id="{B3C7F969-47C4-468A-9F80-B758B73F497F}" type="datetimeFigureOut">
               <a:rPr lang="zh-CN" altLang="en-US" smtClean="0"/>
-              <a:t>2019/5/23</a:t>
+              <a:t>2019/5/24</a:t>
             </a:fld>
             <a:endParaRPr lang="zh-CN" altLang="en-US"/>
           </a:p>
@@ -2103,7 +2104,7 @@
           <a:p>
             <a:fld id="{B3C7F969-47C4-468A-9F80-B758B73F497F}" type="datetimeFigureOut">
               <a:rPr lang="zh-CN" altLang="en-US" smtClean="0"/>
-              <a:t>2019/5/23</a:t>
+              <a:t>2019/5/24</a:t>
             </a:fld>
             <a:endParaRPr lang="zh-CN" altLang="en-US"/>
           </a:p>
@@ -2356,7 +2357,7 @@
           <a:p>
             <a:fld id="{B3C7F969-47C4-468A-9F80-B758B73F497F}" type="datetimeFigureOut">
               <a:rPr lang="zh-CN" altLang="en-US" smtClean="0"/>
-              <a:t>2019/5/23</a:t>
+              <a:t>2019/5/24</a:t>
             </a:fld>
             <a:endParaRPr lang="zh-CN" altLang="en-US"/>
           </a:p>
@@ -2569,7 +2570,7 @@
           <a:p>
             <a:fld id="{B3C7F969-47C4-468A-9F80-B758B73F497F}" type="datetimeFigureOut">
               <a:rPr lang="zh-CN" altLang="en-US" smtClean="0"/>
-              <a:t>2019/5/23</a:t>
+              <a:t>2019/5/24</a:t>
             </a:fld>
             <a:endParaRPr lang="zh-CN" altLang="en-US"/>
           </a:p>
@@ -8983,7 +8984,19 @@
             </a:r>
             <a:r>
               <a:rPr lang="zh-CN" altLang="en-US" sz="1200" dirty="0" smtClean="0"/>
-              <a:t>位模式</a:t>
+              <a:t>位</a:t>
+            </a:r>
+            <a:r>
+              <a:rPr lang="zh-CN" altLang="en-US" sz="1200" dirty="0"/>
+              <a:t>保护</a:t>
+            </a:r>
+            <a:r>
+              <a:rPr lang="zh-CN" altLang="en-US" sz="1200" dirty="0" smtClean="0"/>
+              <a:t>模</a:t>
+            </a:r>
+            <a:r>
+              <a:rPr lang="zh-CN" altLang="en-US" sz="1200" dirty="0" smtClean="0"/>
+              <a:t>式</a:t>
             </a:r>
             <a:endParaRPr lang="en-US" altLang="zh-CN" sz="1200" dirty="0" smtClean="0"/>
           </a:p>
@@ -9010,7 +9023,11 @@
             </a:r>
             <a:r>
               <a:rPr lang="zh-CN" altLang="en-US" sz="1200" dirty="0" smtClean="0"/>
-              <a:t>位模式</a:t>
+              <a:t>位保护模</a:t>
+            </a:r>
+            <a:r>
+              <a:rPr lang="zh-CN" altLang="en-US" sz="1200" dirty="0" smtClean="0"/>
+              <a:t>式</a:t>
             </a:r>
             <a:endParaRPr lang="en-US" altLang="zh-CN" sz="1200" dirty="0" smtClean="0"/>
           </a:p>
@@ -9119,14 +9136,62 @@
       </p:grpSpPr>
       <p:sp>
         <p:nvSpPr>
-          <p:cNvPr id="4" name="文本框 3"/>
+          <p:cNvPr id="70" name="矩形 69"/>
+          <p:cNvSpPr/>
+          <p:nvPr/>
+        </p:nvSpPr>
+        <p:spPr>
+          <a:xfrm>
+            <a:off x="5939480" y="1582409"/>
+            <a:ext cx="1293341" cy="1046205"/>
+          </a:xfrm>
+          <a:prstGeom prst="rect">
+            <a:avLst/>
+          </a:prstGeom>
+          <a:solidFill>
+            <a:schemeClr val="bg1">
+              <a:lumMod val="85000"/>
+            </a:schemeClr>
+          </a:solidFill>
+          <a:ln>
+            <a:noFill/>
+          </a:ln>
+        </p:spPr>
+        <p:style>
+          <a:lnRef idx="2">
+            <a:schemeClr val="accent1">
+              <a:shade val="50000"/>
+            </a:schemeClr>
+          </a:lnRef>
+          <a:fillRef idx="1">
+            <a:schemeClr val="accent1"/>
+          </a:fillRef>
+          <a:effectRef idx="0">
+            <a:schemeClr val="accent1"/>
+          </a:effectRef>
+          <a:fontRef idx="minor">
+            <a:schemeClr val="lt1"/>
+          </a:fontRef>
+        </p:style>
+        <p:txBody>
+          <a:bodyPr rtlCol="0" anchor="ctr"/>
+          <a:lstStyle/>
+          <a:p>
+            <a:pPr algn="ctr"/>
+            <a:endParaRPr lang="zh-CN" altLang="en-US"/>
+          </a:p>
+        </p:txBody>
+      </p:sp>
+      <p:sp>
+        <p:nvSpPr>
+          <p:cNvPr id="6" name="文本框 5"/>
           <p:cNvSpPr txBox="1"/>
           <p:nvPr/>
         </p:nvSpPr>
         <p:spPr>
           <a:xfrm>
-            <a:off x="113817" y="184491"/>
-            <a:ext cx="1576072" cy="523220"/>
+            <a:off x="435093" y="168014"/>
+            <a:ext cx="2528256" cy="523220"/>
           </a:xfrm>
           <a:prstGeom prst="rect">
             <a:avLst/>
@@ -9140,18 +9205,11 @@
           <a:lstStyle/>
           <a:p>
             <a:r>
-              <a:rPr lang="zh-CN" altLang="en-US" sz="2800" dirty="0" smtClean="0">
-                <a:latin typeface="微软雅黑" panose="020B0503020204020204" pitchFamily="34" charset="-122"/>
-                <a:ea typeface="微软雅黑" panose="020B0503020204020204" pitchFamily="34" charset="-122"/>
-              </a:rPr>
-              <a:t>打开</a:t>
-            </a:r>
-            <a:r>
               <a:rPr lang="en-US" altLang="zh-CN" sz="2800" dirty="0" smtClean="0">
                 <a:latin typeface="微软雅黑" panose="020B0503020204020204" pitchFamily="34" charset="-122"/>
                 <a:ea typeface="微软雅黑" panose="020B0503020204020204" pitchFamily="34" charset="-122"/>
               </a:rPr>
-              <a:t>A20</a:t>
+              <a:t>Protect Mode</a:t>
             </a:r>
             <a:endParaRPr lang="zh-CN" altLang="en-US" sz="2800" dirty="0">
               <a:latin typeface="微软雅黑" panose="020B0503020204020204" pitchFamily="34" charset="-122"/>
@@ -9162,13 +9220,1694 @@
       </p:sp>
       <p:sp>
         <p:nvSpPr>
+          <p:cNvPr id="9" name="文本框 8"/>
+          <p:cNvSpPr txBox="1"/>
+          <p:nvPr/>
+        </p:nvSpPr>
+        <p:spPr>
+          <a:xfrm>
+            <a:off x="435093" y="3381702"/>
+            <a:ext cx="2023631" cy="523220"/>
+          </a:xfrm>
+          <a:prstGeom prst="rect">
+            <a:avLst/>
+          </a:prstGeom>
+          <a:noFill/>
+        </p:spPr>
+        <p:txBody>
+          <a:bodyPr wrap="none" rtlCol="0">
+            <a:spAutoFit/>
+          </a:bodyPr>
+          <a:lstStyle/>
+          <a:p>
+            <a:r>
+              <a:rPr lang="en-US" altLang="zh-CN" sz="2800" dirty="0" smtClean="0">
+                <a:latin typeface="微软雅黑" panose="020B0503020204020204" pitchFamily="34" charset="-122"/>
+                <a:ea typeface="微软雅黑" panose="020B0503020204020204" pitchFamily="34" charset="-122"/>
+              </a:rPr>
+              <a:t>Real Mode</a:t>
+            </a:r>
+            <a:endParaRPr lang="zh-CN" altLang="en-US" sz="2800" dirty="0">
+              <a:latin typeface="微软雅黑" panose="020B0503020204020204" pitchFamily="34" charset="-122"/>
+              <a:ea typeface="微软雅黑" panose="020B0503020204020204" pitchFamily="34" charset="-122"/>
+            </a:endParaRPr>
+          </a:p>
+        </p:txBody>
+      </p:sp>
+      <p:sp>
+        <p:nvSpPr>
+          <p:cNvPr id="2" name="矩形 1"/>
+          <p:cNvSpPr/>
+          <p:nvPr/>
+        </p:nvSpPr>
+        <p:spPr>
+          <a:xfrm>
+            <a:off x="1688757" y="1276865"/>
+            <a:ext cx="769967" cy="403654"/>
+          </a:xfrm>
+          <a:prstGeom prst="rect">
+            <a:avLst/>
+          </a:prstGeom>
+          <a:noFill/>
+        </p:spPr>
+        <p:style>
+          <a:lnRef idx="2">
+            <a:schemeClr val="accent1">
+              <a:shade val="50000"/>
+            </a:schemeClr>
+          </a:lnRef>
+          <a:fillRef idx="1">
+            <a:schemeClr val="accent1"/>
+          </a:fillRef>
+          <a:effectRef idx="0">
+            <a:schemeClr val="accent1"/>
+          </a:effectRef>
+          <a:fontRef idx="minor">
+            <a:schemeClr val="lt1"/>
+          </a:fontRef>
+        </p:style>
+        <p:txBody>
+          <a:bodyPr rtlCol="0" anchor="ctr"/>
+          <a:lstStyle/>
+          <a:p>
+            <a:pPr algn="ctr"/>
+            <a:r>
+              <a:rPr lang="en-US" altLang="zh-CN" dirty="0" smtClean="0">
+                <a:solidFill>
+                  <a:schemeClr val="tx1">
+                    <a:lumMod val="95000"/>
+                    <a:lumOff val="5000"/>
+                  </a:schemeClr>
+                </a:solidFill>
+              </a:rPr>
+              <a:t>DS</a:t>
+            </a:r>
+            <a:endParaRPr lang="zh-CN" altLang="en-US" dirty="0">
+              <a:solidFill>
+                <a:schemeClr val="tx1">
+                  <a:lumMod val="95000"/>
+                  <a:lumOff val="5000"/>
+                </a:schemeClr>
+              </a:solidFill>
+            </a:endParaRPr>
+          </a:p>
+        </p:txBody>
+      </p:sp>
+      <p:sp>
+        <p:nvSpPr>
+          <p:cNvPr id="10" name="矩形 9"/>
+          <p:cNvSpPr/>
+          <p:nvPr/>
+        </p:nvSpPr>
+        <p:spPr>
+          <a:xfrm>
+            <a:off x="2578365" y="1276865"/>
+            <a:ext cx="1384035" cy="403654"/>
+          </a:xfrm>
+          <a:prstGeom prst="rect">
+            <a:avLst/>
+          </a:prstGeom>
+          <a:noFill/>
+        </p:spPr>
+        <p:style>
+          <a:lnRef idx="2">
+            <a:schemeClr val="accent1">
+              <a:shade val="50000"/>
+            </a:schemeClr>
+          </a:lnRef>
+          <a:fillRef idx="1">
+            <a:schemeClr val="accent1"/>
+          </a:fillRef>
+          <a:effectRef idx="0">
+            <a:schemeClr val="accent1"/>
+          </a:effectRef>
+          <a:fontRef idx="minor">
+            <a:schemeClr val="lt1"/>
+          </a:fontRef>
+        </p:style>
+        <p:txBody>
+          <a:bodyPr rtlCol="0" anchor="ctr"/>
+          <a:lstStyle/>
+          <a:p>
+            <a:pPr algn="ctr"/>
+            <a:r>
+              <a:rPr lang="en-US" altLang="zh-CN" dirty="0" smtClean="0">
+                <a:solidFill>
+                  <a:schemeClr val="tx1">
+                    <a:lumMod val="95000"/>
+                    <a:lumOff val="5000"/>
+                  </a:schemeClr>
+                </a:solidFill>
+              </a:rPr>
+              <a:t>DS Cache</a:t>
+            </a:r>
+            <a:endParaRPr lang="zh-CN" altLang="en-US" dirty="0">
+              <a:solidFill>
+                <a:schemeClr val="tx1">
+                  <a:lumMod val="95000"/>
+                  <a:lumOff val="5000"/>
+                </a:schemeClr>
+              </a:solidFill>
+            </a:endParaRPr>
+          </a:p>
+        </p:txBody>
+      </p:sp>
+      <p:sp>
+        <p:nvSpPr>
+          <p:cNvPr id="11" name="矩形 10"/>
+          <p:cNvSpPr/>
+          <p:nvPr/>
+        </p:nvSpPr>
+        <p:spPr>
+          <a:xfrm>
+            <a:off x="1688757" y="2224960"/>
+            <a:ext cx="769967" cy="403654"/>
+          </a:xfrm>
+          <a:prstGeom prst="rect">
+            <a:avLst/>
+          </a:prstGeom>
+          <a:noFill/>
+        </p:spPr>
+        <p:style>
+          <a:lnRef idx="2">
+            <a:schemeClr val="accent1">
+              <a:shade val="50000"/>
+            </a:schemeClr>
+          </a:lnRef>
+          <a:fillRef idx="1">
+            <a:schemeClr val="accent1"/>
+          </a:fillRef>
+          <a:effectRef idx="0">
+            <a:schemeClr val="accent1"/>
+          </a:effectRef>
+          <a:fontRef idx="minor">
+            <a:schemeClr val="lt1"/>
+          </a:fontRef>
+        </p:style>
+        <p:txBody>
+          <a:bodyPr rtlCol="0" anchor="ctr"/>
+          <a:lstStyle/>
+          <a:p>
+            <a:pPr algn="ctr"/>
+            <a:r>
+              <a:rPr lang="en-US" altLang="zh-CN" dirty="0" smtClean="0">
+                <a:solidFill>
+                  <a:schemeClr val="tx1">
+                    <a:lumMod val="95000"/>
+                    <a:lumOff val="5000"/>
+                  </a:schemeClr>
+                </a:solidFill>
+              </a:rPr>
+              <a:t>GDTR</a:t>
+            </a:r>
+            <a:endParaRPr lang="zh-CN" altLang="en-US" dirty="0">
+              <a:solidFill>
+                <a:schemeClr val="tx1">
+                  <a:lumMod val="95000"/>
+                  <a:lumOff val="5000"/>
+                </a:schemeClr>
+              </a:solidFill>
+            </a:endParaRPr>
+          </a:p>
+        </p:txBody>
+      </p:sp>
+      <p:sp>
+        <p:nvSpPr>
+          <p:cNvPr id="12" name="矩形 11"/>
+          <p:cNvSpPr/>
+          <p:nvPr/>
+        </p:nvSpPr>
+        <p:spPr>
+          <a:xfrm>
+            <a:off x="1342768" y="778616"/>
+            <a:ext cx="3048000" cy="2351762"/>
+          </a:xfrm>
+          <a:prstGeom prst="rect">
+            <a:avLst/>
+          </a:prstGeom>
+          <a:noFill/>
+        </p:spPr>
+        <p:style>
+          <a:lnRef idx="2">
+            <a:schemeClr val="accent1">
+              <a:shade val="50000"/>
+            </a:schemeClr>
+          </a:lnRef>
+          <a:fillRef idx="1">
+            <a:schemeClr val="accent1"/>
+          </a:fillRef>
+          <a:effectRef idx="0">
+            <a:schemeClr val="accent1"/>
+          </a:effectRef>
+          <a:fontRef idx="minor">
+            <a:schemeClr val="lt1"/>
+          </a:fontRef>
+        </p:style>
+        <p:txBody>
+          <a:bodyPr rtlCol="0" anchor="t"/>
+          <a:lstStyle/>
+          <a:p>
+            <a:r>
+              <a:rPr lang="en-US" altLang="zh-CN" dirty="0" smtClean="0">
+                <a:solidFill>
+                  <a:schemeClr val="tx1">
+                    <a:lumMod val="95000"/>
+                    <a:lumOff val="5000"/>
+                  </a:schemeClr>
+                </a:solidFill>
+              </a:rPr>
+              <a:t>CPU</a:t>
+            </a:r>
+          </a:p>
+        </p:txBody>
+      </p:sp>
+      <p:sp>
+        <p:nvSpPr>
+          <p:cNvPr id="13" name="矩形 12"/>
+          <p:cNvSpPr/>
+          <p:nvPr/>
+        </p:nvSpPr>
+        <p:spPr>
+          <a:xfrm>
+            <a:off x="5939480" y="778616"/>
+            <a:ext cx="1293341" cy="2351762"/>
+          </a:xfrm>
+          <a:prstGeom prst="rect">
+            <a:avLst/>
+          </a:prstGeom>
+          <a:noFill/>
+        </p:spPr>
+        <p:style>
+          <a:lnRef idx="2">
+            <a:schemeClr val="accent1">
+              <a:shade val="50000"/>
+            </a:schemeClr>
+          </a:lnRef>
+          <a:fillRef idx="1">
+            <a:schemeClr val="accent1"/>
+          </a:fillRef>
+          <a:effectRef idx="0">
+            <a:schemeClr val="accent1"/>
+          </a:effectRef>
+          <a:fontRef idx="minor">
+            <a:schemeClr val="lt1"/>
+          </a:fontRef>
+        </p:style>
+        <p:txBody>
+          <a:bodyPr rtlCol="0" anchor="t"/>
+          <a:lstStyle/>
+          <a:p>
+            <a:r>
+              <a:rPr lang="en-US" altLang="zh-CN" dirty="0" smtClean="0">
+                <a:solidFill>
+                  <a:schemeClr val="tx1">
+                    <a:lumMod val="95000"/>
+                    <a:lumOff val="5000"/>
+                  </a:schemeClr>
+                </a:solidFill>
+              </a:rPr>
+              <a:t>Memory</a:t>
+            </a:r>
+          </a:p>
+        </p:txBody>
+      </p:sp>
+      <p:cxnSp>
+        <p:nvCxnSpPr>
+          <p:cNvPr id="7" name="直接箭头连接符 6"/>
+          <p:cNvCxnSpPr/>
+          <p:nvPr/>
+        </p:nvCxnSpPr>
+        <p:spPr>
+          <a:xfrm>
+            <a:off x="2458724" y="2628614"/>
+            <a:ext cx="3480756" cy="0"/>
+          </a:xfrm>
+          <a:prstGeom prst="straightConnector1">
+            <a:avLst/>
+          </a:prstGeom>
+          <a:ln>
+            <a:tailEnd type="triangle"/>
+          </a:ln>
+        </p:spPr>
+        <p:style>
+          <a:lnRef idx="1">
+            <a:schemeClr val="accent1"/>
+          </a:lnRef>
+          <a:fillRef idx="0">
+            <a:schemeClr val="accent1"/>
+          </a:fillRef>
+          <a:effectRef idx="0">
+            <a:schemeClr val="accent1"/>
+          </a:effectRef>
+          <a:fontRef idx="minor">
+            <a:schemeClr val="tx1"/>
+          </a:fontRef>
+        </p:style>
+      </p:cxnSp>
+      <p:cxnSp>
+        <p:nvCxnSpPr>
+          <p:cNvPr id="15" name="直接连接符 14"/>
+          <p:cNvCxnSpPr/>
+          <p:nvPr/>
+        </p:nvCxnSpPr>
+        <p:spPr>
+          <a:xfrm>
+            <a:off x="5939480" y="2628614"/>
+            <a:ext cx="1293341" cy="0"/>
+          </a:xfrm>
+          <a:prstGeom prst="line">
+            <a:avLst/>
+          </a:prstGeom>
+          <a:ln>
+            <a:solidFill>
+              <a:schemeClr val="bg2">
+                <a:lumMod val="50000"/>
+              </a:schemeClr>
+            </a:solidFill>
+          </a:ln>
+        </p:spPr>
+        <p:style>
+          <a:lnRef idx="1">
+            <a:schemeClr val="accent1"/>
+          </a:lnRef>
+          <a:fillRef idx="0">
+            <a:schemeClr val="accent1"/>
+          </a:fillRef>
+          <a:effectRef idx="0">
+            <a:schemeClr val="accent1"/>
+          </a:effectRef>
+          <a:fontRef idx="minor">
+            <a:schemeClr val="tx1"/>
+          </a:fontRef>
+        </p:style>
+      </p:cxnSp>
+      <p:sp>
+        <p:nvSpPr>
+          <p:cNvPr id="16" name="文本框 15"/>
+          <p:cNvSpPr txBox="1"/>
+          <p:nvPr/>
+        </p:nvSpPr>
+        <p:spPr>
+          <a:xfrm>
+            <a:off x="7232821" y="2490114"/>
+            <a:ext cx="755528" cy="276999"/>
+          </a:xfrm>
+          <a:prstGeom prst="rect">
+            <a:avLst/>
+          </a:prstGeom>
+          <a:noFill/>
+        </p:spPr>
+        <p:txBody>
+          <a:bodyPr wrap="none" rtlCol="0">
+            <a:spAutoFit/>
+          </a:bodyPr>
+          <a:lstStyle/>
+          <a:p>
+            <a:r>
+              <a:rPr lang="en-US" altLang="zh-CN" sz="1200" dirty="0" smtClean="0"/>
+              <a:t>gdt_base</a:t>
+            </a:r>
+            <a:endParaRPr lang="zh-CN" altLang="en-US" sz="1200" dirty="0"/>
+          </a:p>
+        </p:txBody>
+      </p:sp>
+      <p:sp>
+        <p:nvSpPr>
+          <p:cNvPr id="17" name="椭圆 16"/>
+          <p:cNvSpPr/>
+          <p:nvPr/>
+        </p:nvSpPr>
+        <p:spPr>
+          <a:xfrm>
+            <a:off x="4810897" y="1845276"/>
+            <a:ext cx="486032" cy="486032"/>
+          </a:xfrm>
+          <a:prstGeom prst="ellipse">
+            <a:avLst/>
+          </a:prstGeom>
+          <a:noFill/>
+          <a:ln>
+            <a:solidFill>
+              <a:schemeClr val="bg1">
+                <a:lumMod val="50000"/>
+              </a:schemeClr>
+            </a:solidFill>
+          </a:ln>
+        </p:spPr>
+        <p:style>
+          <a:lnRef idx="2">
+            <a:schemeClr val="accent1">
+              <a:shade val="50000"/>
+            </a:schemeClr>
+          </a:lnRef>
+          <a:fillRef idx="1">
+            <a:schemeClr val="accent1"/>
+          </a:fillRef>
+          <a:effectRef idx="0">
+            <a:schemeClr val="accent1"/>
+          </a:effectRef>
+          <a:fontRef idx="minor">
+            <a:schemeClr val="lt1"/>
+          </a:fontRef>
+        </p:style>
+        <p:txBody>
+          <a:bodyPr rtlCol="0" anchor="ctr"/>
+          <a:lstStyle/>
+          <a:p>
+            <a:pPr algn="ctr"/>
+            <a:r>
+              <a:rPr lang="en-US" altLang="zh-CN" sz="1200" dirty="0" smtClean="0">
+                <a:solidFill>
+                  <a:schemeClr val="tx1">
+                    <a:lumMod val="95000"/>
+                    <a:lumOff val="5000"/>
+                  </a:schemeClr>
+                </a:solidFill>
+              </a:rPr>
+              <a:t>x8</a:t>
+            </a:r>
+            <a:endParaRPr lang="zh-CN" altLang="en-US" sz="1200" dirty="0">
+              <a:solidFill>
+                <a:schemeClr val="tx1">
+                  <a:lumMod val="95000"/>
+                  <a:lumOff val="5000"/>
+                </a:schemeClr>
+              </a:solidFill>
+            </a:endParaRPr>
+          </a:p>
+        </p:txBody>
+      </p:sp>
+      <p:cxnSp>
+        <p:nvCxnSpPr>
+          <p:cNvPr id="19" name="肘形连接符 18"/>
+          <p:cNvCxnSpPr>
+            <a:stCxn id="2" idx="2"/>
+            <a:endCxn id="17" idx="2"/>
+          </p:cNvCxnSpPr>
+          <p:nvPr/>
+        </p:nvCxnSpPr>
+        <p:spPr>
+          <a:xfrm rot="16200000" flipH="1">
+            <a:off x="3238433" y="515827"/>
+            <a:ext cx="407773" cy="2737156"/>
+          </a:xfrm>
+          <a:prstGeom prst="bentConnector2">
+            <a:avLst/>
+          </a:prstGeom>
+          <a:ln>
+            <a:tailEnd type="triangle"/>
+          </a:ln>
+        </p:spPr>
+        <p:style>
+          <a:lnRef idx="1">
+            <a:schemeClr val="accent1"/>
+          </a:lnRef>
+          <a:fillRef idx="0">
+            <a:schemeClr val="accent1"/>
+          </a:fillRef>
+          <a:effectRef idx="0">
+            <a:schemeClr val="accent1"/>
+          </a:effectRef>
+          <a:fontRef idx="minor">
+            <a:schemeClr val="tx1"/>
+          </a:fontRef>
+        </p:style>
+      </p:cxnSp>
+      <p:cxnSp>
+        <p:nvCxnSpPr>
+          <p:cNvPr id="20" name="直接连接符 19"/>
+          <p:cNvCxnSpPr/>
+          <p:nvPr/>
+        </p:nvCxnSpPr>
+        <p:spPr>
+          <a:xfrm>
+            <a:off x="5939480" y="1582409"/>
+            <a:ext cx="1293341" cy="0"/>
+          </a:xfrm>
+          <a:prstGeom prst="line">
+            <a:avLst/>
+          </a:prstGeom>
+          <a:ln>
+            <a:solidFill>
+              <a:schemeClr val="bg2">
+                <a:lumMod val="50000"/>
+              </a:schemeClr>
+            </a:solidFill>
+          </a:ln>
+        </p:spPr>
+        <p:style>
+          <a:lnRef idx="1">
+            <a:schemeClr val="accent1"/>
+          </a:lnRef>
+          <a:fillRef idx="0">
+            <a:schemeClr val="accent1"/>
+          </a:fillRef>
+          <a:effectRef idx="0">
+            <a:schemeClr val="accent1"/>
+          </a:effectRef>
+          <a:fontRef idx="minor">
+            <a:schemeClr val="tx1"/>
+          </a:fontRef>
+        </p:style>
+      </p:cxnSp>
+      <p:sp>
+        <p:nvSpPr>
+          <p:cNvPr id="21" name="右大括号 20"/>
+          <p:cNvSpPr/>
+          <p:nvPr/>
+        </p:nvSpPr>
+        <p:spPr>
+          <a:xfrm>
+            <a:off x="7339914" y="1582409"/>
+            <a:ext cx="354227" cy="1046205"/>
+          </a:xfrm>
+          <a:prstGeom prst="rightBrace">
+            <a:avLst/>
+          </a:prstGeom>
+        </p:spPr>
+        <p:style>
+          <a:lnRef idx="1">
+            <a:schemeClr val="accent1"/>
+          </a:lnRef>
+          <a:fillRef idx="0">
+            <a:schemeClr val="accent1"/>
+          </a:fillRef>
+          <a:effectRef idx="0">
+            <a:schemeClr val="accent1"/>
+          </a:effectRef>
+          <a:fontRef idx="minor">
+            <a:schemeClr val="tx1"/>
+          </a:fontRef>
+        </p:style>
+        <p:txBody>
+          <a:bodyPr rtlCol="0" anchor="ctr"/>
+          <a:lstStyle/>
+          <a:p>
+            <a:pPr algn="ctr"/>
+            <a:endParaRPr lang="zh-CN" altLang="en-US"/>
+          </a:p>
+        </p:txBody>
+      </p:sp>
+      <p:sp>
+        <p:nvSpPr>
+          <p:cNvPr id="22" name="文本框 21"/>
+          <p:cNvSpPr txBox="1"/>
+          <p:nvPr/>
+        </p:nvSpPr>
+        <p:spPr>
+          <a:xfrm>
+            <a:off x="7801234" y="1954497"/>
+            <a:ext cx="450636" cy="276999"/>
+          </a:xfrm>
+          <a:prstGeom prst="rect">
+            <a:avLst/>
+          </a:prstGeom>
+          <a:noFill/>
+        </p:spPr>
+        <p:txBody>
+          <a:bodyPr wrap="none" rtlCol="0">
+            <a:spAutoFit/>
+          </a:bodyPr>
+          <a:lstStyle/>
+          <a:p>
+            <a:r>
+              <a:rPr lang="en-US" altLang="zh-CN" sz="1200" dirty="0" smtClean="0"/>
+              <a:t>GDT</a:t>
+            </a:r>
+            <a:endParaRPr lang="zh-CN" altLang="en-US" sz="1200" dirty="0"/>
+          </a:p>
+        </p:txBody>
+      </p:sp>
+      <p:cxnSp>
+        <p:nvCxnSpPr>
+          <p:cNvPr id="24" name="直接箭头连接符 23"/>
+          <p:cNvCxnSpPr>
+            <a:stCxn id="17" idx="6"/>
+          </p:cNvCxnSpPr>
+          <p:nvPr/>
+        </p:nvCxnSpPr>
+        <p:spPr>
+          <a:xfrm>
+            <a:off x="5296929" y="2088292"/>
+            <a:ext cx="642551" cy="0"/>
+          </a:xfrm>
+          <a:prstGeom prst="straightConnector1">
+            <a:avLst/>
+          </a:prstGeom>
+          <a:ln>
+            <a:tailEnd type="triangle"/>
+          </a:ln>
+        </p:spPr>
+        <p:style>
+          <a:lnRef idx="1">
+            <a:schemeClr val="accent1"/>
+          </a:lnRef>
+          <a:fillRef idx="0">
+            <a:schemeClr val="accent1"/>
+          </a:fillRef>
+          <a:effectRef idx="0">
+            <a:schemeClr val="accent1"/>
+          </a:effectRef>
+          <a:fontRef idx="minor">
+            <a:schemeClr val="tx1"/>
+          </a:fontRef>
+        </p:style>
+      </p:cxnSp>
+      <p:cxnSp>
+        <p:nvCxnSpPr>
+          <p:cNvPr id="25" name="直接连接符 24"/>
+          <p:cNvCxnSpPr/>
+          <p:nvPr/>
+        </p:nvCxnSpPr>
+        <p:spPr>
+          <a:xfrm>
+            <a:off x="5939480" y="2089035"/>
+            <a:ext cx="1293341" cy="0"/>
+          </a:xfrm>
+          <a:prstGeom prst="line">
+            <a:avLst/>
+          </a:prstGeom>
+          <a:ln w="28575">
+            <a:solidFill>
+              <a:srgbClr val="FF0000"/>
+            </a:solidFill>
+          </a:ln>
+        </p:spPr>
+        <p:style>
+          <a:lnRef idx="1">
+            <a:schemeClr val="accent1"/>
+          </a:lnRef>
+          <a:fillRef idx="0">
+            <a:schemeClr val="accent1"/>
+          </a:fillRef>
+          <a:effectRef idx="0">
+            <a:schemeClr val="accent1"/>
+          </a:effectRef>
+          <a:fontRef idx="minor">
+            <a:schemeClr val="tx1"/>
+          </a:fontRef>
+        </p:style>
+      </p:cxnSp>
+      <p:cxnSp>
+        <p:nvCxnSpPr>
+          <p:cNvPr id="28" name="肘形连接符 27"/>
+          <p:cNvCxnSpPr/>
+          <p:nvPr/>
+        </p:nvCxnSpPr>
+        <p:spPr>
+          <a:xfrm rot="10800000">
+            <a:off x="3962401" y="1462216"/>
+            <a:ext cx="2685535" cy="626818"/>
+          </a:xfrm>
+          <a:prstGeom prst="bentConnector3">
+            <a:avLst>
+              <a:gd name="adj1" fmla="val 613"/>
+            </a:avLst>
+          </a:prstGeom>
+          <a:ln>
+            <a:tailEnd type="triangle"/>
+          </a:ln>
+        </p:spPr>
+        <p:style>
+          <a:lnRef idx="1">
+            <a:schemeClr val="accent1"/>
+          </a:lnRef>
+          <a:fillRef idx="0">
+            <a:schemeClr val="accent1"/>
+          </a:fillRef>
+          <a:effectRef idx="0">
+            <a:schemeClr val="accent1"/>
+          </a:effectRef>
+          <a:fontRef idx="minor">
+            <a:schemeClr val="tx1"/>
+          </a:fontRef>
+        </p:style>
+      </p:cxnSp>
+      <p:sp>
+        <p:nvSpPr>
+          <p:cNvPr id="34" name="矩形 33"/>
+          <p:cNvSpPr/>
+          <p:nvPr/>
+        </p:nvSpPr>
+        <p:spPr>
+          <a:xfrm>
+            <a:off x="1631092" y="4592232"/>
+            <a:ext cx="769967" cy="403654"/>
+          </a:xfrm>
+          <a:prstGeom prst="rect">
+            <a:avLst/>
+          </a:prstGeom>
+          <a:noFill/>
+        </p:spPr>
+        <p:style>
+          <a:lnRef idx="2">
+            <a:schemeClr val="accent1">
+              <a:shade val="50000"/>
+            </a:schemeClr>
+          </a:lnRef>
+          <a:fillRef idx="1">
+            <a:schemeClr val="accent1"/>
+          </a:fillRef>
+          <a:effectRef idx="0">
+            <a:schemeClr val="accent1"/>
+          </a:effectRef>
+          <a:fontRef idx="minor">
+            <a:schemeClr val="lt1"/>
+          </a:fontRef>
+        </p:style>
+        <p:txBody>
+          <a:bodyPr rtlCol="0" anchor="ctr"/>
+          <a:lstStyle/>
+          <a:p>
+            <a:pPr algn="ctr"/>
+            <a:r>
+              <a:rPr lang="en-US" altLang="zh-CN" dirty="0" smtClean="0">
+                <a:solidFill>
+                  <a:schemeClr val="tx1">
+                    <a:lumMod val="95000"/>
+                    <a:lumOff val="5000"/>
+                  </a:schemeClr>
+                </a:solidFill>
+              </a:rPr>
+              <a:t>DS</a:t>
+            </a:r>
+            <a:endParaRPr lang="zh-CN" altLang="en-US" dirty="0">
+              <a:solidFill>
+                <a:schemeClr val="tx1">
+                  <a:lumMod val="95000"/>
+                  <a:lumOff val="5000"/>
+                </a:schemeClr>
+              </a:solidFill>
+            </a:endParaRPr>
+          </a:p>
+        </p:txBody>
+      </p:sp>
+      <p:sp>
+        <p:nvSpPr>
+          <p:cNvPr id="35" name="矩形 34"/>
+          <p:cNvSpPr/>
+          <p:nvPr/>
+        </p:nvSpPr>
+        <p:spPr>
+          <a:xfrm>
+            <a:off x="2520700" y="4592232"/>
+            <a:ext cx="1384035" cy="403654"/>
+          </a:xfrm>
+          <a:prstGeom prst="rect">
+            <a:avLst/>
+          </a:prstGeom>
+          <a:noFill/>
+        </p:spPr>
+        <p:style>
+          <a:lnRef idx="2">
+            <a:schemeClr val="accent1">
+              <a:shade val="50000"/>
+            </a:schemeClr>
+          </a:lnRef>
+          <a:fillRef idx="1">
+            <a:schemeClr val="accent1"/>
+          </a:fillRef>
+          <a:effectRef idx="0">
+            <a:schemeClr val="accent1"/>
+          </a:effectRef>
+          <a:fontRef idx="minor">
+            <a:schemeClr val="lt1"/>
+          </a:fontRef>
+        </p:style>
+        <p:txBody>
+          <a:bodyPr rtlCol="0" anchor="ctr"/>
+          <a:lstStyle/>
+          <a:p>
+            <a:pPr algn="ctr"/>
+            <a:r>
+              <a:rPr lang="en-US" altLang="zh-CN" dirty="0" smtClean="0">
+                <a:solidFill>
+                  <a:schemeClr val="tx1">
+                    <a:lumMod val="95000"/>
+                    <a:lumOff val="5000"/>
+                  </a:schemeClr>
+                </a:solidFill>
+              </a:rPr>
+              <a:t>DS Cache</a:t>
+            </a:r>
+            <a:endParaRPr lang="zh-CN" altLang="en-US" dirty="0">
+              <a:solidFill>
+                <a:schemeClr val="tx1">
+                  <a:lumMod val="95000"/>
+                  <a:lumOff val="5000"/>
+                </a:schemeClr>
+              </a:solidFill>
+            </a:endParaRPr>
+          </a:p>
+        </p:txBody>
+      </p:sp>
+      <p:sp>
+        <p:nvSpPr>
+          <p:cNvPr id="37" name="矩形 36"/>
+          <p:cNvSpPr/>
+          <p:nvPr/>
+        </p:nvSpPr>
+        <p:spPr>
+          <a:xfrm>
+            <a:off x="1285103" y="4093983"/>
+            <a:ext cx="3048000" cy="2351762"/>
+          </a:xfrm>
+          <a:prstGeom prst="rect">
+            <a:avLst/>
+          </a:prstGeom>
+          <a:noFill/>
+        </p:spPr>
+        <p:style>
+          <a:lnRef idx="2">
+            <a:schemeClr val="accent1">
+              <a:shade val="50000"/>
+            </a:schemeClr>
+          </a:lnRef>
+          <a:fillRef idx="1">
+            <a:schemeClr val="accent1"/>
+          </a:fillRef>
+          <a:effectRef idx="0">
+            <a:schemeClr val="accent1"/>
+          </a:effectRef>
+          <a:fontRef idx="minor">
+            <a:schemeClr val="lt1"/>
+          </a:fontRef>
+        </p:style>
+        <p:txBody>
+          <a:bodyPr rtlCol="0" anchor="t"/>
+          <a:lstStyle/>
+          <a:p>
+            <a:r>
+              <a:rPr lang="en-US" altLang="zh-CN" dirty="0" smtClean="0">
+                <a:solidFill>
+                  <a:schemeClr val="tx1">
+                    <a:lumMod val="95000"/>
+                    <a:lumOff val="5000"/>
+                  </a:schemeClr>
+                </a:solidFill>
+              </a:rPr>
+              <a:t>CPU</a:t>
+            </a:r>
+          </a:p>
+        </p:txBody>
+      </p:sp>
+      <p:cxnSp>
+        <p:nvCxnSpPr>
+          <p:cNvPr id="43" name="肘形连接符 42"/>
+          <p:cNvCxnSpPr>
+            <a:stCxn id="34" idx="2"/>
+          </p:cNvCxnSpPr>
+          <p:nvPr/>
+        </p:nvCxnSpPr>
+        <p:spPr>
+          <a:xfrm rot="16200000" flipH="1">
+            <a:off x="4098916" y="2913045"/>
+            <a:ext cx="408516" cy="4574197"/>
+          </a:xfrm>
+          <a:prstGeom prst="bentConnector2">
+            <a:avLst/>
+          </a:prstGeom>
+          <a:ln>
+            <a:tailEnd type="triangle"/>
+          </a:ln>
+        </p:spPr>
+        <p:style>
+          <a:lnRef idx="1">
+            <a:schemeClr val="accent1"/>
+          </a:lnRef>
+          <a:fillRef idx="0">
+            <a:schemeClr val="accent1"/>
+          </a:fillRef>
+          <a:effectRef idx="0">
+            <a:schemeClr val="accent1"/>
+          </a:effectRef>
+          <a:fontRef idx="minor">
+            <a:schemeClr val="tx1"/>
+          </a:fontRef>
+        </p:style>
+      </p:cxnSp>
+      <p:cxnSp>
+        <p:nvCxnSpPr>
+          <p:cNvPr id="49" name="肘形连接符 48"/>
+          <p:cNvCxnSpPr/>
+          <p:nvPr/>
+        </p:nvCxnSpPr>
+        <p:spPr>
+          <a:xfrm rot="10800000">
+            <a:off x="3904736" y="4777583"/>
+            <a:ext cx="2685535" cy="626818"/>
+          </a:xfrm>
+          <a:prstGeom prst="bentConnector3">
+            <a:avLst>
+              <a:gd name="adj1" fmla="val 613"/>
+            </a:avLst>
+          </a:prstGeom>
+          <a:ln>
+            <a:tailEnd type="triangle"/>
+          </a:ln>
+        </p:spPr>
+        <p:style>
+          <a:lnRef idx="1">
+            <a:schemeClr val="accent1"/>
+          </a:lnRef>
+          <a:fillRef idx="0">
+            <a:schemeClr val="accent1"/>
+          </a:fillRef>
+          <a:effectRef idx="0">
+            <a:schemeClr val="accent1"/>
+          </a:effectRef>
+          <a:fontRef idx="minor">
+            <a:schemeClr val="tx1"/>
+          </a:fontRef>
+        </p:style>
+      </p:cxnSp>
+      <p:sp>
+        <p:nvSpPr>
+          <p:cNvPr id="50" name="文本框 49"/>
+          <p:cNvSpPr txBox="1"/>
+          <p:nvPr/>
+        </p:nvSpPr>
+        <p:spPr>
+          <a:xfrm>
+            <a:off x="2790385" y="1807174"/>
+            <a:ext cx="1261884" cy="276999"/>
+          </a:xfrm>
+          <a:prstGeom prst="rect">
+            <a:avLst/>
+          </a:prstGeom>
+          <a:noFill/>
+        </p:spPr>
+        <p:txBody>
+          <a:bodyPr wrap="none" rtlCol="0">
+            <a:spAutoFit/>
+          </a:bodyPr>
+          <a:lstStyle/>
+          <a:p>
+            <a:r>
+              <a:rPr lang="zh-CN" altLang="en-US" sz="1200" dirty="0" smtClean="0"/>
+              <a:t>段描述符索引号</a:t>
+            </a:r>
+            <a:endParaRPr lang="zh-CN" altLang="en-US" sz="1200" dirty="0"/>
+          </a:p>
+        </p:txBody>
+      </p:sp>
+      <p:sp>
+        <p:nvSpPr>
+          <p:cNvPr id="53" name="文本框 52"/>
+          <p:cNvSpPr txBox="1"/>
+          <p:nvPr/>
+        </p:nvSpPr>
+        <p:spPr>
+          <a:xfrm>
+            <a:off x="7694141" y="778616"/>
+            <a:ext cx="981359" cy="276999"/>
+          </a:xfrm>
+          <a:prstGeom prst="rect">
+            <a:avLst/>
+          </a:prstGeom>
+          <a:noFill/>
+        </p:spPr>
+        <p:txBody>
+          <a:bodyPr wrap="none" rtlCol="0">
+            <a:spAutoFit/>
+          </a:bodyPr>
+          <a:lstStyle/>
+          <a:p>
+            <a:r>
+              <a:rPr lang="en-US" altLang="zh-CN" sz="1200" dirty="0" smtClean="0"/>
+              <a:t>DS</a:t>
+            </a:r>
+            <a:r>
+              <a:rPr lang="zh-CN" altLang="en-US" sz="1200" dirty="0" smtClean="0"/>
+              <a:t>（</a:t>
+            </a:r>
+            <a:r>
+              <a:rPr lang="en-US" altLang="zh-CN" sz="1200" dirty="0" smtClean="0"/>
+              <a:t>16bit</a:t>
+            </a:r>
+            <a:r>
+              <a:rPr lang="zh-CN" altLang="en-US" sz="1200" dirty="0" smtClean="0"/>
+              <a:t>）</a:t>
+            </a:r>
+            <a:endParaRPr lang="zh-CN" altLang="en-US" sz="1200" dirty="0"/>
+          </a:p>
+        </p:txBody>
+      </p:sp>
+      <p:sp>
+        <p:nvSpPr>
+          <p:cNvPr id="54" name="左大括号 53"/>
+          <p:cNvSpPr/>
+          <p:nvPr/>
+        </p:nvSpPr>
+        <p:spPr>
+          <a:xfrm>
+            <a:off x="8546879" y="312263"/>
+            <a:ext cx="325272" cy="1209704"/>
+          </a:xfrm>
+          <a:prstGeom prst="leftBrace">
+            <a:avLst/>
+          </a:prstGeom>
+        </p:spPr>
+        <p:style>
+          <a:lnRef idx="1">
+            <a:schemeClr val="accent1"/>
+          </a:lnRef>
+          <a:fillRef idx="0">
+            <a:schemeClr val="accent1"/>
+          </a:fillRef>
+          <a:effectRef idx="0">
+            <a:schemeClr val="accent1"/>
+          </a:effectRef>
+          <a:fontRef idx="minor">
+            <a:schemeClr val="tx1"/>
+          </a:fontRef>
+        </p:style>
+        <p:txBody>
+          <a:bodyPr rtlCol="0" anchor="ctr"/>
+          <a:lstStyle/>
+          <a:p>
+            <a:pPr algn="ctr"/>
+            <a:endParaRPr lang="zh-CN" altLang="en-US"/>
+          </a:p>
+        </p:txBody>
+      </p:sp>
+      <p:sp>
+        <p:nvSpPr>
+          <p:cNvPr id="55" name="文本框 54"/>
+          <p:cNvSpPr txBox="1"/>
+          <p:nvPr/>
+        </p:nvSpPr>
+        <p:spPr>
+          <a:xfrm>
+            <a:off x="8996609" y="210747"/>
+            <a:ext cx="1739579" cy="276999"/>
+          </a:xfrm>
+          <a:prstGeom prst="rect">
+            <a:avLst/>
+          </a:prstGeom>
+          <a:noFill/>
+        </p:spPr>
+        <p:txBody>
+          <a:bodyPr wrap="none" rtlCol="0">
+            <a:spAutoFit/>
+          </a:bodyPr>
+          <a:lstStyle/>
+          <a:p>
+            <a:r>
+              <a:rPr lang="zh-CN" altLang="en-US" sz="1200" dirty="0" smtClean="0"/>
+              <a:t>段描述符索引号：</a:t>
+            </a:r>
+            <a:r>
+              <a:rPr lang="en-US" altLang="zh-CN" sz="1200" dirty="0" smtClean="0"/>
+              <a:t>13bit</a:t>
+            </a:r>
+            <a:endParaRPr lang="zh-CN" altLang="en-US" sz="1200" dirty="0"/>
+          </a:p>
+        </p:txBody>
+      </p:sp>
+      <p:sp>
+        <p:nvSpPr>
+          <p:cNvPr id="56" name="文本框 55"/>
+          <p:cNvSpPr txBox="1"/>
+          <p:nvPr/>
+        </p:nvSpPr>
+        <p:spPr>
+          <a:xfrm>
+            <a:off x="9014883" y="778616"/>
+            <a:ext cx="851515" cy="276999"/>
+          </a:xfrm>
+          <a:prstGeom prst="rect">
+            <a:avLst/>
+          </a:prstGeom>
+          <a:noFill/>
+        </p:spPr>
+        <p:txBody>
+          <a:bodyPr wrap="none" rtlCol="0">
+            <a:spAutoFit/>
+          </a:bodyPr>
+          <a:lstStyle/>
+          <a:p>
+            <a:r>
+              <a:rPr lang="en-US" altLang="zh-CN" sz="1200" dirty="0" smtClean="0"/>
+              <a:t>TI</a:t>
+            </a:r>
+            <a:r>
+              <a:rPr lang="zh-CN" altLang="en-US" sz="1200" dirty="0" smtClean="0"/>
+              <a:t>（</a:t>
+            </a:r>
+            <a:r>
+              <a:rPr lang="en-US" altLang="zh-CN" sz="1200" dirty="0" smtClean="0"/>
+              <a:t>1bit</a:t>
+            </a:r>
+            <a:r>
+              <a:rPr lang="zh-CN" altLang="en-US" sz="1200" dirty="0" smtClean="0"/>
+              <a:t>）</a:t>
+            </a:r>
+            <a:endParaRPr lang="zh-CN" altLang="en-US" sz="1200" dirty="0"/>
+          </a:p>
+        </p:txBody>
+      </p:sp>
+      <p:sp>
+        <p:nvSpPr>
+          <p:cNvPr id="57" name="文本框 56"/>
+          <p:cNvSpPr txBox="1"/>
+          <p:nvPr/>
+        </p:nvSpPr>
+        <p:spPr>
+          <a:xfrm>
+            <a:off x="9014883" y="1305410"/>
+            <a:ext cx="1734770" cy="276999"/>
+          </a:xfrm>
+          <a:prstGeom prst="rect">
+            <a:avLst/>
+          </a:prstGeom>
+          <a:noFill/>
+        </p:spPr>
+        <p:txBody>
+          <a:bodyPr wrap="none" rtlCol="0">
+            <a:spAutoFit/>
+          </a:bodyPr>
+          <a:lstStyle/>
+          <a:p>
+            <a:r>
+              <a:rPr lang="en-US" altLang="zh-CN" sz="1200" dirty="0" smtClean="0"/>
+              <a:t>RPL</a:t>
+            </a:r>
+            <a:r>
+              <a:rPr lang="zh-CN" altLang="en-US" sz="1200" dirty="0" smtClean="0"/>
+              <a:t>（</a:t>
+            </a:r>
+            <a:r>
+              <a:rPr lang="en-US" altLang="zh-CN" sz="1200" dirty="0" smtClean="0"/>
+              <a:t>2bit</a:t>
+            </a:r>
+            <a:r>
+              <a:rPr lang="zh-CN" altLang="en-US" sz="1200" dirty="0" smtClean="0"/>
+              <a:t>）：特权级别</a:t>
+            </a:r>
+            <a:endParaRPr lang="zh-CN" altLang="en-US" sz="1200" dirty="0"/>
+          </a:p>
+        </p:txBody>
+      </p:sp>
+      <p:sp>
+        <p:nvSpPr>
+          <p:cNvPr id="58" name="左大括号 57"/>
+          <p:cNvSpPr/>
+          <p:nvPr/>
+        </p:nvSpPr>
+        <p:spPr>
+          <a:xfrm>
+            <a:off x="9791102" y="615004"/>
+            <a:ext cx="198456" cy="440612"/>
+          </a:xfrm>
+          <a:prstGeom prst="leftBrace">
+            <a:avLst/>
+          </a:prstGeom>
+        </p:spPr>
+        <p:style>
+          <a:lnRef idx="1">
+            <a:schemeClr val="accent1"/>
+          </a:lnRef>
+          <a:fillRef idx="0">
+            <a:schemeClr val="accent1"/>
+          </a:fillRef>
+          <a:effectRef idx="0">
+            <a:schemeClr val="accent1"/>
+          </a:effectRef>
+          <a:fontRef idx="minor">
+            <a:schemeClr val="tx1"/>
+          </a:fontRef>
+        </p:style>
+        <p:txBody>
+          <a:bodyPr rtlCol="0" anchor="ctr"/>
+          <a:lstStyle/>
+          <a:p>
+            <a:pPr algn="ctr"/>
+            <a:endParaRPr lang="zh-CN" altLang="en-US"/>
+          </a:p>
+        </p:txBody>
+      </p:sp>
+      <p:sp>
+        <p:nvSpPr>
+          <p:cNvPr id="59" name="文本框 58"/>
+          <p:cNvSpPr txBox="1"/>
+          <p:nvPr/>
+        </p:nvSpPr>
+        <p:spPr>
+          <a:xfrm>
+            <a:off x="10058291" y="496637"/>
+            <a:ext cx="1760290" cy="276999"/>
+          </a:xfrm>
+          <a:prstGeom prst="rect">
+            <a:avLst/>
+          </a:prstGeom>
+          <a:noFill/>
+        </p:spPr>
+        <p:txBody>
+          <a:bodyPr wrap="none" rtlCol="0">
+            <a:spAutoFit/>
+          </a:bodyPr>
+          <a:lstStyle/>
+          <a:p>
+            <a:r>
+              <a:rPr lang="en-US" altLang="zh-CN" sz="1200" dirty="0" smtClean="0"/>
+              <a:t>0</a:t>
+            </a:r>
+            <a:r>
+              <a:rPr lang="zh-CN" altLang="en-US" sz="1200" dirty="0" smtClean="0"/>
+              <a:t>：短描述符位于</a:t>
+            </a:r>
+            <a:r>
+              <a:rPr lang="en-US" altLang="zh-CN" sz="1200" dirty="0" smtClean="0"/>
+              <a:t>GDT</a:t>
+            </a:r>
+            <a:r>
+              <a:rPr lang="zh-CN" altLang="en-US" sz="1200" dirty="0" smtClean="0"/>
+              <a:t>中</a:t>
+            </a:r>
+            <a:endParaRPr lang="zh-CN" altLang="en-US" sz="1200" dirty="0"/>
+          </a:p>
+        </p:txBody>
+      </p:sp>
+      <p:sp>
+        <p:nvSpPr>
+          <p:cNvPr id="60" name="文本框 59"/>
+          <p:cNvSpPr txBox="1"/>
+          <p:nvPr/>
+        </p:nvSpPr>
+        <p:spPr>
+          <a:xfrm>
+            <a:off x="10058291" y="901023"/>
+            <a:ext cx="1760290" cy="276999"/>
+          </a:xfrm>
+          <a:prstGeom prst="rect">
+            <a:avLst/>
+          </a:prstGeom>
+          <a:noFill/>
+        </p:spPr>
+        <p:txBody>
+          <a:bodyPr wrap="none" rtlCol="0">
+            <a:spAutoFit/>
+          </a:bodyPr>
+          <a:lstStyle/>
+          <a:p>
+            <a:r>
+              <a:rPr lang="en-US" altLang="zh-CN" sz="1200" dirty="0" smtClean="0"/>
+              <a:t>1</a:t>
+            </a:r>
+            <a:r>
+              <a:rPr lang="zh-CN" altLang="en-US" sz="1200" dirty="0" smtClean="0"/>
+              <a:t>：短描述符位于</a:t>
+            </a:r>
+            <a:r>
+              <a:rPr lang="en-US" altLang="zh-CN" sz="1200" dirty="0" smtClean="0"/>
+              <a:t>LDF</a:t>
+            </a:r>
+            <a:r>
+              <a:rPr lang="zh-CN" altLang="en-US" sz="1200" dirty="0" smtClean="0"/>
+              <a:t>中</a:t>
+            </a:r>
+            <a:endParaRPr lang="zh-CN" altLang="en-US" sz="1200" dirty="0"/>
+          </a:p>
+        </p:txBody>
+      </p:sp>
+      <p:sp>
+        <p:nvSpPr>
+          <p:cNvPr id="61" name="文本框 60"/>
+          <p:cNvSpPr txBox="1"/>
+          <p:nvPr/>
+        </p:nvSpPr>
+        <p:spPr>
+          <a:xfrm>
+            <a:off x="8303738" y="3879488"/>
+            <a:ext cx="1904689" cy="276999"/>
+          </a:xfrm>
+          <a:prstGeom prst="rect">
+            <a:avLst/>
+          </a:prstGeom>
+          <a:noFill/>
+        </p:spPr>
+        <p:txBody>
+          <a:bodyPr wrap="none" rtlCol="0">
+            <a:spAutoFit/>
+          </a:bodyPr>
+          <a:lstStyle/>
+          <a:p>
+            <a:r>
+              <a:rPr lang="en-US" altLang="zh-CN" sz="1200" dirty="0" smtClean="0"/>
+              <a:t>DS</a:t>
+            </a:r>
+            <a:r>
+              <a:rPr lang="zh-CN" altLang="en-US" sz="1200" dirty="0" smtClean="0"/>
+              <a:t>（</a:t>
+            </a:r>
+            <a:r>
+              <a:rPr lang="en-US" altLang="zh-CN" sz="1200" dirty="0" smtClean="0"/>
+              <a:t>16bit</a:t>
+            </a:r>
+            <a:r>
+              <a:rPr lang="zh-CN" altLang="en-US" sz="1200" dirty="0" smtClean="0"/>
+              <a:t>）：逻辑段地址</a:t>
+            </a:r>
+            <a:endParaRPr lang="zh-CN" altLang="en-US" sz="1200" dirty="0"/>
+          </a:p>
+        </p:txBody>
+      </p:sp>
+      <p:sp>
+        <p:nvSpPr>
+          <p:cNvPr id="67" name="文本框 66"/>
+          <p:cNvSpPr txBox="1"/>
+          <p:nvPr/>
+        </p:nvSpPr>
+        <p:spPr>
+          <a:xfrm>
+            <a:off x="4691474" y="5107476"/>
+            <a:ext cx="1257075" cy="276999"/>
+          </a:xfrm>
+          <a:prstGeom prst="rect">
+            <a:avLst/>
+          </a:prstGeom>
+          <a:noFill/>
+        </p:spPr>
+        <p:txBody>
+          <a:bodyPr wrap="none" rtlCol="0">
+            <a:spAutoFit/>
+          </a:bodyPr>
+          <a:lstStyle/>
+          <a:p>
+            <a:r>
+              <a:rPr lang="zh-CN" altLang="en-US" sz="1200" dirty="0"/>
+              <a:t>左</a:t>
+            </a:r>
+            <a:r>
+              <a:rPr lang="zh-CN" altLang="en-US" sz="1200" dirty="0" smtClean="0"/>
+              <a:t>移</a:t>
+            </a:r>
+            <a:r>
+              <a:rPr lang="en-US" altLang="zh-CN" sz="1200" dirty="0" smtClean="0"/>
+              <a:t>4</a:t>
+            </a:r>
+            <a:r>
+              <a:rPr lang="zh-CN" altLang="en-US" sz="1200" dirty="0" smtClean="0"/>
+              <a:t>位（</a:t>
+            </a:r>
+            <a:r>
+              <a:rPr lang="en-US" altLang="zh-CN" sz="1200" dirty="0" smtClean="0"/>
+              <a:t>x16</a:t>
+            </a:r>
+            <a:r>
+              <a:rPr lang="zh-CN" altLang="en-US" sz="1200" dirty="0" smtClean="0"/>
+              <a:t>）</a:t>
+            </a:r>
+            <a:endParaRPr lang="zh-CN" altLang="en-US" sz="1200" dirty="0"/>
+          </a:p>
+        </p:txBody>
+      </p:sp>
+      <p:sp>
+        <p:nvSpPr>
+          <p:cNvPr id="68" name="文本框 67"/>
+          <p:cNvSpPr txBox="1"/>
+          <p:nvPr/>
+        </p:nvSpPr>
+        <p:spPr>
+          <a:xfrm>
+            <a:off x="4440273" y="6096427"/>
+            <a:ext cx="3640740" cy="461665"/>
+          </a:xfrm>
+          <a:prstGeom prst="rect">
+            <a:avLst/>
+          </a:prstGeom>
+          <a:noFill/>
+        </p:spPr>
+        <p:txBody>
+          <a:bodyPr wrap="none" rtlCol="0">
+            <a:spAutoFit/>
+          </a:bodyPr>
+          <a:lstStyle/>
+          <a:p>
+            <a:r>
+              <a:rPr lang="zh-CN" altLang="en-US" sz="1200" dirty="0">
+                <a:solidFill>
+                  <a:srgbClr val="C00000"/>
+                </a:solidFill>
+              </a:rPr>
+              <a:t>说</a:t>
+            </a:r>
+            <a:r>
+              <a:rPr lang="zh-CN" altLang="en-US" sz="1200" dirty="0" smtClean="0">
+                <a:solidFill>
+                  <a:srgbClr val="C00000"/>
+                </a:solidFill>
+              </a:rPr>
+              <a:t>明：新的</a:t>
+            </a:r>
+            <a:r>
+              <a:rPr lang="en-US" altLang="zh-CN" sz="1200" dirty="0" smtClean="0">
+                <a:solidFill>
+                  <a:srgbClr val="C00000"/>
+                </a:solidFill>
+              </a:rPr>
+              <a:t>CPU</a:t>
+            </a:r>
+            <a:r>
+              <a:rPr lang="zh-CN" altLang="en-US" sz="1200" dirty="0" smtClean="0">
+                <a:solidFill>
+                  <a:srgbClr val="C00000"/>
+                </a:solidFill>
+              </a:rPr>
+              <a:t>运行在实模式中仍然会用到</a:t>
+            </a:r>
+            <a:r>
+              <a:rPr lang="en-US" altLang="zh-CN" sz="1200" dirty="0" smtClean="0">
+                <a:solidFill>
+                  <a:srgbClr val="C00000"/>
+                </a:solidFill>
+              </a:rPr>
+              <a:t>DS Cache</a:t>
+            </a:r>
+            <a:br>
+              <a:rPr lang="en-US" altLang="zh-CN" sz="1200" dirty="0" smtClean="0">
+                <a:solidFill>
+                  <a:srgbClr val="C00000"/>
+                </a:solidFill>
+              </a:rPr>
+            </a:br>
+            <a:r>
+              <a:rPr lang="en-US" altLang="zh-CN" sz="1200" dirty="0" smtClean="0">
+                <a:solidFill>
+                  <a:srgbClr val="C00000"/>
+                </a:solidFill>
+              </a:rPr>
+              <a:t>             </a:t>
+            </a:r>
+            <a:r>
+              <a:rPr lang="zh-CN" altLang="en-US" sz="1200" dirty="0" smtClean="0">
+                <a:solidFill>
+                  <a:srgbClr val="C00000"/>
+                </a:solidFill>
+              </a:rPr>
+              <a:t>只是只用低</a:t>
+            </a:r>
+            <a:r>
+              <a:rPr lang="en-US" altLang="zh-CN" sz="1200" dirty="0" smtClean="0">
+                <a:solidFill>
+                  <a:srgbClr val="C00000"/>
+                </a:solidFill>
+              </a:rPr>
+              <a:t>20</a:t>
+            </a:r>
+            <a:r>
+              <a:rPr lang="zh-CN" altLang="en-US" sz="1200" dirty="0" smtClean="0">
+                <a:solidFill>
+                  <a:srgbClr val="C00000"/>
+                </a:solidFill>
+              </a:rPr>
+              <a:t>位，高</a:t>
+            </a:r>
+            <a:r>
+              <a:rPr lang="en-US" altLang="zh-CN" sz="1200" dirty="0" smtClean="0">
+                <a:solidFill>
+                  <a:srgbClr val="C00000"/>
+                </a:solidFill>
+              </a:rPr>
+              <a:t>12</a:t>
+            </a:r>
+            <a:r>
+              <a:rPr lang="zh-CN" altLang="en-US" sz="1200" dirty="0" smtClean="0">
+                <a:solidFill>
+                  <a:srgbClr val="C00000"/>
+                </a:solidFill>
+              </a:rPr>
+              <a:t>位始终为</a:t>
+            </a:r>
+            <a:r>
+              <a:rPr lang="en-US" altLang="zh-CN" sz="1200" dirty="0" smtClean="0">
+                <a:solidFill>
+                  <a:srgbClr val="C00000"/>
+                </a:solidFill>
+              </a:rPr>
+              <a:t>0</a:t>
+            </a:r>
+            <a:r>
+              <a:rPr lang="zh-CN" altLang="en-US" sz="1200" dirty="0" smtClean="0">
+                <a:solidFill>
+                  <a:srgbClr val="C00000"/>
+                </a:solidFill>
+              </a:rPr>
+              <a:t>。</a:t>
+            </a:r>
+            <a:endParaRPr lang="zh-CN" altLang="en-US" sz="1200" dirty="0">
+              <a:solidFill>
+                <a:srgbClr val="C00000"/>
+              </a:solidFill>
+            </a:endParaRPr>
+          </a:p>
+        </p:txBody>
+      </p:sp>
+      <p:sp>
+        <p:nvSpPr>
+          <p:cNvPr id="71" name="文本框 70"/>
+          <p:cNvSpPr txBox="1"/>
+          <p:nvPr/>
+        </p:nvSpPr>
+        <p:spPr>
+          <a:xfrm>
+            <a:off x="4544901" y="1008741"/>
+            <a:ext cx="1261884" cy="461665"/>
+          </a:xfrm>
+          <a:prstGeom prst="rect">
+            <a:avLst/>
+          </a:prstGeom>
+          <a:noFill/>
+        </p:spPr>
+        <p:txBody>
+          <a:bodyPr wrap="none" rtlCol="0">
+            <a:spAutoFit/>
+          </a:bodyPr>
+          <a:lstStyle/>
+          <a:p>
+            <a:r>
+              <a:rPr lang="zh-CN" altLang="en-US" sz="1200" dirty="0" smtClean="0"/>
+              <a:t>返回段描述符中</a:t>
+            </a:r>
+            <a:r>
+              <a:rPr lang="en-US" altLang="zh-CN" sz="1200" dirty="0" smtClean="0"/>
+              <a:t/>
+            </a:r>
+            <a:br>
+              <a:rPr lang="en-US" altLang="zh-CN" sz="1200" dirty="0" smtClean="0"/>
+            </a:br>
+            <a:r>
+              <a:rPr lang="zh-CN" altLang="en-US" sz="1200" dirty="0" smtClean="0"/>
+              <a:t>的段起始地址</a:t>
+            </a:r>
+            <a:endParaRPr lang="zh-CN" altLang="en-US" sz="1200" dirty="0"/>
+          </a:p>
+        </p:txBody>
+      </p:sp>
+    </p:spTree>
+    <p:extLst>
+      <p:ext uri="{BB962C8B-B14F-4D97-AF65-F5344CB8AC3E}">
+        <p14:creationId xmlns:p14="http://schemas.microsoft.com/office/powerpoint/2010/main" val="1557174873"/>
+      </p:ext>
+    </p:extLst>
+  </p:cSld>
+  <p:clrMapOvr>
+    <a:masterClrMapping/>
+  </p:clrMapOvr>
+  <p:timing>
+    <p:tnLst>
+      <p:par>
+        <p:cTn id="1" dur="indefinite" restart="never" nodeType="tmRoot"/>
+      </p:par>
+    </p:tnLst>
+  </p:timing>
+</p:sld>
+</file>
+
+<file path=ppt/slides/slide7.xml><?xml version="1.0" encoding="utf-8"?>
+<p:sld xmlns:a="http://schemas.openxmlformats.org/drawingml/2006/main" xmlns:r="http://schemas.openxmlformats.org/officeDocument/2006/relationships" xmlns:p="http://schemas.openxmlformats.org/presentationml/2006/main">
+  <p:cSld>
+    <p:spTree>
+      <p:nvGrpSpPr>
+        <p:cNvPr id="1" name=""/>
+        <p:cNvGrpSpPr/>
+        <p:nvPr/>
+      </p:nvGrpSpPr>
+      <p:grpSpPr>
+        <a:xfrm>
+          <a:off x="0" y="0"/>
+          <a:ext cx="0" cy="0"/>
+          <a:chOff x="0" y="0"/>
+          <a:chExt cx="0" cy="0"/>
+        </a:xfrm>
+      </p:grpSpPr>
+      <p:sp>
+        <p:nvSpPr>
+          <p:cNvPr id="4" name="文本框 3"/>
+          <p:cNvSpPr txBox="1"/>
+          <p:nvPr/>
+        </p:nvSpPr>
+        <p:spPr>
+          <a:xfrm>
+            <a:off x="435093" y="1112742"/>
+            <a:ext cx="2902398" cy="523220"/>
+          </a:xfrm>
+          <a:prstGeom prst="rect">
+            <a:avLst/>
+          </a:prstGeom>
+          <a:noFill/>
+        </p:spPr>
+        <p:txBody>
+          <a:bodyPr wrap="none" rtlCol="0">
+            <a:spAutoFit/>
+          </a:bodyPr>
+          <a:lstStyle/>
+          <a:p>
+            <a:r>
+              <a:rPr lang="en-US" altLang="zh-CN" sz="2800" dirty="0" smtClean="0">
+                <a:latin typeface="微软雅黑" panose="020B0503020204020204" pitchFamily="34" charset="-122"/>
+                <a:ea typeface="微软雅黑" panose="020B0503020204020204" pitchFamily="34" charset="-122"/>
+              </a:rPr>
+              <a:t>Step2</a:t>
+            </a:r>
+            <a:r>
+              <a:rPr lang="zh-CN" altLang="en-US" sz="2800" dirty="0" smtClean="0">
+                <a:latin typeface="微软雅黑" panose="020B0503020204020204" pitchFamily="34" charset="-122"/>
+                <a:ea typeface="微软雅黑" panose="020B0503020204020204" pitchFamily="34" charset="-122"/>
+              </a:rPr>
+              <a:t>：打</a:t>
+            </a:r>
+            <a:r>
+              <a:rPr lang="zh-CN" altLang="en-US" sz="2800" dirty="0" smtClean="0">
+                <a:latin typeface="微软雅黑" panose="020B0503020204020204" pitchFamily="34" charset="-122"/>
+                <a:ea typeface="微软雅黑" panose="020B0503020204020204" pitchFamily="34" charset="-122"/>
+              </a:rPr>
+              <a:t>开</a:t>
+            </a:r>
+            <a:r>
+              <a:rPr lang="en-US" altLang="zh-CN" sz="2800" dirty="0" smtClean="0">
+                <a:latin typeface="微软雅黑" panose="020B0503020204020204" pitchFamily="34" charset="-122"/>
+                <a:ea typeface="微软雅黑" panose="020B0503020204020204" pitchFamily="34" charset="-122"/>
+              </a:rPr>
+              <a:t>A20</a:t>
+            </a:r>
+            <a:endParaRPr lang="zh-CN" altLang="en-US" sz="2800" dirty="0">
+              <a:latin typeface="微软雅黑" panose="020B0503020204020204" pitchFamily="34" charset="-122"/>
+              <a:ea typeface="微软雅黑" panose="020B0503020204020204" pitchFamily="34" charset="-122"/>
+            </a:endParaRPr>
+          </a:p>
+        </p:txBody>
+      </p:sp>
+      <p:sp>
+        <p:nvSpPr>
           <p:cNvPr id="5" name="文本框 4"/>
           <p:cNvSpPr txBox="1"/>
           <p:nvPr/>
         </p:nvSpPr>
         <p:spPr>
           <a:xfrm>
-            <a:off x="211743" y="845446"/>
+            <a:off x="533019" y="1658365"/>
             <a:ext cx="2390398" cy="923330"/>
           </a:xfrm>
           <a:prstGeom prst="rect">
@@ -9213,6 +10952,470 @@
                 <a:cs typeface="Courier New" panose="02070309020205020404" pitchFamily="49" charset="0"/>
               </a:rPr>
               <a:t>out 0x92,al</a:t>
+            </a:r>
+            <a:endParaRPr lang="zh-CN" altLang="en-US" dirty="0">
+              <a:latin typeface="Courier New" panose="02070309020205020404" pitchFamily="49" charset="0"/>
+              <a:cs typeface="Courier New" panose="02070309020205020404" pitchFamily="49" charset="0"/>
+            </a:endParaRPr>
+          </a:p>
+        </p:txBody>
+      </p:sp>
+      <p:sp>
+        <p:nvSpPr>
+          <p:cNvPr id="6" name="文本框 5"/>
+          <p:cNvSpPr txBox="1"/>
+          <p:nvPr/>
+        </p:nvSpPr>
+        <p:spPr>
+          <a:xfrm>
+            <a:off x="435093" y="415150"/>
+            <a:ext cx="3298595" cy="523220"/>
+          </a:xfrm>
+          <a:prstGeom prst="rect">
+            <a:avLst/>
+          </a:prstGeom>
+          <a:noFill/>
+        </p:spPr>
+        <p:txBody>
+          <a:bodyPr wrap="none" rtlCol="0">
+            <a:spAutoFit/>
+          </a:bodyPr>
+          <a:lstStyle/>
+          <a:p>
+            <a:r>
+              <a:rPr lang="en-US" altLang="zh-CN" sz="2800" dirty="0" smtClean="0">
+                <a:latin typeface="微软雅黑" panose="020B0503020204020204" pitchFamily="34" charset="-122"/>
+                <a:ea typeface="微软雅黑" panose="020B0503020204020204" pitchFamily="34" charset="-122"/>
+              </a:rPr>
+              <a:t>Step1</a:t>
+            </a:r>
+            <a:r>
+              <a:rPr lang="zh-CN" altLang="en-US" sz="2800" dirty="0" smtClean="0">
+                <a:latin typeface="微软雅黑" panose="020B0503020204020204" pitchFamily="34" charset="-122"/>
+                <a:ea typeface="微软雅黑" panose="020B0503020204020204" pitchFamily="34" charset="-122"/>
+              </a:rPr>
+              <a:t>：安装</a:t>
+            </a:r>
+            <a:r>
+              <a:rPr lang="en-US" altLang="zh-CN" sz="2800" dirty="0" smtClean="0">
+                <a:latin typeface="微软雅黑" panose="020B0503020204020204" pitchFamily="34" charset="-122"/>
+                <a:ea typeface="微软雅黑" panose="020B0503020204020204" pitchFamily="34" charset="-122"/>
+              </a:rPr>
+              <a:t>GDTR</a:t>
+            </a:r>
+            <a:endParaRPr lang="zh-CN" altLang="en-US" sz="2800" dirty="0">
+              <a:latin typeface="微软雅黑" panose="020B0503020204020204" pitchFamily="34" charset="-122"/>
+              <a:ea typeface="微软雅黑" panose="020B0503020204020204" pitchFamily="34" charset="-122"/>
+            </a:endParaRPr>
+          </a:p>
+        </p:txBody>
+      </p:sp>
+      <p:sp>
+        <p:nvSpPr>
+          <p:cNvPr id="8" name="文本框 7"/>
+          <p:cNvSpPr txBox="1"/>
+          <p:nvPr/>
+        </p:nvSpPr>
+        <p:spPr>
+          <a:xfrm>
+            <a:off x="435093" y="3798272"/>
+            <a:ext cx="3210174" cy="523220"/>
+          </a:xfrm>
+          <a:prstGeom prst="rect">
+            <a:avLst/>
+          </a:prstGeom>
+          <a:noFill/>
+        </p:spPr>
+        <p:txBody>
+          <a:bodyPr wrap="none" rtlCol="0">
+            <a:spAutoFit/>
+          </a:bodyPr>
+          <a:lstStyle/>
+          <a:p>
+            <a:r>
+              <a:rPr lang="en-US" altLang="zh-CN" sz="2800" dirty="0" smtClean="0">
+                <a:latin typeface="微软雅黑" panose="020B0503020204020204" pitchFamily="34" charset="-122"/>
+                <a:ea typeface="微软雅黑" panose="020B0503020204020204" pitchFamily="34" charset="-122"/>
+              </a:rPr>
+              <a:t>Step4</a:t>
+            </a:r>
+            <a:r>
+              <a:rPr lang="zh-CN" altLang="en-US" sz="2800" dirty="0" smtClean="0">
+                <a:latin typeface="微软雅黑" panose="020B0503020204020204" pitchFamily="34" charset="-122"/>
+                <a:ea typeface="微软雅黑" panose="020B0503020204020204" pitchFamily="34" charset="-122"/>
+              </a:rPr>
+              <a:t>：打开</a:t>
+            </a:r>
+            <a:r>
+              <a:rPr lang="en-US" altLang="zh-CN" sz="2800" dirty="0" smtClean="0">
+                <a:latin typeface="微软雅黑" panose="020B0503020204020204" pitchFamily="34" charset="-122"/>
+                <a:ea typeface="微软雅黑" panose="020B0503020204020204" pitchFamily="34" charset="-122"/>
+              </a:rPr>
+              <a:t>CR0.0</a:t>
+            </a:r>
+            <a:endParaRPr lang="zh-CN" altLang="en-US" sz="2800" dirty="0">
+              <a:latin typeface="微软雅黑" panose="020B0503020204020204" pitchFamily="34" charset="-122"/>
+              <a:ea typeface="微软雅黑" panose="020B0503020204020204" pitchFamily="34" charset="-122"/>
+            </a:endParaRPr>
+          </a:p>
+        </p:txBody>
+      </p:sp>
+      <p:sp>
+        <p:nvSpPr>
+          <p:cNvPr id="9" name="文本框 8"/>
+          <p:cNvSpPr txBox="1"/>
+          <p:nvPr/>
+        </p:nvSpPr>
+        <p:spPr>
+          <a:xfrm>
+            <a:off x="435093" y="4268207"/>
+            <a:ext cx="5996450" cy="523220"/>
+          </a:xfrm>
+          <a:prstGeom prst="rect">
+            <a:avLst/>
+          </a:prstGeom>
+          <a:noFill/>
+        </p:spPr>
+        <p:txBody>
+          <a:bodyPr wrap="none" rtlCol="0">
+            <a:spAutoFit/>
+          </a:bodyPr>
+          <a:lstStyle/>
+          <a:p>
+            <a:r>
+              <a:rPr lang="en-US" altLang="zh-CN" sz="2800" dirty="0" smtClean="0">
+                <a:latin typeface="微软雅黑" panose="020B0503020204020204" pitchFamily="34" charset="-122"/>
+                <a:ea typeface="微软雅黑" panose="020B0503020204020204" pitchFamily="34" charset="-122"/>
+              </a:rPr>
+              <a:t>Step5</a:t>
+            </a:r>
+            <a:r>
+              <a:rPr lang="zh-CN" altLang="en-US" sz="2800" dirty="0" smtClean="0">
+                <a:latin typeface="微软雅黑" panose="020B0503020204020204" pitchFamily="34" charset="-122"/>
+                <a:ea typeface="微软雅黑" panose="020B0503020204020204" pitchFamily="34" charset="-122"/>
+              </a:rPr>
+              <a:t>：清空流水线（</a:t>
+            </a:r>
+            <a:r>
+              <a:rPr lang="en-US" altLang="zh-CN" sz="2800" dirty="0" smtClean="0">
+                <a:latin typeface="微软雅黑" panose="020B0503020204020204" pitchFamily="34" charset="-122"/>
+                <a:ea typeface="微软雅黑" panose="020B0503020204020204" pitchFamily="34" charset="-122"/>
+              </a:rPr>
+              <a:t>jmp to next</a:t>
+            </a:r>
+            <a:r>
+              <a:rPr lang="zh-CN" altLang="en-US" sz="2800" dirty="0" smtClean="0">
+                <a:latin typeface="微软雅黑" panose="020B0503020204020204" pitchFamily="34" charset="-122"/>
+                <a:ea typeface="微软雅黑" panose="020B0503020204020204" pitchFamily="34" charset="-122"/>
+              </a:rPr>
+              <a:t>）</a:t>
+            </a:r>
+            <a:endParaRPr lang="zh-CN" altLang="en-US" sz="2800" dirty="0">
+              <a:latin typeface="微软雅黑" panose="020B0503020204020204" pitchFamily="34" charset="-122"/>
+              <a:ea typeface="微软雅黑" panose="020B0503020204020204" pitchFamily="34" charset="-122"/>
+            </a:endParaRPr>
+          </a:p>
+        </p:txBody>
+      </p:sp>
+      <p:sp>
+        <p:nvSpPr>
+          <p:cNvPr id="10" name="文本框 9"/>
+          <p:cNvSpPr txBox="1"/>
+          <p:nvPr/>
+        </p:nvSpPr>
+        <p:spPr>
+          <a:xfrm>
+            <a:off x="435093" y="2725045"/>
+            <a:ext cx="3665427" cy="523220"/>
+          </a:xfrm>
+          <a:prstGeom prst="rect">
+            <a:avLst/>
+          </a:prstGeom>
+          <a:noFill/>
+        </p:spPr>
+        <p:txBody>
+          <a:bodyPr wrap="none" rtlCol="0">
+            <a:spAutoFit/>
+          </a:bodyPr>
+          <a:lstStyle/>
+          <a:p>
+            <a:r>
+              <a:rPr lang="en-US" altLang="zh-CN" sz="2800" dirty="0" smtClean="0">
+                <a:latin typeface="微软雅黑" panose="020B0503020204020204" pitchFamily="34" charset="-122"/>
+                <a:ea typeface="微软雅黑" panose="020B0503020204020204" pitchFamily="34" charset="-122"/>
+              </a:rPr>
+              <a:t>Step3</a:t>
+            </a:r>
+            <a:r>
+              <a:rPr lang="zh-CN" altLang="en-US" sz="2800" dirty="0" smtClean="0">
+                <a:latin typeface="微软雅黑" panose="020B0503020204020204" pitchFamily="34" charset="-122"/>
+                <a:ea typeface="微软雅黑" panose="020B0503020204020204" pitchFamily="34" charset="-122"/>
+              </a:rPr>
+              <a:t>：暂时关闭中断</a:t>
+            </a:r>
+            <a:endParaRPr lang="zh-CN" altLang="en-US" sz="2800" dirty="0">
+              <a:latin typeface="微软雅黑" panose="020B0503020204020204" pitchFamily="34" charset="-122"/>
+              <a:ea typeface="微软雅黑" panose="020B0503020204020204" pitchFamily="34" charset="-122"/>
+            </a:endParaRPr>
+          </a:p>
+        </p:txBody>
+      </p:sp>
+      <p:sp>
+        <p:nvSpPr>
+          <p:cNvPr id="11" name="文本框 10"/>
+          <p:cNvSpPr txBox="1"/>
+          <p:nvPr/>
+        </p:nvSpPr>
+        <p:spPr>
+          <a:xfrm>
+            <a:off x="533019" y="3382791"/>
+            <a:ext cx="598241" cy="369332"/>
+          </a:xfrm>
+          <a:prstGeom prst="rect">
+            <a:avLst/>
+          </a:prstGeom>
+          <a:noFill/>
+          <a:ln>
+            <a:solidFill>
+              <a:schemeClr val="bg2">
+                <a:lumMod val="10000"/>
+              </a:schemeClr>
+            </a:solidFill>
+          </a:ln>
+        </p:spPr>
+        <p:txBody>
+          <a:bodyPr wrap="none" rtlCol="0">
+            <a:spAutoFit/>
+          </a:bodyPr>
+          <a:lstStyle/>
+          <a:p>
+            <a:r>
+              <a:rPr lang="en-US" altLang="zh-CN" dirty="0" smtClean="0">
+                <a:latin typeface="Courier New" panose="02070309020205020404" pitchFamily="49" charset="0"/>
+                <a:cs typeface="Courier New" panose="02070309020205020404" pitchFamily="49" charset="0"/>
+              </a:rPr>
+              <a:t>cli</a:t>
+            </a:r>
+            <a:endParaRPr lang="zh-CN" altLang="en-US" dirty="0">
+              <a:latin typeface="Courier New" panose="02070309020205020404" pitchFamily="49" charset="0"/>
+              <a:cs typeface="Courier New" panose="02070309020205020404" pitchFamily="49" charset="0"/>
+            </a:endParaRPr>
+          </a:p>
+        </p:txBody>
+      </p:sp>
+      <p:sp>
+        <p:nvSpPr>
+          <p:cNvPr id="12" name="文本框 11"/>
+          <p:cNvSpPr txBox="1"/>
+          <p:nvPr/>
+        </p:nvSpPr>
+        <p:spPr>
+          <a:xfrm>
+            <a:off x="533019" y="4882996"/>
+            <a:ext cx="4969857" cy="1477328"/>
+          </a:xfrm>
+          <a:prstGeom prst="rect">
+            <a:avLst/>
+          </a:prstGeom>
+          <a:noFill/>
+          <a:ln>
+            <a:solidFill>
+              <a:schemeClr val="bg2">
+                <a:lumMod val="10000"/>
+              </a:schemeClr>
+            </a:solidFill>
+          </a:ln>
+        </p:spPr>
+        <p:txBody>
+          <a:bodyPr wrap="square" rtlCol="0">
+            <a:spAutoFit/>
+          </a:bodyPr>
+          <a:lstStyle/>
+          <a:p>
+            <a:r>
+              <a:rPr lang="en-US" altLang="zh-CN" dirty="0">
+                <a:latin typeface="Courier New" panose="02070309020205020404" pitchFamily="49" charset="0"/>
+                <a:cs typeface="Courier New" panose="02070309020205020404" pitchFamily="49" charset="0"/>
+              </a:rPr>
+              <a:t>jmp dword </a:t>
+            </a:r>
+            <a:r>
+              <a:rPr lang="en-US" altLang="zh-CN" dirty="0" smtClean="0">
+                <a:latin typeface="Courier New" panose="02070309020205020404" pitchFamily="49" charset="0"/>
+                <a:cs typeface="Courier New" panose="02070309020205020404" pitchFamily="49" charset="0"/>
+              </a:rPr>
+              <a:t>0x0008:flush</a:t>
+            </a:r>
+            <a:br>
+              <a:rPr lang="en-US" altLang="zh-CN" dirty="0" smtClean="0">
+                <a:latin typeface="Courier New" panose="02070309020205020404" pitchFamily="49" charset="0"/>
+                <a:cs typeface="Courier New" panose="02070309020205020404" pitchFamily="49" charset="0"/>
+              </a:rPr>
+            </a:br>
+            <a:r>
+              <a:rPr lang="en-US" altLang="zh-CN" dirty="0" smtClean="0">
+                <a:latin typeface="Courier New" panose="02070309020205020404" pitchFamily="49" charset="0"/>
+                <a:cs typeface="Courier New" panose="02070309020205020404" pitchFamily="49" charset="0"/>
+              </a:rPr>
+              <a:t>            \-- 0000_0000_0000_0100</a:t>
+            </a:r>
+            <a:br>
+              <a:rPr lang="en-US" altLang="zh-CN" dirty="0" smtClean="0">
+                <a:latin typeface="Courier New" panose="02070309020205020404" pitchFamily="49" charset="0"/>
+                <a:cs typeface="Courier New" panose="02070309020205020404" pitchFamily="49" charset="0"/>
+              </a:rPr>
+            </a:br>
+            <a:r>
+              <a:rPr lang="zh-CN" altLang="en-US" dirty="0">
+                <a:latin typeface="Courier New" panose="02070309020205020404" pitchFamily="49" charset="0"/>
+                <a:cs typeface="Courier New" panose="02070309020205020404" pitchFamily="49" charset="0"/>
+              </a:rPr>
+              <a:t>段描述</a:t>
+            </a:r>
+            <a:r>
+              <a:rPr lang="zh-CN" altLang="en-US" dirty="0" smtClean="0">
+                <a:latin typeface="Courier New" panose="02070309020205020404" pitchFamily="49" charset="0"/>
+                <a:cs typeface="Courier New" panose="02070309020205020404" pitchFamily="49" charset="0"/>
+              </a:rPr>
+              <a:t>符索引号：</a:t>
+            </a:r>
+            <a:r>
+              <a:rPr lang="en-US" altLang="zh-CN" dirty="0" smtClean="0">
+                <a:latin typeface="Courier New" panose="02070309020205020404" pitchFamily="49" charset="0"/>
+                <a:cs typeface="Courier New" panose="02070309020205020404" pitchFamily="49" charset="0"/>
+              </a:rPr>
+              <a:t>1</a:t>
+            </a:r>
+          </a:p>
+          <a:p>
+            <a:r>
+              <a:rPr lang="en-US" altLang="zh-CN" dirty="0" smtClean="0">
+                <a:latin typeface="Courier New" panose="02070309020205020404" pitchFamily="49" charset="0"/>
+                <a:cs typeface="Courier New" panose="02070309020205020404" pitchFamily="49" charset="0"/>
+              </a:rPr>
+              <a:t>TI</a:t>
+            </a:r>
+            <a:r>
+              <a:rPr lang="zh-CN" altLang="en-US" dirty="0" smtClean="0">
+                <a:latin typeface="Courier New" panose="02070309020205020404" pitchFamily="49" charset="0"/>
+                <a:cs typeface="Courier New" panose="02070309020205020404" pitchFamily="49" charset="0"/>
+              </a:rPr>
+              <a:t>：</a:t>
+            </a:r>
+            <a:r>
+              <a:rPr lang="en-US" altLang="zh-CN" dirty="0" smtClean="0">
+                <a:latin typeface="Courier New" panose="02070309020205020404" pitchFamily="49" charset="0"/>
+                <a:cs typeface="Courier New" panose="02070309020205020404" pitchFamily="49" charset="0"/>
+              </a:rPr>
+              <a:t>0</a:t>
+            </a:r>
+          </a:p>
+          <a:p>
+            <a:r>
+              <a:rPr lang="en-US" altLang="zh-CN" dirty="0" smtClean="0">
+                <a:latin typeface="Courier New" panose="02070309020205020404" pitchFamily="49" charset="0"/>
+                <a:cs typeface="Courier New" panose="02070309020205020404" pitchFamily="49" charset="0"/>
+              </a:rPr>
+              <a:t>RPL</a:t>
+            </a:r>
+            <a:r>
+              <a:rPr lang="zh-CN" altLang="en-US" dirty="0" smtClean="0">
+                <a:latin typeface="Courier New" panose="02070309020205020404" pitchFamily="49" charset="0"/>
+                <a:cs typeface="Courier New" panose="02070309020205020404" pitchFamily="49" charset="0"/>
+              </a:rPr>
+              <a:t>：</a:t>
+            </a:r>
+            <a:r>
+              <a:rPr lang="en-US" altLang="zh-CN" dirty="0" smtClean="0">
+                <a:latin typeface="Courier New" panose="02070309020205020404" pitchFamily="49" charset="0"/>
+                <a:cs typeface="Courier New" panose="02070309020205020404" pitchFamily="49" charset="0"/>
+              </a:rPr>
+              <a:t>00</a:t>
+            </a:r>
+            <a:endParaRPr lang="zh-CN" altLang="en-US" dirty="0">
+              <a:latin typeface="Courier New" panose="02070309020205020404" pitchFamily="49" charset="0"/>
+              <a:cs typeface="Courier New" panose="02070309020205020404" pitchFamily="49" charset="0"/>
+            </a:endParaRPr>
+          </a:p>
+        </p:txBody>
+      </p:sp>
+      <p:sp>
+        <p:nvSpPr>
+          <p:cNvPr id="13" name="文本框 12"/>
+          <p:cNvSpPr txBox="1"/>
+          <p:nvPr/>
+        </p:nvSpPr>
+        <p:spPr>
+          <a:xfrm>
+            <a:off x="5632241" y="4882996"/>
+            <a:ext cx="4969857" cy="646331"/>
+          </a:xfrm>
+          <a:prstGeom prst="rect">
+            <a:avLst/>
+          </a:prstGeom>
+          <a:noFill/>
+          <a:ln>
+            <a:solidFill>
+              <a:schemeClr val="bg2">
+                <a:lumMod val="10000"/>
+              </a:schemeClr>
+            </a:solidFill>
+          </a:ln>
+        </p:spPr>
+        <p:txBody>
+          <a:bodyPr wrap="square" rtlCol="0">
+            <a:spAutoFit/>
+          </a:bodyPr>
+          <a:lstStyle/>
+          <a:p>
+            <a:r>
+              <a:rPr lang="en-US" altLang="zh-CN" dirty="0" smtClean="0">
+                <a:latin typeface="Courier New" panose="02070309020205020404" pitchFamily="49" charset="0"/>
+                <a:cs typeface="Courier New" panose="02070309020205020404" pitchFamily="49" charset="0"/>
+              </a:rPr>
+              <a:t>dword</a:t>
+            </a:r>
+            <a:r>
+              <a:rPr lang="zh-CN" altLang="en-US" dirty="0" smtClean="0">
+                <a:latin typeface="Courier New" panose="02070309020205020404" pitchFamily="49" charset="0"/>
+                <a:cs typeface="Courier New" panose="02070309020205020404" pitchFamily="49" charset="0"/>
+              </a:rPr>
+              <a:t>使编译结果以</a:t>
+            </a:r>
+            <a:r>
+              <a:rPr lang="en-US" altLang="zh-CN" dirty="0" smtClean="0">
+                <a:latin typeface="Courier New" panose="02070309020205020404" pitchFamily="49" charset="0"/>
+                <a:cs typeface="Courier New" panose="02070309020205020404" pitchFamily="49" charset="0"/>
+              </a:rPr>
+              <a:t>0x66</a:t>
+            </a:r>
+            <a:r>
+              <a:rPr lang="zh-CN" altLang="en-US" dirty="0" smtClean="0">
+                <a:latin typeface="Courier New" panose="02070309020205020404" pitchFamily="49" charset="0"/>
+                <a:cs typeface="Courier New" panose="02070309020205020404" pitchFamily="49" charset="0"/>
+              </a:rPr>
+              <a:t>开始，因此指令会使用</a:t>
+            </a:r>
+            <a:r>
+              <a:rPr lang="en-US" altLang="zh-CN" dirty="0" smtClean="0">
+                <a:latin typeface="Courier New" panose="02070309020205020404" pitchFamily="49" charset="0"/>
+                <a:cs typeface="Courier New" panose="02070309020205020404" pitchFamily="49" charset="0"/>
+              </a:rPr>
+              <a:t>32</a:t>
+            </a:r>
+            <a:r>
+              <a:rPr lang="zh-CN" altLang="en-US" dirty="0" smtClean="0">
+                <a:latin typeface="Courier New" panose="02070309020205020404" pitchFamily="49" charset="0"/>
+                <a:cs typeface="Courier New" panose="02070309020205020404" pitchFamily="49" charset="0"/>
+              </a:rPr>
+              <a:t>位偏移量来处理</a:t>
+            </a:r>
+            <a:r>
+              <a:rPr lang="en-US" altLang="zh-CN" dirty="0" smtClean="0">
+                <a:latin typeface="Courier New" panose="02070309020205020404" pitchFamily="49" charset="0"/>
+                <a:cs typeface="Courier New" panose="02070309020205020404" pitchFamily="49" charset="0"/>
+              </a:rPr>
+              <a:t>flash</a:t>
             </a:r>
             <a:endParaRPr lang="zh-CN" altLang="en-US" dirty="0">
               <a:latin typeface="Courier New" panose="02070309020205020404" pitchFamily="49" charset="0"/>

--- a/ppts/x86.pptx
+++ b/ppts/x86.pptx
@@ -10,8 +10,25 @@
     <p:sldId id="258" r:id="rId4"/>
     <p:sldId id="259" r:id="rId5"/>
     <p:sldId id="260" r:id="rId6"/>
-    <p:sldId id="262" r:id="rId7"/>
-    <p:sldId id="261" r:id="rId8"/>
+    <p:sldId id="264" r:id="rId7"/>
+    <p:sldId id="262" r:id="rId8"/>
+    <p:sldId id="261" r:id="rId9"/>
+    <p:sldId id="263" r:id="rId10"/>
+    <p:sldId id="265" r:id="rId11"/>
+    <p:sldId id="266" r:id="rId12"/>
+    <p:sldId id="268" r:id="rId13"/>
+    <p:sldId id="267" r:id="rId14"/>
+    <p:sldId id="270" r:id="rId15"/>
+    <p:sldId id="269" r:id="rId16"/>
+    <p:sldId id="271" r:id="rId17"/>
+    <p:sldId id="272" r:id="rId18"/>
+    <p:sldId id="273" r:id="rId19"/>
+    <p:sldId id="274" r:id="rId20"/>
+    <p:sldId id="275" r:id="rId21"/>
+    <p:sldId id="276" r:id="rId22"/>
+    <p:sldId id="277" r:id="rId23"/>
+    <p:sldId id="278" r:id="rId24"/>
+    <p:sldId id="279" r:id="rId25"/>
   </p:sldIdLst>
   <p:sldSz cx="12192000" cy="6858000"/>
   <p:notesSz cx="6858000" cy="9144000"/>
@@ -249,7 +266,7 @@
           <a:p>
             <a:fld id="{B3C7F969-47C4-468A-9F80-B758B73F497F}" type="datetimeFigureOut">
               <a:rPr lang="zh-CN" altLang="en-US" smtClean="0"/>
-              <a:t>2019/5/24</a:t>
+              <a:t>2019/6/6</a:t>
             </a:fld>
             <a:endParaRPr lang="zh-CN" altLang="en-US"/>
           </a:p>
@@ -419,7 +436,7 @@
           <a:p>
             <a:fld id="{B3C7F969-47C4-468A-9F80-B758B73F497F}" type="datetimeFigureOut">
               <a:rPr lang="zh-CN" altLang="en-US" smtClean="0"/>
-              <a:t>2019/5/24</a:t>
+              <a:t>2019/6/6</a:t>
             </a:fld>
             <a:endParaRPr lang="zh-CN" altLang="en-US"/>
           </a:p>
@@ -599,7 +616,7 @@
           <a:p>
             <a:fld id="{B3C7F969-47C4-468A-9F80-B758B73F497F}" type="datetimeFigureOut">
               <a:rPr lang="zh-CN" altLang="en-US" smtClean="0"/>
-              <a:t>2019/5/24</a:t>
+              <a:t>2019/6/6</a:t>
             </a:fld>
             <a:endParaRPr lang="zh-CN" altLang="en-US"/>
           </a:p>
@@ -769,7 +786,7 @@
           <a:p>
             <a:fld id="{B3C7F969-47C4-468A-9F80-B758B73F497F}" type="datetimeFigureOut">
               <a:rPr lang="zh-CN" altLang="en-US" smtClean="0"/>
-              <a:t>2019/5/24</a:t>
+              <a:t>2019/6/6</a:t>
             </a:fld>
             <a:endParaRPr lang="zh-CN" altLang="en-US"/>
           </a:p>
@@ -1015,7 +1032,7 @@
           <a:p>
             <a:fld id="{B3C7F969-47C4-468A-9F80-B758B73F497F}" type="datetimeFigureOut">
               <a:rPr lang="zh-CN" altLang="en-US" smtClean="0"/>
-              <a:t>2019/5/24</a:t>
+              <a:t>2019/6/6</a:t>
             </a:fld>
             <a:endParaRPr lang="zh-CN" altLang="en-US"/>
           </a:p>
@@ -1247,7 +1264,7 @@
           <a:p>
             <a:fld id="{B3C7F969-47C4-468A-9F80-B758B73F497F}" type="datetimeFigureOut">
               <a:rPr lang="zh-CN" altLang="en-US" smtClean="0"/>
-              <a:t>2019/5/24</a:t>
+              <a:t>2019/6/6</a:t>
             </a:fld>
             <a:endParaRPr lang="zh-CN" altLang="en-US"/>
           </a:p>
@@ -1614,7 +1631,7 @@
           <a:p>
             <a:fld id="{B3C7F969-47C4-468A-9F80-B758B73F497F}" type="datetimeFigureOut">
               <a:rPr lang="zh-CN" altLang="en-US" smtClean="0"/>
-              <a:t>2019/5/24</a:t>
+              <a:t>2019/6/6</a:t>
             </a:fld>
             <a:endParaRPr lang="zh-CN" altLang="en-US"/>
           </a:p>
@@ -1732,7 +1749,7 @@
           <a:p>
             <a:fld id="{B3C7F969-47C4-468A-9F80-B758B73F497F}" type="datetimeFigureOut">
               <a:rPr lang="zh-CN" altLang="en-US" smtClean="0"/>
-              <a:t>2019/5/24</a:t>
+              <a:t>2019/6/6</a:t>
             </a:fld>
             <a:endParaRPr lang="zh-CN" altLang="en-US"/>
           </a:p>
@@ -1827,7 +1844,7 @@
           <a:p>
             <a:fld id="{B3C7F969-47C4-468A-9F80-B758B73F497F}" type="datetimeFigureOut">
               <a:rPr lang="zh-CN" altLang="en-US" smtClean="0"/>
-              <a:t>2019/5/24</a:t>
+              <a:t>2019/6/6</a:t>
             </a:fld>
             <a:endParaRPr lang="zh-CN" altLang="en-US"/>
           </a:p>
@@ -2104,7 +2121,7 @@
           <a:p>
             <a:fld id="{B3C7F969-47C4-468A-9F80-B758B73F497F}" type="datetimeFigureOut">
               <a:rPr lang="zh-CN" altLang="en-US" smtClean="0"/>
-              <a:t>2019/5/24</a:t>
+              <a:t>2019/6/6</a:t>
             </a:fld>
             <a:endParaRPr lang="zh-CN" altLang="en-US"/>
           </a:p>
@@ -2357,7 +2374,7 @@
           <a:p>
             <a:fld id="{B3C7F969-47C4-468A-9F80-B758B73F497F}" type="datetimeFigureOut">
               <a:rPr lang="zh-CN" altLang="en-US" smtClean="0"/>
-              <a:t>2019/5/24</a:t>
+              <a:t>2019/6/6</a:t>
             </a:fld>
             <a:endParaRPr lang="zh-CN" altLang="en-US"/>
           </a:p>
@@ -2570,7 +2587,7 @@
           <a:p>
             <a:fld id="{B3C7F969-47C4-468A-9F80-B758B73F497F}" type="datetimeFigureOut">
               <a:rPr lang="zh-CN" altLang="en-US" smtClean="0"/>
-              <a:t>2019/5/24</a:t>
+              <a:t>2019/6/6</a:t>
             </a:fld>
             <a:endParaRPr lang="zh-CN" altLang="en-US"/>
           </a:p>
@@ -4166,6 +4183,2983 @@
 </p:sld>
 </file>
 
+<file path=ppt/slides/slide10.xml><?xml version="1.0" encoding="utf-8"?>
+<p:sld xmlns:a="http://schemas.openxmlformats.org/drawingml/2006/main" xmlns:r="http://schemas.openxmlformats.org/officeDocument/2006/relationships" xmlns:p="http://schemas.openxmlformats.org/presentationml/2006/main">
+  <p:cSld>
+    <p:spTree>
+      <p:nvGrpSpPr>
+        <p:cNvPr id="1" name=""/>
+        <p:cNvGrpSpPr/>
+        <p:nvPr/>
+      </p:nvGrpSpPr>
+      <p:grpSpPr>
+        <a:xfrm>
+          <a:off x="0" y="0"/>
+          <a:ext cx="0" cy="0"/>
+          <a:chOff x="0" y="0"/>
+          <a:chExt cx="0" cy="0"/>
+        </a:xfrm>
+      </p:grpSpPr>
+      <p:sp>
+        <p:nvSpPr>
+          <p:cNvPr id="3" name="副标题 2"/>
+          <p:cNvSpPr>
+            <a:spLocks noGrp="1"/>
+          </p:cNvSpPr>
+          <p:nvPr>
+            <p:ph type="subTitle" idx="1"/>
+          </p:nvPr>
+        </p:nvSpPr>
+        <p:spPr>
+          <a:xfrm>
+            <a:off x="1295400" y="2979738"/>
+            <a:ext cx="9144000" cy="1655762"/>
+          </a:xfrm>
+        </p:spPr>
+        <p:txBody>
+          <a:bodyPr/>
+          <a:lstStyle/>
+          <a:p>
+            <a:r>
+              <a:rPr lang="zh-CN" altLang="en-US" dirty="0"/>
+              <a:t>用</a:t>
+            </a:r>
+            <a:r>
+              <a:rPr lang="zh-CN" altLang="en-US" dirty="0" smtClean="0"/>
+              <a:t>户程序拥有头部信息，这是和内核沟通的桥梁！</a:t>
+            </a:r>
+            <a:endParaRPr lang="en-US" altLang="zh-CN" dirty="0" smtClean="0"/>
+          </a:p>
+          <a:p>
+            <a:r>
+              <a:rPr lang="zh-CN" altLang="en-US" dirty="0"/>
+              <a:t>可执</a:t>
+            </a:r>
+            <a:r>
+              <a:rPr lang="zh-CN" altLang="en-US" dirty="0" smtClean="0"/>
+              <a:t>行程序的头部格式异常复杂，这是源于操作系统本身的复杂性</a:t>
+            </a:r>
+            <a:endParaRPr lang="en-US" altLang="zh-CN" dirty="0" smtClean="0"/>
+          </a:p>
+          <a:p>
+            <a:r>
+              <a:rPr lang="zh-CN" altLang="en-US" dirty="0"/>
+              <a:t>编译</a:t>
+            </a:r>
+            <a:r>
+              <a:rPr lang="zh-CN" altLang="en-US" dirty="0" smtClean="0"/>
+              <a:t>器的链接器为我们做了好多工作</a:t>
+            </a:r>
+            <a:endParaRPr lang="zh-CN" altLang="en-US" dirty="0"/>
+          </a:p>
+        </p:txBody>
+      </p:sp>
+      <p:sp>
+        <p:nvSpPr>
+          <p:cNvPr id="4" name="标题 1"/>
+          <p:cNvSpPr txBox="1">
+            <a:spLocks/>
+          </p:cNvSpPr>
+          <p:nvPr/>
+        </p:nvSpPr>
+        <p:spPr>
+          <a:xfrm>
+            <a:off x="609600" y="1152525"/>
+            <a:ext cx="10515600" cy="1325563"/>
+          </a:xfrm>
+          <a:prstGeom prst="rect">
+            <a:avLst/>
+          </a:prstGeom>
+        </p:spPr>
+        <p:txBody>
+          <a:bodyPr vert="horz" lIns="91440" tIns="45720" rIns="91440" bIns="45720" rtlCol="0" anchor="b">
+            <a:normAutofit/>
+          </a:bodyPr>
+          <a:lstStyle>
+            <a:lvl1pPr algn="ctr" defTabSz="914400" rtl="0" eaLnBrk="1" latinLnBrk="0" hangingPunct="1">
+              <a:lnSpc>
+                <a:spcPct val="90000"/>
+              </a:lnSpc>
+              <a:spcBef>
+                <a:spcPct val="0"/>
+              </a:spcBef>
+              <a:buNone/>
+              <a:defRPr sz="6000" kern="1200">
+                <a:solidFill>
+                  <a:schemeClr val="tx1"/>
+                </a:solidFill>
+                <a:latin typeface="+mj-lt"/>
+                <a:ea typeface="+mj-ea"/>
+                <a:cs typeface="+mj-cs"/>
+              </a:defRPr>
+            </a:lvl1pPr>
+          </a:lstStyle>
+          <a:p>
+            <a:r>
+              <a:rPr lang="zh-CN" altLang="en-US" dirty="0" smtClean="0"/>
+              <a:t>加载用户程序的原理</a:t>
+            </a:r>
+            <a:endParaRPr lang="zh-CN" altLang="en-US" dirty="0"/>
+          </a:p>
+        </p:txBody>
+      </p:sp>
+    </p:spTree>
+    <p:extLst>
+      <p:ext uri="{BB962C8B-B14F-4D97-AF65-F5344CB8AC3E}">
+        <p14:creationId xmlns:p14="http://schemas.microsoft.com/office/powerpoint/2010/main" val="2716739936"/>
+      </p:ext>
+    </p:extLst>
+  </p:cSld>
+  <p:clrMapOvr>
+    <a:masterClrMapping/>
+  </p:clrMapOvr>
+</p:sld>
+</file>
+
+<file path=ppt/slides/slide11.xml><?xml version="1.0" encoding="utf-8"?>
+<p:sld xmlns:a="http://schemas.openxmlformats.org/drawingml/2006/main" xmlns:r="http://schemas.openxmlformats.org/officeDocument/2006/relationships" xmlns:p="http://schemas.openxmlformats.org/presentationml/2006/main">
+  <p:cSld>
+    <p:spTree>
+      <p:nvGrpSpPr>
+        <p:cNvPr id="1" name=""/>
+        <p:cNvGrpSpPr/>
+        <p:nvPr/>
+      </p:nvGrpSpPr>
+      <p:grpSpPr>
+        <a:xfrm>
+          <a:off x="0" y="0"/>
+          <a:ext cx="0" cy="0"/>
+          <a:chOff x="0" y="0"/>
+          <a:chExt cx="0" cy="0"/>
+        </a:xfrm>
+      </p:grpSpPr>
+      <p:sp>
+        <p:nvSpPr>
+          <p:cNvPr id="3" name="副标题 2"/>
+          <p:cNvSpPr>
+            <a:spLocks noGrp="1"/>
+          </p:cNvSpPr>
+          <p:nvPr>
+            <p:ph type="subTitle" idx="1"/>
+          </p:nvPr>
+        </p:nvSpPr>
+        <p:spPr>
+          <a:xfrm>
+            <a:off x="1295400" y="2979738"/>
+            <a:ext cx="9144000" cy="1655762"/>
+          </a:xfrm>
+        </p:spPr>
+        <p:txBody>
+          <a:bodyPr/>
+          <a:lstStyle/>
+          <a:p>
+            <a:r>
+              <a:rPr lang="zh-CN" altLang="en-US" dirty="0" smtClean="0"/>
+              <a:t>用户程序构造一个符号调用表，内核在加载完程序之后，将这些符号表对应的地址修改为内核中与符号对应例程的地址。</a:t>
+            </a:r>
+            <a:endParaRPr lang="zh-CN" altLang="en-US" dirty="0"/>
+          </a:p>
+        </p:txBody>
+      </p:sp>
+      <p:sp>
+        <p:nvSpPr>
+          <p:cNvPr id="4" name="标题 1"/>
+          <p:cNvSpPr txBox="1">
+            <a:spLocks/>
+          </p:cNvSpPr>
+          <p:nvPr/>
+        </p:nvSpPr>
+        <p:spPr>
+          <a:xfrm>
+            <a:off x="609600" y="1152525"/>
+            <a:ext cx="10515600" cy="1325563"/>
+          </a:xfrm>
+          <a:prstGeom prst="rect">
+            <a:avLst/>
+          </a:prstGeom>
+        </p:spPr>
+        <p:txBody>
+          <a:bodyPr vert="horz" lIns="91440" tIns="45720" rIns="91440" bIns="45720" rtlCol="0" anchor="b">
+            <a:normAutofit/>
+          </a:bodyPr>
+          <a:lstStyle>
+            <a:lvl1pPr algn="ctr" defTabSz="914400" rtl="0" eaLnBrk="1" latinLnBrk="0" hangingPunct="1">
+              <a:lnSpc>
+                <a:spcPct val="90000"/>
+              </a:lnSpc>
+              <a:spcBef>
+                <a:spcPct val="0"/>
+              </a:spcBef>
+              <a:buNone/>
+              <a:defRPr sz="6000" kern="1200">
+                <a:solidFill>
+                  <a:schemeClr val="tx1"/>
+                </a:solidFill>
+                <a:latin typeface="+mj-lt"/>
+                <a:ea typeface="+mj-ea"/>
+                <a:cs typeface="+mj-cs"/>
+              </a:defRPr>
+            </a:lvl1pPr>
+          </a:lstStyle>
+          <a:p>
+            <a:r>
+              <a:rPr lang="zh-CN" altLang="en-US" dirty="0"/>
+              <a:t>内</a:t>
+            </a:r>
+            <a:r>
+              <a:rPr lang="zh-CN" altLang="en-US" dirty="0" smtClean="0"/>
+              <a:t>核调用的原理</a:t>
+            </a:r>
+            <a:endParaRPr lang="zh-CN" altLang="en-US" dirty="0"/>
+          </a:p>
+        </p:txBody>
+      </p:sp>
+    </p:spTree>
+    <p:extLst>
+      <p:ext uri="{BB962C8B-B14F-4D97-AF65-F5344CB8AC3E}">
+        <p14:creationId xmlns:p14="http://schemas.microsoft.com/office/powerpoint/2010/main" val="1443762437"/>
+      </p:ext>
+    </p:extLst>
+  </p:cSld>
+  <p:clrMapOvr>
+    <a:masterClrMapping/>
+  </p:clrMapOvr>
+</p:sld>
+</file>
+
+<file path=ppt/slides/slide12.xml><?xml version="1.0" encoding="utf-8"?>
+<p:sld xmlns:a="http://schemas.openxmlformats.org/drawingml/2006/main" xmlns:r="http://schemas.openxmlformats.org/officeDocument/2006/relationships" xmlns:p="http://schemas.openxmlformats.org/presentationml/2006/main">
+  <p:cSld>
+    <p:spTree>
+      <p:nvGrpSpPr>
+        <p:cNvPr id="1" name=""/>
+        <p:cNvGrpSpPr/>
+        <p:nvPr/>
+      </p:nvGrpSpPr>
+      <p:grpSpPr>
+        <a:xfrm>
+          <a:off x="0" y="0"/>
+          <a:ext cx="0" cy="0"/>
+          <a:chOff x="0" y="0"/>
+          <a:chExt cx="0" cy="0"/>
+        </a:xfrm>
+      </p:grpSpPr>
+      <p:pic>
+        <p:nvPicPr>
+          <p:cNvPr id="4" name="图片 3"/>
+          <p:cNvPicPr>
+            <a:picLocks noChangeAspect="1"/>
+          </p:cNvPicPr>
+          <p:nvPr/>
+        </p:nvPicPr>
+        <p:blipFill>
+          <a:blip r:embed="rId2"/>
+          <a:stretch>
+            <a:fillRect/>
+          </a:stretch>
+        </p:blipFill>
+        <p:spPr>
+          <a:xfrm>
+            <a:off x="7598496" y="545397"/>
+            <a:ext cx="4504762" cy="5514286"/>
+          </a:xfrm>
+          <a:prstGeom prst="rect">
+            <a:avLst/>
+          </a:prstGeom>
+        </p:spPr>
+      </p:pic>
+      <p:pic>
+        <p:nvPicPr>
+          <p:cNvPr id="5" name="图片 4"/>
+          <p:cNvPicPr>
+            <a:picLocks noChangeAspect="1"/>
+          </p:cNvPicPr>
+          <p:nvPr/>
+        </p:nvPicPr>
+        <p:blipFill>
+          <a:blip r:embed="rId3"/>
+          <a:stretch>
+            <a:fillRect/>
+          </a:stretch>
+        </p:blipFill>
+        <p:spPr>
+          <a:xfrm>
+            <a:off x="860138" y="1235596"/>
+            <a:ext cx="5685714" cy="4561905"/>
+          </a:xfrm>
+          <a:prstGeom prst="rect">
+            <a:avLst/>
+          </a:prstGeom>
+        </p:spPr>
+      </p:pic>
+      <p:sp>
+        <p:nvSpPr>
+          <p:cNvPr id="6" name="文本框 5"/>
+          <p:cNvSpPr txBox="1"/>
+          <p:nvPr/>
+        </p:nvSpPr>
+        <p:spPr>
+          <a:xfrm>
+            <a:off x="264951" y="119533"/>
+            <a:ext cx="1980029" cy="523220"/>
+          </a:xfrm>
+          <a:prstGeom prst="rect">
+            <a:avLst/>
+          </a:prstGeom>
+          <a:noFill/>
+        </p:spPr>
+        <p:txBody>
+          <a:bodyPr wrap="none" rtlCol="0">
+            <a:spAutoFit/>
+          </a:bodyPr>
+          <a:lstStyle/>
+          <a:p>
+            <a:r>
+              <a:rPr lang="zh-CN" altLang="en-US" sz="2800" dirty="0" smtClean="0">
+                <a:latin typeface="微软雅黑" panose="020B0503020204020204" pitchFamily="34" charset="-122"/>
+                <a:ea typeface="微软雅黑" panose="020B0503020204020204" pitchFamily="34" charset="-122"/>
+              </a:rPr>
+              <a:t>多任务切换</a:t>
+            </a:r>
+            <a:endParaRPr lang="zh-CN" altLang="en-US" sz="2800" dirty="0">
+              <a:latin typeface="微软雅黑" panose="020B0503020204020204" pitchFamily="34" charset="-122"/>
+              <a:ea typeface="微软雅黑" panose="020B0503020204020204" pitchFamily="34" charset="-122"/>
+            </a:endParaRPr>
+          </a:p>
+        </p:txBody>
+      </p:sp>
+    </p:spTree>
+    <p:extLst>
+      <p:ext uri="{BB962C8B-B14F-4D97-AF65-F5344CB8AC3E}">
+        <p14:creationId xmlns:p14="http://schemas.microsoft.com/office/powerpoint/2010/main" val="594242367"/>
+      </p:ext>
+    </p:extLst>
+  </p:cSld>
+  <p:clrMapOvr>
+    <a:masterClrMapping/>
+  </p:clrMapOvr>
+</p:sld>
+</file>
+
+<file path=ppt/slides/slide13.xml><?xml version="1.0" encoding="utf-8"?>
+<p:sld xmlns:a="http://schemas.openxmlformats.org/drawingml/2006/main" xmlns:r="http://schemas.openxmlformats.org/officeDocument/2006/relationships" xmlns:p="http://schemas.openxmlformats.org/presentationml/2006/main">
+  <p:cSld>
+    <p:spTree>
+      <p:nvGrpSpPr>
+        <p:cNvPr id="1" name=""/>
+        <p:cNvGrpSpPr/>
+        <p:nvPr/>
+      </p:nvGrpSpPr>
+      <p:grpSpPr>
+        <a:xfrm>
+          <a:off x="0" y="0"/>
+          <a:ext cx="0" cy="0"/>
+          <a:chOff x="0" y="0"/>
+          <a:chExt cx="0" cy="0"/>
+        </a:xfrm>
+      </p:grpSpPr>
+      <p:sp>
+        <p:nvSpPr>
+          <p:cNvPr id="5" name="矩形 4"/>
+          <p:cNvSpPr/>
+          <p:nvPr/>
+        </p:nvSpPr>
+        <p:spPr>
+          <a:xfrm>
+            <a:off x="6320524" y="780053"/>
+            <a:ext cx="1795849" cy="2413686"/>
+          </a:xfrm>
+          <a:prstGeom prst="rect">
+            <a:avLst/>
+          </a:prstGeom>
+          <a:noFill/>
+        </p:spPr>
+        <p:style>
+          <a:lnRef idx="2">
+            <a:schemeClr val="accent1">
+              <a:shade val="50000"/>
+            </a:schemeClr>
+          </a:lnRef>
+          <a:fillRef idx="1">
+            <a:schemeClr val="accent1"/>
+          </a:fillRef>
+          <a:effectRef idx="0">
+            <a:schemeClr val="accent1"/>
+          </a:effectRef>
+          <a:fontRef idx="minor">
+            <a:schemeClr val="lt1"/>
+          </a:fontRef>
+        </p:style>
+        <p:txBody>
+          <a:bodyPr rtlCol="0" anchor="ctr"/>
+          <a:lstStyle/>
+          <a:p>
+            <a:pPr algn="ctr"/>
+            <a:endParaRPr lang="zh-CN" altLang="en-US" dirty="0"/>
+          </a:p>
+        </p:txBody>
+      </p:sp>
+      <p:cxnSp>
+        <p:nvCxnSpPr>
+          <p:cNvPr id="7" name="直接连接符 6"/>
+          <p:cNvCxnSpPr/>
+          <p:nvPr/>
+        </p:nvCxnSpPr>
+        <p:spPr>
+          <a:xfrm>
+            <a:off x="6320524" y="2765371"/>
+            <a:ext cx="1795849" cy="0"/>
+          </a:xfrm>
+          <a:prstGeom prst="line">
+            <a:avLst/>
+          </a:prstGeom>
+        </p:spPr>
+        <p:style>
+          <a:lnRef idx="1">
+            <a:schemeClr val="accent1"/>
+          </a:lnRef>
+          <a:fillRef idx="0">
+            <a:schemeClr val="accent1"/>
+          </a:fillRef>
+          <a:effectRef idx="0">
+            <a:schemeClr val="accent1"/>
+          </a:effectRef>
+          <a:fontRef idx="minor">
+            <a:schemeClr val="tx1"/>
+          </a:fontRef>
+        </p:style>
+      </p:cxnSp>
+      <p:cxnSp>
+        <p:nvCxnSpPr>
+          <p:cNvPr id="8" name="直接连接符 7"/>
+          <p:cNvCxnSpPr/>
+          <p:nvPr/>
+        </p:nvCxnSpPr>
+        <p:spPr>
+          <a:xfrm>
+            <a:off x="6320524" y="1875685"/>
+            <a:ext cx="1795849" cy="0"/>
+          </a:xfrm>
+          <a:prstGeom prst="line">
+            <a:avLst/>
+          </a:prstGeom>
+        </p:spPr>
+        <p:style>
+          <a:lnRef idx="1">
+            <a:schemeClr val="accent1"/>
+          </a:lnRef>
+          <a:fillRef idx="0">
+            <a:schemeClr val="accent1"/>
+          </a:fillRef>
+          <a:effectRef idx="0">
+            <a:schemeClr val="accent1"/>
+          </a:effectRef>
+          <a:fontRef idx="minor">
+            <a:schemeClr val="tx1"/>
+          </a:fontRef>
+        </p:style>
+      </p:cxnSp>
+      <p:cxnSp>
+        <p:nvCxnSpPr>
+          <p:cNvPr id="9" name="直接连接符 8"/>
+          <p:cNvCxnSpPr/>
+          <p:nvPr/>
+        </p:nvCxnSpPr>
+        <p:spPr>
+          <a:xfrm>
+            <a:off x="6320524" y="2328766"/>
+            <a:ext cx="1795849" cy="0"/>
+          </a:xfrm>
+          <a:prstGeom prst="line">
+            <a:avLst/>
+          </a:prstGeom>
+        </p:spPr>
+        <p:style>
+          <a:lnRef idx="1">
+            <a:schemeClr val="accent1"/>
+          </a:lnRef>
+          <a:fillRef idx="0">
+            <a:schemeClr val="accent1"/>
+          </a:fillRef>
+          <a:effectRef idx="0">
+            <a:schemeClr val="accent1"/>
+          </a:effectRef>
+          <a:fontRef idx="minor">
+            <a:schemeClr val="tx1"/>
+          </a:fontRef>
+        </p:style>
+      </p:cxnSp>
+      <p:cxnSp>
+        <p:nvCxnSpPr>
+          <p:cNvPr id="10" name="直接连接符 9"/>
+          <p:cNvCxnSpPr/>
+          <p:nvPr/>
+        </p:nvCxnSpPr>
+        <p:spPr>
+          <a:xfrm>
+            <a:off x="6320524" y="1447317"/>
+            <a:ext cx="1795849" cy="0"/>
+          </a:xfrm>
+          <a:prstGeom prst="line">
+            <a:avLst/>
+          </a:prstGeom>
+        </p:spPr>
+        <p:style>
+          <a:lnRef idx="1">
+            <a:schemeClr val="accent1"/>
+          </a:lnRef>
+          <a:fillRef idx="0">
+            <a:schemeClr val="accent1"/>
+          </a:fillRef>
+          <a:effectRef idx="0">
+            <a:schemeClr val="accent1"/>
+          </a:effectRef>
+          <a:fontRef idx="minor">
+            <a:schemeClr val="tx1"/>
+          </a:fontRef>
+        </p:style>
+      </p:cxnSp>
+      <p:sp>
+        <p:nvSpPr>
+          <p:cNvPr id="11" name="矩形 10"/>
+          <p:cNvSpPr/>
+          <p:nvPr/>
+        </p:nvSpPr>
+        <p:spPr>
+          <a:xfrm>
+            <a:off x="6926093" y="2772119"/>
+            <a:ext cx="243191" cy="411892"/>
+          </a:xfrm>
+          <a:prstGeom prst="rect">
+            <a:avLst/>
+          </a:prstGeom>
+          <a:solidFill>
+            <a:schemeClr val="bg1">
+              <a:lumMod val="85000"/>
+            </a:schemeClr>
+          </a:solidFill>
+          <a:ln w="3175"/>
+        </p:spPr>
+        <p:style>
+          <a:lnRef idx="2">
+            <a:schemeClr val="accent1">
+              <a:shade val="50000"/>
+            </a:schemeClr>
+          </a:lnRef>
+          <a:fillRef idx="1">
+            <a:schemeClr val="accent1"/>
+          </a:fillRef>
+          <a:effectRef idx="0">
+            <a:schemeClr val="accent1"/>
+          </a:effectRef>
+          <a:fontRef idx="minor">
+            <a:schemeClr val="lt1"/>
+          </a:fontRef>
+        </p:style>
+        <p:txBody>
+          <a:bodyPr rtlCol="0" anchor="ctr"/>
+          <a:lstStyle/>
+          <a:p>
+            <a:pPr algn="ctr"/>
+            <a:endParaRPr lang="zh-CN" altLang="en-US"/>
+          </a:p>
+        </p:txBody>
+      </p:sp>
+      <p:sp>
+        <p:nvSpPr>
+          <p:cNvPr id="13" name="文本框 12"/>
+          <p:cNvSpPr txBox="1"/>
+          <p:nvPr/>
+        </p:nvSpPr>
+        <p:spPr>
+          <a:xfrm>
+            <a:off x="8594168" y="2814679"/>
+            <a:ext cx="2150076" cy="369332"/>
+          </a:xfrm>
+          <a:prstGeom prst="rect">
+            <a:avLst/>
+          </a:prstGeom>
+          <a:noFill/>
+        </p:spPr>
+        <p:txBody>
+          <a:bodyPr wrap="square" rtlCol="0">
+            <a:spAutoFit/>
+          </a:bodyPr>
+          <a:lstStyle/>
+          <a:p>
+            <a:r>
+              <a:rPr lang="en-US" altLang="zh-CN" dirty="0" smtClean="0"/>
+              <a:t>Segment Descriptor</a:t>
+            </a:r>
+            <a:endParaRPr lang="zh-CN" altLang="en-US" dirty="0"/>
+          </a:p>
+        </p:txBody>
+      </p:sp>
+      <p:sp>
+        <p:nvSpPr>
+          <p:cNvPr id="16" name="文本框 15"/>
+          <p:cNvSpPr txBox="1"/>
+          <p:nvPr/>
+        </p:nvSpPr>
+        <p:spPr>
+          <a:xfrm>
+            <a:off x="6456798" y="4021172"/>
+            <a:ext cx="2570469" cy="648104"/>
+          </a:xfrm>
+          <a:prstGeom prst="rect">
+            <a:avLst/>
+          </a:prstGeom>
+          <a:noFill/>
+        </p:spPr>
+        <p:txBody>
+          <a:bodyPr wrap="square" rtlCol="0">
+            <a:spAutoFit/>
+          </a:bodyPr>
+          <a:lstStyle/>
+          <a:p>
+            <a:r>
+              <a:rPr lang="en-US" altLang="zh-CN" dirty="0" smtClean="0"/>
+              <a:t>Descriptor Privilege Level</a:t>
+            </a:r>
+            <a:br>
+              <a:rPr lang="en-US" altLang="zh-CN" dirty="0" smtClean="0"/>
+            </a:br>
+            <a:r>
+              <a:rPr lang="en-US" altLang="zh-CN" dirty="0" smtClean="0"/>
+              <a:t>(2bit)</a:t>
+            </a:r>
+            <a:endParaRPr lang="zh-CN" altLang="en-US" dirty="0"/>
+          </a:p>
+        </p:txBody>
+      </p:sp>
+      <p:cxnSp>
+        <p:nvCxnSpPr>
+          <p:cNvPr id="19" name="直接箭头连接符 18"/>
+          <p:cNvCxnSpPr/>
+          <p:nvPr/>
+        </p:nvCxnSpPr>
+        <p:spPr>
+          <a:xfrm>
+            <a:off x="7042825" y="3193739"/>
+            <a:ext cx="0" cy="827433"/>
+          </a:xfrm>
+          <a:prstGeom prst="straightConnector1">
+            <a:avLst/>
+          </a:prstGeom>
+          <a:ln>
+            <a:tailEnd type="triangle"/>
+          </a:ln>
+        </p:spPr>
+        <p:style>
+          <a:lnRef idx="1">
+            <a:schemeClr val="accent1"/>
+          </a:lnRef>
+          <a:fillRef idx="0">
+            <a:schemeClr val="accent1"/>
+          </a:fillRef>
+          <a:effectRef idx="0">
+            <a:schemeClr val="accent1"/>
+          </a:effectRef>
+          <a:fontRef idx="minor">
+            <a:schemeClr val="tx1"/>
+          </a:fontRef>
+        </p:style>
+      </p:cxnSp>
+      <p:cxnSp>
+        <p:nvCxnSpPr>
+          <p:cNvPr id="21" name="直接箭头连接符 20"/>
+          <p:cNvCxnSpPr/>
+          <p:nvPr/>
+        </p:nvCxnSpPr>
+        <p:spPr>
+          <a:xfrm>
+            <a:off x="7898857" y="2978065"/>
+            <a:ext cx="768485" cy="0"/>
+          </a:xfrm>
+          <a:prstGeom prst="straightConnector1">
+            <a:avLst/>
+          </a:prstGeom>
+          <a:ln>
+            <a:tailEnd type="triangle"/>
+          </a:ln>
+        </p:spPr>
+        <p:style>
+          <a:lnRef idx="1">
+            <a:schemeClr val="accent1"/>
+          </a:lnRef>
+          <a:fillRef idx="0">
+            <a:schemeClr val="accent1"/>
+          </a:fillRef>
+          <a:effectRef idx="0">
+            <a:schemeClr val="accent1"/>
+          </a:effectRef>
+          <a:fontRef idx="minor">
+            <a:schemeClr val="tx1"/>
+          </a:fontRef>
+        </p:style>
+      </p:cxnSp>
+      <p:sp>
+        <p:nvSpPr>
+          <p:cNvPr id="22" name="矩形 21"/>
+          <p:cNvSpPr/>
+          <p:nvPr/>
+        </p:nvSpPr>
+        <p:spPr>
+          <a:xfrm>
+            <a:off x="651753" y="1128409"/>
+            <a:ext cx="1177047" cy="428017"/>
+          </a:xfrm>
+          <a:prstGeom prst="rect">
+            <a:avLst/>
+          </a:prstGeom>
+        </p:spPr>
+        <p:style>
+          <a:lnRef idx="2">
+            <a:schemeClr val="accent1">
+              <a:shade val="50000"/>
+            </a:schemeClr>
+          </a:lnRef>
+          <a:fillRef idx="1">
+            <a:schemeClr val="accent1"/>
+          </a:fillRef>
+          <a:effectRef idx="0">
+            <a:schemeClr val="accent1"/>
+          </a:effectRef>
+          <a:fontRef idx="minor">
+            <a:schemeClr val="lt1"/>
+          </a:fontRef>
+        </p:style>
+        <p:txBody>
+          <a:bodyPr rtlCol="0" anchor="ctr"/>
+          <a:lstStyle/>
+          <a:p>
+            <a:pPr algn="ctr"/>
+            <a:r>
+              <a:rPr lang="en-US" altLang="zh-CN" dirty="0" smtClean="0"/>
+              <a:t>CS</a:t>
+            </a:r>
+            <a:endParaRPr lang="zh-CN" altLang="en-US" dirty="0"/>
+          </a:p>
+        </p:txBody>
+      </p:sp>
+      <p:sp>
+        <p:nvSpPr>
+          <p:cNvPr id="23" name="矩形 22"/>
+          <p:cNvSpPr/>
+          <p:nvPr/>
+        </p:nvSpPr>
+        <p:spPr>
+          <a:xfrm>
+            <a:off x="6926093" y="2334023"/>
+            <a:ext cx="243191" cy="411892"/>
+          </a:xfrm>
+          <a:prstGeom prst="rect">
+            <a:avLst/>
+          </a:prstGeom>
+          <a:solidFill>
+            <a:schemeClr val="bg1">
+              <a:lumMod val="85000"/>
+            </a:schemeClr>
+          </a:solidFill>
+          <a:ln w="3175"/>
+        </p:spPr>
+        <p:style>
+          <a:lnRef idx="2">
+            <a:schemeClr val="accent1">
+              <a:shade val="50000"/>
+            </a:schemeClr>
+          </a:lnRef>
+          <a:fillRef idx="1">
+            <a:schemeClr val="accent1"/>
+          </a:fillRef>
+          <a:effectRef idx="0">
+            <a:schemeClr val="accent1"/>
+          </a:effectRef>
+          <a:fontRef idx="minor">
+            <a:schemeClr val="lt1"/>
+          </a:fontRef>
+        </p:style>
+        <p:txBody>
+          <a:bodyPr rtlCol="0" anchor="ctr"/>
+          <a:lstStyle/>
+          <a:p>
+            <a:pPr algn="ctr"/>
+            <a:endParaRPr lang="zh-CN" altLang="en-US"/>
+          </a:p>
+        </p:txBody>
+      </p:sp>
+      <p:sp>
+        <p:nvSpPr>
+          <p:cNvPr id="24" name="矩形 23"/>
+          <p:cNvSpPr/>
+          <p:nvPr/>
+        </p:nvSpPr>
+        <p:spPr>
+          <a:xfrm>
+            <a:off x="6926093" y="1895284"/>
+            <a:ext cx="243191" cy="411892"/>
+          </a:xfrm>
+          <a:prstGeom prst="rect">
+            <a:avLst/>
+          </a:prstGeom>
+          <a:solidFill>
+            <a:schemeClr val="bg1">
+              <a:lumMod val="85000"/>
+            </a:schemeClr>
+          </a:solidFill>
+          <a:ln w="3175"/>
+        </p:spPr>
+        <p:style>
+          <a:lnRef idx="2">
+            <a:schemeClr val="accent1">
+              <a:shade val="50000"/>
+            </a:schemeClr>
+          </a:lnRef>
+          <a:fillRef idx="1">
+            <a:schemeClr val="accent1"/>
+          </a:fillRef>
+          <a:effectRef idx="0">
+            <a:schemeClr val="accent1"/>
+          </a:effectRef>
+          <a:fontRef idx="minor">
+            <a:schemeClr val="lt1"/>
+          </a:fontRef>
+        </p:style>
+        <p:txBody>
+          <a:bodyPr rtlCol="0" anchor="ctr"/>
+          <a:lstStyle/>
+          <a:p>
+            <a:pPr algn="ctr"/>
+            <a:endParaRPr lang="zh-CN" altLang="en-US"/>
+          </a:p>
+        </p:txBody>
+      </p:sp>
+      <p:sp>
+        <p:nvSpPr>
+          <p:cNvPr id="25" name="矩形 24"/>
+          <p:cNvSpPr/>
+          <p:nvPr/>
+        </p:nvSpPr>
+        <p:spPr>
+          <a:xfrm>
+            <a:off x="6926093" y="1457188"/>
+            <a:ext cx="243191" cy="411892"/>
+          </a:xfrm>
+          <a:prstGeom prst="rect">
+            <a:avLst/>
+          </a:prstGeom>
+          <a:solidFill>
+            <a:schemeClr val="bg1">
+              <a:lumMod val="85000"/>
+            </a:schemeClr>
+          </a:solidFill>
+          <a:ln w="3175"/>
+        </p:spPr>
+        <p:style>
+          <a:lnRef idx="2">
+            <a:schemeClr val="accent1">
+              <a:shade val="50000"/>
+            </a:schemeClr>
+          </a:lnRef>
+          <a:fillRef idx="1">
+            <a:schemeClr val="accent1"/>
+          </a:fillRef>
+          <a:effectRef idx="0">
+            <a:schemeClr val="accent1"/>
+          </a:effectRef>
+          <a:fontRef idx="minor">
+            <a:schemeClr val="lt1"/>
+          </a:fontRef>
+        </p:style>
+        <p:txBody>
+          <a:bodyPr rtlCol="0" anchor="ctr"/>
+          <a:lstStyle/>
+          <a:p>
+            <a:pPr algn="ctr"/>
+            <a:endParaRPr lang="zh-CN" altLang="en-US"/>
+          </a:p>
+        </p:txBody>
+      </p:sp>
+      <p:cxnSp>
+        <p:nvCxnSpPr>
+          <p:cNvPr id="27" name="肘形连接符 26"/>
+          <p:cNvCxnSpPr>
+            <a:stCxn id="22" idx="3"/>
+          </p:cNvCxnSpPr>
+          <p:nvPr/>
+        </p:nvCxnSpPr>
+        <p:spPr>
+          <a:xfrm>
+            <a:off x="1828800" y="1342418"/>
+            <a:ext cx="4491724" cy="758756"/>
+          </a:xfrm>
+          <a:prstGeom prst="bentConnector3">
+            <a:avLst/>
+          </a:prstGeom>
+          <a:ln>
+            <a:tailEnd type="triangle"/>
+          </a:ln>
+        </p:spPr>
+        <p:style>
+          <a:lnRef idx="1">
+            <a:schemeClr val="accent1"/>
+          </a:lnRef>
+          <a:fillRef idx="0">
+            <a:schemeClr val="accent1"/>
+          </a:fillRef>
+          <a:effectRef idx="0">
+            <a:schemeClr val="accent1"/>
+          </a:effectRef>
+          <a:fontRef idx="minor">
+            <a:schemeClr val="tx1"/>
+          </a:fontRef>
+        </p:style>
+      </p:cxnSp>
+      <p:cxnSp>
+        <p:nvCxnSpPr>
+          <p:cNvPr id="31" name="直接箭头连接符 30"/>
+          <p:cNvCxnSpPr/>
+          <p:nvPr/>
+        </p:nvCxnSpPr>
+        <p:spPr>
+          <a:xfrm flipV="1">
+            <a:off x="7042825" y="651753"/>
+            <a:ext cx="2276273" cy="1449421"/>
+          </a:xfrm>
+          <a:prstGeom prst="straightConnector1">
+            <a:avLst/>
+          </a:prstGeom>
+          <a:ln>
+            <a:tailEnd type="triangle"/>
+          </a:ln>
+        </p:spPr>
+        <p:style>
+          <a:lnRef idx="1">
+            <a:schemeClr val="accent1"/>
+          </a:lnRef>
+          <a:fillRef idx="0">
+            <a:schemeClr val="accent1"/>
+          </a:fillRef>
+          <a:effectRef idx="0">
+            <a:schemeClr val="accent1"/>
+          </a:effectRef>
+          <a:fontRef idx="minor">
+            <a:schemeClr val="tx1"/>
+          </a:fontRef>
+        </p:style>
+      </p:cxnSp>
+      <p:sp>
+        <p:nvSpPr>
+          <p:cNvPr id="32" name="文本框 31"/>
+          <p:cNvSpPr txBox="1"/>
+          <p:nvPr/>
+        </p:nvSpPr>
+        <p:spPr>
+          <a:xfrm>
+            <a:off x="9319098" y="327701"/>
+            <a:ext cx="2570469" cy="648104"/>
+          </a:xfrm>
+          <a:prstGeom prst="rect">
+            <a:avLst/>
+          </a:prstGeom>
+          <a:noFill/>
+        </p:spPr>
+        <p:txBody>
+          <a:bodyPr wrap="square" rtlCol="0">
+            <a:spAutoFit/>
+          </a:bodyPr>
+          <a:lstStyle/>
+          <a:p>
+            <a:r>
+              <a:rPr lang="en-US" altLang="zh-CN" dirty="0" smtClean="0"/>
+              <a:t>Current Privilege Level</a:t>
+            </a:r>
+            <a:br>
+              <a:rPr lang="en-US" altLang="zh-CN" dirty="0" smtClean="0"/>
+            </a:br>
+            <a:r>
+              <a:rPr lang="en-US" altLang="zh-CN" dirty="0" smtClean="0"/>
+              <a:t>(CPL)</a:t>
+            </a:r>
+            <a:endParaRPr lang="zh-CN" altLang="en-US" dirty="0"/>
+          </a:p>
+        </p:txBody>
+      </p:sp>
+      <p:sp>
+        <p:nvSpPr>
+          <p:cNvPr id="33" name="文本框 32"/>
+          <p:cNvSpPr txBox="1"/>
+          <p:nvPr/>
+        </p:nvSpPr>
+        <p:spPr>
+          <a:xfrm>
+            <a:off x="6281609" y="381637"/>
+            <a:ext cx="2150076" cy="369332"/>
+          </a:xfrm>
+          <a:prstGeom prst="rect">
+            <a:avLst/>
+          </a:prstGeom>
+          <a:noFill/>
+        </p:spPr>
+        <p:txBody>
+          <a:bodyPr wrap="square" rtlCol="0">
+            <a:spAutoFit/>
+          </a:bodyPr>
+          <a:lstStyle/>
+          <a:p>
+            <a:r>
+              <a:rPr lang="en-US" altLang="zh-CN" dirty="0" smtClean="0"/>
+              <a:t>GDT</a:t>
+            </a:r>
+            <a:endParaRPr lang="zh-CN" altLang="en-US" dirty="0"/>
+          </a:p>
+        </p:txBody>
+      </p:sp>
+      <p:sp>
+        <p:nvSpPr>
+          <p:cNvPr id="34" name="矩形 33"/>
+          <p:cNvSpPr/>
+          <p:nvPr/>
+        </p:nvSpPr>
+        <p:spPr>
+          <a:xfrm>
+            <a:off x="1828800" y="3630257"/>
+            <a:ext cx="1795849" cy="2413686"/>
+          </a:xfrm>
+          <a:prstGeom prst="rect">
+            <a:avLst/>
+          </a:prstGeom>
+          <a:noFill/>
+        </p:spPr>
+        <p:style>
+          <a:lnRef idx="2">
+            <a:schemeClr val="accent1">
+              <a:shade val="50000"/>
+            </a:schemeClr>
+          </a:lnRef>
+          <a:fillRef idx="1">
+            <a:schemeClr val="accent1"/>
+          </a:fillRef>
+          <a:effectRef idx="0">
+            <a:schemeClr val="accent1"/>
+          </a:effectRef>
+          <a:fontRef idx="minor">
+            <a:schemeClr val="lt1"/>
+          </a:fontRef>
+        </p:style>
+        <p:txBody>
+          <a:bodyPr rtlCol="0" anchor="ctr"/>
+          <a:lstStyle/>
+          <a:p>
+            <a:pPr algn="ctr"/>
+            <a:endParaRPr lang="zh-CN" altLang="en-US" dirty="0"/>
+          </a:p>
+        </p:txBody>
+      </p:sp>
+      <p:cxnSp>
+        <p:nvCxnSpPr>
+          <p:cNvPr id="35" name="直接连接符 34"/>
+          <p:cNvCxnSpPr/>
+          <p:nvPr/>
+        </p:nvCxnSpPr>
+        <p:spPr>
+          <a:xfrm>
+            <a:off x="1828800" y="5615575"/>
+            <a:ext cx="1795849" cy="0"/>
+          </a:xfrm>
+          <a:prstGeom prst="line">
+            <a:avLst/>
+          </a:prstGeom>
+        </p:spPr>
+        <p:style>
+          <a:lnRef idx="1">
+            <a:schemeClr val="accent1"/>
+          </a:lnRef>
+          <a:fillRef idx="0">
+            <a:schemeClr val="accent1"/>
+          </a:fillRef>
+          <a:effectRef idx="0">
+            <a:schemeClr val="accent1"/>
+          </a:effectRef>
+          <a:fontRef idx="minor">
+            <a:schemeClr val="tx1"/>
+          </a:fontRef>
+        </p:style>
+      </p:cxnSp>
+      <p:cxnSp>
+        <p:nvCxnSpPr>
+          <p:cNvPr id="36" name="直接连接符 35"/>
+          <p:cNvCxnSpPr/>
+          <p:nvPr/>
+        </p:nvCxnSpPr>
+        <p:spPr>
+          <a:xfrm>
+            <a:off x="1828800" y="4725889"/>
+            <a:ext cx="1795849" cy="0"/>
+          </a:xfrm>
+          <a:prstGeom prst="line">
+            <a:avLst/>
+          </a:prstGeom>
+        </p:spPr>
+        <p:style>
+          <a:lnRef idx="1">
+            <a:schemeClr val="accent1"/>
+          </a:lnRef>
+          <a:fillRef idx="0">
+            <a:schemeClr val="accent1"/>
+          </a:fillRef>
+          <a:effectRef idx="0">
+            <a:schemeClr val="accent1"/>
+          </a:effectRef>
+          <a:fontRef idx="minor">
+            <a:schemeClr val="tx1"/>
+          </a:fontRef>
+        </p:style>
+      </p:cxnSp>
+      <p:cxnSp>
+        <p:nvCxnSpPr>
+          <p:cNvPr id="37" name="直接连接符 36"/>
+          <p:cNvCxnSpPr/>
+          <p:nvPr/>
+        </p:nvCxnSpPr>
+        <p:spPr>
+          <a:xfrm>
+            <a:off x="1828800" y="5178970"/>
+            <a:ext cx="1795849" cy="0"/>
+          </a:xfrm>
+          <a:prstGeom prst="line">
+            <a:avLst/>
+          </a:prstGeom>
+        </p:spPr>
+        <p:style>
+          <a:lnRef idx="1">
+            <a:schemeClr val="accent1"/>
+          </a:lnRef>
+          <a:fillRef idx="0">
+            <a:schemeClr val="accent1"/>
+          </a:fillRef>
+          <a:effectRef idx="0">
+            <a:schemeClr val="accent1"/>
+          </a:effectRef>
+          <a:fontRef idx="minor">
+            <a:schemeClr val="tx1"/>
+          </a:fontRef>
+        </p:style>
+      </p:cxnSp>
+      <p:cxnSp>
+        <p:nvCxnSpPr>
+          <p:cNvPr id="38" name="直接连接符 37"/>
+          <p:cNvCxnSpPr/>
+          <p:nvPr/>
+        </p:nvCxnSpPr>
+        <p:spPr>
+          <a:xfrm>
+            <a:off x="1828800" y="4297521"/>
+            <a:ext cx="1795849" cy="0"/>
+          </a:xfrm>
+          <a:prstGeom prst="line">
+            <a:avLst/>
+          </a:prstGeom>
+        </p:spPr>
+        <p:style>
+          <a:lnRef idx="1">
+            <a:schemeClr val="accent1"/>
+          </a:lnRef>
+          <a:fillRef idx="0">
+            <a:schemeClr val="accent1"/>
+          </a:fillRef>
+          <a:effectRef idx="0">
+            <a:schemeClr val="accent1"/>
+          </a:effectRef>
+          <a:fontRef idx="minor">
+            <a:schemeClr val="tx1"/>
+          </a:fontRef>
+        </p:style>
+      </p:cxnSp>
+      <p:sp>
+        <p:nvSpPr>
+          <p:cNvPr id="39" name="矩形 38"/>
+          <p:cNvSpPr/>
+          <p:nvPr/>
+        </p:nvSpPr>
+        <p:spPr>
+          <a:xfrm>
+            <a:off x="2434369" y="5622323"/>
+            <a:ext cx="243191" cy="411892"/>
+          </a:xfrm>
+          <a:prstGeom prst="rect">
+            <a:avLst/>
+          </a:prstGeom>
+          <a:solidFill>
+            <a:schemeClr val="bg1">
+              <a:lumMod val="85000"/>
+            </a:schemeClr>
+          </a:solidFill>
+          <a:ln w="3175"/>
+        </p:spPr>
+        <p:style>
+          <a:lnRef idx="2">
+            <a:schemeClr val="accent1">
+              <a:shade val="50000"/>
+            </a:schemeClr>
+          </a:lnRef>
+          <a:fillRef idx="1">
+            <a:schemeClr val="accent1"/>
+          </a:fillRef>
+          <a:effectRef idx="0">
+            <a:schemeClr val="accent1"/>
+          </a:effectRef>
+          <a:fontRef idx="minor">
+            <a:schemeClr val="lt1"/>
+          </a:fontRef>
+        </p:style>
+        <p:txBody>
+          <a:bodyPr rtlCol="0" anchor="ctr"/>
+          <a:lstStyle/>
+          <a:p>
+            <a:pPr algn="ctr"/>
+            <a:endParaRPr lang="zh-CN" altLang="en-US"/>
+          </a:p>
+        </p:txBody>
+      </p:sp>
+      <p:sp>
+        <p:nvSpPr>
+          <p:cNvPr id="40" name="矩形 39"/>
+          <p:cNvSpPr/>
+          <p:nvPr/>
+        </p:nvSpPr>
+        <p:spPr>
+          <a:xfrm>
+            <a:off x="2434369" y="5184227"/>
+            <a:ext cx="243191" cy="411892"/>
+          </a:xfrm>
+          <a:prstGeom prst="rect">
+            <a:avLst/>
+          </a:prstGeom>
+          <a:solidFill>
+            <a:schemeClr val="bg1">
+              <a:lumMod val="85000"/>
+            </a:schemeClr>
+          </a:solidFill>
+          <a:ln w="3175"/>
+        </p:spPr>
+        <p:style>
+          <a:lnRef idx="2">
+            <a:schemeClr val="accent1">
+              <a:shade val="50000"/>
+            </a:schemeClr>
+          </a:lnRef>
+          <a:fillRef idx="1">
+            <a:schemeClr val="accent1"/>
+          </a:fillRef>
+          <a:effectRef idx="0">
+            <a:schemeClr val="accent1"/>
+          </a:effectRef>
+          <a:fontRef idx="minor">
+            <a:schemeClr val="lt1"/>
+          </a:fontRef>
+        </p:style>
+        <p:txBody>
+          <a:bodyPr rtlCol="0" anchor="ctr"/>
+          <a:lstStyle/>
+          <a:p>
+            <a:pPr algn="ctr"/>
+            <a:endParaRPr lang="zh-CN" altLang="en-US"/>
+          </a:p>
+        </p:txBody>
+      </p:sp>
+      <p:sp>
+        <p:nvSpPr>
+          <p:cNvPr id="41" name="矩形 40"/>
+          <p:cNvSpPr/>
+          <p:nvPr/>
+        </p:nvSpPr>
+        <p:spPr>
+          <a:xfrm>
+            <a:off x="2434369" y="4745488"/>
+            <a:ext cx="243191" cy="411892"/>
+          </a:xfrm>
+          <a:prstGeom prst="rect">
+            <a:avLst/>
+          </a:prstGeom>
+          <a:solidFill>
+            <a:schemeClr val="bg1">
+              <a:lumMod val="85000"/>
+            </a:schemeClr>
+          </a:solidFill>
+          <a:ln w="3175"/>
+        </p:spPr>
+        <p:style>
+          <a:lnRef idx="2">
+            <a:schemeClr val="accent1">
+              <a:shade val="50000"/>
+            </a:schemeClr>
+          </a:lnRef>
+          <a:fillRef idx="1">
+            <a:schemeClr val="accent1"/>
+          </a:fillRef>
+          <a:effectRef idx="0">
+            <a:schemeClr val="accent1"/>
+          </a:effectRef>
+          <a:fontRef idx="minor">
+            <a:schemeClr val="lt1"/>
+          </a:fontRef>
+        </p:style>
+        <p:txBody>
+          <a:bodyPr rtlCol="0" anchor="ctr"/>
+          <a:lstStyle/>
+          <a:p>
+            <a:pPr algn="ctr"/>
+            <a:endParaRPr lang="zh-CN" altLang="en-US"/>
+          </a:p>
+        </p:txBody>
+      </p:sp>
+      <p:sp>
+        <p:nvSpPr>
+          <p:cNvPr id="42" name="矩形 41"/>
+          <p:cNvSpPr/>
+          <p:nvPr/>
+        </p:nvSpPr>
+        <p:spPr>
+          <a:xfrm>
+            <a:off x="2434369" y="4307392"/>
+            <a:ext cx="243191" cy="411892"/>
+          </a:xfrm>
+          <a:prstGeom prst="rect">
+            <a:avLst/>
+          </a:prstGeom>
+          <a:solidFill>
+            <a:schemeClr val="bg1">
+              <a:lumMod val="85000"/>
+            </a:schemeClr>
+          </a:solidFill>
+          <a:ln w="3175"/>
+        </p:spPr>
+        <p:style>
+          <a:lnRef idx="2">
+            <a:schemeClr val="accent1">
+              <a:shade val="50000"/>
+            </a:schemeClr>
+          </a:lnRef>
+          <a:fillRef idx="1">
+            <a:schemeClr val="accent1"/>
+          </a:fillRef>
+          <a:effectRef idx="0">
+            <a:schemeClr val="accent1"/>
+          </a:effectRef>
+          <a:fontRef idx="minor">
+            <a:schemeClr val="lt1"/>
+          </a:fontRef>
+        </p:style>
+        <p:txBody>
+          <a:bodyPr rtlCol="0" anchor="ctr"/>
+          <a:lstStyle/>
+          <a:p>
+            <a:pPr algn="ctr"/>
+            <a:endParaRPr lang="zh-CN" altLang="en-US"/>
+          </a:p>
+        </p:txBody>
+      </p:sp>
+      <p:sp>
+        <p:nvSpPr>
+          <p:cNvPr id="43" name="文本框 42"/>
+          <p:cNvSpPr txBox="1"/>
+          <p:nvPr/>
+        </p:nvSpPr>
+        <p:spPr>
+          <a:xfrm>
+            <a:off x="1699887" y="3193653"/>
+            <a:ext cx="2636196" cy="369332"/>
+          </a:xfrm>
+          <a:prstGeom prst="rect">
+            <a:avLst/>
+          </a:prstGeom>
+          <a:noFill/>
+        </p:spPr>
+        <p:txBody>
+          <a:bodyPr wrap="square" rtlCol="0">
+            <a:spAutoFit/>
+          </a:bodyPr>
+          <a:lstStyle/>
+          <a:p>
+            <a:r>
+              <a:rPr lang="en-US" altLang="zh-CN" dirty="0" smtClean="0"/>
+              <a:t>LDT(Local Descriptor Table)</a:t>
+            </a:r>
+            <a:endParaRPr lang="zh-CN" altLang="en-US" dirty="0"/>
+          </a:p>
+        </p:txBody>
+      </p:sp>
+    </p:spTree>
+    <p:extLst>
+      <p:ext uri="{BB962C8B-B14F-4D97-AF65-F5344CB8AC3E}">
+        <p14:creationId xmlns:p14="http://schemas.microsoft.com/office/powerpoint/2010/main" val="3218303634"/>
+      </p:ext>
+    </p:extLst>
+  </p:cSld>
+  <p:clrMapOvr>
+    <a:masterClrMapping/>
+  </p:clrMapOvr>
+</p:sld>
+</file>
+
+<file path=ppt/slides/slide14.xml><?xml version="1.0" encoding="utf-8"?>
+<p:sld xmlns:a="http://schemas.openxmlformats.org/drawingml/2006/main" xmlns:r="http://schemas.openxmlformats.org/officeDocument/2006/relationships" xmlns:p="http://schemas.openxmlformats.org/presentationml/2006/main">
+  <p:cSld>
+    <p:spTree>
+      <p:nvGrpSpPr>
+        <p:cNvPr id="1" name=""/>
+        <p:cNvGrpSpPr/>
+        <p:nvPr/>
+      </p:nvGrpSpPr>
+      <p:grpSpPr>
+        <a:xfrm>
+          <a:off x="0" y="0"/>
+          <a:ext cx="0" cy="0"/>
+          <a:chOff x="0" y="0"/>
+          <a:chExt cx="0" cy="0"/>
+        </a:xfrm>
+      </p:grpSpPr>
+      <p:sp>
+        <p:nvSpPr>
+          <p:cNvPr id="2" name="标题 1"/>
+          <p:cNvSpPr>
+            <a:spLocks noGrp="1"/>
+          </p:cNvSpPr>
+          <p:nvPr>
+            <p:ph type="title"/>
+          </p:nvPr>
+        </p:nvSpPr>
+        <p:spPr/>
+        <p:txBody>
+          <a:bodyPr/>
+          <a:lstStyle/>
+          <a:p>
+            <a:r>
+              <a:rPr lang="zh-CN" altLang="en-US" dirty="0" smtClean="0"/>
+              <a:t>哪些位置有特</a:t>
+            </a:r>
+            <a:r>
+              <a:rPr lang="zh-CN" altLang="en-US" dirty="0"/>
+              <a:t>权</a:t>
+            </a:r>
+            <a:r>
+              <a:rPr lang="zh-CN" altLang="en-US" dirty="0" smtClean="0"/>
+              <a:t>级？</a:t>
+            </a:r>
+            <a:endParaRPr lang="zh-CN" altLang="en-US" dirty="0"/>
+          </a:p>
+        </p:txBody>
+      </p:sp>
+      <p:sp>
+        <p:nvSpPr>
+          <p:cNvPr id="3" name="内容占位符 2"/>
+          <p:cNvSpPr>
+            <a:spLocks noGrp="1"/>
+          </p:cNvSpPr>
+          <p:nvPr>
+            <p:ph idx="1"/>
+          </p:nvPr>
+        </p:nvSpPr>
+        <p:spPr/>
+        <p:txBody>
+          <a:bodyPr/>
+          <a:lstStyle/>
+          <a:p>
+            <a:r>
+              <a:rPr lang="zh-CN" altLang="en-US" dirty="0" smtClean="0"/>
+              <a:t>段特权级：位于段描述符中</a:t>
+            </a:r>
+            <a:endParaRPr lang="en-US" altLang="zh-CN" dirty="0" smtClean="0"/>
+          </a:p>
+          <a:p>
+            <a:r>
+              <a:rPr lang="zh-CN" altLang="en-US" dirty="0"/>
+              <a:t>指</a:t>
+            </a:r>
+            <a:r>
+              <a:rPr lang="zh-CN" altLang="en-US" dirty="0" smtClean="0"/>
+              <a:t>令特权级：硬件支持</a:t>
+            </a:r>
+            <a:endParaRPr lang="en-US" altLang="zh-CN" dirty="0" smtClean="0"/>
+          </a:p>
+          <a:p>
+            <a:r>
+              <a:rPr lang="en-US" altLang="zh-CN" dirty="0" smtClean="0"/>
+              <a:t>IO</a:t>
+            </a:r>
+            <a:r>
+              <a:rPr lang="zh-CN" altLang="en-US" dirty="0" smtClean="0"/>
+              <a:t>特权级：位于</a:t>
+            </a:r>
+            <a:r>
+              <a:rPr lang="en-US" altLang="zh-CN" dirty="0" smtClean="0"/>
+              <a:t>EFLAGS</a:t>
+            </a:r>
+            <a:r>
+              <a:rPr lang="zh-CN" altLang="en-US" dirty="0" smtClean="0"/>
+              <a:t>中</a:t>
+            </a:r>
+            <a:endParaRPr lang="zh-CN" altLang="en-US" dirty="0"/>
+          </a:p>
+        </p:txBody>
+      </p:sp>
+    </p:spTree>
+    <p:extLst>
+      <p:ext uri="{BB962C8B-B14F-4D97-AF65-F5344CB8AC3E}">
+        <p14:creationId xmlns:p14="http://schemas.microsoft.com/office/powerpoint/2010/main" val="2570335965"/>
+      </p:ext>
+    </p:extLst>
+  </p:cSld>
+  <p:clrMapOvr>
+    <a:masterClrMapping/>
+  </p:clrMapOvr>
+</p:sld>
+</file>
+
+<file path=ppt/slides/slide15.xml><?xml version="1.0" encoding="utf-8"?>
+<p:sld xmlns:a="http://schemas.openxmlformats.org/drawingml/2006/main" xmlns:r="http://schemas.openxmlformats.org/officeDocument/2006/relationships" xmlns:p="http://schemas.openxmlformats.org/presentationml/2006/main">
+  <p:cSld>
+    <p:spTree>
+      <p:nvGrpSpPr>
+        <p:cNvPr id="1" name=""/>
+        <p:cNvGrpSpPr/>
+        <p:nvPr/>
+      </p:nvGrpSpPr>
+      <p:grpSpPr>
+        <a:xfrm>
+          <a:off x="0" y="0"/>
+          <a:ext cx="0" cy="0"/>
+          <a:chOff x="0" y="0"/>
+          <a:chExt cx="0" cy="0"/>
+        </a:xfrm>
+      </p:grpSpPr>
+      <p:sp>
+        <p:nvSpPr>
+          <p:cNvPr id="2" name="标题 1"/>
+          <p:cNvSpPr>
+            <a:spLocks noGrp="1"/>
+          </p:cNvSpPr>
+          <p:nvPr>
+            <p:ph type="title"/>
+          </p:nvPr>
+        </p:nvSpPr>
+        <p:spPr/>
+        <p:txBody>
+          <a:bodyPr/>
+          <a:lstStyle/>
+          <a:p>
+            <a:r>
+              <a:rPr lang="zh-CN" altLang="en-US" dirty="0" smtClean="0"/>
+              <a:t>低特权级调用高特权级代码（</a:t>
+            </a:r>
+            <a:r>
+              <a:rPr lang="en-US" altLang="zh-CN" dirty="0" smtClean="0"/>
+              <a:t>1</a:t>
+            </a:r>
+            <a:r>
+              <a:rPr lang="zh-CN" altLang="en-US" dirty="0" smtClean="0"/>
+              <a:t>）</a:t>
+            </a:r>
+            <a:endParaRPr lang="zh-CN" altLang="en-US" dirty="0"/>
+          </a:p>
+        </p:txBody>
+      </p:sp>
+      <p:sp>
+        <p:nvSpPr>
+          <p:cNvPr id="3" name="内容占位符 2"/>
+          <p:cNvSpPr>
+            <a:spLocks noGrp="1"/>
+          </p:cNvSpPr>
+          <p:nvPr>
+            <p:ph idx="1"/>
+          </p:nvPr>
+        </p:nvSpPr>
+        <p:spPr/>
+        <p:txBody>
+          <a:bodyPr/>
+          <a:lstStyle/>
+          <a:p>
+            <a:r>
+              <a:rPr lang="zh-CN" altLang="en-US" dirty="0" smtClean="0"/>
+              <a:t>第一种方法：将高特权级代码段的</a:t>
+            </a:r>
+            <a:r>
+              <a:rPr lang="en-US" altLang="zh-CN" dirty="0" smtClean="0"/>
+              <a:t>TYPE.C</a:t>
+            </a:r>
+            <a:r>
+              <a:rPr lang="zh-CN" altLang="en-US" dirty="0" smtClean="0"/>
+              <a:t>定义为“依从”（即</a:t>
+            </a:r>
+            <a:r>
+              <a:rPr lang="en-US" altLang="zh-CN" dirty="0" smtClean="0"/>
+              <a:t>1</a:t>
+            </a:r>
+            <a:r>
+              <a:rPr lang="zh-CN" altLang="en-US" dirty="0" smtClean="0"/>
+              <a:t>，</a:t>
+            </a:r>
+            <a:r>
+              <a:rPr lang="en-US" altLang="zh-CN" dirty="0" smtClean="0"/>
+              <a:t>0</a:t>
+            </a:r>
+            <a:r>
+              <a:rPr lang="zh-CN" altLang="en-US" dirty="0" smtClean="0"/>
+              <a:t>表示只能同级别调用）数值上满足：</a:t>
+            </a:r>
+            <a:endParaRPr lang="en-US" altLang="zh-CN" dirty="0" smtClean="0"/>
+          </a:p>
+          <a:p>
+            <a:pPr marL="0" indent="0" algn="ctr">
+              <a:buNone/>
+            </a:pPr>
+            <a:r>
+              <a:rPr lang="en-US" altLang="zh-CN" b="1" dirty="0" smtClean="0"/>
+              <a:t>CPL </a:t>
+            </a:r>
+            <a:r>
+              <a:rPr lang="zh-CN" altLang="en-US" b="1" dirty="0" smtClean="0"/>
+              <a:t>≥ 目标</a:t>
+            </a:r>
+            <a:r>
+              <a:rPr lang="zh-CN" altLang="en-US" b="1" dirty="0"/>
+              <a:t>代码</a:t>
+            </a:r>
+            <a:r>
+              <a:rPr lang="zh-CN" altLang="en-US" b="1" dirty="0" smtClean="0"/>
+              <a:t>段</a:t>
+            </a:r>
+            <a:r>
+              <a:rPr lang="en-US" altLang="zh-CN" b="1" dirty="0" smtClean="0"/>
+              <a:t>DPL</a:t>
+            </a:r>
+          </a:p>
+          <a:p>
+            <a:pPr marL="0" indent="0">
+              <a:buNone/>
+            </a:pPr>
+            <a:r>
+              <a:rPr lang="zh-CN" altLang="en-US" sz="1200" dirty="0"/>
+              <a:t>例</a:t>
+            </a:r>
+            <a:r>
+              <a:rPr lang="zh-CN" altLang="en-US" sz="1200" dirty="0" smtClean="0"/>
+              <a:t>如：目标代码段</a:t>
+            </a:r>
+            <a:r>
+              <a:rPr lang="en-US" altLang="zh-CN" sz="1200" dirty="0" smtClean="0"/>
+              <a:t>DPL</a:t>
+            </a:r>
+            <a:r>
+              <a:rPr lang="zh-CN" altLang="en-US" sz="1200" dirty="0" smtClean="0"/>
+              <a:t>为</a:t>
+            </a:r>
+            <a:r>
+              <a:rPr lang="en-US" altLang="zh-CN" sz="1200" dirty="0" smtClean="0"/>
+              <a:t>1</a:t>
+            </a:r>
+            <a:r>
+              <a:rPr lang="zh-CN" altLang="en-US" sz="1200" dirty="0" smtClean="0"/>
+              <a:t>，则只能被特权级别为</a:t>
+            </a:r>
+            <a:r>
+              <a:rPr lang="en-US" altLang="zh-CN" sz="1200" dirty="0" smtClean="0"/>
+              <a:t>1,2</a:t>
+            </a:r>
+            <a:r>
+              <a:rPr lang="zh-CN" altLang="en-US" sz="1200" dirty="0" smtClean="0"/>
+              <a:t>和</a:t>
+            </a:r>
+            <a:r>
+              <a:rPr lang="en-US" altLang="zh-CN" sz="1200" dirty="0" smtClean="0"/>
+              <a:t>3</a:t>
+            </a:r>
+            <a:r>
+              <a:rPr lang="zh-CN" altLang="en-US" sz="1200" dirty="0" smtClean="0"/>
+              <a:t>的程序调用，特权级别为</a:t>
+            </a:r>
+            <a:r>
+              <a:rPr lang="en-US" altLang="zh-CN" sz="1200" dirty="0" smtClean="0"/>
+              <a:t>0</a:t>
+            </a:r>
+            <a:r>
+              <a:rPr lang="zh-CN" altLang="en-US" sz="1200" dirty="0" smtClean="0"/>
+              <a:t>的则不能调用。</a:t>
+            </a:r>
+            <a:endParaRPr lang="en-US" altLang="zh-CN" sz="1200" dirty="0" smtClean="0"/>
+          </a:p>
+          <a:p>
+            <a:pPr marL="0" indent="0">
+              <a:buNone/>
+            </a:pPr>
+            <a:r>
+              <a:rPr lang="zh-CN" altLang="en-US" sz="1200" dirty="0">
+                <a:solidFill>
+                  <a:srgbClr val="FF0000"/>
+                </a:solidFill>
+              </a:rPr>
+              <a:t>其</a:t>
+            </a:r>
+            <a:r>
+              <a:rPr lang="zh-CN" altLang="en-US" sz="1200" dirty="0" smtClean="0">
+                <a:solidFill>
+                  <a:srgbClr val="FF0000"/>
+                </a:solidFill>
+              </a:rPr>
+              <a:t>他程序调用到依从代码段时，</a:t>
+            </a:r>
+            <a:r>
+              <a:rPr lang="en-US" altLang="zh-CN" sz="1200" dirty="0" smtClean="0">
+                <a:solidFill>
+                  <a:srgbClr val="FF0000"/>
+                </a:solidFill>
+              </a:rPr>
+              <a:t>CPL</a:t>
+            </a:r>
+            <a:r>
+              <a:rPr lang="zh-CN" altLang="en-US" sz="1200" dirty="0" smtClean="0">
+                <a:solidFill>
+                  <a:srgbClr val="FF0000"/>
+                </a:solidFill>
+              </a:rPr>
+              <a:t>不会发送变化。依从代码段的</a:t>
+            </a:r>
+            <a:r>
+              <a:rPr lang="en-US" altLang="zh-CN" sz="1200" dirty="0" smtClean="0">
+                <a:solidFill>
+                  <a:srgbClr val="FF0000"/>
+                </a:solidFill>
+              </a:rPr>
+              <a:t>DPL</a:t>
+            </a:r>
+            <a:r>
+              <a:rPr lang="zh-CN" altLang="en-US" sz="1200" dirty="0" smtClean="0">
+                <a:solidFill>
+                  <a:srgbClr val="FF0000"/>
+                </a:solidFill>
+              </a:rPr>
+              <a:t>随调用程序的变化而变化。</a:t>
+            </a:r>
+            <a:endParaRPr lang="en-US" altLang="zh-CN" sz="1200" dirty="0" smtClean="0">
+              <a:solidFill>
+                <a:srgbClr val="FF0000"/>
+              </a:solidFill>
+            </a:endParaRPr>
+          </a:p>
+          <a:p>
+            <a:pPr marL="0" indent="0">
+              <a:buNone/>
+            </a:pPr>
+            <a:endParaRPr lang="en-US" altLang="zh-CN" sz="1200" dirty="0" smtClean="0"/>
+          </a:p>
+        </p:txBody>
+      </p:sp>
+    </p:spTree>
+    <p:extLst>
+      <p:ext uri="{BB962C8B-B14F-4D97-AF65-F5344CB8AC3E}">
+        <p14:creationId xmlns:p14="http://schemas.microsoft.com/office/powerpoint/2010/main" val="1431641417"/>
+      </p:ext>
+    </p:extLst>
+  </p:cSld>
+  <p:clrMapOvr>
+    <a:masterClrMapping/>
+  </p:clrMapOvr>
+</p:sld>
+</file>
+
+<file path=ppt/slides/slide16.xml><?xml version="1.0" encoding="utf-8"?>
+<p:sld xmlns:a="http://schemas.openxmlformats.org/drawingml/2006/main" xmlns:r="http://schemas.openxmlformats.org/officeDocument/2006/relationships" xmlns:p="http://schemas.openxmlformats.org/presentationml/2006/main">
+  <p:cSld>
+    <p:spTree>
+      <p:nvGrpSpPr>
+        <p:cNvPr id="1" name=""/>
+        <p:cNvGrpSpPr/>
+        <p:nvPr/>
+      </p:nvGrpSpPr>
+      <p:grpSpPr>
+        <a:xfrm>
+          <a:off x="0" y="0"/>
+          <a:ext cx="0" cy="0"/>
+          <a:chOff x="0" y="0"/>
+          <a:chExt cx="0" cy="0"/>
+        </a:xfrm>
+      </p:grpSpPr>
+      <p:sp>
+        <p:nvSpPr>
+          <p:cNvPr id="2" name="标题 1"/>
+          <p:cNvSpPr>
+            <a:spLocks noGrp="1"/>
+          </p:cNvSpPr>
+          <p:nvPr>
+            <p:ph type="title"/>
+          </p:nvPr>
+        </p:nvSpPr>
+        <p:spPr/>
+        <p:txBody>
+          <a:bodyPr/>
+          <a:lstStyle/>
+          <a:p>
+            <a:r>
+              <a:rPr lang="zh-CN" altLang="en-US" dirty="0" smtClean="0"/>
+              <a:t>低特权级调用高特权级代码（</a:t>
+            </a:r>
+            <a:r>
+              <a:rPr lang="en-US" altLang="zh-CN" dirty="0" smtClean="0"/>
+              <a:t>2</a:t>
+            </a:r>
+            <a:r>
+              <a:rPr lang="zh-CN" altLang="en-US" dirty="0" smtClean="0"/>
+              <a:t>）</a:t>
+            </a:r>
+            <a:endParaRPr lang="zh-CN" altLang="en-US" dirty="0"/>
+          </a:p>
+        </p:txBody>
+      </p:sp>
+      <p:sp>
+        <p:nvSpPr>
+          <p:cNvPr id="3" name="内容占位符 2"/>
+          <p:cNvSpPr>
+            <a:spLocks noGrp="1"/>
+          </p:cNvSpPr>
+          <p:nvPr>
+            <p:ph idx="1"/>
+          </p:nvPr>
+        </p:nvSpPr>
+        <p:spPr>
+          <a:xfrm>
+            <a:off x="838200" y="1475430"/>
+            <a:ext cx="10515600" cy="2318358"/>
+          </a:xfrm>
+        </p:spPr>
+        <p:txBody>
+          <a:bodyPr/>
+          <a:lstStyle/>
+          <a:p>
+            <a:pPr marL="0" indent="0">
+              <a:buNone/>
+            </a:pPr>
+            <a:endParaRPr lang="en-US" altLang="zh-CN" sz="1200" dirty="0" smtClean="0"/>
+          </a:p>
+          <a:p>
+            <a:r>
+              <a:rPr lang="zh-CN" altLang="en-US" dirty="0" smtClean="0"/>
+              <a:t>第二种方法：通过</a:t>
+            </a:r>
+            <a:r>
+              <a:rPr lang="zh-CN" altLang="en-US" b="1" dirty="0" smtClean="0"/>
+              <a:t>门描述符</a:t>
+            </a:r>
+            <a:r>
+              <a:rPr lang="zh-CN" altLang="en-US" dirty="0" smtClean="0"/>
+              <a:t>（简称门），门又分为以下几种：</a:t>
+            </a:r>
+            <a:endParaRPr lang="en-US" altLang="zh-CN" dirty="0" smtClean="0"/>
+          </a:p>
+          <a:p>
+            <a:pPr marL="0" indent="0">
+              <a:buNone/>
+            </a:pPr>
+            <a:r>
+              <a:rPr lang="en-US" altLang="zh-CN" dirty="0" smtClean="0"/>
+              <a:t>    1) </a:t>
+            </a:r>
+            <a:r>
+              <a:rPr lang="zh-CN" altLang="en-US" dirty="0" smtClean="0"/>
+              <a:t>调用门</a:t>
+            </a:r>
+            <a:endParaRPr lang="en-US" altLang="zh-CN" dirty="0" smtClean="0"/>
+          </a:p>
+          <a:p>
+            <a:pPr marL="0" indent="0">
+              <a:buNone/>
+            </a:pPr>
+            <a:r>
+              <a:rPr lang="en-US" altLang="zh-CN" dirty="0"/>
+              <a:t> </a:t>
+            </a:r>
+            <a:r>
+              <a:rPr lang="en-US" altLang="zh-CN" dirty="0" smtClean="0"/>
+              <a:t>   2) </a:t>
+            </a:r>
+            <a:r>
+              <a:rPr lang="zh-CN" altLang="en-US" dirty="0" smtClean="0"/>
+              <a:t>中断门</a:t>
+            </a:r>
+            <a:endParaRPr lang="en-US" altLang="zh-CN" dirty="0" smtClean="0"/>
+          </a:p>
+          <a:p>
+            <a:pPr marL="0" indent="0">
+              <a:buNone/>
+            </a:pPr>
+            <a:r>
+              <a:rPr lang="en-US" altLang="zh-CN" dirty="0"/>
+              <a:t> </a:t>
+            </a:r>
+            <a:r>
+              <a:rPr lang="en-US" altLang="zh-CN" dirty="0" smtClean="0"/>
+              <a:t>   3) </a:t>
+            </a:r>
+            <a:r>
+              <a:rPr lang="zh-CN" altLang="en-US" dirty="0" smtClean="0"/>
+              <a:t>任务门</a:t>
+            </a:r>
+            <a:endParaRPr lang="en-US" altLang="zh-CN" dirty="0" smtClean="0"/>
+          </a:p>
+        </p:txBody>
+      </p:sp>
+      <p:sp>
+        <p:nvSpPr>
+          <p:cNvPr id="4" name="内容占位符 2"/>
+          <p:cNvSpPr txBox="1">
+            <a:spLocks/>
+          </p:cNvSpPr>
+          <p:nvPr/>
+        </p:nvSpPr>
+        <p:spPr>
+          <a:xfrm>
+            <a:off x="838200" y="3994893"/>
+            <a:ext cx="10515600" cy="2318358"/>
+          </a:xfrm>
+          <a:prstGeom prst="rect">
+            <a:avLst/>
+          </a:prstGeom>
+        </p:spPr>
+        <p:txBody>
+          <a:bodyPr vert="horz" lIns="91440" tIns="45720" rIns="91440" bIns="45720" rtlCol="0">
+            <a:normAutofit fontScale="92500" lnSpcReduction="20000"/>
+          </a:bodyPr>
+          <a:lstStyle>
+            <a:lvl1pPr marL="228600" indent="-228600" algn="l" defTabSz="914400" rtl="0" eaLnBrk="1" latinLnBrk="0" hangingPunct="1">
+              <a:lnSpc>
+                <a:spcPct val="90000"/>
+              </a:lnSpc>
+              <a:spcBef>
+                <a:spcPts val="1000"/>
+              </a:spcBef>
+              <a:buFont typeface="Arial" panose="020B0604020202020204" pitchFamily="34" charset="0"/>
+              <a:buChar char="•"/>
+              <a:defRPr sz="2800" kern="1200">
+                <a:solidFill>
+                  <a:schemeClr val="tx1"/>
+                </a:solidFill>
+                <a:latin typeface="+mn-lt"/>
+                <a:ea typeface="+mn-ea"/>
+                <a:cs typeface="+mn-cs"/>
+              </a:defRPr>
+            </a:lvl1pPr>
+            <a:lvl2pPr marL="685800" indent="-228600" algn="l" defTabSz="914400" rtl="0" eaLnBrk="1" latinLnBrk="0" hangingPunct="1">
+              <a:lnSpc>
+                <a:spcPct val="90000"/>
+              </a:lnSpc>
+              <a:spcBef>
+                <a:spcPts val="500"/>
+              </a:spcBef>
+              <a:buFont typeface="Arial" panose="020B0604020202020204" pitchFamily="34" charset="0"/>
+              <a:buChar char="•"/>
+              <a:defRPr sz="2400" kern="1200">
+                <a:solidFill>
+                  <a:schemeClr val="tx1"/>
+                </a:solidFill>
+                <a:latin typeface="+mn-lt"/>
+                <a:ea typeface="+mn-ea"/>
+                <a:cs typeface="+mn-cs"/>
+              </a:defRPr>
+            </a:lvl2pPr>
+            <a:lvl3pPr marL="1143000" indent="-228600" algn="l" defTabSz="914400" rtl="0" eaLnBrk="1" latinLnBrk="0" hangingPunct="1">
+              <a:lnSpc>
+                <a:spcPct val="90000"/>
+              </a:lnSpc>
+              <a:spcBef>
+                <a:spcPts val="500"/>
+              </a:spcBef>
+              <a:buFont typeface="Arial" panose="020B0604020202020204" pitchFamily="34" charset="0"/>
+              <a:buChar char="•"/>
+              <a:defRPr sz="2000" kern="1200">
+                <a:solidFill>
+                  <a:schemeClr val="tx1"/>
+                </a:solidFill>
+                <a:latin typeface="+mn-lt"/>
+                <a:ea typeface="+mn-ea"/>
+                <a:cs typeface="+mn-cs"/>
+              </a:defRPr>
+            </a:lvl3pPr>
+            <a:lvl4pPr marL="1600200" indent="-228600" algn="l" defTabSz="914400" rtl="0" eaLnBrk="1" latinLnBrk="0" hangingPunct="1">
+              <a:lnSpc>
+                <a:spcPct val="90000"/>
+              </a:lnSpc>
+              <a:spcBef>
+                <a:spcPts val="500"/>
+              </a:spcBef>
+              <a:buFont typeface="Arial" panose="020B0604020202020204" pitchFamily="34" charset="0"/>
+              <a:buChar char="•"/>
+              <a:defRPr sz="1800" kern="1200">
+                <a:solidFill>
+                  <a:schemeClr val="tx1"/>
+                </a:solidFill>
+                <a:latin typeface="+mn-lt"/>
+                <a:ea typeface="+mn-ea"/>
+                <a:cs typeface="+mn-cs"/>
+              </a:defRPr>
+            </a:lvl4pPr>
+            <a:lvl5pPr marL="2057400" indent="-228600" algn="l" defTabSz="914400" rtl="0" eaLnBrk="1" latinLnBrk="0" hangingPunct="1">
+              <a:lnSpc>
+                <a:spcPct val="90000"/>
+              </a:lnSpc>
+              <a:spcBef>
+                <a:spcPts val="500"/>
+              </a:spcBef>
+              <a:buFont typeface="Arial" panose="020B0604020202020204" pitchFamily="34" charset="0"/>
+              <a:buChar char="•"/>
+              <a:defRPr sz="1800" kern="1200">
+                <a:solidFill>
+                  <a:schemeClr val="tx1"/>
+                </a:solidFill>
+                <a:latin typeface="+mn-lt"/>
+                <a:ea typeface="+mn-ea"/>
+                <a:cs typeface="+mn-cs"/>
+              </a:defRPr>
+            </a:lvl5pPr>
+            <a:lvl6pPr marL="2514600" indent="-228600" algn="l" defTabSz="914400" rtl="0" eaLnBrk="1" latinLnBrk="0" hangingPunct="1">
+              <a:lnSpc>
+                <a:spcPct val="90000"/>
+              </a:lnSpc>
+              <a:spcBef>
+                <a:spcPts val="500"/>
+              </a:spcBef>
+              <a:buFont typeface="Arial" panose="020B0604020202020204" pitchFamily="34" charset="0"/>
+              <a:buChar char="•"/>
+              <a:defRPr sz="1800" kern="1200">
+                <a:solidFill>
+                  <a:schemeClr val="tx1"/>
+                </a:solidFill>
+                <a:latin typeface="+mn-lt"/>
+                <a:ea typeface="+mn-ea"/>
+                <a:cs typeface="+mn-cs"/>
+              </a:defRPr>
+            </a:lvl6pPr>
+            <a:lvl7pPr marL="2971800" indent="-228600" algn="l" defTabSz="914400" rtl="0" eaLnBrk="1" latinLnBrk="0" hangingPunct="1">
+              <a:lnSpc>
+                <a:spcPct val="90000"/>
+              </a:lnSpc>
+              <a:spcBef>
+                <a:spcPts val="500"/>
+              </a:spcBef>
+              <a:buFont typeface="Arial" panose="020B0604020202020204" pitchFamily="34" charset="0"/>
+              <a:buChar char="•"/>
+              <a:defRPr sz="1800" kern="1200">
+                <a:solidFill>
+                  <a:schemeClr val="tx1"/>
+                </a:solidFill>
+                <a:latin typeface="+mn-lt"/>
+                <a:ea typeface="+mn-ea"/>
+                <a:cs typeface="+mn-cs"/>
+              </a:defRPr>
+            </a:lvl7pPr>
+            <a:lvl8pPr marL="3429000" indent="-228600" algn="l" defTabSz="914400" rtl="0" eaLnBrk="1" latinLnBrk="0" hangingPunct="1">
+              <a:lnSpc>
+                <a:spcPct val="90000"/>
+              </a:lnSpc>
+              <a:spcBef>
+                <a:spcPts val="500"/>
+              </a:spcBef>
+              <a:buFont typeface="Arial" panose="020B0604020202020204" pitchFamily="34" charset="0"/>
+              <a:buChar char="•"/>
+              <a:defRPr sz="1800" kern="1200">
+                <a:solidFill>
+                  <a:schemeClr val="tx1"/>
+                </a:solidFill>
+                <a:latin typeface="+mn-lt"/>
+                <a:ea typeface="+mn-ea"/>
+                <a:cs typeface="+mn-cs"/>
+              </a:defRPr>
+            </a:lvl8pPr>
+            <a:lvl9pPr marL="3886200" indent="-228600" algn="l" defTabSz="914400" rtl="0" eaLnBrk="1" latinLnBrk="0" hangingPunct="1">
+              <a:lnSpc>
+                <a:spcPct val="90000"/>
+              </a:lnSpc>
+              <a:spcBef>
+                <a:spcPts val="500"/>
+              </a:spcBef>
+              <a:buFont typeface="Arial" panose="020B0604020202020204" pitchFamily="34" charset="0"/>
+              <a:buChar char="•"/>
+              <a:defRPr sz="1800" kern="1200">
+                <a:solidFill>
+                  <a:schemeClr val="tx1"/>
+                </a:solidFill>
+                <a:latin typeface="+mn-lt"/>
+                <a:ea typeface="+mn-ea"/>
+                <a:cs typeface="+mn-cs"/>
+              </a:defRPr>
+            </a:lvl9pPr>
+          </a:lstStyle>
+          <a:p>
+            <a:pPr marL="0" indent="0">
+              <a:buFont typeface="Arial" panose="020B0604020202020204" pitchFamily="34" charset="0"/>
+              <a:buNone/>
+            </a:pPr>
+            <a:endParaRPr lang="en-US" altLang="zh-CN" sz="1200" dirty="0" smtClean="0"/>
+          </a:p>
+          <a:p>
+            <a:pPr marL="0" indent="0">
+              <a:buNone/>
+            </a:pPr>
+            <a:r>
+              <a:rPr lang="zh-CN" altLang="en-US" dirty="0" smtClean="0"/>
+              <a:t>调用门</a:t>
+            </a:r>
+            <a:endParaRPr lang="en-US" altLang="zh-CN" dirty="0" smtClean="0"/>
+          </a:p>
+          <a:p>
+            <a:pPr marL="0" indent="0">
+              <a:buNone/>
+            </a:pPr>
+            <a:r>
+              <a:rPr lang="en-US" altLang="zh-CN" dirty="0" smtClean="0"/>
+              <a:t>jmp far</a:t>
+            </a:r>
+            <a:r>
+              <a:rPr lang="zh-CN" altLang="en-US" dirty="0" smtClean="0"/>
+              <a:t>：转移到特权级高的代码，但</a:t>
+            </a:r>
+            <a:r>
+              <a:rPr lang="zh-CN" altLang="en-US" b="1" dirty="0" smtClean="0">
+                <a:solidFill>
+                  <a:srgbClr val="FF0000"/>
+                </a:solidFill>
+              </a:rPr>
+              <a:t>不</a:t>
+            </a:r>
+            <a:r>
+              <a:rPr lang="zh-CN" altLang="en-US" dirty="0" smtClean="0"/>
+              <a:t>改变当前特权级</a:t>
+            </a:r>
+            <a:endParaRPr lang="en-US" altLang="zh-CN" dirty="0"/>
+          </a:p>
+          <a:p>
+            <a:pPr marL="0" indent="0">
+              <a:buNone/>
+            </a:pPr>
+            <a:r>
+              <a:rPr lang="en-US" altLang="zh-CN" dirty="0"/>
+              <a:t>call </a:t>
+            </a:r>
+            <a:r>
+              <a:rPr lang="en-US" altLang="zh-CN" dirty="0" smtClean="0"/>
+              <a:t>far</a:t>
+            </a:r>
+            <a:r>
+              <a:rPr lang="zh-CN" altLang="en-US" dirty="0" smtClean="0"/>
+              <a:t>： 转移到特权级高的代码，提升到目标代码段的特权级</a:t>
+            </a:r>
+            <a:endParaRPr lang="zh-CN" altLang="en-US" dirty="0"/>
+          </a:p>
+          <a:p>
+            <a:pPr marL="0" indent="0">
+              <a:lnSpc>
+                <a:spcPct val="160000"/>
+              </a:lnSpc>
+              <a:buNone/>
+            </a:pPr>
+            <a:r>
+              <a:rPr lang="zh-CN" altLang="en-US" sz="1500" dirty="0">
+                <a:latin typeface="+mj-ea"/>
+                <a:ea typeface="+mj-ea"/>
+              </a:rPr>
+              <a:t>通</a:t>
+            </a:r>
+            <a:r>
+              <a:rPr lang="zh-CN" altLang="en-US" sz="1500" dirty="0" smtClean="0">
+                <a:latin typeface="+mj-ea"/>
+                <a:ea typeface="+mj-ea"/>
+              </a:rPr>
+              <a:t>常高特权级代码段（例如</a:t>
+            </a:r>
+            <a:r>
+              <a:rPr lang="en-US" altLang="zh-CN" sz="1500" dirty="0" smtClean="0">
+                <a:latin typeface="+mj-ea"/>
+                <a:ea typeface="+mj-ea"/>
+              </a:rPr>
+              <a:t>OS</a:t>
+            </a:r>
+            <a:r>
+              <a:rPr lang="zh-CN" altLang="en-US" sz="1500" dirty="0" smtClean="0">
+                <a:latin typeface="+mj-ea"/>
+                <a:ea typeface="+mj-ea"/>
+              </a:rPr>
+              <a:t>）是不会跳转到低特权级代码段的。我们一直在解决的问题是：低特权级的代码段（应用程序）如何调用搞特权级的代码段</a:t>
+            </a:r>
+            <a:endParaRPr lang="en-US" altLang="zh-CN" sz="1500" dirty="0" smtClean="0">
+              <a:latin typeface="+mj-ea"/>
+              <a:ea typeface="+mj-ea"/>
+            </a:endParaRPr>
+          </a:p>
+        </p:txBody>
+      </p:sp>
+    </p:spTree>
+    <p:extLst>
+      <p:ext uri="{BB962C8B-B14F-4D97-AF65-F5344CB8AC3E}">
+        <p14:creationId xmlns:p14="http://schemas.microsoft.com/office/powerpoint/2010/main" val="1716821885"/>
+      </p:ext>
+    </p:extLst>
+  </p:cSld>
+  <p:clrMapOvr>
+    <a:masterClrMapping/>
+  </p:clrMapOvr>
+  <p:timing>
+    <p:tnLst>
+      <p:par>
+        <p:cTn id="1" dur="indefinite" restart="never" nodeType="tmRoot"/>
+      </p:par>
+    </p:tnLst>
+  </p:timing>
+</p:sld>
+</file>
+
+<file path=ppt/slides/slide17.xml><?xml version="1.0" encoding="utf-8"?>
+<p:sld xmlns:a="http://schemas.openxmlformats.org/drawingml/2006/main" xmlns:r="http://schemas.openxmlformats.org/officeDocument/2006/relationships" xmlns:p="http://schemas.openxmlformats.org/presentationml/2006/main">
+  <p:cSld>
+    <p:spTree>
+      <p:nvGrpSpPr>
+        <p:cNvPr id="1" name=""/>
+        <p:cNvGrpSpPr/>
+        <p:nvPr/>
+      </p:nvGrpSpPr>
+      <p:grpSpPr>
+        <a:xfrm>
+          <a:off x="0" y="0"/>
+          <a:ext cx="0" cy="0"/>
+          <a:chOff x="0" y="0"/>
+          <a:chExt cx="0" cy="0"/>
+        </a:xfrm>
+      </p:grpSpPr>
+      <p:sp>
+        <p:nvSpPr>
+          <p:cNvPr id="2" name="标题 1"/>
+          <p:cNvSpPr>
+            <a:spLocks noGrp="1"/>
+          </p:cNvSpPr>
+          <p:nvPr>
+            <p:ph type="title"/>
+          </p:nvPr>
+        </p:nvSpPr>
+        <p:spPr>
+          <a:xfrm>
+            <a:off x="0" y="95661"/>
+            <a:ext cx="10515600" cy="603117"/>
+          </a:xfrm>
+        </p:spPr>
+        <p:txBody>
+          <a:bodyPr>
+            <a:normAutofit/>
+          </a:bodyPr>
+          <a:lstStyle/>
+          <a:p>
+            <a:r>
+              <a:rPr lang="zh-CN" altLang="en-US" sz="2400" dirty="0" smtClean="0"/>
+              <a:t>段选择子中的</a:t>
+            </a:r>
+            <a:r>
+              <a:rPr lang="zh-CN" altLang="en-US" sz="2400" b="1" dirty="0" smtClean="0"/>
+              <a:t>请求特权级</a:t>
+            </a:r>
+            <a:r>
+              <a:rPr lang="zh-CN" altLang="en-US" sz="2400" dirty="0" smtClean="0"/>
+              <a:t>（</a:t>
+            </a:r>
+            <a:r>
+              <a:rPr lang="en-US" altLang="zh-CN" sz="2400" dirty="0" smtClean="0"/>
+              <a:t>RPL</a:t>
+            </a:r>
+            <a:r>
+              <a:rPr lang="zh-CN" altLang="en-US" sz="2400" dirty="0" smtClean="0"/>
+              <a:t>）</a:t>
+            </a:r>
+            <a:endParaRPr lang="zh-CN" altLang="en-US" sz="2400" dirty="0"/>
+          </a:p>
+        </p:txBody>
+      </p:sp>
+      <p:sp>
+        <p:nvSpPr>
+          <p:cNvPr id="3" name="内容占位符 2"/>
+          <p:cNvSpPr>
+            <a:spLocks noGrp="1"/>
+          </p:cNvSpPr>
+          <p:nvPr>
+            <p:ph idx="1"/>
+          </p:nvPr>
+        </p:nvSpPr>
+        <p:spPr>
+          <a:xfrm>
+            <a:off x="526915" y="397220"/>
+            <a:ext cx="10406974" cy="1135078"/>
+          </a:xfrm>
+        </p:spPr>
+        <p:txBody>
+          <a:bodyPr/>
+          <a:lstStyle/>
+          <a:p>
+            <a:pPr marL="0" indent="0">
+              <a:buNone/>
+            </a:pPr>
+            <a:endParaRPr lang="en-US" altLang="zh-CN" sz="1800" b="1" dirty="0" smtClean="0"/>
+          </a:p>
+          <a:p>
+            <a:r>
+              <a:rPr lang="zh-CN" altLang="en-US" sz="1800" b="1" dirty="0" smtClean="0"/>
+              <a:t>通常情况下，</a:t>
+            </a:r>
+            <a:r>
+              <a:rPr lang="en-US" altLang="zh-CN" sz="1800" b="1" dirty="0" smtClean="0"/>
+              <a:t>RPL = CPL</a:t>
+            </a:r>
+          </a:p>
+          <a:p>
+            <a:r>
+              <a:rPr lang="zh-CN" altLang="en-US" sz="1800" b="1" dirty="0" smtClean="0"/>
+              <a:t>但发生调用门的时候，</a:t>
+            </a:r>
+            <a:r>
+              <a:rPr lang="zh-CN" altLang="en-US" sz="1800" b="1" dirty="0"/>
+              <a:t>可</a:t>
+            </a:r>
+            <a:r>
+              <a:rPr lang="zh-CN" altLang="en-US" sz="1800" b="1" dirty="0" smtClean="0"/>
+              <a:t>能发生</a:t>
+            </a:r>
+            <a:r>
+              <a:rPr lang="en-US" altLang="zh-CN" sz="1800" b="1" dirty="0" smtClean="0"/>
+              <a:t>RPL</a:t>
+            </a:r>
+            <a:r>
+              <a:rPr lang="zh-CN" altLang="en-US" sz="1800" b="1" dirty="0" smtClean="0"/>
+              <a:t>≠</a:t>
+            </a:r>
+            <a:r>
+              <a:rPr lang="en-US" altLang="zh-CN" sz="1800" b="1" dirty="0" smtClean="0"/>
+              <a:t>CPL</a:t>
+            </a:r>
+            <a:r>
+              <a:rPr lang="zh-CN" altLang="en-US" sz="1800" b="1" dirty="0" smtClean="0"/>
+              <a:t>：</a:t>
+            </a:r>
+            <a:endParaRPr lang="en-US" altLang="zh-CN" sz="1800" b="1" dirty="0" smtClean="0"/>
+          </a:p>
+          <a:p>
+            <a:pPr marL="0" indent="0">
+              <a:buNone/>
+            </a:pPr>
+            <a:endParaRPr lang="en-US" altLang="zh-CN" dirty="0" smtClean="0"/>
+          </a:p>
+        </p:txBody>
+      </p:sp>
+      <p:pic>
+        <p:nvPicPr>
+          <p:cNvPr id="5" name="图片 4"/>
+          <p:cNvPicPr>
+            <a:picLocks noChangeAspect="1"/>
+          </p:cNvPicPr>
+          <p:nvPr/>
+        </p:nvPicPr>
+        <p:blipFill>
+          <a:blip r:embed="rId2"/>
+          <a:stretch>
+            <a:fillRect/>
+          </a:stretch>
+        </p:blipFill>
+        <p:spPr>
+          <a:xfrm>
+            <a:off x="526915" y="1552882"/>
+            <a:ext cx="4914286" cy="3304762"/>
+          </a:xfrm>
+          <a:prstGeom prst="rect">
+            <a:avLst/>
+          </a:prstGeom>
+        </p:spPr>
+      </p:pic>
+      <p:pic>
+        <p:nvPicPr>
+          <p:cNvPr id="6" name="图片 5"/>
+          <p:cNvPicPr>
+            <a:picLocks noChangeAspect="1"/>
+          </p:cNvPicPr>
+          <p:nvPr/>
+        </p:nvPicPr>
+        <p:blipFill>
+          <a:blip r:embed="rId3"/>
+          <a:stretch>
+            <a:fillRect/>
+          </a:stretch>
+        </p:blipFill>
+        <p:spPr>
+          <a:xfrm>
+            <a:off x="5998723" y="1351567"/>
+            <a:ext cx="5114286" cy="3495238"/>
+          </a:xfrm>
+          <a:prstGeom prst="rect">
+            <a:avLst/>
+          </a:prstGeom>
+        </p:spPr>
+      </p:pic>
+      <p:sp>
+        <p:nvSpPr>
+          <p:cNvPr id="7" name="文本框 6"/>
+          <p:cNvSpPr txBox="1"/>
+          <p:nvPr/>
+        </p:nvSpPr>
+        <p:spPr>
+          <a:xfrm>
+            <a:off x="526915" y="4934357"/>
+            <a:ext cx="3445174" cy="276999"/>
+          </a:xfrm>
+          <a:prstGeom prst="rect">
+            <a:avLst/>
+          </a:prstGeom>
+          <a:noFill/>
+        </p:spPr>
+        <p:txBody>
+          <a:bodyPr wrap="none" rtlCol="0">
+            <a:spAutoFit/>
+          </a:bodyPr>
+          <a:lstStyle/>
+          <a:p>
+            <a:r>
+              <a:rPr lang="zh-CN" altLang="en-US" sz="1200" dirty="0" smtClean="0"/>
+              <a:t>调用内核，内核往用户数据段写入数据，完全</a:t>
+            </a:r>
+            <a:r>
+              <a:rPr lang="en-US" altLang="zh-CN" sz="1200" dirty="0" smtClean="0"/>
+              <a:t>OK</a:t>
+            </a:r>
+            <a:endParaRPr lang="zh-CN" altLang="en-US" sz="1200" dirty="0"/>
+          </a:p>
+        </p:txBody>
+      </p:sp>
+      <p:sp>
+        <p:nvSpPr>
+          <p:cNvPr id="8" name="文本框 7"/>
+          <p:cNvSpPr txBox="1"/>
+          <p:nvPr/>
+        </p:nvSpPr>
+        <p:spPr>
+          <a:xfrm>
+            <a:off x="6086272" y="4936791"/>
+            <a:ext cx="4031873" cy="276999"/>
+          </a:xfrm>
+          <a:prstGeom prst="rect">
+            <a:avLst/>
+          </a:prstGeom>
+          <a:noFill/>
+        </p:spPr>
+        <p:txBody>
+          <a:bodyPr wrap="none" rtlCol="0">
+            <a:spAutoFit/>
+          </a:bodyPr>
+          <a:lstStyle/>
+          <a:p>
+            <a:r>
+              <a:rPr lang="zh-CN" altLang="en-US" sz="1200" dirty="0" smtClean="0"/>
+              <a:t>知道了内核的数据段后，通过调用门往内核数据段写数据</a:t>
+            </a:r>
+            <a:endParaRPr lang="zh-CN" altLang="en-US" sz="1200" dirty="0"/>
+          </a:p>
+        </p:txBody>
+      </p:sp>
+      <p:sp>
+        <p:nvSpPr>
+          <p:cNvPr id="9" name="文本框 8"/>
+          <p:cNvSpPr txBox="1"/>
+          <p:nvPr/>
+        </p:nvSpPr>
+        <p:spPr>
+          <a:xfrm>
+            <a:off x="526915" y="5288069"/>
+            <a:ext cx="8733817" cy="461665"/>
+          </a:xfrm>
+          <a:prstGeom prst="rect">
+            <a:avLst/>
+          </a:prstGeom>
+          <a:noFill/>
+        </p:spPr>
+        <p:txBody>
+          <a:bodyPr wrap="square" rtlCol="0">
+            <a:spAutoFit/>
+          </a:bodyPr>
+          <a:lstStyle/>
+          <a:p>
+            <a:r>
+              <a:rPr lang="zh-CN" altLang="en-US" sz="1200" dirty="0"/>
+              <a:t>解</a:t>
+            </a:r>
+            <a:r>
+              <a:rPr lang="zh-CN" altLang="en-US" sz="1200" dirty="0" smtClean="0"/>
+              <a:t>决办法：内核需要保证</a:t>
+            </a:r>
+            <a:r>
+              <a:rPr lang="en-US" altLang="zh-CN" sz="1200" dirty="0" smtClean="0"/>
+              <a:t>RPL</a:t>
+            </a:r>
+            <a:r>
+              <a:rPr lang="zh-CN" altLang="en-US" sz="1200" dirty="0" smtClean="0"/>
+              <a:t>确实是请求者当前对应从</a:t>
+            </a:r>
+            <a:r>
+              <a:rPr lang="en-US" altLang="zh-CN" sz="1200" dirty="0" smtClean="0"/>
+              <a:t>CPL</a:t>
+            </a:r>
+            <a:r>
+              <a:rPr lang="zh-CN" altLang="en-US" sz="1200" dirty="0" smtClean="0"/>
+              <a:t>，</a:t>
+            </a:r>
+            <a:r>
+              <a:rPr lang="en-US" altLang="zh-CN" sz="1200" dirty="0" smtClean="0"/>
+              <a:t>CPU</a:t>
+            </a:r>
+            <a:r>
+              <a:rPr lang="zh-CN" altLang="en-US" sz="1200" dirty="0" smtClean="0"/>
+              <a:t>负责进行一下检查（即保证检查上图红框处的“伪装”行为）：</a:t>
+            </a:r>
+            <a:endParaRPr lang="en-US" altLang="zh-CN" sz="1200" dirty="0" smtClean="0"/>
+          </a:p>
+          <a:p>
+            <a:endParaRPr lang="zh-CN" altLang="en-US" sz="1200" dirty="0"/>
+          </a:p>
+        </p:txBody>
+      </p:sp>
+      <p:sp>
+        <p:nvSpPr>
+          <p:cNvPr id="10" name="矩形 9"/>
+          <p:cNvSpPr/>
+          <p:nvPr/>
+        </p:nvSpPr>
+        <p:spPr>
+          <a:xfrm>
+            <a:off x="6955277" y="3093394"/>
+            <a:ext cx="1527242" cy="272374"/>
+          </a:xfrm>
+          <a:prstGeom prst="rect">
+            <a:avLst/>
+          </a:prstGeom>
+          <a:noFill/>
+          <a:ln w="34925">
+            <a:solidFill>
+              <a:srgbClr val="FF0000"/>
+            </a:solidFill>
+          </a:ln>
+        </p:spPr>
+        <p:style>
+          <a:lnRef idx="2">
+            <a:schemeClr val="accent1">
+              <a:shade val="50000"/>
+            </a:schemeClr>
+          </a:lnRef>
+          <a:fillRef idx="1">
+            <a:schemeClr val="accent1"/>
+          </a:fillRef>
+          <a:effectRef idx="0">
+            <a:schemeClr val="accent1"/>
+          </a:effectRef>
+          <a:fontRef idx="minor">
+            <a:schemeClr val="lt1"/>
+          </a:fontRef>
+        </p:style>
+        <p:txBody>
+          <a:bodyPr rtlCol="0" anchor="ctr"/>
+          <a:lstStyle/>
+          <a:p>
+            <a:pPr algn="ctr"/>
+            <a:endParaRPr lang="zh-CN" altLang="en-US"/>
+          </a:p>
+        </p:txBody>
+      </p:sp>
+      <p:pic>
+        <p:nvPicPr>
+          <p:cNvPr id="11" name="图片 10"/>
+          <p:cNvPicPr>
+            <a:picLocks noChangeAspect="1"/>
+          </p:cNvPicPr>
+          <p:nvPr/>
+        </p:nvPicPr>
+        <p:blipFill>
+          <a:blip r:embed="rId4"/>
+          <a:stretch>
+            <a:fillRect/>
+          </a:stretch>
+        </p:blipFill>
+        <p:spPr>
+          <a:xfrm>
+            <a:off x="526915" y="5620204"/>
+            <a:ext cx="6714286" cy="1171429"/>
+          </a:xfrm>
+          <a:prstGeom prst="rect">
+            <a:avLst/>
+          </a:prstGeom>
+        </p:spPr>
+      </p:pic>
+    </p:spTree>
+    <p:extLst>
+      <p:ext uri="{BB962C8B-B14F-4D97-AF65-F5344CB8AC3E}">
+        <p14:creationId xmlns:p14="http://schemas.microsoft.com/office/powerpoint/2010/main" val="1139172857"/>
+      </p:ext>
+    </p:extLst>
+  </p:cSld>
+  <p:clrMapOvr>
+    <a:masterClrMapping/>
+  </p:clrMapOvr>
+  <p:timing>
+    <p:tnLst>
+      <p:par>
+        <p:cTn id="1" dur="indefinite" restart="never" nodeType="tmRoot"/>
+      </p:par>
+    </p:tnLst>
+  </p:timing>
+</p:sld>
+</file>
+
+<file path=ppt/slides/slide18.xml><?xml version="1.0" encoding="utf-8"?>
+<p:sld xmlns:a="http://schemas.openxmlformats.org/drawingml/2006/main" xmlns:r="http://schemas.openxmlformats.org/officeDocument/2006/relationships" xmlns:p="http://schemas.openxmlformats.org/presentationml/2006/main">
+  <p:cSld>
+    <p:spTree>
+      <p:nvGrpSpPr>
+        <p:cNvPr id="1" name=""/>
+        <p:cNvGrpSpPr/>
+        <p:nvPr/>
+      </p:nvGrpSpPr>
+      <p:grpSpPr>
+        <a:xfrm>
+          <a:off x="0" y="0"/>
+          <a:ext cx="0" cy="0"/>
+          <a:chOff x="0" y="0"/>
+          <a:chExt cx="0" cy="0"/>
+        </a:xfrm>
+      </p:grpSpPr>
+      <p:sp>
+        <p:nvSpPr>
+          <p:cNvPr id="3" name="内容占位符 2"/>
+          <p:cNvSpPr>
+            <a:spLocks noGrp="1"/>
+          </p:cNvSpPr>
+          <p:nvPr>
+            <p:ph idx="1"/>
+          </p:nvPr>
+        </p:nvSpPr>
+        <p:spPr/>
+        <p:txBody>
+          <a:bodyPr/>
+          <a:lstStyle/>
+          <a:p>
+            <a:pPr marL="0" indent="0" algn="ctr">
+              <a:buNone/>
+            </a:pPr>
+            <a:r>
+              <a:rPr lang="zh-CN" altLang="en-US" dirty="0"/>
+              <a:t>任务是</a:t>
+            </a:r>
+            <a:r>
+              <a:rPr lang="en-US" altLang="zh-CN" dirty="0"/>
+              <a:t>CPU</a:t>
+            </a:r>
+            <a:r>
+              <a:rPr lang="zh-CN" altLang="en-US" dirty="0"/>
+              <a:t>支持的特性</a:t>
+            </a:r>
+          </a:p>
+        </p:txBody>
+      </p:sp>
+    </p:spTree>
+    <p:extLst>
+      <p:ext uri="{BB962C8B-B14F-4D97-AF65-F5344CB8AC3E}">
+        <p14:creationId xmlns:p14="http://schemas.microsoft.com/office/powerpoint/2010/main" val="4272202645"/>
+      </p:ext>
+    </p:extLst>
+  </p:cSld>
+  <p:clrMapOvr>
+    <a:masterClrMapping/>
+  </p:clrMapOvr>
+</p:sld>
+</file>
+
+<file path=ppt/slides/slide19.xml><?xml version="1.0" encoding="utf-8"?>
+<p:sld xmlns:a="http://schemas.openxmlformats.org/drawingml/2006/main" xmlns:r="http://schemas.openxmlformats.org/officeDocument/2006/relationships" xmlns:p="http://schemas.openxmlformats.org/presentationml/2006/main">
+  <p:cSld>
+    <p:spTree>
+      <p:nvGrpSpPr>
+        <p:cNvPr id="1" name=""/>
+        <p:cNvGrpSpPr/>
+        <p:nvPr/>
+      </p:nvGrpSpPr>
+      <p:grpSpPr>
+        <a:xfrm>
+          <a:off x="0" y="0"/>
+          <a:ext cx="0" cy="0"/>
+          <a:chOff x="0" y="0"/>
+          <a:chExt cx="0" cy="0"/>
+        </a:xfrm>
+      </p:grpSpPr>
+      <p:sp>
+        <p:nvSpPr>
+          <p:cNvPr id="3" name="内容占位符 2"/>
+          <p:cNvSpPr>
+            <a:spLocks noGrp="1"/>
+          </p:cNvSpPr>
+          <p:nvPr>
+            <p:ph idx="1"/>
+          </p:nvPr>
+        </p:nvSpPr>
+        <p:spPr>
+          <a:xfrm>
+            <a:off x="2618361" y="2467649"/>
+            <a:ext cx="7196847" cy="1306683"/>
+          </a:xfrm>
+        </p:spPr>
+        <p:txBody>
+          <a:bodyPr/>
+          <a:lstStyle/>
+          <a:p>
+            <a:pPr marL="0" indent="0" algn="ctr">
+              <a:buNone/>
+            </a:pPr>
+            <a:r>
+              <a:rPr lang="zh-CN" altLang="en-US" dirty="0"/>
+              <a:t>学完操作系统至少让我明</a:t>
+            </a:r>
+            <a:r>
+              <a:rPr lang="zh-CN" altLang="en-US" dirty="0" smtClean="0"/>
+              <a:t>白</a:t>
+            </a:r>
+            <a:endParaRPr lang="en-US" altLang="zh-CN" dirty="0" smtClean="0"/>
+          </a:p>
+          <a:p>
+            <a:pPr marL="0" indent="0" algn="ctr">
+              <a:buNone/>
+            </a:pPr>
+            <a:r>
+              <a:rPr lang="zh-CN" altLang="en-US" dirty="0" smtClean="0"/>
+              <a:t>为什么一个人无法开发一个完备的操作系统</a:t>
+            </a:r>
+            <a:endParaRPr lang="zh-CN" altLang="en-US" dirty="0"/>
+          </a:p>
+        </p:txBody>
+      </p:sp>
+      <p:sp>
+        <p:nvSpPr>
+          <p:cNvPr id="4" name="内容占位符 2"/>
+          <p:cNvSpPr txBox="1">
+            <a:spLocks/>
+          </p:cNvSpPr>
+          <p:nvPr/>
+        </p:nvSpPr>
+        <p:spPr>
+          <a:xfrm>
+            <a:off x="2618360" y="3673878"/>
+            <a:ext cx="7196847" cy="1306683"/>
+          </a:xfrm>
+          <a:prstGeom prst="rect">
+            <a:avLst/>
+          </a:prstGeom>
+        </p:spPr>
+        <p:txBody>
+          <a:bodyPr vert="horz" lIns="91440" tIns="45720" rIns="91440" bIns="45720" rtlCol="0">
+            <a:normAutofit/>
+          </a:bodyPr>
+          <a:lstStyle>
+            <a:lvl1pPr marL="228600" indent="-228600" algn="l" defTabSz="914400" rtl="0" eaLnBrk="1" latinLnBrk="0" hangingPunct="1">
+              <a:lnSpc>
+                <a:spcPct val="90000"/>
+              </a:lnSpc>
+              <a:spcBef>
+                <a:spcPts val="1000"/>
+              </a:spcBef>
+              <a:buFont typeface="Arial" panose="020B0604020202020204" pitchFamily="34" charset="0"/>
+              <a:buChar char="•"/>
+              <a:defRPr sz="2800" kern="1200">
+                <a:solidFill>
+                  <a:schemeClr val="tx1"/>
+                </a:solidFill>
+                <a:latin typeface="+mn-lt"/>
+                <a:ea typeface="+mn-ea"/>
+                <a:cs typeface="+mn-cs"/>
+              </a:defRPr>
+            </a:lvl1pPr>
+            <a:lvl2pPr marL="685800" indent="-228600" algn="l" defTabSz="914400" rtl="0" eaLnBrk="1" latinLnBrk="0" hangingPunct="1">
+              <a:lnSpc>
+                <a:spcPct val="90000"/>
+              </a:lnSpc>
+              <a:spcBef>
+                <a:spcPts val="500"/>
+              </a:spcBef>
+              <a:buFont typeface="Arial" panose="020B0604020202020204" pitchFamily="34" charset="0"/>
+              <a:buChar char="•"/>
+              <a:defRPr sz="2400" kern="1200">
+                <a:solidFill>
+                  <a:schemeClr val="tx1"/>
+                </a:solidFill>
+                <a:latin typeface="+mn-lt"/>
+                <a:ea typeface="+mn-ea"/>
+                <a:cs typeface="+mn-cs"/>
+              </a:defRPr>
+            </a:lvl2pPr>
+            <a:lvl3pPr marL="1143000" indent="-228600" algn="l" defTabSz="914400" rtl="0" eaLnBrk="1" latinLnBrk="0" hangingPunct="1">
+              <a:lnSpc>
+                <a:spcPct val="90000"/>
+              </a:lnSpc>
+              <a:spcBef>
+                <a:spcPts val="500"/>
+              </a:spcBef>
+              <a:buFont typeface="Arial" panose="020B0604020202020204" pitchFamily="34" charset="0"/>
+              <a:buChar char="•"/>
+              <a:defRPr sz="2000" kern="1200">
+                <a:solidFill>
+                  <a:schemeClr val="tx1"/>
+                </a:solidFill>
+                <a:latin typeface="+mn-lt"/>
+                <a:ea typeface="+mn-ea"/>
+                <a:cs typeface="+mn-cs"/>
+              </a:defRPr>
+            </a:lvl3pPr>
+            <a:lvl4pPr marL="1600200" indent="-228600" algn="l" defTabSz="914400" rtl="0" eaLnBrk="1" latinLnBrk="0" hangingPunct="1">
+              <a:lnSpc>
+                <a:spcPct val="90000"/>
+              </a:lnSpc>
+              <a:spcBef>
+                <a:spcPts val="500"/>
+              </a:spcBef>
+              <a:buFont typeface="Arial" panose="020B0604020202020204" pitchFamily="34" charset="0"/>
+              <a:buChar char="•"/>
+              <a:defRPr sz="1800" kern="1200">
+                <a:solidFill>
+                  <a:schemeClr val="tx1"/>
+                </a:solidFill>
+                <a:latin typeface="+mn-lt"/>
+                <a:ea typeface="+mn-ea"/>
+                <a:cs typeface="+mn-cs"/>
+              </a:defRPr>
+            </a:lvl4pPr>
+            <a:lvl5pPr marL="2057400" indent="-228600" algn="l" defTabSz="914400" rtl="0" eaLnBrk="1" latinLnBrk="0" hangingPunct="1">
+              <a:lnSpc>
+                <a:spcPct val="90000"/>
+              </a:lnSpc>
+              <a:spcBef>
+                <a:spcPts val="500"/>
+              </a:spcBef>
+              <a:buFont typeface="Arial" panose="020B0604020202020204" pitchFamily="34" charset="0"/>
+              <a:buChar char="•"/>
+              <a:defRPr sz="1800" kern="1200">
+                <a:solidFill>
+                  <a:schemeClr val="tx1"/>
+                </a:solidFill>
+                <a:latin typeface="+mn-lt"/>
+                <a:ea typeface="+mn-ea"/>
+                <a:cs typeface="+mn-cs"/>
+              </a:defRPr>
+            </a:lvl5pPr>
+            <a:lvl6pPr marL="2514600" indent="-228600" algn="l" defTabSz="914400" rtl="0" eaLnBrk="1" latinLnBrk="0" hangingPunct="1">
+              <a:lnSpc>
+                <a:spcPct val="90000"/>
+              </a:lnSpc>
+              <a:spcBef>
+                <a:spcPts val="500"/>
+              </a:spcBef>
+              <a:buFont typeface="Arial" panose="020B0604020202020204" pitchFamily="34" charset="0"/>
+              <a:buChar char="•"/>
+              <a:defRPr sz="1800" kern="1200">
+                <a:solidFill>
+                  <a:schemeClr val="tx1"/>
+                </a:solidFill>
+                <a:latin typeface="+mn-lt"/>
+                <a:ea typeface="+mn-ea"/>
+                <a:cs typeface="+mn-cs"/>
+              </a:defRPr>
+            </a:lvl6pPr>
+            <a:lvl7pPr marL="2971800" indent="-228600" algn="l" defTabSz="914400" rtl="0" eaLnBrk="1" latinLnBrk="0" hangingPunct="1">
+              <a:lnSpc>
+                <a:spcPct val="90000"/>
+              </a:lnSpc>
+              <a:spcBef>
+                <a:spcPts val="500"/>
+              </a:spcBef>
+              <a:buFont typeface="Arial" panose="020B0604020202020204" pitchFamily="34" charset="0"/>
+              <a:buChar char="•"/>
+              <a:defRPr sz="1800" kern="1200">
+                <a:solidFill>
+                  <a:schemeClr val="tx1"/>
+                </a:solidFill>
+                <a:latin typeface="+mn-lt"/>
+                <a:ea typeface="+mn-ea"/>
+                <a:cs typeface="+mn-cs"/>
+              </a:defRPr>
+            </a:lvl7pPr>
+            <a:lvl8pPr marL="3429000" indent="-228600" algn="l" defTabSz="914400" rtl="0" eaLnBrk="1" latinLnBrk="0" hangingPunct="1">
+              <a:lnSpc>
+                <a:spcPct val="90000"/>
+              </a:lnSpc>
+              <a:spcBef>
+                <a:spcPts val="500"/>
+              </a:spcBef>
+              <a:buFont typeface="Arial" panose="020B0604020202020204" pitchFamily="34" charset="0"/>
+              <a:buChar char="•"/>
+              <a:defRPr sz="1800" kern="1200">
+                <a:solidFill>
+                  <a:schemeClr val="tx1"/>
+                </a:solidFill>
+                <a:latin typeface="+mn-lt"/>
+                <a:ea typeface="+mn-ea"/>
+                <a:cs typeface="+mn-cs"/>
+              </a:defRPr>
+            </a:lvl8pPr>
+            <a:lvl9pPr marL="3886200" indent="-228600" algn="l" defTabSz="914400" rtl="0" eaLnBrk="1" latinLnBrk="0" hangingPunct="1">
+              <a:lnSpc>
+                <a:spcPct val="90000"/>
+              </a:lnSpc>
+              <a:spcBef>
+                <a:spcPts val="500"/>
+              </a:spcBef>
+              <a:buFont typeface="Arial" panose="020B0604020202020204" pitchFamily="34" charset="0"/>
+              <a:buChar char="•"/>
+              <a:defRPr sz="1800" kern="1200">
+                <a:solidFill>
+                  <a:schemeClr val="tx1"/>
+                </a:solidFill>
+                <a:latin typeface="+mn-lt"/>
+                <a:ea typeface="+mn-ea"/>
+                <a:cs typeface="+mn-cs"/>
+              </a:defRPr>
+            </a:lvl9pPr>
+          </a:lstStyle>
+          <a:p>
+            <a:pPr marL="0" indent="0" algn="ctr">
+              <a:buFont typeface="Arial" panose="020B0604020202020204" pitchFamily="34" charset="0"/>
+              <a:buNone/>
+            </a:pPr>
+            <a:r>
+              <a:rPr lang="zh-CN" altLang="en-US" dirty="0" smtClean="0"/>
+              <a:t>汇编不行，那</a:t>
+            </a:r>
+            <a:r>
+              <a:rPr lang="en-US" altLang="zh-CN" dirty="0" smtClean="0"/>
+              <a:t>C</a:t>
+            </a:r>
+            <a:r>
+              <a:rPr lang="zh-CN" altLang="en-US" dirty="0" smtClean="0"/>
+              <a:t>语言呢？</a:t>
+            </a:r>
+            <a:endParaRPr lang="zh-CN" altLang="en-US" dirty="0"/>
+          </a:p>
+        </p:txBody>
+      </p:sp>
+    </p:spTree>
+    <p:extLst>
+      <p:ext uri="{BB962C8B-B14F-4D97-AF65-F5344CB8AC3E}">
+        <p14:creationId xmlns:p14="http://schemas.microsoft.com/office/powerpoint/2010/main" val="548847334"/>
+      </p:ext>
+    </p:extLst>
+  </p:cSld>
+  <p:clrMapOvr>
+    <a:masterClrMapping/>
+  </p:clrMapOvr>
+</p:sld>
+</file>
+
 <file path=ppt/slides/slide2.xml><?xml version="1.0" encoding="utf-8"?>
 <p:sld xmlns:a="http://schemas.openxmlformats.org/drawingml/2006/main" xmlns:r="http://schemas.openxmlformats.org/officeDocument/2006/relationships" xmlns:p="http://schemas.openxmlformats.org/presentationml/2006/main">
   <p:cSld>
@@ -5999,6 +8993,3552 @@
       </p:par>
     </p:tnLst>
   </p:timing>
+</p:sld>
+</file>
+
+<file path=ppt/slides/slide20.xml><?xml version="1.0" encoding="utf-8"?>
+<p:sld xmlns:a="http://schemas.openxmlformats.org/drawingml/2006/main" xmlns:r="http://schemas.openxmlformats.org/officeDocument/2006/relationships" xmlns:p="http://schemas.openxmlformats.org/presentationml/2006/main">
+  <p:cSld>
+    <p:spTree>
+      <p:nvGrpSpPr>
+        <p:cNvPr id="1" name=""/>
+        <p:cNvGrpSpPr/>
+        <p:nvPr/>
+      </p:nvGrpSpPr>
+      <p:grpSpPr>
+        <a:xfrm>
+          <a:off x="0" y="0"/>
+          <a:ext cx="0" cy="0"/>
+          <a:chOff x="0" y="0"/>
+          <a:chExt cx="0" cy="0"/>
+        </a:xfrm>
+      </p:grpSpPr>
+      <p:sp>
+        <p:nvSpPr>
+          <p:cNvPr id="2" name="标题 1"/>
+          <p:cNvSpPr>
+            <a:spLocks noGrp="1"/>
+          </p:cNvSpPr>
+          <p:nvPr>
+            <p:ph type="title"/>
+          </p:nvPr>
+        </p:nvSpPr>
+        <p:spPr>
+          <a:xfrm>
+            <a:off x="273996" y="151117"/>
+            <a:ext cx="10515600" cy="1325563"/>
+          </a:xfrm>
+        </p:spPr>
+        <p:txBody>
+          <a:bodyPr/>
+          <a:lstStyle/>
+          <a:p>
+            <a:r>
+              <a:rPr lang="zh-CN" altLang="en-US" dirty="0"/>
+              <a:t>调用</a:t>
+            </a:r>
+            <a:r>
+              <a:rPr lang="zh-CN" altLang="en-US" dirty="0" smtClean="0"/>
+              <a:t>门（</a:t>
+            </a:r>
+            <a:r>
+              <a:rPr lang="en-US" altLang="zh-CN" dirty="0" smtClean="0"/>
+              <a:t>Call-Gate</a:t>
+            </a:r>
+            <a:r>
+              <a:rPr lang="zh-CN" altLang="en-US" dirty="0" smtClean="0"/>
+              <a:t>）</a:t>
+            </a:r>
+            <a:r>
+              <a:rPr lang="zh-CN" altLang="en-US" dirty="0"/>
+              <a:t>格式</a:t>
+            </a:r>
+          </a:p>
+        </p:txBody>
+      </p:sp>
+      <p:pic>
+        <p:nvPicPr>
+          <p:cNvPr id="4" name="图片 3"/>
+          <p:cNvPicPr>
+            <a:picLocks noChangeAspect="1"/>
+          </p:cNvPicPr>
+          <p:nvPr/>
+        </p:nvPicPr>
+        <p:blipFill>
+          <a:blip r:embed="rId2"/>
+          <a:stretch>
+            <a:fillRect/>
+          </a:stretch>
+        </p:blipFill>
+        <p:spPr>
+          <a:xfrm>
+            <a:off x="273996" y="1291854"/>
+            <a:ext cx="6800000" cy="1942857"/>
+          </a:xfrm>
+          <a:prstGeom prst="rect">
+            <a:avLst/>
+          </a:prstGeom>
+        </p:spPr>
+      </p:pic>
+      <p:pic>
+        <p:nvPicPr>
+          <p:cNvPr id="5" name="图片 4"/>
+          <p:cNvPicPr>
+            <a:picLocks noChangeAspect="1"/>
+          </p:cNvPicPr>
+          <p:nvPr/>
+        </p:nvPicPr>
+        <p:blipFill>
+          <a:blip r:embed="rId3"/>
+          <a:stretch>
+            <a:fillRect/>
+          </a:stretch>
+        </p:blipFill>
+        <p:spPr>
+          <a:xfrm>
+            <a:off x="5182042" y="4536817"/>
+            <a:ext cx="6935375" cy="2203893"/>
+          </a:xfrm>
+          <a:prstGeom prst="rect">
+            <a:avLst/>
+          </a:prstGeom>
+        </p:spPr>
+      </p:pic>
+      <p:sp>
+        <p:nvSpPr>
+          <p:cNvPr id="6" name="文本框 5"/>
+          <p:cNvSpPr txBox="1"/>
+          <p:nvPr/>
+        </p:nvSpPr>
+        <p:spPr>
+          <a:xfrm>
+            <a:off x="369651" y="3574577"/>
+            <a:ext cx="3715966" cy="1200329"/>
+          </a:xfrm>
+          <a:prstGeom prst="rect">
+            <a:avLst/>
+          </a:prstGeom>
+          <a:noFill/>
+        </p:spPr>
+        <p:txBody>
+          <a:bodyPr wrap="square" rtlCol="0">
+            <a:spAutoFit/>
+          </a:bodyPr>
+          <a:lstStyle/>
+          <a:p>
+            <a:r>
+              <a:rPr lang="en-US" altLang="zh-CN" dirty="0" smtClean="0"/>
+              <a:t>Call-Gate</a:t>
+            </a:r>
+            <a:r>
+              <a:rPr lang="zh-CN" altLang="en-US" dirty="0" smtClean="0"/>
+              <a:t>可以</a:t>
+            </a:r>
+            <a:r>
+              <a:rPr lang="zh-CN" altLang="en-US" dirty="0"/>
+              <a:t>安装</a:t>
+            </a:r>
+            <a:r>
+              <a:rPr lang="zh-CN" altLang="en-US" dirty="0" smtClean="0"/>
+              <a:t>在</a:t>
+            </a:r>
+            <a:r>
+              <a:rPr lang="en-US" altLang="zh-CN" dirty="0" smtClean="0"/>
+              <a:t>GDT</a:t>
+            </a:r>
+            <a:r>
+              <a:rPr lang="zh-CN" altLang="en-US" dirty="0" smtClean="0"/>
+              <a:t>或者</a:t>
+            </a:r>
+            <a:r>
+              <a:rPr lang="en-US" altLang="zh-CN" dirty="0" smtClean="0"/>
+              <a:t>LDT</a:t>
+            </a:r>
+            <a:r>
+              <a:rPr lang="zh-CN" altLang="en-US" dirty="0" smtClean="0"/>
+              <a:t>中。可见它是一种和段描述符长度</a:t>
+            </a:r>
+            <a:r>
+              <a:rPr lang="zh-CN" altLang="en-US" dirty="0"/>
+              <a:t>相同</a:t>
+            </a:r>
+            <a:r>
+              <a:rPr lang="zh-CN" altLang="en-US" dirty="0" smtClean="0"/>
+              <a:t>，但</a:t>
+            </a:r>
+            <a:r>
+              <a:rPr lang="en-US" altLang="zh-CN" dirty="0" smtClean="0"/>
+              <a:t>bit</a:t>
+            </a:r>
+            <a:r>
+              <a:rPr lang="zh-CN" altLang="en-US" dirty="0" smtClean="0"/>
+              <a:t>意义稍微不同的</a:t>
+            </a:r>
+            <a:r>
+              <a:rPr lang="zh-CN" altLang="en-US" b="1" dirty="0" smtClean="0"/>
+              <a:t>描述符</a:t>
+            </a:r>
+            <a:endParaRPr lang="en-US" altLang="zh-CN" b="1" dirty="0" smtClean="0"/>
+          </a:p>
+          <a:p>
+            <a:r>
+              <a:rPr lang="en-US" altLang="zh-CN" dirty="0" smtClean="0"/>
+              <a:t>(Type=1100</a:t>
+            </a:r>
+            <a:r>
+              <a:rPr lang="zh-CN" altLang="en-US" dirty="0" smtClean="0"/>
+              <a:t>则为调用门</a:t>
+            </a:r>
+            <a:r>
+              <a:rPr lang="en-US" altLang="zh-CN" dirty="0" smtClean="0"/>
+              <a:t>)</a:t>
+            </a:r>
+            <a:endParaRPr lang="zh-CN" altLang="en-US" dirty="0"/>
+          </a:p>
+        </p:txBody>
+      </p:sp>
+      <p:sp>
+        <p:nvSpPr>
+          <p:cNvPr id="7" name="矩形 6"/>
+          <p:cNvSpPr/>
+          <p:nvPr/>
+        </p:nvSpPr>
+        <p:spPr>
+          <a:xfrm>
+            <a:off x="8649730" y="1787284"/>
+            <a:ext cx="863921" cy="1325907"/>
+          </a:xfrm>
+          <a:prstGeom prst="rect">
+            <a:avLst/>
+          </a:prstGeom>
+          <a:pattFill prst="horzBrick">
+            <a:fgClr>
+              <a:schemeClr val="accent1"/>
+            </a:fgClr>
+            <a:bgClr>
+              <a:schemeClr val="bg1"/>
+            </a:bgClr>
+          </a:pattFill>
+        </p:spPr>
+        <p:style>
+          <a:lnRef idx="2">
+            <a:schemeClr val="accent1">
+              <a:shade val="50000"/>
+            </a:schemeClr>
+          </a:lnRef>
+          <a:fillRef idx="1">
+            <a:schemeClr val="accent1"/>
+          </a:fillRef>
+          <a:effectRef idx="0">
+            <a:schemeClr val="accent1"/>
+          </a:effectRef>
+          <a:fontRef idx="minor">
+            <a:schemeClr val="lt1"/>
+          </a:fontRef>
+        </p:style>
+        <p:txBody>
+          <a:bodyPr rtlCol="0" anchor="ctr"/>
+          <a:lstStyle/>
+          <a:p>
+            <a:pPr algn="ctr"/>
+            <a:endParaRPr lang="zh-CN" altLang="en-US"/>
+          </a:p>
+        </p:txBody>
+      </p:sp>
+      <p:sp>
+        <p:nvSpPr>
+          <p:cNvPr id="8" name="矩形 7"/>
+          <p:cNvSpPr/>
+          <p:nvPr/>
+        </p:nvSpPr>
+        <p:spPr>
+          <a:xfrm>
+            <a:off x="8649730" y="0"/>
+            <a:ext cx="863921" cy="963038"/>
+          </a:xfrm>
+          <a:prstGeom prst="rect">
+            <a:avLst/>
+          </a:prstGeom>
+          <a:pattFill prst="horzBrick">
+            <a:fgClr>
+              <a:schemeClr val="accent1"/>
+            </a:fgClr>
+            <a:bgClr>
+              <a:schemeClr val="bg1"/>
+            </a:bgClr>
+          </a:pattFill>
+        </p:spPr>
+        <p:style>
+          <a:lnRef idx="2">
+            <a:schemeClr val="accent1">
+              <a:shade val="50000"/>
+            </a:schemeClr>
+          </a:lnRef>
+          <a:fillRef idx="1">
+            <a:schemeClr val="accent1"/>
+          </a:fillRef>
+          <a:effectRef idx="0">
+            <a:schemeClr val="accent1"/>
+          </a:effectRef>
+          <a:fontRef idx="minor">
+            <a:schemeClr val="lt1"/>
+          </a:fontRef>
+        </p:style>
+        <p:txBody>
+          <a:bodyPr rtlCol="0" anchor="ctr"/>
+          <a:lstStyle/>
+          <a:p>
+            <a:pPr algn="ctr"/>
+            <a:endParaRPr lang="zh-CN" altLang="en-US"/>
+          </a:p>
+        </p:txBody>
+      </p:sp>
+      <p:sp>
+        <p:nvSpPr>
+          <p:cNvPr id="9" name="文本框 8"/>
+          <p:cNvSpPr txBox="1"/>
+          <p:nvPr/>
+        </p:nvSpPr>
+        <p:spPr>
+          <a:xfrm>
+            <a:off x="9594715" y="355138"/>
+            <a:ext cx="1668534" cy="369332"/>
+          </a:xfrm>
+          <a:prstGeom prst="rect">
+            <a:avLst/>
+          </a:prstGeom>
+          <a:noFill/>
+        </p:spPr>
+        <p:txBody>
+          <a:bodyPr wrap="none" rtlCol="0">
+            <a:spAutoFit/>
+          </a:bodyPr>
+          <a:lstStyle/>
+          <a:p>
+            <a:r>
+              <a:rPr lang="en-US" altLang="zh-CN" dirty="0" smtClean="0"/>
+              <a:t>DPL of Segment</a:t>
+            </a:r>
+            <a:endParaRPr lang="zh-CN" altLang="en-US" dirty="0"/>
+          </a:p>
+        </p:txBody>
+      </p:sp>
+      <p:sp>
+        <p:nvSpPr>
+          <p:cNvPr id="10" name="文本框 9"/>
+          <p:cNvSpPr txBox="1"/>
+          <p:nvPr/>
+        </p:nvSpPr>
+        <p:spPr>
+          <a:xfrm>
+            <a:off x="9594715" y="1978422"/>
+            <a:ext cx="1696490" cy="369332"/>
+          </a:xfrm>
+          <a:prstGeom prst="rect">
+            <a:avLst/>
+          </a:prstGeom>
+          <a:noFill/>
+        </p:spPr>
+        <p:txBody>
+          <a:bodyPr wrap="none" rtlCol="0">
+            <a:spAutoFit/>
+          </a:bodyPr>
+          <a:lstStyle/>
+          <a:p>
+            <a:r>
+              <a:rPr lang="en-US" altLang="zh-CN" dirty="0" smtClean="0"/>
+              <a:t>DPL of Call-Gate</a:t>
+            </a:r>
+            <a:endParaRPr lang="zh-CN" altLang="en-US" dirty="0"/>
+          </a:p>
+        </p:txBody>
+      </p:sp>
+      <p:cxnSp>
+        <p:nvCxnSpPr>
+          <p:cNvPr id="12" name="直接箭头连接符 11"/>
+          <p:cNvCxnSpPr/>
+          <p:nvPr/>
+        </p:nvCxnSpPr>
+        <p:spPr>
+          <a:xfrm>
+            <a:off x="7073996" y="1620670"/>
+            <a:ext cx="4217209" cy="0"/>
+          </a:xfrm>
+          <a:prstGeom prst="straightConnector1">
+            <a:avLst/>
+          </a:prstGeom>
+          <a:ln w="25400">
+            <a:solidFill>
+              <a:schemeClr val="accent2">
+                <a:lumMod val="75000"/>
+              </a:schemeClr>
+            </a:solidFill>
+            <a:tailEnd type="triangle"/>
+          </a:ln>
+        </p:spPr>
+        <p:style>
+          <a:lnRef idx="1">
+            <a:schemeClr val="accent1"/>
+          </a:lnRef>
+          <a:fillRef idx="0">
+            <a:schemeClr val="accent1"/>
+          </a:fillRef>
+          <a:effectRef idx="0">
+            <a:schemeClr val="accent1"/>
+          </a:effectRef>
+          <a:fontRef idx="minor">
+            <a:schemeClr val="tx1"/>
+          </a:fontRef>
+        </p:style>
+      </p:cxnSp>
+      <p:sp>
+        <p:nvSpPr>
+          <p:cNvPr id="14" name="文本框 13"/>
+          <p:cNvSpPr txBox="1"/>
+          <p:nvPr/>
+        </p:nvSpPr>
+        <p:spPr>
+          <a:xfrm>
+            <a:off x="7269744" y="1258465"/>
+            <a:ext cx="1148071" cy="369332"/>
+          </a:xfrm>
+          <a:prstGeom prst="rect">
+            <a:avLst/>
+          </a:prstGeom>
+          <a:noFill/>
+        </p:spPr>
+        <p:txBody>
+          <a:bodyPr wrap="none" rtlCol="0">
+            <a:spAutoFit/>
+          </a:bodyPr>
+          <a:lstStyle/>
+          <a:p>
+            <a:r>
+              <a:rPr lang="en-US" altLang="zh-CN" dirty="0" smtClean="0"/>
+              <a:t>DPL &amp; RPL</a:t>
+            </a:r>
+            <a:endParaRPr lang="zh-CN" altLang="en-US" dirty="0"/>
+          </a:p>
+        </p:txBody>
+      </p:sp>
+      <p:sp>
+        <p:nvSpPr>
+          <p:cNvPr id="15" name="矩形 14"/>
+          <p:cNvSpPr/>
+          <p:nvPr/>
+        </p:nvSpPr>
+        <p:spPr>
+          <a:xfrm>
+            <a:off x="8649730" y="963038"/>
+            <a:ext cx="863921" cy="824246"/>
+          </a:xfrm>
+          <a:prstGeom prst="rect">
+            <a:avLst/>
+          </a:prstGeom>
+          <a:noFill/>
+          <a:ln>
+            <a:prstDash val="dash"/>
+          </a:ln>
+        </p:spPr>
+        <p:style>
+          <a:lnRef idx="2">
+            <a:schemeClr val="accent1">
+              <a:shade val="50000"/>
+            </a:schemeClr>
+          </a:lnRef>
+          <a:fillRef idx="1">
+            <a:schemeClr val="accent1"/>
+          </a:fillRef>
+          <a:effectRef idx="0">
+            <a:schemeClr val="accent1"/>
+          </a:effectRef>
+          <a:fontRef idx="minor">
+            <a:schemeClr val="lt1"/>
+          </a:fontRef>
+        </p:style>
+        <p:txBody>
+          <a:bodyPr rtlCol="0" anchor="ctr"/>
+          <a:lstStyle/>
+          <a:p>
+            <a:pPr algn="ctr"/>
+            <a:endParaRPr lang="zh-CN" altLang="en-US"/>
+          </a:p>
+        </p:txBody>
+      </p:sp>
+      <p:sp>
+        <p:nvSpPr>
+          <p:cNvPr id="16" name="右大括号 15"/>
+          <p:cNvSpPr/>
+          <p:nvPr/>
+        </p:nvSpPr>
+        <p:spPr>
+          <a:xfrm>
+            <a:off x="9594715" y="963038"/>
+            <a:ext cx="317770" cy="824246"/>
+          </a:xfrm>
+          <a:prstGeom prst="rightBrace">
+            <a:avLst/>
+          </a:prstGeom>
+        </p:spPr>
+        <p:style>
+          <a:lnRef idx="1">
+            <a:schemeClr val="accent1"/>
+          </a:lnRef>
+          <a:fillRef idx="0">
+            <a:schemeClr val="accent1"/>
+          </a:fillRef>
+          <a:effectRef idx="0">
+            <a:schemeClr val="accent1"/>
+          </a:effectRef>
+          <a:fontRef idx="minor">
+            <a:schemeClr val="tx1"/>
+          </a:fontRef>
+        </p:style>
+        <p:txBody>
+          <a:bodyPr rtlCol="0" anchor="ctr"/>
+          <a:lstStyle/>
+          <a:p>
+            <a:pPr algn="ctr"/>
+            <a:endParaRPr lang="zh-CN" altLang="en-US"/>
+          </a:p>
+        </p:txBody>
+      </p:sp>
+      <p:sp>
+        <p:nvSpPr>
+          <p:cNvPr id="17" name="文本框 16"/>
+          <p:cNvSpPr txBox="1"/>
+          <p:nvPr/>
+        </p:nvSpPr>
+        <p:spPr>
+          <a:xfrm>
+            <a:off x="9894827" y="1231812"/>
+            <a:ext cx="1194558" cy="246221"/>
+          </a:xfrm>
+          <a:prstGeom prst="rect">
+            <a:avLst/>
+          </a:prstGeom>
+          <a:noFill/>
+        </p:spPr>
+        <p:txBody>
+          <a:bodyPr wrap="none" rtlCol="0">
+            <a:spAutoFit/>
+          </a:bodyPr>
+          <a:lstStyle/>
+          <a:p>
+            <a:r>
+              <a:rPr lang="en-US" altLang="zh-CN" sz="1000" dirty="0" smtClean="0"/>
+              <a:t>Scope of DPL &amp; RPL</a:t>
+            </a:r>
+            <a:endParaRPr lang="zh-CN" altLang="en-US" sz="1000" dirty="0"/>
+          </a:p>
+        </p:txBody>
+      </p:sp>
+      <p:sp>
+        <p:nvSpPr>
+          <p:cNvPr id="18" name="文本框 17"/>
+          <p:cNvSpPr txBox="1"/>
+          <p:nvPr/>
+        </p:nvSpPr>
+        <p:spPr>
+          <a:xfrm>
+            <a:off x="6824596" y="1865483"/>
+            <a:ext cx="554960" cy="246221"/>
+          </a:xfrm>
+          <a:prstGeom prst="rect">
+            <a:avLst/>
+          </a:prstGeom>
+          <a:noFill/>
+        </p:spPr>
+        <p:txBody>
+          <a:bodyPr wrap="none" rtlCol="0">
+            <a:spAutoFit/>
+          </a:bodyPr>
+          <a:lstStyle/>
+          <a:p>
+            <a:r>
+              <a:rPr lang="en-US" altLang="zh-CN" sz="1000" b="1" dirty="0" smtClean="0">
+                <a:solidFill>
+                  <a:schemeClr val="accent2">
+                    <a:lumMod val="75000"/>
+                  </a:schemeClr>
+                </a:solidFill>
+              </a:rPr>
+              <a:t>Call far</a:t>
+            </a:r>
+            <a:endParaRPr lang="zh-CN" altLang="en-US" sz="1000" b="1" dirty="0">
+              <a:solidFill>
+                <a:schemeClr val="accent2">
+                  <a:lumMod val="75000"/>
+                </a:schemeClr>
+              </a:solidFill>
+            </a:endParaRPr>
+          </a:p>
+        </p:txBody>
+      </p:sp>
+      <p:cxnSp>
+        <p:nvCxnSpPr>
+          <p:cNvPr id="25" name="直接箭头连接符 24"/>
+          <p:cNvCxnSpPr/>
+          <p:nvPr/>
+        </p:nvCxnSpPr>
+        <p:spPr>
+          <a:xfrm>
+            <a:off x="9513651" y="1787284"/>
+            <a:ext cx="398834" cy="265252"/>
+          </a:xfrm>
+          <a:prstGeom prst="straightConnector1">
+            <a:avLst/>
+          </a:prstGeom>
+          <a:ln>
+            <a:tailEnd type="triangle"/>
+          </a:ln>
+        </p:spPr>
+        <p:style>
+          <a:lnRef idx="1">
+            <a:schemeClr val="accent1"/>
+          </a:lnRef>
+          <a:fillRef idx="0">
+            <a:schemeClr val="accent1"/>
+          </a:fillRef>
+          <a:effectRef idx="0">
+            <a:schemeClr val="accent1"/>
+          </a:effectRef>
+          <a:fontRef idx="minor">
+            <a:schemeClr val="tx1"/>
+          </a:fontRef>
+        </p:style>
+      </p:cxnSp>
+      <p:cxnSp>
+        <p:nvCxnSpPr>
+          <p:cNvPr id="27" name="直接箭头连接符 26"/>
+          <p:cNvCxnSpPr/>
+          <p:nvPr/>
+        </p:nvCxnSpPr>
+        <p:spPr>
+          <a:xfrm flipV="1">
+            <a:off x="9513651" y="651753"/>
+            <a:ext cx="381176" cy="311285"/>
+          </a:xfrm>
+          <a:prstGeom prst="straightConnector1">
+            <a:avLst/>
+          </a:prstGeom>
+          <a:ln>
+            <a:tailEnd type="triangle"/>
+          </a:ln>
+        </p:spPr>
+        <p:style>
+          <a:lnRef idx="1">
+            <a:schemeClr val="accent1"/>
+          </a:lnRef>
+          <a:fillRef idx="0">
+            <a:schemeClr val="accent1"/>
+          </a:fillRef>
+          <a:effectRef idx="0">
+            <a:schemeClr val="accent1"/>
+          </a:effectRef>
+          <a:fontRef idx="minor">
+            <a:schemeClr val="tx1"/>
+          </a:fontRef>
+        </p:style>
+      </p:cxnSp>
+      <p:sp>
+        <p:nvSpPr>
+          <p:cNvPr id="28" name="矩形 27"/>
+          <p:cNvSpPr/>
+          <p:nvPr/>
+        </p:nvSpPr>
+        <p:spPr>
+          <a:xfrm>
+            <a:off x="11324325" y="1425971"/>
+            <a:ext cx="684736" cy="501742"/>
+          </a:xfrm>
+          <a:prstGeom prst="rect">
+            <a:avLst/>
+          </a:prstGeom>
+          <a:gradFill>
+            <a:gsLst>
+              <a:gs pos="0">
+                <a:schemeClr val="accent1">
+                  <a:lumMod val="5000"/>
+                  <a:lumOff val="95000"/>
+                </a:schemeClr>
+              </a:gs>
+              <a:gs pos="74000">
+                <a:schemeClr val="accent1">
+                  <a:lumMod val="45000"/>
+                  <a:lumOff val="55000"/>
+                </a:schemeClr>
+              </a:gs>
+              <a:gs pos="83000">
+                <a:schemeClr val="accent1">
+                  <a:lumMod val="45000"/>
+                  <a:lumOff val="55000"/>
+                </a:schemeClr>
+              </a:gs>
+              <a:gs pos="100000">
+                <a:schemeClr val="accent1">
+                  <a:lumMod val="30000"/>
+                  <a:lumOff val="70000"/>
+                </a:schemeClr>
+              </a:gs>
+            </a:gsLst>
+            <a:lin ang="5400000" scaled="1"/>
+          </a:gradFill>
+        </p:spPr>
+        <p:style>
+          <a:lnRef idx="2">
+            <a:schemeClr val="accent1">
+              <a:shade val="50000"/>
+            </a:schemeClr>
+          </a:lnRef>
+          <a:fillRef idx="1">
+            <a:schemeClr val="accent1"/>
+          </a:fillRef>
+          <a:effectRef idx="0">
+            <a:schemeClr val="accent1"/>
+          </a:effectRef>
+          <a:fontRef idx="minor">
+            <a:schemeClr val="lt1"/>
+          </a:fontRef>
+        </p:style>
+        <p:txBody>
+          <a:bodyPr rtlCol="0" anchor="ctr"/>
+          <a:lstStyle/>
+          <a:p>
+            <a:pPr algn="ctr"/>
+            <a:r>
+              <a:rPr lang="en-US" altLang="zh-CN" sz="1000" dirty="0" smtClean="0">
+                <a:solidFill>
+                  <a:schemeClr val="tx1">
+                    <a:lumMod val="95000"/>
+                    <a:lumOff val="5000"/>
+                  </a:schemeClr>
+                </a:solidFill>
+              </a:rPr>
+              <a:t>Code in Kerrnel</a:t>
+            </a:r>
+            <a:endParaRPr lang="zh-CN" altLang="en-US" sz="1000" dirty="0">
+              <a:solidFill>
+                <a:schemeClr val="tx1">
+                  <a:lumMod val="95000"/>
+                  <a:lumOff val="5000"/>
+                </a:schemeClr>
+              </a:solidFill>
+            </a:endParaRPr>
+          </a:p>
+        </p:txBody>
+      </p:sp>
+      <p:sp>
+        <p:nvSpPr>
+          <p:cNvPr id="29" name="矩形 28"/>
+          <p:cNvSpPr/>
+          <p:nvPr/>
+        </p:nvSpPr>
+        <p:spPr>
+          <a:xfrm>
+            <a:off x="7147962" y="2382124"/>
+            <a:ext cx="875362" cy="516641"/>
+          </a:xfrm>
+          <a:prstGeom prst="rect">
+            <a:avLst/>
+          </a:prstGeom>
+          <a:gradFill>
+            <a:gsLst>
+              <a:gs pos="0">
+                <a:schemeClr val="accent1">
+                  <a:lumMod val="5000"/>
+                  <a:lumOff val="95000"/>
+                </a:schemeClr>
+              </a:gs>
+              <a:gs pos="74000">
+                <a:schemeClr val="accent1">
+                  <a:lumMod val="45000"/>
+                  <a:lumOff val="55000"/>
+                </a:schemeClr>
+              </a:gs>
+              <a:gs pos="83000">
+                <a:schemeClr val="accent1">
+                  <a:lumMod val="45000"/>
+                  <a:lumOff val="55000"/>
+                </a:schemeClr>
+              </a:gs>
+              <a:gs pos="100000">
+                <a:schemeClr val="accent1">
+                  <a:lumMod val="30000"/>
+                  <a:lumOff val="70000"/>
+                </a:schemeClr>
+              </a:gs>
+            </a:gsLst>
+            <a:lin ang="5400000" scaled="1"/>
+          </a:gradFill>
+        </p:spPr>
+        <p:style>
+          <a:lnRef idx="2">
+            <a:schemeClr val="accent1">
+              <a:shade val="50000"/>
+            </a:schemeClr>
+          </a:lnRef>
+          <a:fillRef idx="1">
+            <a:schemeClr val="accent1"/>
+          </a:fillRef>
+          <a:effectRef idx="0">
+            <a:schemeClr val="accent1"/>
+          </a:effectRef>
+          <a:fontRef idx="minor">
+            <a:schemeClr val="lt1"/>
+          </a:fontRef>
+        </p:style>
+        <p:txBody>
+          <a:bodyPr rtlCol="0" anchor="ctr"/>
+          <a:lstStyle/>
+          <a:p>
+            <a:pPr algn="ctr"/>
+            <a:r>
+              <a:rPr lang="en-US" altLang="zh-CN" sz="1000" dirty="0" smtClean="0">
+                <a:solidFill>
+                  <a:schemeClr val="tx1">
+                    <a:lumMod val="95000"/>
+                    <a:lumOff val="5000"/>
+                  </a:schemeClr>
+                </a:solidFill>
+              </a:rPr>
+              <a:t>Code in User Program</a:t>
+            </a:r>
+            <a:endParaRPr lang="zh-CN" altLang="en-US" sz="1000" dirty="0">
+              <a:solidFill>
+                <a:schemeClr val="tx1">
+                  <a:lumMod val="95000"/>
+                  <a:lumOff val="5000"/>
+                </a:schemeClr>
+              </a:solidFill>
+            </a:endParaRPr>
+          </a:p>
+        </p:txBody>
+      </p:sp>
+      <p:cxnSp>
+        <p:nvCxnSpPr>
+          <p:cNvPr id="31" name="直接连接符 30"/>
+          <p:cNvCxnSpPr/>
+          <p:nvPr/>
+        </p:nvCxnSpPr>
+        <p:spPr>
+          <a:xfrm flipV="1">
+            <a:off x="7302864" y="1627797"/>
+            <a:ext cx="0" cy="754327"/>
+          </a:xfrm>
+          <a:prstGeom prst="line">
+            <a:avLst/>
+          </a:prstGeom>
+          <a:ln w="15875">
+            <a:solidFill>
+              <a:schemeClr val="accent2">
+                <a:lumMod val="75000"/>
+              </a:schemeClr>
+            </a:solidFill>
+            <a:tailEnd type="triangle"/>
+          </a:ln>
+        </p:spPr>
+        <p:style>
+          <a:lnRef idx="1">
+            <a:schemeClr val="accent1"/>
+          </a:lnRef>
+          <a:fillRef idx="0">
+            <a:schemeClr val="accent1"/>
+          </a:fillRef>
+          <a:effectRef idx="0">
+            <a:schemeClr val="accent1"/>
+          </a:effectRef>
+          <a:fontRef idx="minor">
+            <a:schemeClr val="tx1"/>
+          </a:fontRef>
+        </p:style>
+      </p:cxnSp>
+      <p:cxnSp>
+        <p:nvCxnSpPr>
+          <p:cNvPr id="39" name="直接箭头连接符 38"/>
+          <p:cNvCxnSpPr/>
+          <p:nvPr/>
+        </p:nvCxnSpPr>
+        <p:spPr>
+          <a:xfrm>
+            <a:off x="7393021" y="1634923"/>
+            <a:ext cx="0" cy="747201"/>
+          </a:xfrm>
+          <a:prstGeom prst="straightConnector1">
+            <a:avLst/>
+          </a:prstGeom>
+          <a:ln>
+            <a:solidFill>
+              <a:schemeClr val="accent2">
+                <a:lumMod val="75000"/>
+              </a:schemeClr>
+            </a:solidFill>
+            <a:tailEnd type="triangle"/>
+          </a:ln>
+        </p:spPr>
+        <p:style>
+          <a:lnRef idx="1">
+            <a:schemeClr val="accent1"/>
+          </a:lnRef>
+          <a:fillRef idx="0">
+            <a:schemeClr val="accent1"/>
+          </a:fillRef>
+          <a:effectRef idx="0">
+            <a:schemeClr val="accent1"/>
+          </a:effectRef>
+          <a:fontRef idx="minor">
+            <a:schemeClr val="tx1"/>
+          </a:fontRef>
+        </p:style>
+      </p:cxnSp>
+      <p:sp>
+        <p:nvSpPr>
+          <p:cNvPr id="40" name="文本框 39"/>
+          <p:cNvSpPr txBox="1"/>
+          <p:nvPr/>
+        </p:nvSpPr>
+        <p:spPr>
+          <a:xfrm>
+            <a:off x="7330852" y="1882711"/>
+            <a:ext cx="378630" cy="246221"/>
+          </a:xfrm>
+          <a:prstGeom prst="rect">
+            <a:avLst/>
+          </a:prstGeom>
+          <a:noFill/>
+        </p:spPr>
+        <p:txBody>
+          <a:bodyPr wrap="none" rtlCol="0">
+            <a:spAutoFit/>
+          </a:bodyPr>
+          <a:lstStyle/>
+          <a:p>
+            <a:r>
+              <a:rPr lang="en-US" altLang="zh-CN" sz="1000" b="1" dirty="0" smtClean="0">
+                <a:solidFill>
+                  <a:schemeClr val="accent2">
+                    <a:lumMod val="75000"/>
+                  </a:schemeClr>
+                </a:solidFill>
+              </a:rPr>
+              <a:t>retf</a:t>
+            </a:r>
+            <a:endParaRPr lang="zh-CN" altLang="en-US" sz="1000" b="1" dirty="0">
+              <a:solidFill>
+                <a:schemeClr val="accent2">
+                  <a:lumMod val="75000"/>
+                </a:schemeClr>
+              </a:solidFill>
+            </a:endParaRPr>
+          </a:p>
+        </p:txBody>
+      </p:sp>
+      <p:cxnSp>
+        <p:nvCxnSpPr>
+          <p:cNvPr id="41" name="直接连接符 40"/>
+          <p:cNvCxnSpPr/>
+          <p:nvPr/>
+        </p:nvCxnSpPr>
+        <p:spPr>
+          <a:xfrm flipV="1">
+            <a:off x="7905979" y="1627797"/>
+            <a:ext cx="0" cy="754327"/>
+          </a:xfrm>
+          <a:prstGeom prst="line">
+            <a:avLst/>
+          </a:prstGeom>
+          <a:ln w="15875">
+            <a:solidFill>
+              <a:schemeClr val="accent2">
+                <a:lumMod val="75000"/>
+              </a:schemeClr>
+            </a:solidFill>
+            <a:headEnd type="none"/>
+            <a:tailEnd type="triangle"/>
+          </a:ln>
+        </p:spPr>
+        <p:style>
+          <a:lnRef idx="1">
+            <a:schemeClr val="accent1"/>
+          </a:lnRef>
+          <a:fillRef idx="0">
+            <a:schemeClr val="accent1"/>
+          </a:fillRef>
+          <a:effectRef idx="0">
+            <a:schemeClr val="accent1"/>
+          </a:effectRef>
+          <a:fontRef idx="minor">
+            <a:schemeClr val="tx1"/>
+          </a:fontRef>
+        </p:style>
+      </p:cxnSp>
+      <p:sp>
+        <p:nvSpPr>
+          <p:cNvPr id="42" name="文本框 41"/>
+          <p:cNvSpPr txBox="1"/>
+          <p:nvPr/>
+        </p:nvSpPr>
+        <p:spPr>
+          <a:xfrm>
+            <a:off x="7914285" y="1865483"/>
+            <a:ext cx="575799" cy="246221"/>
+          </a:xfrm>
+          <a:prstGeom prst="rect">
+            <a:avLst/>
+          </a:prstGeom>
+          <a:noFill/>
+        </p:spPr>
+        <p:txBody>
+          <a:bodyPr wrap="none" rtlCol="0">
+            <a:spAutoFit/>
+          </a:bodyPr>
+          <a:lstStyle/>
+          <a:p>
+            <a:r>
+              <a:rPr lang="en-US" altLang="zh-CN" sz="1000" b="1" dirty="0" smtClean="0">
+                <a:solidFill>
+                  <a:schemeClr val="accent2">
+                    <a:lumMod val="75000"/>
+                  </a:schemeClr>
+                </a:solidFill>
+              </a:rPr>
+              <a:t>Jmp far</a:t>
+            </a:r>
+            <a:endParaRPr lang="zh-CN" altLang="en-US" sz="1000" b="1" dirty="0">
+              <a:solidFill>
+                <a:schemeClr val="accent2">
+                  <a:lumMod val="75000"/>
+                </a:schemeClr>
+              </a:solidFill>
+            </a:endParaRPr>
+          </a:p>
+        </p:txBody>
+      </p:sp>
+    </p:spTree>
+    <p:extLst>
+      <p:ext uri="{BB962C8B-B14F-4D97-AF65-F5344CB8AC3E}">
+        <p14:creationId xmlns:p14="http://schemas.microsoft.com/office/powerpoint/2010/main" val="470289949"/>
+      </p:ext>
+    </p:extLst>
+  </p:cSld>
+  <p:clrMapOvr>
+    <a:masterClrMapping/>
+  </p:clrMapOvr>
+</p:sld>
+</file>
+
+<file path=ppt/slides/slide21.xml><?xml version="1.0" encoding="utf-8"?>
+<p:sld xmlns:a="http://schemas.openxmlformats.org/drawingml/2006/main" xmlns:r="http://schemas.openxmlformats.org/officeDocument/2006/relationships" xmlns:p="http://schemas.openxmlformats.org/presentationml/2006/main">
+  <p:cSld>
+    <p:spTree>
+      <p:nvGrpSpPr>
+        <p:cNvPr id="1" name=""/>
+        <p:cNvGrpSpPr/>
+        <p:nvPr/>
+      </p:nvGrpSpPr>
+      <p:grpSpPr>
+        <a:xfrm>
+          <a:off x="0" y="0"/>
+          <a:ext cx="0" cy="0"/>
+          <a:chOff x="0" y="0"/>
+          <a:chExt cx="0" cy="0"/>
+        </a:xfrm>
+      </p:grpSpPr>
+      <p:pic>
+        <p:nvPicPr>
+          <p:cNvPr id="4" name="图片 3"/>
+          <p:cNvPicPr>
+            <a:picLocks noChangeAspect="1"/>
+          </p:cNvPicPr>
+          <p:nvPr/>
+        </p:nvPicPr>
+        <p:blipFill>
+          <a:blip r:embed="rId2"/>
+          <a:stretch>
+            <a:fillRect/>
+          </a:stretch>
+        </p:blipFill>
+        <p:spPr>
+          <a:xfrm>
+            <a:off x="8975319" y="-194554"/>
+            <a:ext cx="3216681" cy="7130176"/>
+          </a:xfrm>
+          <a:prstGeom prst="rect">
+            <a:avLst/>
+          </a:prstGeom>
+        </p:spPr>
+      </p:pic>
+      <p:pic>
+        <p:nvPicPr>
+          <p:cNvPr id="5" name="图片 4"/>
+          <p:cNvPicPr>
+            <a:picLocks noChangeAspect="1"/>
+          </p:cNvPicPr>
+          <p:nvPr/>
+        </p:nvPicPr>
+        <p:blipFill>
+          <a:blip r:embed="rId3"/>
+          <a:stretch>
+            <a:fillRect/>
+          </a:stretch>
+        </p:blipFill>
+        <p:spPr>
+          <a:xfrm>
+            <a:off x="630125" y="2786435"/>
+            <a:ext cx="7371428" cy="2685714"/>
+          </a:xfrm>
+          <a:prstGeom prst="rect">
+            <a:avLst/>
+          </a:prstGeom>
+        </p:spPr>
+      </p:pic>
+      <p:sp>
+        <p:nvSpPr>
+          <p:cNvPr id="6" name="标题 1"/>
+          <p:cNvSpPr>
+            <a:spLocks noGrp="1"/>
+          </p:cNvSpPr>
+          <p:nvPr>
+            <p:ph type="title"/>
+          </p:nvPr>
+        </p:nvSpPr>
+        <p:spPr>
+          <a:xfrm>
+            <a:off x="273995" y="151117"/>
+            <a:ext cx="8701323" cy="1325563"/>
+          </a:xfrm>
+        </p:spPr>
+        <p:txBody>
+          <a:bodyPr/>
+          <a:lstStyle/>
+          <a:p>
+            <a:r>
+              <a:rPr lang="zh-CN" altLang="en-US" dirty="0"/>
+              <a:t>任</a:t>
+            </a:r>
+            <a:r>
+              <a:rPr lang="zh-CN" altLang="en-US" dirty="0" smtClean="0"/>
+              <a:t>务控制块（</a:t>
+            </a:r>
+            <a:r>
+              <a:rPr lang="en-US" altLang="zh-CN" dirty="0" smtClean="0"/>
+              <a:t>Task Control Block,TCB</a:t>
+            </a:r>
+            <a:r>
+              <a:rPr lang="zh-CN" altLang="en-US" dirty="0" smtClean="0"/>
+              <a:t>）</a:t>
+            </a:r>
+            <a:endParaRPr lang="zh-CN" altLang="en-US" dirty="0"/>
+          </a:p>
+        </p:txBody>
+      </p:sp>
+      <p:sp>
+        <p:nvSpPr>
+          <p:cNvPr id="7" name="文本框 6"/>
+          <p:cNvSpPr txBox="1"/>
+          <p:nvPr/>
+        </p:nvSpPr>
+        <p:spPr>
+          <a:xfrm>
+            <a:off x="379379" y="1292014"/>
+            <a:ext cx="6417141" cy="369332"/>
+          </a:xfrm>
+          <a:prstGeom prst="rect">
+            <a:avLst/>
+          </a:prstGeom>
+          <a:noFill/>
+        </p:spPr>
+        <p:txBody>
+          <a:bodyPr wrap="none" rtlCol="0">
+            <a:spAutoFit/>
+          </a:bodyPr>
+          <a:lstStyle/>
+          <a:p>
+            <a:r>
+              <a:rPr lang="zh-CN" altLang="en-US" dirty="0" smtClean="0"/>
+              <a:t>该数据结构主要是为了便于管理任务，并不是处理器的要求。</a:t>
+            </a:r>
+            <a:endParaRPr lang="zh-CN" altLang="en-US" dirty="0"/>
+          </a:p>
+        </p:txBody>
+      </p:sp>
+    </p:spTree>
+    <p:extLst>
+      <p:ext uri="{BB962C8B-B14F-4D97-AF65-F5344CB8AC3E}">
+        <p14:creationId xmlns:p14="http://schemas.microsoft.com/office/powerpoint/2010/main" val="3319418236"/>
+      </p:ext>
+    </p:extLst>
+  </p:cSld>
+  <p:clrMapOvr>
+    <a:masterClrMapping/>
+  </p:clrMapOvr>
+</p:sld>
+</file>
+
+<file path=ppt/slides/slide22.xml><?xml version="1.0" encoding="utf-8"?>
+<p:sld xmlns:a="http://schemas.openxmlformats.org/drawingml/2006/main" xmlns:r="http://schemas.openxmlformats.org/officeDocument/2006/relationships" xmlns:p="http://schemas.openxmlformats.org/presentationml/2006/main">
+  <p:cSld>
+    <p:spTree>
+      <p:nvGrpSpPr>
+        <p:cNvPr id="1" name=""/>
+        <p:cNvGrpSpPr/>
+        <p:nvPr/>
+      </p:nvGrpSpPr>
+      <p:grpSpPr>
+        <a:xfrm>
+          <a:off x="0" y="0"/>
+          <a:ext cx="0" cy="0"/>
+          <a:chOff x="0" y="0"/>
+          <a:chExt cx="0" cy="0"/>
+        </a:xfrm>
+      </p:grpSpPr>
+      <p:sp>
+        <p:nvSpPr>
+          <p:cNvPr id="4" name="矩形 3"/>
+          <p:cNvSpPr/>
+          <p:nvPr/>
+        </p:nvSpPr>
+        <p:spPr>
+          <a:xfrm>
+            <a:off x="1449858" y="2370435"/>
+            <a:ext cx="848496" cy="1235677"/>
+          </a:xfrm>
+          <a:prstGeom prst="rect">
+            <a:avLst/>
+          </a:prstGeom>
+          <a:noFill/>
+        </p:spPr>
+        <p:style>
+          <a:lnRef idx="2">
+            <a:schemeClr val="accent1">
+              <a:shade val="50000"/>
+            </a:schemeClr>
+          </a:lnRef>
+          <a:fillRef idx="1">
+            <a:schemeClr val="accent1"/>
+          </a:fillRef>
+          <a:effectRef idx="0">
+            <a:schemeClr val="accent1"/>
+          </a:effectRef>
+          <a:fontRef idx="minor">
+            <a:schemeClr val="lt1"/>
+          </a:fontRef>
+        </p:style>
+        <p:txBody>
+          <a:bodyPr rtlCol="0" anchor="t"/>
+          <a:lstStyle/>
+          <a:p>
+            <a:r>
+              <a:rPr lang="en-US" altLang="zh-CN" dirty="0" smtClean="0">
+                <a:solidFill>
+                  <a:schemeClr val="tx1">
+                    <a:lumMod val="95000"/>
+                    <a:lumOff val="5000"/>
+                  </a:schemeClr>
+                </a:solidFill>
+              </a:rPr>
+              <a:t>GDT</a:t>
+            </a:r>
+            <a:endParaRPr lang="zh-CN" altLang="en-US" dirty="0">
+              <a:solidFill>
+                <a:schemeClr val="tx1">
+                  <a:lumMod val="95000"/>
+                  <a:lumOff val="5000"/>
+                </a:schemeClr>
+              </a:solidFill>
+            </a:endParaRPr>
+          </a:p>
+        </p:txBody>
+      </p:sp>
+      <p:sp>
+        <p:nvSpPr>
+          <p:cNvPr id="6" name="矩形 5"/>
+          <p:cNvSpPr/>
+          <p:nvPr/>
+        </p:nvSpPr>
+        <p:spPr>
+          <a:xfrm>
+            <a:off x="1449858" y="3198339"/>
+            <a:ext cx="848496" cy="160638"/>
+          </a:xfrm>
+          <a:prstGeom prst="rect">
+            <a:avLst/>
+          </a:prstGeom>
+          <a:ln>
+            <a:solidFill>
+              <a:schemeClr val="tx1">
+                <a:lumMod val="95000"/>
+                <a:lumOff val="5000"/>
+              </a:schemeClr>
+            </a:solidFill>
+          </a:ln>
+        </p:spPr>
+        <p:style>
+          <a:lnRef idx="2">
+            <a:schemeClr val="accent1">
+              <a:shade val="50000"/>
+            </a:schemeClr>
+          </a:lnRef>
+          <a:fillRef idx="1">
+            <a:schemeClr val="accent1"/>
+          </a:fillRef>
+          <a:effectRef idx="0">
+            <a:schemeClr val="accent1"/>
+          </a:effectRef>
+          <a:fontRef idx="minor">
+            <a:schemeClr val="lt1"/>
+          </a:fontRef>
+        </p:style>
+        <p:txBody>
+          <a:bodyPr rtlCol="0" anchor="ctr"/>
+          <a:lstStyle/>
+          <a:p>
+            <a:pPr algn="ctr"/>
+            <a:endParaRPr lang="zh-CN" altLang="en-US"/>
+          </a:p>
+        </p:txBody>
+      </p:sp>
+      <p:sp>
+        <p:nvSpPr>
+          <p:cNvPr id="7" name="矩形 6"/>
+          <p:cNvSpPr/>
+          <p:nvPr/>
+        </p:nvSpPr>
+        <p:spPr>
+          <a:xfrm>
+            <a:off x="1449858" y="3363094"/>
+            <a:ext cx="848496" cy="160638"/>
+          </a:xfrm>
+          <a:prstGeom prst="rect">
+            <a:avLst/>
+          </a:prstGeom>
+          <a:ln>
+            <a:solidFill>
+              <a:schemeClr val="tx1">
+                <a:lumMod val="95000"/>
+                <a:lumOff val="5000"/>
+              </a:schemeClr>
+            </a:solidFill>
+          </a:ln>
+        </p:spPr>
+        <p:style>
+          <a:lnRef idx="2">
+            <a:schemeClr val="accent1">
+              <a:shade val="50000"/>
+            </a:schemeClr>
+          </a:lnRef>
+          <a:fillRef idx="1">
+            <a:schemeClr val="accent1"/>
+          </a:fillRef>
+          <a:effectRef idx="0">
+            <a:schemeClr val="accent1"/>
+          </a:effectRef>
+          <a:fontRef idx="minor">
+            <a:schemeClr val="lt1"/>
+          </a:fontRef>
+        </p:style>
+        <p:txBody>
+          <a:bodyPr rtlCol="0" anchor="ctr"/>
+          <a:lstStyle/>
+          <a:p>
+            <a:pPr algn="ctr"/>
+            <a:endParaRPr lang="zh-CN" altLang="en-US"/>
+          </a:p>
+        </p:txBody>
+      </p:sp>
+      <p:sp>
+        <p:nvSpPr>
+          <p:cNvPr id="8" name="矩形 7"/>
+          <p:cNvSpPr/>
+          <p:nvPr/>
+        </p:nvSpPr>
+        <p:spPr>
+          <a:xfrm>
+            <a:off x="1449858" y="3045938"/>
+            <a:ext cx="848496" cy="160638"/>
+          </a:xfrm>
+          <a:prstGeom prst="rect">
+            <a:avLst/>
+          </a:prstGeom>
+          <a:ln>
+            <a:solidFill>
+              <a:schemeClr val="tx1">
+                <a:lumMod val="95000"/>
+                <a:lumOff val="5000"/>
+              </a:schemeClr>
+            </a:solidFill>
+          </a:ln>
+        </p:spPr>
+        <p:style>
+          <a:lnRef idx="2">
+            <a:schemeClr val="accent1">
+              <a:shade val="50000"/>
+            </a:schemeClr>
+          </a:lnRef>
+          <a:fillRef idx="1">
+            <a:schemeClr val="accent1"/>
+          </a:fillRef>
+          <a:effectRef idx="0">
+            <a:schemeClr val="accent1"/>
+          </a:effectRef>
+          <a:fontRef idx="minor">
+            <a:schemeClr val="lt1"/>
+          </a:fontRef>
+        </p:style>
+        <p:txBody>
+          <a:bodyPr rtlCol="0" anchor="ctr"/>
+          <a:lstStyle/>
+          <a:p>
+            <a:pPr algn="ctr"/>
+            <a:endParaRPr lang="zh-CN" altLang="en-US"/>
+          </a:p>
+        </p:txBody>
+      </p:sp>
+      <p:sp>
+        <p:nvSpPr>
+          <p:cNvPr id="9" name="矩形 8"/>
+          <p:cNvSpPr/>
+          <p:nvPr/>
+        </p:nvSpPr>
+        <p:spPr>
+          <a:xfrm>
+            <a:off x="3056239" y="601361"/>
+            <a:ext cx="848496" cy="609602"/>
+          </a:xfrm>
+          <a:prstGeom prst="rect">
+            <a:avLst/>
+          </a:prstGeom>
+          <a:noFill/>
+        </p:spPr>
+        <p:style>
+          <a:lnRef idx="2">
+            <a:schemeClr val="accent1">
+              <a:shade val="50000"/>
+            </a:schemeClr>
+          </a:lnRef>
+          <a:fillRef idx="1">
+            <a:schemeClr val="accent1"/>
+          </a:fillRef>
+          <a:effectRef idx="0">
+            <a:schemeClr val="accent1"/>
+          </a:effectRef>
+          <a:fontRef idx="minor">
+            <a:schemeClr val="lt1"/>
+          </a:fontRef>
+        </p:style>
+        <p:txBody>
+          <a:bodyPr rtlCol="0" anchor="t"/>
+          <a:lstStyle/>
+          <a:p>
+            <a:r>
+              <a:rPr lang="en-US" altLang="zh-CN" sz="1200" dirty="0" smtClean="0">
+                <a:solidFill>
+                  <a:schemeClr val="tx1">
+                    <a:lumMod val="95000"/>
+                    <a:lumOff val="5000"/>
+                  </a:schemeClr>
+                </a:solidFill>
+              </a:rPr>
+              <a:t>Code</a:t>
+            </a:r>
+          </a:p>
+          <a:p>
+            <a:r>
+              <a:rPr lang="en-US" altLang="zh-CN" sz="1200" dirty="0" smtClean="0">
+                <a:solidFill>
+                  <a:schemeClr val="tx1">
+                    <a:lumMod val="95000"/>
+                    <a:lumOff val="5000"/>
+                  </a:schemeClr>
+                </a:solidFill>
+              </a:rPr>
+              <a:t>Segment</a:t>
+            </a:r>
+          </a:p>
+          <a:p>
+            <a:r>
+              <a:rPr lang="en-US" altLang="zh-CN" sz="1000" dirty="0" smtClean="0">
+                <a:solidFill>
+                  <a:schemeClr val="accent6">
+                    <a:lumMod val="75000"/>
+                  </a:schemeClr>
+                </a:solidFill>
+              </a:rPr>
+              <a:t>S=1</a:t>
+            </a:r>
+            <a:endParaRPr lang="zh-CN" altLang="en-US" sz="1000" dirty="0">
+              <a:solidFill>
+                <a:schemeClr val="accent6">
+                  <a:lumMod val="75000"/>
+                </a:schemeClr>
+              </a:solidFill>
+            </a:endParaRPr>
+          </a:p>
+        </p:txBody>
+      </p:sp>
+      <p:sp>
+        <p:nvSpPr>
+          <p:cNvPr id="10" name="矩形 9"/>
+          <p:cNvSpPr/>
+          <p:nvPr/>
+        </p:nvSpPr>
+        <p:spPr>
+          <a:xfrm>
+            <a:off x="3056239" y="1394254"/>
+            <a:ext cx="848496" cy="652849"/>
+          </a:xfrm>
+          <a:prstGeom prst="rect">
+            <a:avLst/>
+          </a:prstGeom>
+          <a:noFill/>
+        </p:spPr>
+        <p:style>
+          <a:lnRef idx="2">
+            <a:schemeClr val="accent1">
+              <a:shade val="50000"/>
+            </a:schemeClr>
+          </a:lnRef>
+          <a:fillRef idx="1">
+            <a:schemeClr val="accent1"/>
+          </a:fillRef>
+          <a:effectRef idx="0">
+            <a:schemeClr val="accent1"/>
+          </a:effectRef>
+          <a:fontRef idx="minor">
+            <a:schemeClr val="lt1"/>
+          </a:fontRef>
+        </p:style>
+        <p:txBody>
+          <a:bodyPr rtlCol="0" anchor="t"/>
+          <a:lstStyle/>
+          <a:p>
+            <a:r>
+              <a:rPr lang="en-US" altLang="zh-CN" sz="1200" dirty="0" smtClean="0">
+                <a:solidFill>
+                  <a:schemeClr val="tx1">
+                    <a:lumMod val="95000"/>
+                    <a:lumOff val="5000"/>
+                  </a:schemeClr>
+                </a:solidFill>
+              </a:rPr>
+              <a:t>Data</a:t>
+            </a:r>
+          </a:p>
+          <a:p>
+            <a:r>
+              <a:rPr lang="en-US" altLang="zh-CN" sz="1200" dirty="0" smtClean="0">
+                <a:solidFill>
+                  <a:schemeClr val="tx1">
+                    <a:lumMod val="95000"/>
+                    <a:lumOff val="5000"/>
+                  </a:schemeClr>
+                </a:solidFill>
+              </a:rPr>
+              <a:t>Segment</a:t>
+            </a:r>
+            <a:br>
+              <a:rPr lang="en-US" altLang="zh-CN" sz="1200" dirty="0" smtClean="0">
+                <a:solidFill>
+                  <a:schemeClr val="tx1">
+                    <a:lumMod val="95000"/>
+                    <a:lumOff val="5000"/>
+                  </a:schemeClr>
+                </a:solidFill>
+              </a:rPr>
+            </a:br>
+            <a:r>
+              <a:rPr lang="en-US" altLang="zh-CN" sz="1000" dirty="0" smtClean="0">
+                <a:solidFill>
+                  <a:schemeClr val="accent6">
+                    <a:lumMod val="75000"/>
+                  </a:schemeClr>
+                </a:solidFill>
+              </a:rPr>
+              <a:t>S=1</a:t>
+            </a:r>
+            <a:endParaRPr lang="zh-CN" altLang="en-US" sz="1000" dirty="0">
+              <a:solidFill>
+                <a:schemeClr val="accent6">
+                  <a:lumMod val="75000"/>
+                </a:schemeClr>
+              </a:solidFill>
+            </a:endParaRPr>
+          </a:p>
+        </p:txBody>
+      </p:sp>
+      <p:sp>
+        <p:nvSpPr>
+          <p:cNvPr id="11" name="矩形 10"/>
+          <p:cNvSpPr/>
+          <p:nvPr/>
+        </p:nvSpPr>
+        <p:spPr>
+          <a:xfrm>
+            <a:off x="3056239" y="2215977"/>
+            <a:ext cx="848496" cy="595184"/>
+          </a:xfrm>
+          <a:prstGeom prst="rect">
+            <a:avLst/>
+          </a:prstGeom>
+          <a:noFill/>
+        </p:spPr>
+        <p:style>
+          <a:lnRef idx="2">
+            <a:schemeClr val="accent1">
+              <a:shade val="50000"/>
+            </a:schemeClr>
+          </a:lnRef>
+          <a:fillRef idx="1">
+            <a:schemeClr val="accent1"/>
+          </a:fillRef>
+          <a:effectRef idx="0">
+            <a:schemeClr val="accent1"/>
+          </a:effectRef>
+          <a:fontRef idx="minor">
+            <a:schemeClr val="lt1"/>
+          </a:fontRef>
+        </p:style>
+        <p:txBody>
+          <a:bodyPr rtlCol="0" anchor="t"/>
+          <a:lstStyle/>
+          <a:p>
+            <a:r>
+              <a:rPr lang="en-US" altLang="zh-CN" sz="1200" dirty="0" smtClean="0">
+                <a:solidFill>
+                  <a:schemeClr val="tx1">
+                    <a:lumMod val="95000"/>
+                    <a:lumOff val="5000"/>
+                  </a:schemeClr>
+                </a:solidFill>
+              </a:rPr>
+              <a:t>Stack</a:t>
+            </a:r>
+          </a:p>
+          <a:p>
+            <a:r>
+              <a:rPr lang="en-US" altLang="zh-CN" sz="1200" dirty="0" smtClean="0">
+                <a:solidFill>
+                  <a:schemeClr val="tx1">
+                    <a:lumMod val="95000"/>
+                    <a:lumOff val="5000"/>
+                  </a:schemeClr>
+                </a:solidFill>
+              </a:rPr>
+              <a:t>Segment</a:t>
+            </a:r>
+          </a:p>
+          <a:p>
+            <a:r>
+              <a:rPr lang="en-US" altLang="zh-CN" sz="1000" dirty="0" smtClean="0">
+                <a:solidFill>
+                  <a:schemeClr val="accent6">
+                    <a:lumMod val="75000"/>
+                  </a:schemeClr>
+                </a:solidFill>
+              </a:rPr>
+              <a:t>S=1</a:t>
+            </a:r>
+            <a:endParaRPr lang="zh-CN" altLang="en-US" sz="1000" dirty="0">
+              <a:solidFill>
+                <a:schemeClr val="accent6">
+                  <a:lumMod val="75000"/>
+                </a:schemeClr>
+              </a:solidFill>
+            </a:endParaRPr>
+          </a:p>
+        </p:txBody>
+      </p:sp>
+      <p:sp>
+        <p:nvSpPr>
+          <p:cNvPr id="12" name="矩形 11"/>
+          <p:cNvSpPr/>
+          <p:nvPr/>
+        </p:nvSpPr>
+        <p:spPr>
+          <a:xfrm>
+            <a:off x="3056239" y="2988274"/>
+            <a:ext cx="848496" cy="1235677"/>
+          </a:xfrm>
+          <a:prstGeom prst="rect">
+            <a:avLst/>
+          </a:prstGeom>
+          <a:noFill/>
+        </p:spPr>
+        <p:style>
+          <a:lnRef idx="2">
+            <a:schemeClr val="accent1">
+              <a:shade val="50000"/>
+            </a:schemeClr>
+          </a:lnRef>
+          <a:fillRef idx="1">
+            <a:schemeClr val="accent1"/>
+          </a:fillRef>
+          <a:effectRef idx="0">
+            <a:schemeClr val="accent1"/>
+          </a:effectRef>
+          <a:fontRef idx="minor">
+            <a:schemeClr val="lt1"/>
+          </a:fontRef>
+        </p:style>
+        <p:txBody>
+          <a:bodyPr rtlCol="0" anchor="t"/>
+          <a:lstStyle/>
+          <a:p>
+            <a:r>
+              <a:rPr lang="en-US" altLang="zh-CN" dirty="0" smtClean="0">
+                <a:solidFill>
+                  <a:schemeClr val="tx1">
+                    <a:lumMod val="95000"/>
+                    <a:lumOff val="5000"/>
+                  </a:schemeClr>
+                </a:solidFill>
+              </a:rPr>
+              <a:t>LDT</a:t>
+            </a:r>
+          </a:p>
+          <a:p>
+            <a:r>
+              <a:rPr lang="en-US" altLang="zh-CN" sz="1000" dirty="0" smtClean="0">
+                <a:solidFill>
+                  <a:schemeClr val="accent6">
+                    <a:lumMod val="75000"/>
+                  </a:schemeClr>
+                </a:solidFill>
+              </a:rPr>
+              <a:t>S=0</a:t>
+            </a:r>
+          </a:p>
+          <a:p>
+            <a:r>
+              <a:rPr lang="en-US" altLang="zh-CN" sz="1000" dirty="0" smtClean="0">
+                <a:solidFill>
+                  <a:schemeClr val="accent6">
+                    <a:lumMod val="75000"/>
+                  </a:schemeClr>
+                </a:solidFill>
+              </a:rPr>
+              <a:t>type=0010</a:t>
+            </a:r>
+            <a:endParaRPr lang="zh-CN" altLang="en-US" sz="1000" dirty="0">
+              <a:solidFill>
+                <a:schemeClr val="accent6">
+                  <a:lumMod val="75000"/>
+                </a:schemeClr>
+              </a:solidFill>
+            </a:endParaRPr>
+          </a:p>
+        </p:txBody>
+      </p:sp>
+      <p:sp>
+        <p:nvSpPr>
+          <p:cNvPr id="13" name="矩形 12"/>
+          <p:cNvSpPr/>
+          <p:nvPr/>
+        </p:nvSpPr>
+        <p:spPr>
+          <a:xfrm>
+            <a:off x="3056239" y="3826479"/>
+            <a:ext cx="848496" cy="160638"/>
+          </a:xfrm>
+          <a:prstGeom prst="rect">
+            <a:avLst/>
+          </a:prstGeom>
+          <a:ln>
+            <a:solidFill>
+              <a:schemeClr val="tx1">
+                <a:lumMod val="95000"/>
+                <a:lumOff val="5000"/>
+              </a:schemeClr>
+            </a:solidFill>
+          </a:ln>
+        </p:spPr>
+        <p:style>
+          <a:lnRef idx="2">
+            <a:schemeClr val="accent1">
+              <a:shade val="50000"/>
+            </a:schemeClr>
+          </a:lnRef>
+          <a:fillRef idx="1">
+            <a:schemeClr val="accent1"/>
+          </a:fillRef>
+          <a:effectRef idx="0">
+            <a:schemeClr val="accent1"/>
+          </a:effectRef>
+          <a:fontRef idx="minor">
+            <a:schemeClr val="lt1"/>
+          </a:fontRef>
+        </p:style>
+        <p:txBody>
+          <a:bodyPr rtlCol="0" anchor="ctr"/>
+          <a:lstStyle/>
+          <a:p>
+            <a:pPr algn="ctr"/>
+            <a:endParaRPr lang="zh-CN" altLang="en-US"/>
+          </a:p>
+        </p:txBody>
+      </p:sp>
+      <p:sp>
+        <p:nvSpPr>
+          <p:cNvPr id="14" name="矩形 13"/>
+          <p:cNvSpPr/>
+          <p:nvPr/>
+        </p:nvSpPr>
+        <p:spPr>
+          <a:xfrm>
+            <a:off x="3056239" y="3991234"/>
+            <a:ext cx="848496" cy="160638"/>
+          </a:xfrm>
+          <a:prstGeom prst="rect">
+            <a:avLst/>
+          </a:prstGeom>
+          <a:ln>
+            <a:solidFill>
+              <a:schemeClr val="tx1">
+                <a:lumMod val="95000"/>
+                <a:lumOff val="5000"/>
+              </a:schemeClr>
+            </a:solidFill>
+          </a:ln>
+        </p:spPr>
+        <p:style>
+          <a:lnRef idx="2">
+            <a:schemeClr val="accent1">
+              <a:shade val="50000"/>
+            </a:schemeClr>
+          </a:lnRef>
+          <a:fillRef idx="1">
+            <a:schemeClr val="accent1"/>
+          </a:fillRef>
+          <a:effectRef idx="0">
+            <a:schemeClr val="accent1"/>
+          </a:effectRef>
+          <a:fontRef idx="minor">
+            <a:schemeClr val="lt1"/>
+          </a:fontRef>
+        </p:style>
+        <p:txBody>
+          <a:bodyPr rtlCol="0" anchor="ctr"/>
+          <a:lstStyle/>
+          <a:p>
+            <a:pPr algn="ctr"/>
+            <a:endParaRPr lang="zh-CN" altLang="en-US"/>
+          </a:p>
+        </p:txBody>
+      </p:sp>
+      <p:sp>
+        <p:nvSpPr>
+          <p:cNvPr id="15" name="矩形 14"/>
+          <p:cNvSpPr/>
+          <p:nvPr/>
+        </p:nvSpPr>
+        <p:spPr>
+          <a:xfrm>
+            <a:off x="3056239" y="3674078"/>
+            <a:ext cx="848496" cy="160638"/>
+          </a:xfrm>
+          <a:prstGeom prst="rect">
+            <a:avLst/>
+          </a:prstGeom>
+          <a:ln>
+            <a:solidFill>
+              <a:schemeClr val="tx1">
+                <a:lumMod val="95000"/>
+                <a:lumOff val="5000"/>
+              </a:schemeClr>
+            </a:solidFill>
+          </a:ln>
+        </p:spPr>
+        <p:style>
+          <a:lnRef idx="2">
+            <a:schemeClr val="accent1">
+              <a:shade val="50000"/>
+            </a:schemeClr>
+          </a:lnRef>
+          <a:fillRef idx="1">
+            <a:schemeClr val="accent1"/>
+          </a:fillRef>
+          <a:effectRef idx="0">
+            <a:schemeClr val="accent1"/>
+          </a:effectRef>
+          <a:fontRef idx="minor">
+            <a:schemeClr val="lt1"/>
+          </a:fontRef>
+        </p:style>
+        <p:txBody>
+          <a:bodyPr rtlCol="0" anchor="ctr"/>
+          <a:lstStyle/>
+          <a:p>
+            <a:pPr algn="ctr"/>
+            <a:endParaRPr lang="zh-CN" altLang="en-US"/>
+          </a:p>
+        </p:txBody>
+      </p:sp>
+      <p:sp>
+        <p:nvSpPr>
+          <p:cNvPr id="16" name="矩形 15"/>
+          <p:cNvSpPr/>
+          <p:nvPr/>
+        </p:nvSpPr>
+        <p:spPr>
+          <a:xfrm>
+            <a:off x="3056239" y="4479324"/>
+            <a:ext cx="848496" cy="834082"/>
+          </a:xfrm>
+          <a:prstGeom prst="rect">
+            <a:avLst/>
+          </a:prstGeom>
+          <a:noFill/>
+        </p:spPr>
+        <p:style>
+          <a:lnRef idx="2">
+            <a:schemeClr val="accent1">
+              <a:shade val="50000"/>
+            </a:schemeClr>
+          </a:lnRef>
+          <a:fillRef idx="1">
+            <a:schemeClr val="accent1"/>
+          </a:fillRef>
+          <a:effectRef idx="0">
+            <a:schemeClr val="accent1"/>
+          </a:effectRef>
+          <a:fontRef idx="minor">
+            <a:schemeClr val="lt1"/>
+          </a:fontRef>
+        </p:style>
+        <p:txBody>
+          <a:bodyPr rtlCol="0" anchor="t"/>
+          <a:lstStyle/>
+          <a:p>
+            <a:r>
+              <a:rPr lang="en-US" altLang="zh-CN" dirty="0" smtClean="0">
+                <a:solidFill>
+                  <a:schemeClr val="tx1">
+                    <a:lumMod val="95000"/>
+                    <a:lumOff val="5000"/>
+                  </a:schemeClr>
+                </a:solidFill>
+              </a:rPr>
+              <a:t>TSS</a:t>
+            </a:r>
+          </a:p>
+          <a:p>
+            <a:r>
+              <a:rPr lang="en-US" altLang="zh-CN" sz="1000" dirty="0">
+                <a:solidFill>
+                  <a:schemeClr val="accent6">
+                    <a:lumMod val="75000"/>
+                  </a:schemeClr>
+                </a:solidFill>
+              </a:rPr>
+              <a:t>S=0</a:t>
+            </a:r>
+          </a:p>
+          <a:p>
+            <a:r>
+              <a:rPr lang="en-US" altLang="zh-CN" sz="1000" dirty="0" smtClean="0">
+                <a:solidFill>
+                  <a:schemeClr val="accent6">
+                    <a:lumMod val="75000"/>
+                  </a:schemeClr>
+                </a:solidFill>
+              </a:rPr>
+              <a:t>type=10</a:t>
+            </a:r>
+            <a:r>
+              <a:rPr lang="en-US" altLang="zh-CN" sz="1000" dirty="0" smtClean="0">
+                <a:solidFill>
+                  <a:srgbClr val="FF0000"/>
+                </a:solidFill>
+              </a:rPr>
+              <a:t>B</a:t>
+            </a:r>
+            <a:r>
+              <a:rPr lang="en-US" altLang="zh-CN" sz="1000" dirty="0" smtClean="0">
+                <a:solidFill>
+                  <a:schemeClr val="accent6">
+                    <a:lumMod val="75000"/>
+                  </a:schemeClr>
+                </a:solidFill>
+              </a:rPr>
+              <a:t>1</a:t>
+            </a:r>
+            <a:endParaRPr lang="zh-CN" altLang="en-US" sz="1000" dirty="0">
+              <a:solidFill>
+                <a:schemeClr val="accent6">
+                  <a:lumMod val="75000"/>
+                </a:schemeClr>
+              </a:solidFill>
+            </a:endParaRPr>
+          </a:p>
+          <a:p>
+            <a:endParaRPr lang="zh-CN" altLang="en-US" dirty="0">
+              <a:solidFill>
+                <a:schemeClr val="tx1">
+                  <a:lumMod val="95000"/>
+                  <a:lumOff val="5000"/>
+                </a:schemeClr>
+              </a:solidFill>
+            </a:endParaRPr>
+          </a:p>
+        </p:txBody>
+      </p:sp>
+      <p:sp>
+        <p:nvSpPr>
+          <p:cNvPr id="17" name="左大括号 16"/>
+          <p:cNvSpPr/>
+          <p:nvPr/>
+        </p:nvSpPr>
+        <p:spPr>
+          <a:xfrm>
+            <a:off x="2496064" y="805246"/>
+            <a:ext cx="362465" cy="5200137"/>
+          </a:xfrm>
+          <a:prstGeom prst="leftBrace">
+            <a:avLst/>
+          </a:prstGeom>
+        </p:spPr>
+        <p:style>
+          <a:lnRef idx="1">
+            <a:schemeClr val="accent1"/>
+          </a:lnRef>
+          <a:fillRef idx="0">
+            <a:schemeClr val="accent1"/>
+          </a:fillRef>
+          <a:effectRef idx="0">
+            <a:schemeClr val="accent1"/>
+          </a:effectRef>
+          <a:fontRef idx="minor">
+            <a:schemeClr val="tx1"/>
+          </a:fontRef>
+        </p:style>
+        <p:txBody>
+          <a:bodyPr rtlCol="0" anchor="ctr"/>
+          <a:lstStyle/>
+          <a:p>
+            <a:pPr algn="ctr"/>
+            <a:endParaRPr lang="zh-CN" altLang="en-US"/>
+          </a:p>
+        </p:txBody>
+      </p:sp>
+      <p:sp>
+        <p:nvSpPr>
+          <p:cNvPr id="21" name="左大括号 20"/>
+          <p:cNvSpPr/>
+          <p:nvPr/>
+        </p:nvSpPr>
+        <p:spPr>
+          <a:xfrm>
+            <a:off x="4102445" y="2663394"/>
+            <a:ext cx="345989" cy="1885433"/>
+          </a:xfrm>
+          <a:prstGeom prst="leftBrace">
+            <a:avLst/>
+          </a:prstGeom>
+        </p:spPr>
+        <p:style>
+          <a:lnRef idx="1">
+            <a:schemeClr val="accent1"/>
+          </a:lnRef>
+          <a:fillRef idx="0">
+            <a:schemeClr val="accent1"/>
+          </a:fillRef>
+          <a:effectRef idx="0">
+            <a:schemeClr val="accent1"/>
+          </a:effectRef>
+          <a:fontRef idx="minor">
+            <a:schemeClr val="tx1"/>
+          </a:fontRef>
+        </p:style>
+        <p:txBody>
+          <a:bodyPr rtlCol="0" anchor="ctr"/>
+          <a:lstStyle/>
+          <a:p>
+            <a:pPr algn="ctr"/>
+            <a:endParaRPr lang="zh-CN" altLang="en-US"/>
+          </a:p>
+        </p:txBody>
+      </p:sp>
+      <p:sp>
+        <p:nvSpPr>
+          <p:cNvPr id="22" name="矩形 21"/>
+          <p:cNvSpPr/>
+          <p:nvPr/>
+        </p:nvSpPr>
+        <p:spPr>
+          <a:xfrm>
+            <a:off x="3056239" y="5568779"/>
+            <a:ext cx="848496" cy="834082"/>
+          </a:xfrm>
+          <a:prstGeom prst="rect">
+            <a:avLst/>
+          </a:prstGeom>
+          <a:noFill/>
+        </p:spPr>
+        <p:style>
+          <a:lnRef idx="2">
+            <a:schemeClr val="accent1">
+              <a:shade val="50000"/>
+            </a:schemeClr>
+          </a:lnRef>
+          <a:fillRef idx="1">
+            <a:schemeClr val="accent1"/>
+          </a:fillRef>
+          <a:effectRef idx="0">
+            <a:schemeClr val="accent1"/>
+          </a:effectRef>
+          <a:fontRef idx="minor">
+            <a:schemeClr val="lt1"/>
+          </a:fontRef>
+        </p:style>
+        <p:txBody>
+          <a:bodyPr rtlCol="0" anchor="t"/>
+          <a:lstStyle/>
+          <a:p>
+            <a:r>
+              <a:rPr lang="en-US" altLang="zh-CN" sz="1400" dirty="0" smtClean="0">
+                <a:solidFill>
+                  <a:schemeClr val="tx1">
+                    <a:lumMod val="95000"/>
+                    <a:lumOff val="5000"/>
+                  </a:schemeClr>
+                </a:solidFill>
+              </a:rPr>
+              <a:t>Call-Gate</a:t>
+            </a:r>
+          </a:p>
+          <a:p>
+            <a:r>
+              <a:rPr lang="en-US" altLang="zh-CN" sz="1000" dirty="0">
+                <a:solidFill>
+                  <a:schemeClr val="accent6">
+                    <a:lumMod val="75000"/>
+                  </a:schemeClr>
+                </a:solidFill>
+              </a:rPr>
+              <a:t>S=0</a:t>
+            </a:r>
+          </a:p>
+          <a:p>
+            <a:r>
+              <a:rPr lang="en-US" altLang="zh-CN" sz="1000" dirty="0" smtClean="0">
+                <a:solidFill>
+                  <a:schemeClr val="accent6">
+                    <a:lumMod val="75000"/>
+                  </a:schemeClr>
+                </a:solidFill>
+              </a:rPr>
+              <a:t>type=1100</a:t>
+            </a:r>
+            <a:endParaRPr lang="zh-CN" altLang="en-US" sz="1000" dirty="0">
+              <a:solidFill>
+                <a:schemeClr val="accent6">
+                  <a:lumMod val="75000"/>
+                </a:schemeClr>
+              </a:solidFill>
+            </a:endParaRPr>
+          </a:p>
+        </p:txBody>
+      </p:sp>
+      <p:sp>
+        <p:nvSpPr>
+          <p:cNvPr id="23" name="文本框 22"/>
+          <p:cNvSpPr txBox="1"/>
+          <p:nvPr/>
+        </p:nvSpPr>
+        <p:spPr>
+          <a:xfrm>
+            <a:off x="387177" y="3937337"/>
+            <a:ext cx="1729946" cy="646331"/>
+          </a:xfrm>
+          <a:prstGeom prst="rect">
+            <a:avLst/>
+          </a:prstGeom>
+          <a:noFill/>
+        </p:spPr>
+        <p:txBody>
+          <a:bodyPr wrap="square" rtlCol="0">
+            <a:spAutoFit/>
+          </a:bodyPr>
+          <a:lstStyle/>
+          <a:p>
+            <a:r>
+              <a:rPr lang="zh-CN" altLang="en-US" sz="1200" dirty="0" smtClean="0">
+                <a:solidFill>
+                  <a:srgbClr val="FF0000"/>
+                </a:solidFill>
+              </a:rPr>
+              <a:t>说明：</a:t>
+            </a:r>
+            <a:r>
+              <a:rPr lang="en-US" altLang="zh-CN" sz="1200" dirty="0" smtClean="0">
+                <a:solidFill>
+                  <a:srgbClr val="FF0000"/>
+                </a:solidFill>
+              </a:rPr>
+              <a:t>GDTR</a:t>
+            </a:r>
+            <a:r>
+              <a:rPr lang="zh-CN" altLang="en-US" sz="1200" dirty="0" smtClean="0">
+                <a:solidFill>
+                  <a:srgbClr val="FF0000"/>
+                </a:solidFill>
+              </a:rPr>
+              <a:t>存储</a:t>
+            </a:r>
+            <a:r>
+              <a:rPr lang="en-US" altLang="zh-CN" sz="1200" dirty="0" smtClean="0">
+                <a:solidFill>
+                  <a:srgbClr val="FF0000"/>
+                </a:solidFill>
+              </a:rPr>
+              <a:t>GDT</a:t>
+            </a:r>
+            <a:r>
+              <a:rPr lang="zh-CN" altLang="en-US" sz="1200" dirty="0" smtClean="0">
+                <a:solidFill>
+                  <a:srgbClr val="FF0000"/>
+                </a:solidFill>
+              </a:rPr>
+              <a:t>的位置，</a:t>
+            </a:r>
+            <a:r>
+              <a:rPr lang="en-US" altLang="zh-CN" sz="1200" dirty="0" smtClean="0">
+                <a:solidFill>
+                  <a:srgbClr val="FF0000"/>
+                </a:solidFill>
+              </a:rPr>
+              <a:t>GDTR</a:t>
+            </a:r>
+            <a:r>
+              <a:rPr lang="zh-CN" altLang="en-US" sz="1200" dirty="0" smtClean="0">
+                <a:solidFill>
+                  <a:srgbClr val="FF0000"/>
+                </a:solidFill>
+              </a:rPr>
+              <a:t>并不是段描述符</a:t>
+            </a:r>
+            <a:endParaRPr lang="zh-CN" altLang="en-US" sz="1200" dirty="0">
+              <a:solidFill>
+                <a:srgbClr val="FF0000"/>
+              </a:solidFill>
+            </a:endParaRPr>
+          </a:p>
+        </p:txBody>
+      </p:sp>
+      <p:sp>
+        <p:nvSpPr>
+          <p:cNvPr id="24" name="矩形 23"/>
+          <p:cNvSpPr/>
+          <p:nvPr/>
+        </p:nvSpPr>
+        <p:spPr>
+          <a:xfrm>
+            <a:off x="4637906" y="2471350"/>
+            <a:ext cx="848496" cy="609602"/>
+          </a:xfrm>
+          <a:prstGeom prst="rect">
+            <a:avLst/>
+          </a:prstGeom>
+          <a:noFill/>
+        </p:spPr>
+        <p:style>
+          <a:lnRef idx="2">
+            <a:schemeClr val="accent1">
+              <a:shade val="50000"/>
+            </a:schemeClr>
+          </a:lnRef>
+          <a:fillRef idx="1">
+            <a:schemeClr val="accent1"/>
+          </a:fillRef>
+          <a:effectRef idx="0">
+            <a:schemeClr val="accent1"/>
+          </a:effectRef>
+          <a:fontRef idx="minor">
+            <a:schemeClr val="lt1"/>
+          </a:fontRef>
+        </p:style>
+        <p:txBody>
+          <a:bodyPr rtlCol="0" anchor="t"/>
+          <a:lstStyle/>
+          <a:p>
+            <a:r>
+              <a:rPr lang="en-US" altLang="zh-CN" sz="1200" dirty="0" smtClean="0">
+                <a:solidFill>
+                  <a:schemeClr val="tx1">
+                    <a:lumMod val="95000"/>
+                    <a:lumOff val="5000"/>
+                  </a:schemeClr>
+                </a:solidFill>
+              </a:rPr>
+              <a:t>Code</a:t>
+            </a:r>
+          </a:p>
+          <a:p>
+            <a:r>
+              <a:rPr lang="en-US" altLang="zh-CN" sz="1200" dirty="0" smtClean="0">
+                <a:solidFill>
+                  <a:schemeClr val="tx1">
+                    <a:lumMod val="95000"/>
+                    <a:lumOff val="5000"/>
+                  </a:schemeClr>
+                </a:solidFill>
+              </a:rPr>
+              <a:t>Segment</a:t>
+            </a:r>
+          </a:p>
+          <a:p>
+            <a:r>
+              <a:rPr lang="en-US" altLang="zh-CN" sz="1000" dirty="0" smtClean="0">
+                <a:solidFill>
+                  <a:schemeClr val="accent6">
+                    <a:lumMod val="75000"/>
+                  </a:schemeClr>
+                </a:solidFill>
+              </a:rPr>
+              <a:t>S=1</a:t>
+            </a:r>
+            <a:endParaRPr lang="zh-CN" altLang="en-US" sz="1000" dirty="0">
+              <a:solidFill>
+                <a:schemeClr val="accent6">
+                  <a:lumMod val="75000"/>
+                </a:schemeClr>
+              </a:solidFill>
+            </a:endParaRPr>
+          </a:p>
+        </p:txBody>
+      </p:sp>
+      <p:sp>
+        <p:nvSpPr>
+          <p:cNvPr id="25" name="矩形 24"/>
+          <p:cNvSpPr/>
+          <p:nvPr/>
+        </p:nvSpPr>
+        <p:spPr>
+          <a:xfrm>
+            <a:off x="4637906" y="3264243"/>
+            <a:ext cx="848496" cy="652849"/>
+          </a:xfrm>
+          <a:prstGeom prst="rect">
+            <a:avLst/>
+          </a:prstGeom>
+          <a:noFill/>
+        </p:spPr>
+        <p:style>
+          <a:lnRef idx="2">
+            <a:schemeClr val="accent1">
+              <a:shade val="50000"/>
+            </a:schemeClr>
+          </a:lnRef>
+          <a:fillRef idx="1">
+            <a:schemeClr val="accent1"/>
+          </a:fillRef>
+          <a:effectRef idx="0">
+            <a:schemeClr val="accent1"/>
+          </a:effectRef>
+          <a:fontRef idx="minor">
+            <a:schemeClr val="lt1"/>
+          </a:fontRef>
+        </p:style>
+        <p:txBody>
+          <a:bodyPr rtlCol="0" anchor="t"/>
+          <a:lstStyle/>
+          <a:p>
+            <a:r>
+              <a:rPr lang="en-US" altLang="zh-CN" sz="1200" dirty="0" smtClean="0">
+                <a:solidFill>
+                  <a:schemeClr val="tx1">
+                    <a:lumMod val="95000"/>
+                    <a:lumOff val="5000"/>
+                  </a:schemeClr>
+                </a:solidFill>
+              </a:rPr>
+              <a:t>Data</a:t>
+            </a:r>
+          </a:p>
+          <a:p>
+            <a:r>
+              <a:rPr lang="en-US" altLang="zh-CN" sz="1200" dirty="0" smtClean="0">
+                <a:solidFill>
+                  <a:schemeClr val="tx1">
+                    <a:lumMod val="95000"/>
+                    <a:lumOff val="5000"/>
+                  </a:schemeClr>
+                </a:solidFill>
+              </a:rPr>
+              <a:t>Segment</a:t>
+            </a:r>
+            <a:br>
+              <a:rPr lang="en-US" altLang="zh-CN" sz="1200" dirty="0" smtClean="0">
+                <a:solidFill>
+                  <a:schemeClr val="tx1">
+                    <a:lumMod val="95000"/>
+                    <a:lumOff val="5000"/>
+                  </a:schemeClr>
+                </a:solidFill>
+              </a:rPr>
+            </a:br>
+            <a:r>
+              <a:rPr lang="en-US" altLang="zh-CN" sz="1000" dirty="0" smtClean="0">
+                <a:solidFill>
+                  <a:schemeClr val="accent6">
+                    <a:lumMod val="75000"/>
+                  </a:schemeClr>
+                </a:solidFill>
+              </a:rPr>
+              <a:t>S=1</a:t>
+            </a:r>
+            <a:endParaRPr lang="zh-CN" altLang="en-US" sz="1000" dirty="0">
+              <a:solidFill>
+                <a:schemeClr val="accent6">
+                  <a:lumMod val="75000"/>
+                </a:schemeClr>
+              </a:solidFill>
+            </a:endParaRPr>
+          </a:p>
+        </p:txBody>
+      </p:sp>
+      <p:sp>
+        <p:nvSpPr>
+          <p:cNvPr id="26" name="矩形 25"/>
+          <p:cNvSpPr/>
+          <p:nvPr/>
+        </p:nvSpPr>
+        <p:spPr>
+          <a:xfrm>
+            <a:off x="4637906" y="4085966"/>
+            <a:ext cx="848496" cy="595184"/>
+          </a:xfrm>
+          <a:prstGeom prst="rect">
+            <a:avLst/>
+          </a:prstGeom>
+          <a:noFill/>
+        </p:spPr>
+        <p:style>
+          <a:lnRef idx="2">
+            <a:schemeClr val="accent1">
+              <a:shade val="50000"/>
+            </a:schemeClr>
+          </a:lnRef>
+          <a:fillRef idx="1">
+            <a:schemeClr val="accent1"/>
+          </a:fillRef>
+          <a:effectRef idx="0">
+            <a:schemeClr val="accent1"/>
+          </a:effectRef>
+          <a:fontRef idx="minor">
+            <a:schemeClr val="lt1"/>
+          </a:fontRef>
+        </p:style>
+        <p:txBody>
+          <a:bodyPr rtlCol="0" anchor="t"/>
+          <a:lstStyle/>
+          <a:p>
+            <a:r>
+              <a:rPr lang="en-US" altLang="zh-CN" sz="1200" dirty="0" smtClean="0">
+                <a:solidFill>
+                  <a:schemeClr val="tx1">
+                    <a:lumMod val="95000"/>
+                    <a:lumOff val="5000"/>
+                  </a:schemeClr>
+                </a:solidFill>
+              </a:rPr>
+              <a:t>Stack</a:t>
+            </a:r>
+          </a:p>
+          <a:p>
+            <a:r>
+              <a:rPr lang="en-US" altLang="zh-CN" sz="1200" dirty="0" smtClean="0">
+                <a:solidFill>
+                  <a:schemeClr val="tx1">
+                    <a:lumMod val="95000"/>
+                    <a:lumOff val="5000"/>
+                  </a:schemeClr>
+                </a:solidFill>
+              </a:rPr>
+              <a:t>Segment</a:t>
+            </a:r>
+          </a:p>
+          <a:p>
+            <a:r>
+              <a:rPr lang="en-US" altLang="zh-CN" sz="1000" dirty="0" smtClean="0">
+                <a:solidFill>
+                  <a:schemeClr val="accent6">
+                    <a:lumMod val="75000"/>
+                  </a:schemeClr>
+                </a:solidFill>
+              </a:rPr>
+              <a:t>S=1</a:t>
+            </a:r>
+            <a:endParaRPr lang="zh-CN" altLang="en-US" sz="1000" dirty="0">
+              <a:solidFill>
+                <a:schemeClr val="accent6">
+                  <a:lumMod val="75000"/>
+                </a:schemeClr>
+              </a:solidFill>
+            </a:endParaRPr>
+          </a:p>
+        </p:txBody>
+      </p:sp>
+      <p:cxnSp>
+        <p:nvCxnSpPr>
+          <p:cNvPr id="28" name="肘形连接符 27"/>
+          <p:cNvCxnSpPr/>
+          <p:nvPr/>
+        </p:nvCxnSpPr>
+        <p:spPr>
+          <a:xfrm>
+            <a:off x="3599935" y="5074508"/>
+            <a:ext cx="1145058" cy="160123"/>
+          </a:xfrm>
+          <a:prstGeom prst="bentConnector3">
+            <a:avLst>
+              <a:gd name="adj1" fmla="val -360"/>
+            </a:avLst>
+          </a:prstGeom>
+          <a:ln>
+            <a:solidFill>
+              <a:srgbClr val="FF0000"/>
+            </a:solidFill>
+            <a:tailEnd type="triangle"/>
+          </a:ln>
+        </p:spPr>
+        <p:style>
+          <a:lnRef idx="1">
+            <a:schemeClr val="accent1"/>
+          </a:lnRef>
+          <a:fillRef idx="0">
+            <a:schemeClr val="accent1"/>
+          </a:fillRef>
+          <a:effectRef idx="0">
+            <a:schemeClr val="accent1"/>
+          </a:effectRef>
+          <a:fontRef idx="minor">
+            <a:schemeClr val="tx1"/>
+          </a:fontRef>
+        </p:style>
+      </p:cxnSp>
+      <p:sp>
+        <p:nvSpPr>
+          <p:cNvPr id="31" name="文本框 30"/>
+          <p:cNvSpPr txBox="1"/>
+          <p:nvPr/>
+        </p:nvSpPr>
+        <p:spPr>
+          <a:xfrm>
+            <a:off x="4744993" y="5054253"/>
+            <a:ext cx="1070921" cy="400110"/>
+          </a:xfrm>
+          <a:prstGeom prst="rect">
+            <a:avLst/>
+          </a:prstGeom>
+          <a:noFill/>
+        </p:spPr>
+        <p:txBody>
+          <a:bodyPr wrap="square" rtlCol="0">
+            <a:spAutoFit/>
+          </a:bodyPr>
+          <a:lstStyle/>
+          <a:p>
+            <a:r>
+              <a:rPr lang="en-US" altLang="zh-CN" sz="1000" dirty="0" smtClean="0">
+                <a:solidFill>
+                  <a:srgbClr val="FF0000"/>
+                </a:solidFill>
+              </a:rPr>
+              <a:t>B=0</a:t>
+            </a:r>
+            <a:r>
+              <a:rPr lang="zh-CN" altLang="en-US" sz="1000" dirty="0" smtClean="0">
+                <a:solidFill>
+                  <a:srgbClr val="FF0000"/>
+                </a:solidFill>
+              </a:rPr>
+              <a:t>：任务不忙</a:t>
+            </a:r>
+            <a:endParaRPr lang="en-US" altLang="zh-CN" sz="1000" dirty="0" smtClean="0">
+              <a:solidFill>
+                <a:srgbClr val="FF0000"/>
+              </a:solidFill>
+            </a:endParaRPr>
+          </a:p>
+          <a:p>
+            <a:r>
+              <a:rPr lang="en-US" altLang="zh-CN" sz="1000" dirty="0" smtClean="0">
+                <a:solidFill>
+                  <a:srgbClr val="FF0000"/>
+                </a:solidFill>
+              </a:rPr>
+              <a:t>B=1</a:t>
+            </a:r>
+            <a:r>
+              <a:rPr lang="zh-CN" altLang="en-US" sz="1000" dirty="0" smtClean="0">
+                <a:solidFill>
+                  <a:srgbClr val="FF0000"/>
+                </a:solidFill>
+              </a:rPr>
+              <a:t>：任务忙</a:t>
+            </a:r>
+            <a:endParaRPr lang="zh-CN" altLang="en-US" sz="1000" dirty="0">
+              <a:solidFill>
+                <a:srgbClr val="FF0000"/>
+              </a:solidFill>
+            </a:endParaRPr>
+          </a:p>
+        </p:txBody>
+      </p:sp>
+      <p:sp>
+        <p:nvSpPr>
+          <p:cNvPr id="32" name="矩形 31"/>
+          <p:cNvSpPr/>
+          <p:nvPr/>
+        </p:nvSpPr>
+        <p:spPr>
+          <a:xfrm>
+            <a:off x="2920314" y="163945"/>
+            <a:ext cx="3056239" cy="6390063"/>
+          </a:xfrm>
+          <a:prstGeom prst="rect">
+            <a:avLst/>
+          </a:prstGeom>
+          <a:noFill/>
+          <a:ln w="3175">
+            <a:solidFill>
+              <a:srgbClr val="746A6C"/>
+            </a:solidFill>
+            <a:prstDash val="dash"/>
+          </a:ln>
+        </p:spPr>
+        <p:style>
+          <a:lnRef idx="2">
+            <a:schemeClr val="accent1">
+              <a:shade val="50000"/>
+            </a:schemeClr>
+          </a:lnRef>
+          <a:fillRef idx="1">
+            <a:schemeClr val="accent1"/>
+          </a:fillRef>
+          <a:effectRef idx="0">
+            <a:schemeClr val="accent1"/>
+          </a:effectRef>
+          <a:fontRef idx="minor">
+            <a:schemeClr val="lt1"/>
+          </a:fontRef>
+        </p:style>
+        <p:txBody>
+          <a:bodyPr rtlCol="0" anchor="t"/>
+          <a:lstStyle/>
+          <a:p>
+            <a:r>
+              <a:rPr lang="en-US" altLang="zh-CN" dirty="0" smtClean="0">
+                <a:solidFill>
+                  <a:schemeClr val="bg1">
+                    <a:lumMod val="65000"/>
+                  </a:schemeClr>
+                </a:solidFill>
+              </a:rPr>
+              <a:t>GDT</a:t>
+            </a:r>
+            <a:r>
+              <a:rPr lang="zh-CN" altLang="en-US" dirty="0" smtClean="0">
+                <a:solidFill>
+                  <a:schemeClr val="bg1">
+                    <a:lumMod val="65000"/>
+                  </a:schemeClr>
+                </a:solidFill>
+              </a:rPr>
+              <a:t>中的各种段描述符</a:t>
+            </a:r>
+            <a:endParaRPr lang="zh-CN" altLang="en-US" dirty="0">
+              <a:solidFill>
+                <a:schemeClr val="bg1">
+                  <a:lumMod val="65000"/>
+                </a:schemeClr>
+              </a:solidFill>
+            </a:endParaRPr>
+          </a:p>
+        </p:txBody>
+      </p:sp>
+      <p:pic>
+        <p:nvPicPr>
+          <p:cNvPr id="34" name="图片 33"/>
+          <p:cNvPicPr>
+            <a:picLocks noChangeAspect="1"/>
+          </p:cNvPicPr>
+          <p:nvPr/>
+        </p:nvPicPr>
+        <p:blipFill>
+          <a:blip r:embed="rId2"/>
+          <a:stretch>
+            <a:fillRect/>
+          </a:stretch>
+        </p:blipFill>
+        <p:spPr>
+          <a:xfrm>
+            <a:off x="6537098" y="4605227"/>
+            <a:ext cx="5474862" cy="1745608"/>
+          </a:xfrm>
+          <a:prstGeom prst="rect">
+            <a:avLst/>
+          </a:prstGeom>
+        </p:spPr>
+      </p:pic>
+      <p:pic>
+        <p:nvPicPr>
+          <p:cNvPr id="35" name="图片 34"/>
+          <p:cNvPicPr>
+            <a:picLocks noChangeAspect="1"/>
+          </p:cNvPicPr>
+          <p:nvPr/>
+        </p:nvPicPr>
+        <p:blipFill>
+          <a:blip r:embed="rId3"/>
+          <a:stretch>
+            <a:fillRect/>
+          </a:stretch>
+        </p:blipFill>
+        <p:spPr>
+          <a:xfrm>
+            <a:off x="6598961" y="2331607"/>
+            <a:ext cx="5396150" cy="1541757"/>
+          </a:xfrm>
+          <a:prstGeom prst="rect">
+            <a:avLst/>
+          </a:prstGeom>
+        </p:spPr>
+      </p:pic>
+      <p:pic>
+        <p:nvPicPr>
+          <p:cNvPr id="36" name="图片 35"/>
+          <p:cNvPicPr>
+            <a:picLocks noChangeAspect="1"/>
+          </p:cNvPicPr>
+          <p:nvPr/>
+        </p:nvPicPr>
+        <p:blipFill>
+          <a:blip r:embed="rId4"/>
+          <a:stretch>
+            <a:fillRect/>
+          </a:stretch>
+        </p:blipFill>
+        <p:spPr>
+          <a:xfrm>
+            <a:off x="6462867" y="136252"/>
+            <a:ext cx="5589626" cy="1776247"/>
+          </a:xfrm>
+          <a:prstGeom prst="rect">
+            <a:avLst/>
+          </a:prstGeom>
+        </p:spPr>
+      </p:pic>
+      <p:sp>
+        <p:nvSpPr>
+          <p:cNvPr id="37" name="文本框 36"/>
+          <p:cNvSpPr txBox="1"/>
+          <p:nvPr/>
+        </p:nvSpPr>
+        <p:spPr>
+          <a:xfrm>
+            <a:off x="8975138" y="3839745"/>
+            <a:ext cx="1070921" cy="246221"/>
+          </a:xfrm>
+          <a:prstGeom prst="rect">
+            <a:avLst/>
+          </a:prstGeom>
+          <a:noFill/>
+        </p:spPr>
+        <p:txBody>
+          <a:bodyPr wrap="square" rtlCol="0">
+            <a:spAutoFit/>
+          </a:bodyPr>
+          <a:lstStyle/>
+          <a:p>
+            <a:r>
+              <a:rPr lang="en-US" altLang="zh-CN" sz="1000" dirty="0" smtClean="0">
+                <a:solidFill>
+                  <a:schemeClr val="tx1">
+                    <a:lumMod val="95000"/>
+                    <a:lumOff val="5000"/>
+                  </a:schemeClr>
+                </a:solidFill>
+              </a:rPr>
+              <a:t>Call-Gate</a:t>
+            </a:r>
+            <a:endParaRPr lang="zh-CN" altLang="en-US" sz="1000" dirty="0">
+              <a:solidFill>
+                <a:schemeClr val="tx1">
+                  <a:lumMod val="95000"/>
+                  <a:lumOff val="5000"/>
+                </a:schemeClr>
+              </a:solidFill>
+            </a:endParaRPr>
+          </a:p>
+        </p:txBody>
+      </p:sp>
+    </p:spTree>
+    <p:extLst>
+      <p:ext uri="{BB962C8B-B14F-4D97-AF65-F5344CB8AC3E}">
+        <p14:creationId xmlns:p14="http://schemas.microsoft.com/office/powerpoint/2010/main" val="1234182477"/>
+      </p:ext>
+    </p:extLst>
+  </p:cSld>
+  <p:clrMapOvr>
+    <a:masterClrMapping/>
+  </p:clrMapOvr>
+</p:sld>
+</file>
+
+<file path=ppt/slides/slide23.xml><?xml version="1.0" encoding="utf-8"?>
+<p:sld xmlns:a="http://schemas.openxmlformats.org/drawingml/2006/main" xmlns:r="http://schemas.openxmlformats.org/officeDocument/2006/relationships" xmlns:p="http://schemas.openxmlformats.org/presentationml/2006/main">
+  <p:cSld>
+    <p:spTree>
+      <p:nvGrpSpPr>
+        <p:cNvPr id="1" name=""/>
+        <p:cNvGrpSpPr/>
+        <p:nvPr/>
+      </p:nvGrpSpPr>
+      <p:grpSpPr>
+        <a:xfrm>
+          <a:off x="0" y="0"/>
+          <a:ext cx="0" cy="0"/>
+          <a:chOff x="0" y="0"/>
+          <a:chExt cx="0" cy="0"/>
+        </a:xfrm>
+      </p:grpSpPr>
+      <p:pic>
+        <p:nvPicPr>
+          <p:cNvPr id="4" name="图片 3"/>
+          <p:cNvPicPr>
+            <a:picLocks noChangeAspect="1"/>
+          </p:cNvPicPr>
+          <p:nvPr/>
+        </p:nvPicPr>
+        <p:blipFill>
+          <a:blip r:embed="rId2"/>
+          <a:stretch>
+            <a:fillRect/>
+          </a:stretch>
+        </p:blipFill>
+        <p:spPr>
+          <a:xfrm>
+            <a:off x="-31799" y="224385"/>
+            <a:ext cx="3058978" cy="3744500"/>
+          </a:xfrm>
+          <a:prstGeom prst="rect">
+            <a:avLst/>
+          </a:prstGeom>
+        </p:spPr>
+      </p:pic>
+      <p:pic>
+        <p:nvPicPr>
+          <p:cNvPr id="5" name="图片 4"/>
+          <p:cNvPicPr>
+            <a:picLocks noChangeAspect="1"/>
+          </p:cNvPicPr>
+          <p:nvPr/>
+        </p:nvPicPr>
+        <p:blipFill>
+          <a:blip r:embed="rId2"/>
+          <a:stretch>
+            <a:fillRect/>
+          </a:stretch>
+        </p:blipFill>
+        <p:spPr>
+          <a:xfrm>
+            <a:off x="4017524" y="224385"/>
+            <a:ext cx="3058978" cy="3744500"/>
+          </a:xfrm>
+          <a:prstGeom prst="rect">
+            <a:avLst/>
+          </a:prstGeom>
+        </p:spPr>
+      </p:pic>
+      <p:pic>
+        <p:nvPicPr>
+          <p:cNvPr id="6" name="图片 5"/>
+          <p:cNvPicPr>
+            <a:picLocks noChangeAspect="1"/>
+          </p:cNvPicPr>
+          <p:nvPr/>
+        </p:nvPicPr>
+        <p:blipFill>
+          <a:blip r:embed="rId2"/>
+          <a:stretch>
+            <a:fillRect/>
+          </a:stretch>
+        </p:blipFill>
+        <p:spPr>
+          <a:xfrm>
+            <a:off x="8521430" y="224385"/>
+            <a:ext cx="3058978" cy="3744500"/>
+          </a:xfrm>
+          <a:prstGeom prst="rect">
+            <a:avLst/>
+          </a:prstGeom>
+        </p:spPr>
+      </p:pic>
+      <p:cxnSp>
+        <p:nvCxnSpPr>
+          <p:cNvPr id="21" name="直接连接符 20"/>
+          <p:cNvCxnSpPr/>
+          <p:nvPr/>
+        </p:nvCxnSpPr>
+        <p:spPr>
+          <a:xfrm>
+            <a:off x="10561623" y="3871609"/>
+            <a:ext cx="0" cy="680936"/>
+          </a:xfrm>
+          <a:prstGeom prst="line">
+            <a:avLst/>
+          </a:prstGeom>
+        </p:spPr>
+        <p:style>
+          <a:lnRef idx="1">
+            <a:schemeClr val="accent1"/>
+          </a:lnRef>
+          <a:fillRef idx="0">
+            <a:schemeClr val="accent1"/>
+          </a:fillRef>
+          <a:effectRef idx="0">
+            <a:schemeClr val="accent1"/>
+          </a:effectRef>
+          <a:fontRef idx="minor">
+            <a:schemeClr val="tx1"/>
+          </a:fontRef>
+        </p:style>
+      </p:cxnSp>
+      <p:cxnSp>
+        <p:nvCxnSpPr>
+          <p:cNvPr id="22" name="直接连接符 21"/>
+          <p:cNvCxnSpPr/>
+          <p:nvPr/>
+        </p:nvCxnSpPr>
+        <p:spPr>
+          <a:xfrm flipH="1">
+            <a:off x="7889132" y="4552545"/>
+            <a:ext cx="2672491" cy="0"/>
+          </a:xfrm>
+          <a:prstGeom prst="line">
+            <a:avLst/>
+          </a:prstGeom>
+        </p:spPr>
+        <p:style>
+          <a:lnRef idx="1">
+            <a:schemeClr val="accent1"/>
+          </a:lnRef>
+          <a:fillRef idx="0">
+            <a:schemeClr val="accent1"/>
+          </a:fillRef>
+          <a:effectRef idx="0">
+            <a:schemeClr val="accent1"/>
+          </a:effectRef>
+          <a:fontRef idx="minor">
+            <a:schemeClr val="tx1"/>
+          </a:fontRef>
+        </p:style>
+      </p:cxnSp>
+      <p:cxnSp>
+        <p:nvCxnSpPr>
+          <p:cNvPr id="23" name="直接连接符 22"/>
+          <p:cNvCxnSpPr/>
+          <p:nvPr/>
+        </p:nvCxnSpPr>
+        <p:spPr>
+          <a:xfrm flipH="1" flipV="1">
+            <a:off x="6784673" y="3453319"/>
+            <a:ext cx="1104458" cy="1099226"/>
+          </a:xfrm>
+          <a:prstGeom prst="line">
+            <a:avLst/>
+          </a:prstGeom>
+          <a:ln>
+            <a:tailEnd type="triangle"/>
+          </a:ln>
+        </p:spPr>
+        <p:style>
+          <a:lnRef idx="1">
+            <a:schemeClr val="accent1"/>
+          </a:lnRef>
+          <a:fillRef idx="0">
+            <a:schemeClr val="accent1"/>
+          </a:fillRef>
+          <a:effectRef idx="0">
+            <a:schemeClr val="accent1"/>
+          </a:effectRef>
+          <a:fontRef idx="minor">
+            <a:schemeClr val="tx1"/>
+          </a:fontRef>
+        </p:style>
+      </p:cxnSp>
+      <p:cxnSp>
+        <p:nvCxnSpPr>
+          <p:cNvPr id="26" name="直接连接符 25"/>
+          <p:cNvCxnSpPr/>
+          <p:nvPr/>
+        </p:nvCxnSpPr>
+        <p:spPr>
+          <a:xfrm>
+            <a:off x="6057716" y="3871609"/>
+            <a:ext cx="0" cy="680936"/>
+          </a:xfrm>
+          <a:prstGeom prst="line">
+            <a:avLst/>
+          </a:prstGeom>
+        </p:spPr>
+        <p:style>
+          <a:lnRef idx="1">
+            <a:schemeClr val="accent1"/>
+          </a:lnRef>
+          <a:fillRef idx="0">
+            <a:schemeClr val="accent1"/>
+          </a:fillRef>
+          <a:effectRef idx="0">
+            <a:schemeClr val="accent1"/>
+          </a:effectRef>
+          <a:fontRef idx="minor">
+            <a:schemeClr val="tx1"/>
+          </a:fontRef>
+        </p:style>
+      </p:cxnSp>
+      <p:cxnSp>
+        <p:nvCxnSpPr>
+          <p:cNvPr id="27" name="直接连接符 26"/>
+          <p:cNvCxnSpPr/>
+          <p:nvPr/>
+        </p:nvCxnSpPr>
+        <p:spPr>
+          <a:xfrm flipH="1">
+            <a:off x="3385225" y="4552545"/>
+            <a:ext cx="2672491" cy="0"/>
+          </a:xfrm>
+          <a:prstGeom prst="line">
+            <a:avLst/>
+          </a:prstGeom>
+        </p:spPr>
+        <p:style>
+          <a:lnRef idx="1">
+            <a:schemeClr val="accent1"/>
+          </a:lnRef>
+          <a:fillRef idx="0">
+            <a:schemeClr val="accent1"/>
+          </a:fillRef>
+          <a:effectRef idx="0">
+            <a:schemeClr val="accent1"/>
+          </a:effectRef>
+          <a:fontRef idx="minor">
+            <a:schemeClr val="tx1"/>
+          </a:fontRef>
+        </p:style>
+      </p:cxnSp>
+      <p:cxnSp>
+        <p:nvCxnSpPr>
+          <p:cNvPr id="28" name="直接连接符 27"/>
+          <p:cNvCxnSpPr/>
+          <p:nvPr/>
+        </p:nvCxnSpPr>
+        <p:spPr>
+          <a:xfrm flipH="1" flipV="1">
+            <a:off x="2280766" y="3453319"/>
+            <a:ext cx="1104458" cy="1099226"/>
+          </a:xfrm>
+          <a:prstGeom prst="line">
+            <a:avLst/>
+          </a:prstGeom>
+          <a:ln>
+            <a:tailEnd type="triangle"/>
+          </a:ln>
+        </p:spPr>
+        <p:style>
+          <a:lnRef idx="1">
+            <a:schemeClr val="accent1"/>
+          </a:lnRef>
+          <a:fillRef idx="0">
+            <a:schemeClr val="accent1"/>
+          </a:fillRef>
+          <a:effectRef idx="0">
+            <a:schemeClr val="accent1"/>
+          </a:effectRef>
+          <a:fontRef idx="minor">
+            <a:schemeClr val="tx1"/>
+          </a:fontRef>
+        </p:style>
+      </p:cxnSp>
+      <p:sp>
+        <p:nvSpPr>
+          <p:cNvPr id="29" name="文本框 28"/>
+          <p:cNvSpPr txBox="1"/>
+          <p:nvPr/>
+        </p:nvSpPr>
+        <p:spPr>
+          <a:xfrm>
+            <a:off x="107004" y="4744945"/>
+            <a:ext cx="11093752" cy="2031325"/>
+          </a:xfrm>
+          <a:prstGeom prst="rect">
+            <a:avLst/>
+          </a:prstGeom>
+          <a:noFill/>
+        </p:spPr>
+        <p:txBody>
+          <a:bodyPr wrap="square" rtlCol="0">
+            <a:spAutoFit/>
+          </a:bodyPr>
+          <a:lstStyle/>
+          <a:p>
+            <a:pPr marL="285750" indent="-285750">
+              <a:buFont typeface="Arial" panose="020B0604020202020204" pitchFamily="34" charset="0"/>
+              <a:buChar char="•"/>
+            </a:pPr>
+            <a:r>
+              <a:rPr lang="zh-CN" altLang="en-US" dirty="0"/>
+              <a:t>任务</a:t>
+            </a:r>
+            <a:r>
+              <a:rPr lang="zh-CN" altLang="en-US" dirty="0" smtClean="0"/>
+              <a:t>链的本质其实是任务嵌套，前一个任务指针是被嵌套的任务指向嵌套它的那个任务。</a:t>
+            </a:r>
+            <a:endParaRPr lang="en-US" altLang="zh-CN" dirty="0" smtClean="0"/>
+          </a:p>
+          <a:p>
+            <a:r>
+              <a:rPr lang="zh-CN" altLang="en-US" dirty="0" smtClean="0"/>
+              <a:t>任务返回时，</a:t>
+            </a:r>
+            <a:r>
+              <a:rPr lang="en-US" altLang="zh-CN" dirty="0" smtClean="0"/>
+              <a:t>CPU</a:t>
+            </a:r>
+            <a:r>
+              <a:rPr lang="zh-CN" altLang="en-US" dirty="0" smtClean="0"/>
+              <a:t>需要用这个关系信息来进行跳转</a:t>
+            </a:r>
+            <a:endParaRPr lang="en-US" altLang="zh-CN" dirty="0" smtClean="0"/>
+          </a:p>
+          <a:p>
+            <a:pPr marL="285750" indent="-285750">
+              <a:buFont typeface="Arial" panose="020B0604020202020204" pitchFamily="34" charset="0"/>
+              <a:buChar char="•"/>
+            </a:pPr>
+            <a:r>
+              <a:rPr lang="en-US" altLang="zh-CN" dirty="0" smtClean="0"/>
+              <a:t>SS0:ESP0</a:t>
+            </a:r>
+            <a:r>
+              <a:rPr lang="zh-CN" altLang="en-US" dirty="0" smtClean="0"/>
+              <a:t>、</a:t>
+            </a:r>
+            <a:r>
+              <a:rPr lang="en-US" altLang="zh-CN" dirty="0" smtClean="0"/>
+              <a:t>SS1:ESP1</a:t>
+            </a:r>
+            <a:r>
+              <a:rPr lang="zh-CN" altLang="en-US" dirty="0" smtClean="0"/>
+              <a:t>、</a:t>
+            </a:r>
+            <a:r>
+              <a:rPr lang="en-US" altLang="zh-CN" dirty="0" smtClean="0"/>
+              <a:t>SS2:ESP2</a:t>
+            </a:r>
+            <a:r>
+              <a:rPr lang="zh-CN" altLang="en-US" dirty="0" smtClean="0"/>
+              <a:t>：对应特权级的栈段选择子和栈顶指针（这些栈定义在</a:t>
+            </a:r>
+            <a:r>
+              <a:rPr lang="en-US" altLang="zh-CN" dirty="0" smtClean="0"/>
+              <a:t>LDT</a:t>
+            </a:r>
+            <a:r>
+              <a:rPr lang="zh-CN" altLang="en-US" dirty="0" smtClean="0"/>
+              <a:t>中）</a:t>
+            </a:r>
+            <a:endParaRPr lang="en-US" altLang="zh-CN" dirty="0" smtClean="0"/>
+          </a:p>
+          <a:p>
+            <a:pPr marL="285750" indent="-285750">
+              <a:buFont typeface="Arial" panose="020B0604020202020204" pitchFamily="34" charset="0"/>
+              <a:buChar char="•"/>
+            </a:pPr>
+            <a:r>
+              <a:rPr lang="en-US" altLang="zh-CN" dirty="0" smtClean="0"/>
+              <a:t>32-92</a:t>
+            </a:r>
+            <a:r>
+              <a:rPr lang="zh-CN" altLang="en-US" dirty="0" smtClean="0"/>
+              <a:t>：各个寄存器的快照</a:t>
+            </a:r>
+            <a:endParaRPr lang="en-US" altLang="zh-CN" dirty="0" smtClean="0"/>
+          </a:p>
+          <a:p>
+            <a:pPr marL="285750" indent="-285750">
+              <a:buFont typeface="Arial" panose="020B0604020202020204" pitchFamily="34" charset="0"/>
+              <a:buChar char="•"/>
+            </a:pPr>
+            <a:r>
+              <a:rPr lang="en-US" altLang="zh-CN" dirty="0" smtClean="0"/>
+              <a:t>LDT</a:t>
+            </a:r>
+            <a:r>
+              <a:rPr lang="zh-CN" altLang="en-US" dirty="0" smtClean="0"/>
+              <a:t>选择子：定义在</a:t>
+            </a:r>
+            <a:r>
+              <a:rPr lang="en-US" altLang="zh-CN" dirty="0" smtClean="0"/>
+              <a:t>GDT</a:t>
+            </a:r>
+            <a:r>
+              <a:rPr lang="zh-CN" altLang="en-US" dirty="0" smtClean="0"/>
+              <a:t>中，是当前任务的</a:t>
+            </a:r>
+            <a:r>
+              <a:rPr lang="en-US" altLang="zh-CN" dirty="0" smtClean="0"/>
+              <a:t>LDT</a:t>
+            </a:r>
+            <a:r>
+              <a:rPr lang="zh-CN" altLang="en-US" dirty="0" smtClean="0"/>
+              <a:t>描述符选择子</a:t>
+            </a:r>
+            <a:endParaRPr lang="en-US" altLang="zh-CN" dirty="0" smtClean="0"/>
+          </a:p>
+          <a:p>
+            <a:pPr marL="285750" indent="-285750">
+              <a:buFont typeface="Arial" panose="020B0604020202020204" pitchFamily="34" charset="0"/>
+              <a:buChar char="•"/>
+            </a:pPr>
+            <a:r>
+              <a:rPr lang="en-US" altLang="zh-CN" dirty="0" smtClean="0"/>
+              <a:t>T</a:t>
+            </a:r>
+            <a:r>
+              <a:rPr lang="zh-CN" altLang="en-US" dirty="0" smtClean="0"/>
+              <a:t>：用于软件调试，当</a:t>
+            </a:r>
+            <a:r>
+              <a:rPr lang="en-US" altLang="zh-CN" dirty="0" smtClean="0"/>
+              <a:t>T=0</a:t>
+            </a:r>
+            <a:r>
+              <a:rPr lang="zh-CN" altLang="en-US" dirty="0" smtClean="0"/>
+              <a:t>时，每次任务切换都将触发一个调式异常中断</a:t>
+            </a:r>
+            <a:endParaRPr lang="en-US" altLang="zh-CN" dirty="0" smtClean="0"/>
+          </a:p>
+          <a:p>
+            <a:pPr marL="285750" indent="-285750">
+              <a:buFont typeface="Arial" panose="020B0604020202020204" pitchFamily="34" charset="0"/>
+              <a:buChar char="•"/>
+            </a:pPr>
+            <a:r>
+              <a:rPr lang="en-US" altLang="zh-CN" dirty="0" smtClean="0"/>
+              <a:t>I/O</a:t>
+            </a:r>
+            <a:r>
+              <a:rPr lang="zh-CN" altLang="en-US" dirty="0" smtClean="0"/>
+              <a:t>映射基地址</a:t>
+            </a:r>
+            <a:endParaRPr lang="en-US" altLang="zh-CN" dirty="0"/>
+          </a:p>
+        </p:txBody>
+      </p:sp>
+    </p:spTree>
+    <p:extLst>
+      <p:ext uri="{BB962C8B-B14F-4D97-AF65-F5344CB8AC3E}">
+        <p14:creationId xmlns:p14="http://schemas.microsoft.com/office/powerpoint/2010/main" val="2341197421"/>
+      </p:ext>
+    </p:extLst>
+  </p:cSld>
+  <p:clrMapOvr>
+    <a:masterClrMapping/>
+  </p:clrMapOvr>
+</p:sld>
+</file>
+
+<file path=ppt/slides/slide24.xml><?xml version="1.0" encoding="utf-8"?>
+<p:sld xmlns:a="http://schemas.openxmlformats.org/drawingml/2006/main" xmlns:r="http://schemas.openxmlformats.org/officeDocument/2006/relationships" xmlns:p="http://schemas.openxmlformats.org/presentationml/2006/main">
+  <p:cSld>
+    <p:spTree>
+      <p:nvGrpSpPr>
+        <p:cNvPr id="1" name=""/>
+        <p:cNvGrpSpPr/>
+        <p:nvPr/>
+      </p:nvGrpSpPr>
+      <p:grpSpPr>
+        <a:xfrm>
+          <a:off x="0" y="0"/>
+          <a:ext cx="0" cy="0"/>
+          <a:chOff x="0" y="0"/>
+          <a:chExt cx="0" cy="0"/>
+        </a:xfrm>
+      </p:grpSpPr>
+      <p:pic>
+        <p:nvPicPr>
+          <p:cNvPr id="4" name="图片 3"/>
+          <p:cNvPicPr>
+            <a:picLocks noChangeAspect="1"/>
+          </p:cNvPicPr>
+          <p:nvPr/>
+        </p:nvPicPr>
+        <p:blipFill>
+          <a:blip r:embed="rId2"/>
+          <a:stretch>
+            <a:fillRect/>
+          </a:stretch>
+        </p:blipFill>
+        <p:spPr>
+          <a:xfrm>
+            <a:off x="111444" y="0"/>
+            <a:ext cx="5472234" cy="6308270"/>
+          </a:xfrm>
+          <a:prstGeom prst="rect">
+            <a:avLst/>
+          </a:prstGeom>
+        </p:spPr>
+      </p:pic>
+      <p:pic>
+        <p:nvPicPr>
+          <p:cNvPr id="5" name="图片 4"/>
+          <p:cNvPicPr>
+            <a:picLocks noChangeAspect="1"/>
+          </p:cNvPicPr>
+          <p:nvPr/>
+        </p:nvPicPr>
+        <p:blipFill>
+          <a:blip r:embed="rId3"/>
+          <a:stretch>
+            <a:fillRect/>
+          </a:stretch>
+        </p:blipFill>
+        <p:spPr>
+          <a:xfrm>
+            <a:off x="6315418" y="202865"/>
+            <a:ext cx="5698896" cy="1304921"/>
+          </a:xfrm>
+          <a:prstGeom prst="rect">
+            <a:avLst/>
+          </a:prstGeom>
+        </p:spPr>
+      </p:pic>
+      <p:sp>
+        <p:nvSpPr>
+          <p:cNvPr id="6" name="文本框 5"/>
+          <p:cNvSpPr txBox="1"/>
+          <p:nvPr/>
+        </p:nvSpPr>
+        <p:spPr>
+          <a:xfrm>
+            <a:off x="6050604" y="1935803"/>
+            <a:ext cx="5645285" cy="1754326"/>
+          </a:xfrm>
+          <a:prstGeom prst="rect">
+            <a:avLst/>
+          </a:prstGeom>
+          <a:noFill/>
+        </p:spPr>
+        <p:txBody>
+          <a:bodyPr wrap="square" rtlCol="0">
+            <a:spAutoFit/>
+          </a:bodyPr>
+          <a:lstStyle/>
+          <a:p>
+            <a:r>
+              <a:rPr lang="zh-CN" altLang="en-US" dirty="0" smtClean="0"/>
+              <a:t>通过最多可达</a:t>
+            </a:r>
+            <a:r>
+              <a:rPr lang="en-US" altLang="zh-CN" dirty="0" smtClean="0"/>
+              <a:t>8K</a:t>
+            </a:r>
+            <a:r>
+              <a:rPr lang="zh-CN" altLang="en-US" dirty="0" smtClean="0"/>
+              <a:t>的内存区域来表示</a:t>
+            </a:r>
+            <a:r>
+              <a:rPr lang="en-US" altLang="zh-CN" dirty="0" smtClean="0"/>
+              <a:t>65535</a:t>
+            </a:r>
+            <a:r>
+              <a:rPr lang="zh-CN" altLang="en-US" dirty="0" smtClean="0"/>
+              <a:t>个端口是否可用。</a:t>
+            </a:r>
+            <a:r>
+              <a:rPr lang="en-US" altLang="zh-CN" dirty="0" smtClean="0"/>
+              <a:t>0</a:t>
+            </a:r>
+            <a:r>
+              <a:rPr lang="zh-CN" altLang="en-US" dirty="0" smtClean="0"/>
+              <a:t>表示允许访问，</a:t>
+            </a:r>
+            <a:r>
+              <a:rPr lang="en-US" altLang="zh-CN" dirty="0" smtClean="0"/>
+              <a:t>1</a:t>
+            </a:r>
+            <a:r>
+              <a:rPr lang="zh-CN" altLang="en-US" dirty="0"/>
+              <a:t>表</a:t>
+            </a:r>
+            <a:r>
+              <a:rPr lang="zh-CN" altLang="en-US" dirty="0" smtClean="0"/>
+              <a:t>示禁止访问。</a:t>
+            </a:r>
+            <a:endParaRPr lang="en-US" altLang="zh-CN" dirty="0" smtClean="0"/>
+          </a:p>
+          <a:p>
+            <a:endParaRPr lang="en-US" altLang="zh-CN" dirty="0"/>
+          </a:p>
+          <a:p>
+            <a:r>
+              <a:rPr lang="zh-CN" altLang="en-US" dirty="0" smtClean="0"/>
+              <a:t>如果没有</a:t>
+            </a:r>
+            <a:r>
+              <a:rPr lang="en-US" altLang="zh-CN" dirty="0" smtClean="0"/>
+              <a:t>I/O</a:t>
+            </a:r>
+            <a:r>
+              <a:rPr lang="zh-CN" altLang="en-US" dirty="0" smtClean="0"/>
+              <a:t>许可位映射区，则通过</a:t>
+            </a:r>
+            <a:r>
+              <a:rPr lang="en-US" altLang="zh-CN" dirty="0" smtClean="0"/>
+              <a:t>EFLAGS</a:t>
+            </a:r>
+            <a:r>
+              <a:rPr lang="zh-CN" altLang="en-US" dirty="0" smtClean="0"/>
+              <a:t>的</a:t>
+            </a:r>
+            <a:r>
+              <a:rPr lang="en-US" altLang="zh-CN" dirty="0" smtClean="0"/>
+              <a:t>IOPL</a:t>
+            </a:r>
+            <a:r>
+              <a:rPr lang="zh-CN" altLang="en-US" dirty="0" smtClean="0"/>
+              <a:t>位进行判断：</a:t>
+            </a:r>
+            <a:endParaRPr lang="en-US" altLang="zh-CN" dirty="0" smtClean="0"/>
+          </a:p>
+          <a:p>
+            <a:endParaRPr lang="zh-CN" altLang="en-US" dirty="0"/>
+          </a:p>
+        </p:txBody>
+      </p:sp>
+      <p:sp>
+        <p:nvSpPr>
+          <p:cNvPr id="7" name="右箭头 6"/>
+          <p:cNvSpPr/>
+          <p:nvPr/>
+        </p:nvSpPr>
+        <p:spPr>
+          <a:xfrm>
+            <a:off x="4396902" y="1011677"/>
+            <a:ext cx="1750979" cy="262646"/>
+          </a:xfrm>
+          <a:prstGeom prst="rightArrow">
+            <a:avLst/>
+          </a:prstGeom>
+        </p:spPr>
+        <p:style>
+          <a:lnRef idx="2">
+            <a:schemeClr val="accent1">
+              <a:shade val="50000"/>
+            </a:schemeClr>
+          </a:lnRef>
+          <a:fillRef idx="1">
+            <a:schemeClr val="accent1"/>
+          </a:fillRef>
+          <a:effectRef idx="0">
+            <a:schemeClr val="accent1"/>
+          </a:effectRef>
+          <a:fontRef idx="minor">
+            <a:schemeClr val="lt1"/>
+          </a:fontRef>
+        </p:style>
+        <p:txBody>
+          <a:bodyPr rtlCol="0" anchor="ctr"/>
+          <a:lstStyle/>
+          <a:p>
+            <a:pPr algn="ctr"/>
+            <a:endParaRPr lang="zh-CN" altLang="en-US"/>
+          </a:p>
+        </p:txBody>
+      </p:sp>
+      <p:pic>
+        <p:nvPicPr>
+          <p:cNvPr id="8" name="图片 7"/>
+          <p:cNvPicPr>
+            <a:picLocks noChangeAspect="1"/>
+          </p:cNvPicPr>
+          <p:nvPr/>
+        </p:nvPicPr>
+        <p:blipFill>
+          <a:blip r:embed="rId4"/>
+          <a:stretch>
+            <a:fillRect/>
+          </a:stretch>
+        </p:blipFill>
+        <p:spPr>
+          <a:xfrm>
+            <a:off x="6050604" y="4593522"/>
+            <a:ext cx="5725142" cy="577611"/>
+          </a:xfrm>
+          <a:prstGeom prst="rect">
+            <a:avLst/>
+          </a:prstGeom>
+        </p:spPr>
+      </p:pic>
+      <p:sp>
+        <p:nvSpPr>
+          <p:cNvPr id="9" name="矩形 8"/>
+          <p:cNvSpPr/>
+          <p:nvPr/>
+        </p:nvSpPr>
+        <p:spPr>
+          <a:xfrm>
+            <a:off x="9164866" y="4593522"/>
+            <a:ext cx="475245" cy="659414"/>
+          </a:xfrm>
+          <a:prstGeom prst="rect">
+            <a:avLst/>
+          </a:prstGeom>
+          <a:noFill/>
+          <a:ln>
+            <a:solidFill>
+              <a:srgbClr val="FF0000"/>
+            </a:solidFill>
+          </a:ln>
+        </p:spPr>
+        <p:style>
+          <a:lnRef idx="2">
+            <a:schemeClr val="accent1">
+              <a:shade val="50000"/>
+            </a:schemeClr>
+          </a:lnRef>
+          <a:fillRef idx="1">
+            <a:schemeClr val="accent1"/>
+          </a:fillRef>
+          <a:effectRef idx="0">
+            <a:schemeClr val="accent1"/>
+          </a:effectRef>
+          <a:fontRef idx="minor">
+            <a:schemeClr val="lt1"/>
+          </a:fontRef>
+        </p:style>
+        <p:txBody>
+          <a:bodyPr rtlCol="0" anchor="ctr"/>
+          <a:lstStyle/>
+          <a:p>
+            <a:pPr algn="ctr"/>
+            <a:endParaRPr lang="zh-CN" altLang="en-US"/>
+          </a:p>
+        </p:txBody>
+      </p:sp>
+    </p:spTree>
+    <p:extLst>
+      <p:ext uri="{BB962C8B-B14F-4D97-AF65-F5344CB8AC3E}">
+        <p14:creationId xmlns:p14="http://schemas.microsoft.com/office/powerpoint/2010/main" val="1872611335"/>
+      </p:ext>
+    </p:extLst>
+  </p:cSld>
+  <p:clrMapOvr>
+    <a:masterClrMapping/>
+  </p:clrMapOvr>
 </p:sld>
 </file>
 
@@ -8992,11 +15532,7 @@
             </a:r>
             <a:r>
               <a:rPr lang="zh-CN" altLang="en-US" sz="1200" dirty="0" smtClean="0"/>
-              <a:t>模</a:t>
-            </a:r>
-            <a:r>
-              <a:rPr lang="zh-CN" altLang="en-US" sz="1200" dirty="0" smtClean="0"/>
-              <a:t>式</a:t>
+              <a:t>模式</a:t>
             </a:r>
             <a:endParaRPr lang="en-US" altLang="zh-CN" sz="1200" dirty="0" smtClean="0"/>
           </a:p>
@@ -9023,11 +15559,7 @@
             </a:r>
             <a:r>
               <a:rPr lang="zh-CN" altLang="en-US" sz="1200" dirty="0" smtClean="0"/>
-              <a:t>位保护模</a:t>
-            </a:r>
-            <a:r>
-              <a:rPr lang="zh-CN" altLang="en-US" sz="1200" dirty="0" smtClean="0"/>
-              <a:t>式</a:t>
+              <a:t>位保护模式</a:t>
             </a:r>
             <a:endParaRPr lang="en-US" altLang="zh-CN" sz="1200" dirty="0" smtClean="0"/>
           </a:p>
@@ -9134,6 +15666,60 @@
           <a:chExt cx="0" cy="0"/>
         </a:xfrm>
       </p:grpSpPr>
+      <p:pic>
+        <p:nvPicPr>
+          <p:cNvPr id="4" name="图片 3"/>
+          <p:cNvPicPr>
+            <a:picLocks noChangeAspect="1"/>
+          </p:cNvPicPr>
+          <p:nvPr/>
+        </p:nvPicPr>
+        <p:blipFill>
+          <a:blip r:embed="rId2"/>
+          <a:stretch>
+            <a:fillRect/>
+          </a:stretch>
+        </p:blipFill>
+        <p:spPr>
+          <a:xfrm>
+            <a:off x="1004200" y="2061709"/>
+            <a:ext cx="9590476" cy="3047619"/>
+          </a:xfrm>
+          <a:prstGeom prst="rect">
+            <a:avLst/>
+          </a:prstGeom>
+        </p:spPr>
+      </p:pic>
+    </p:spTree>
+    <p:extLst>
+      <p:ext uri="{BB962C8B-B14F-4D97-AF65-F5344CB8AC3E}">
+        <p14:creationId xmlns:p14="http://schemas.microsoft.com/office/powerpoint/2010/main" val="3661613118"/>
+      </p:ext>
+    </p:extLst>
+  </p:cSld>
+  <p:clrMapOvr>
+    <a:masterClrMapping/>
+  </p:clrMapOvr>
+</p:sld>
+</file>
+
+<file path=ppt/slides/slide7.xml><?xml version="1.0" encoding="utf-8"?>
+<p:sld xmlns:a="http://schemas.openxmlformats.org/drawingml/2006/main" xmlns:r="http://schemas.openxmlformats.org/officeDocument/2006/relationships" xmlns:p="http://schemas.openxmlformats.org/presentationml/2006/main">
+  <p:cSld>
+    <p:spTree>
+      <p:nvGrpSpPr>
+        <p:cNvPr id="1" name=""/>
+        <p:cNvGrpSpPr/>
+        <p:nvPr/>
+      </p:nvGrpSpPr>
+      <p:grpSpPr>
+        <a:xfrm>
+          <a:off x="0" y="0"/>
+          <a:ext cx="0" cy="0"/>
+          <a:chOff x="0" y="0"/>
+          <a:chExt cx="0" cy="0"/>
+        </a:xfrm>
+      </p:grpSpPr>
       <p:sp>
         <p:nvSpPr>
           <p:cNvPr id="70" name="矩形 69"/>
@@ -10825,7 +17411,7 @@
 </p:sld>
 </file>
 
-<file path=ppt/slides/slide7.xml><?xml version="1.0" encoding="utf-8"?>
+<file path=ppt/slides/slide8.xml><?xml version="1.0" encoding="utf-8"?>
 <p:sld xmlns:a="http://schemas.openxmlformats.org/drawingml/2006/main" xmlns:r="http://schemas.openxmlformats.org/officeDocument/2006/relationships" xmlns:p="http://schemas.openxmlformats.org/presentationml/2006/main">
   <p:cSld>
     <p:spTree>
@@ -10876,14 +17462,7 @@
                 <a:latin typeface="微软雅黑" panose="020B0503020204020204" pitchFamily="34" charset="-122"/>
                 <a:ea typeface="微软雅黑" panose="020B0503020204020204" pitchFamily="34" charset="-122"/>
               </a:rPr>
-              <a:t>：打</a:t>
-            </a:r>
-            <a:r>
-              <a:rPr lang="zh-CN" altLang="en-US" sz="2800" dirty="0" smtClean="0">
-                <a:latin typeface="微软雅黑" panose="020B0503020204020204" pitchFamily="34" charset="-122"/>
-                <a:ea typeface="微软雅黑" panose="020B0503020204020204" pitchFamily="34" charset="-122"/>
-              </a:rPr>
-              <a:t>开</a:t>
+              <a:t>：打开</a:t>
             </a:r>
             <a:r>
               <a:rPr lang="en-US" altLang="zh-CN" sz="2800" dirty="0" smtClean="0">
@@ -11428,6 +18007,1325 @@
     <p:extLst>
       <p:ext uri="{BB962C8B-B14F-4D97-AF65-F5344CB8AC3E}">
         <p14:creationId xmlns:p14="http://schemas.microsoft.com/office/powerpoint/2010/main" val="691231065"/>
+      </p:ext>
+    </p:extLst>
+  </p:cSld>
+  <p:clrMapOvr>
+    <a:masterClrMapping/>
+  </p:clrMapOvr>
+  <p:timing>
+    <p:tnLst>
+      <p:par>
+        <p:cTn id="1" dur="indefinite" restart="never" nodeType="tmRoot"/>
+      </p:par>
+    </p:tnLst>
+  </p:timing>
+</p:sld>
+</file>
+
+<file path=ppt/slides/slide9.xml><?xml version="1.0" encoding="utf-8"?>
+<p:sld xmlns:a="http://schemas.openxmlformats.org/drawingml/2006/main" xmlns:r="http://schemas.openxmlformats.org/officeDocument/2006/relationships" xmlns:p="http://schemas.openxmlformats.org/presentationml/2006/main">
+  <p:cSld>
+    <p:spTree>
+      <p:nvGrpSpPr>
+        <p:cNvPr id="1" name=""/>
+        <p:cNvGrpSpPr/>
+        <p:nvPr/>
+      </p:nvGrpSpPr>
+      <p:grpSpPr>
+        <a:xfrm>
+          <a:off x="0" y="0"/>
+          <a:ext cx="0" cy="0"/>
+          <a:chOff x="0" y="0"/>
+          <a:chExt cx="0" cy="0"/>
+        </a:xfrm>
+      </p:grpSpPr>
+      <p:sp>
+        <p:nvSpPr>
+          <p:cNvPr id="5" name="矩形 4"/>
+          <p:cNvSpPr/>
+          <p:nvPr/>
+        </p:nvSpPr>
+        <p:spPr>
+          <a:xfrm>
+            <a:off x="527222" y="2875005"/>
+            <a:ext cx="11228173" cy="1103871"/>
+          </a:xfrm>
+          <a:prstGeom prst="rect">
+            <a:avLst/>
+          </a:prstGeom>
+          <a:noFill/>
+        </p:spPr>
+        <p:style>
+          <a:lnRef idx="2">
+            <a:schemeClr val="accent1">
+              <a:shade val="50000"/>
+            </a:schemeClr>
+          </a:lnRef>
+          <a:fillRef idx="1">
+            <a:schemeClr val="accent1"/>
+          </a:fillRef>
+          <a:effectRef idx="0">
+            <a:schemeClr val="accent1"/>
+          </a:effectRef>
+          <a:fontRef idx="minor">
+            <a:schemeClr val="lt1"/>
+          </a:fontRef>
+        </p:style>
+        <p:txBody>
+          <a:bodyPr rtlCol="0" anchor="ctr"/>
+          <a:lstStyle/>
+          <a:p>
+            <a:pPr algn="ctr"/>
+            <a:endParaRPr lang="zh-CN" altLang="en-US"/>
+          </a:p>
+        </p:txBody>
+      </p:sp>
+      <p:sp>
+        <p:nvSpPr>
+          <p:cNvPr id="6" name="文本框 5"/>
+          <p:cNvSpPr txBox="1"/>
+          <p:nvPr/>
+        </p:nvSpPr>
+        <p:spPr>
+          <a:xfrm>
+            <a:off x="3617" y="3242274"/>
+            <a:ext cx="523605" cy="369332"/>
+          </a:xfrm>
+          <a:prstGeom prst="rect">
+            <a:avLst/>
+          </a:prstGeom>
+          <a:noFill/>
+        </p:spPr>
+        <p:txBody>
+          <a:bodyPr wrap="square" rtlCol="0">
+            <a:spAutoFit/>
+          </a:bodyPr>
+          <a:lstStyle/>
+          <a:p>
+            <a:r>
+              <a:rPr lang="en-US" altLang="zh-CN" dirty="0" smtClean="0"/>
+              <a:t>low</a:t>
+            </a:r>
+            <a:endParaRPr lang="zh-CN" altLang="en-US" dirty="0"/>
+          </a:p>
+        </p:txBody>
+      </p:sp>
+      <p:sp>
+        <p:nvSpPr>
+          <p:cNvPr id="7" name="文本框 6"/>
+          <p:cNvSpPr txBox="1"/>
+          <p:nvPr/>
+        </p:nvSpPr>
+        <p:spPr>
+          <a:xfrm>
+            <a:off x="11684281" y="3196596"/>
+            <a:ext cx="590226" cy="369332"/>
+          </a:xfrm>
+          <a:prstGeom prst="rect">
+            <a:avLst/>
+          </a:prstGeom>
+          <a:noFill/>
+        </p:spPr>
+        <p:txBody>
+          <a:bodyPr wrap="none" rtlCol="0">
+            <a:spAutoFit/>
+          </a:bodyPr>
+          <a:lstStyle/>
+          <a:p>
+            <a:r>
+              <a:rPr lang="en-US" altLang="zh-CN" dirty="0" smtClean="0"/>
+              <a:t>high</a:t>
+            </a:r>
+            <a:endParaRPr lang="zh-CN" altLang="en-US" dirty="0"/>
+          </a:p>
+        </p:txBody>
+      </p:sp>
+      <p:cxnSp>
+        <p:nvCxnSpPr>
+          <p:cNvPr id="9" name="直接连接符 8"/>
+          <p:cNvCxnSpPr/>
+          <p:nvPr/>
+        </p:nvCxnSpPr>
+        <p:spPr>
+          <a:xfrm>
+            <a:off x="1219200" y="2875005"/>
+            <a:ext cx="0" cy="1103871"/>
+          </a:xfrm>
+          <a:prstGeom prst="line">
+            <a:avLst/>
+          </a:prstGeom>
+        </p:spPr>
+        <p:style>
+          <a:lnRef idx="1">
+            <a:schemeClr val="accent1"/>
+          </a:lnRef>
+          <a:fillRef idx="0">
+            <a:schemeClr val="accent1"/>
+          </a:fillRef>
+          <a:effectRef idx="0">
+            <a:schemeClr val="accent1"/>
+          </a:effectRef>
+          <a:fontRef idx="minor">
+            <a:schemeClr val="tx1"/>
+          </a:fontRef>
+        </p:style>
+      </p:cxnSp>
+      <p:cxnSp>
+        <p:nvCxnSpPr>
+          <p:cNvPr id="10" name="直接连接符 9"/>
+          <p:cNvCxnSpPr/>
+          <p:nvPr/>
+        </p:nvCxnSpPr>
+        <p:spPr>
+          <a:xfrm>
+            <a:off x="2248930" y="2875005"/>
+            <a:ext cx="0" cy="1103871"/>
+          </a:xfrm>
+          <a:prstGeom prst="line">
+            <a:avLst/>
+          </a:prstGeom>
+        </p:spPr>
+        <p:style>
+          <a:lnRef idx="1">
+            <a:schemeClr val="accent1"/>
+          </a:lnRef>
+          <a:fillRef idx="0">
+            <a:schemeClr val="accent1"/>
+          </a:fillRef>
+          <a:effectRef idx="0">
+            <a:schemeClr val="accent1"/>
+          </a:effectRef>
+          <a:fontRef idx="minor">
+            <a:schemeClr val="tx1"/>
+          </a:fontRef>
+        </p:style>
+      </p:cxnSp>
+      <p:sp>
+        <p:nvSpPr>
+          <p:cNvPr id="11" name="文本框 10"/>
+          <p:cNvSpPr txBox="1"/>
+          <p:nvPr/>
+        </p:nvSpPr>
+        <p:spPr>
+          <a:xfrm>
+            <a:off x="1308051" y="3303829"/>
+            <a:ext cx="852029" cy="246221"/>
+          </a:xfrm>
+          <a:prstGeom prst="rect">
+            <a:avLst/>
+          </a:prstGeom>
+          <a:noFill/>
+        </p:spPr>
+        <p:txBody>
+          <a:bodyPr wrap="square" rtlCol="0">
+            <a:spAutoFit/>
+          </a:bodyPr>
+          <a:lstStyle/>
+          <a:p>
+            <a:r>
+              <a:rPr lang="en-US" altLang="zh-CN" sz="1000" dirty="0" smtClean="0"/>
+              <a:t>Core_stack</a:t>
+            </a:r>
+            <a:endParaRPr lang="zh-CN" altLang="en-US" sz="1000" dirty="0"/>
+          </a:p>
+        </p:txBody>
+      </p:sp>
+      <p:sp>
+        <p:nvSpPr>
+          <p:cNvPr id="13" name="文本框 12"/>
+          <p:cNvSpPr txBox="1"/>
+          <p:nvPr/>
+        </p:nvSpPr>
+        <p:spPr>
+          <a:xfrm>
+            <a:off x="889733" y="2628782"/>
+            <a:ext cx="658933" cy="246221"/>
+          </a:xfrm>
+          <a:prstGeom prst="rect">
+            <a:avLst/>
+          </a:prstGeom>
+          <a:noFill/>
+        </p:spPr>
+        <p:txBody>
+          <a:bodyPr wrap="square" rtlCol="0">
+            <a:spAutoFit/>
+          </a:bodyPr>
+          <a:lstStyle/>
+          <a:p>
+            <a:r>
+              <a:rPr lang="en-US" altLang="zh-CN" sz="1000" dirty="0" smtClean="0"/>
+              <a:t>0006c00</a:t>
+            </a:r>
+            <a:endParaRPr lang="zh-CN" altLang="en-US" sz="1000" dirty="0"/>
+          </a:p>
+        </p:txBody>
+      </p:sp>
+      <p:sp>
+        <p:nvSpPr>
+          <p:cNvPr id="14" name="文本框 13"/>
+          <p:cNvSpPr txBox="1"/>
+          <p:nvPr/>
+        </p:nvSpPr>
+        <p:spPr>
+          <a:xfrm>
+            <a:off x="1919463" y="2628782"/>
+            <a:ext cx="658933" cy="246221"/>
+          </a:xfrm>
+          <a:prstGeom prst="rect">
+            <a:avLst/>
+          </a:prstGeom>
+          <a:noFill/>
+        </p:spPr>
+        <p:txBody>
+          <a:bodyPr wrap="square" rtlCol="0">
+            <a:spAutoFit/>
+          </a:bodyPr>
+          <a:lstStyle/>
+          <a:p>
+            <a:r>
+              <a:rPr lang="en-US" altLang="zh-CN" sz="1000" dirty="0" smtClean="0"/>
+              <a:t>0007c00</a:t>
+            </a:r>
+            <a:endParaRPr lang="zh-CN" altLang="en-US" sz="1000" dirty="0"/>
+          </a:p>
+        </p:txBody>
+      </p:sp>
+      <p:cxnSp>
+        <p:nvCxnSpPr>
+          <p:cNvPr id="15" name="直接连接符 14"/>
+          <p:cNvCxnSpPr/>
+          <p:nvPr/>
+        </p:nvCxnSpPr>
+        <p:spPr>
+          <a:xfrm>
+            <a:off x="3046598" y="2875003"/>
+            <a:ext cx="0" cy="1103871"/>
+          </a:xfrm>
+          <a:prstGeom prst="line">
+            <a:avLst/>
+          </a:prstGeom>
+        </p:spPr>
+        <p:style>
+          <a:lnRef idx="1">
+            <a:schemeClr val="accent1"/>
+          </a:lnRef>
+          <a:fillRef idx="0">
+            <a:schemeClr val="accent1"/>
+          </a:fillRef>
+          <a:effectRef idx="0">
+            <a:schemeClr val="accent1"/>
+          </a:effectRef>
+          <a:fontRef idx="minor">
+            <a:schemeClr val="tx1"/>
+          </a:fontRef>
+        </p:style>
+      </p:cxnSp>
+      <p:sp>
+        <p:nvSpPr>
+          <p:cNvPr id="16" name="文本框 15"/>
+          <p:cNvSpPr txBox="1"/>
+          <p:nvPr/>
+        </p:nvSpPr>
+        <p:spPr>
+          <a:xfrm>
+            <a:off x="2248929" y="3303827"/>
+            <a:ext cx="852029" cy="246221"/>
+          </a:xfrm>
+          <a:prstGeom prst="rect">
+            <a:avLst/>
+          </a:prstGeom>
+          <a:noFill/>
+        </p:spPr>
+        <p:txBody>
+          <a:bodyPr wrap="square" rtlCol="0">
+            <a:spAutoFit/>
+          </a:bodyPr>
+          <a:lstStyle/>
+          <a:p>
+            <a:r>
+              <a:rPr lang="en-US" altLang="zh-CN" sz="1000" dirty="0" smtClean="0"/>
+              <a:t>MBR</a:t>
+            </a:r>
+            <a:endParaRPr lang="zh-CN" altLang="en-US" sz="1000" dirty="0"/>
+          </a:p>
+        </p:txBody>
+      </p:sp>
+      <p:cxnSp>
+        <p:nvCxnSpPr>
+          <p:cNvPr id="17" name="直接连接符 16"/>
+          <p:cNvCxnSpPr/>
+          <p:nvPr/>
+        </p:nvCxnSpPr>
+        <p:spPr>
+          <a:xfrm>
+            <a:off x="3883076" y="2874999"/>
+            <a:ext cx="0" cy="1103871"/>
+          </a:xfrm>
+          <a:prstGeom prst="line">
+            <a:avLst/>
+          </a:prstGeom>
+        </p:spPr>
+        <p:style>
+          <a:lnRef idx="1">
+            <a:schemeClr val="accent1"/>
+          </a:lnRef>
+          <a:fillRef idx="0">
+            <a:schemeClr val="accent1"/>
+          </a:fillRef>
+          <a:effectRef idx="0">
+            <a:schemeClr val="accent1"/>
+          </a:effectRef>
+          <a:fontRef idx="minor">
+            <a:schemeClr val="tx1"/>
+          </a:fontRef>
+        </p:style>
+      </p:cxnSp>
+      <p:sp>
+        <p:nvSpPr>
+          <p:cNvPr id="18" name="文本框 17"/>
+          <p:cNvSpPr txBox="1"/>
+          <p:nvPr/>
+        </p:nvSpPr>
+        <p:spPr>
+          <a:xfrm>
+            <a:off x="3200526" y="3319707"/>
+            <a:ext cx="538052" cy="246221"/>
+          </a:xfrm>
+          <a:prstGeom prst="rect">
+            <a:avLst/>
+          </a:prstGeom>
+          <a:noFill/>
+        </p:spPr>
+        <p:txBody>
+          <a:bodyPr wrap="square" rtlCol="0">
+            <a:spAutoFit/>
+          </a:bodyPr>
+          <a:lstStyle/>
+          <a:p>
+            <a:r>
+              <a:rPr lang="en-US" altLang="zh-CN" sz="1000" dirty="0" smtClean="0"/>
+              <a:t>GDT</a:t>
+            </a:r>
+            <a:endParaRPr lang="zh-CN" altLang="en-US" sz="1000" dirty="0"/>
+          </a:p>
+        </p:txBody>
+      </p:sp>
+      <p:sp>
+        <p:nvSpPr>
+          <p:cNvPr id="19" name="文本框 18"/>
+          <p:cNvSpPr txBox="1"/>
+          <p:nvPr/>
+        </p:nvSpPr>
+        <p:spPr>
+          <a:xfrm>
+            <a:off x="2717131" y="2628778"/>
+            <a:ext cx="658933" cy="246221"/>
+          </a:xfrm>
+          <a:prstGeom prst="rect">
+            <a:avLst/>
+          </a:prstGeom>
+          <a:noFill/>
+        </p:spPr>
+        <p:txBody>
+          <a:bodyPr wrap="square" rtlCol="0">
+            <a:spAutoFit/>
+          </a:bodyPr>
+          <a:lstStyle/>
+          <a:p>
+            <a:r>
+              <a:rPr lang="en-US" altLang="zh-CN" sz="1000" dirty="0" smtClean="0"/>
+              <a:t>0007e00</a:t>
+            </a:r>
+            <a:endParaRPr lang="zh-CN" altLang="en-US" sz="1000" dirty="0"/>
+          </a:p>
+        </p:txBody>
+      </p:sp>
+      <p:cxnSp>
+        <p:nvCxnSpPr>
+          <p:cNvPr id="24" name="直接连接符 23"/>
+          <p:cNvCxnSpPr/>
+          <p:nvPr/>
+        </p:nvCxnSpPr>
+        <p:spPr>
+          <a:xfrm>
+            <a:off x="4583163" y="2875003"/>
+            <a:ext cx="0" cy="1103871"/>
+          </a:xfrm>
+          <a:prstGeom prst="line">
+            <a:avLst/>
+          </a:prstGeom>
+        </p:spPr>
+        <p:style>
+          <a:lnRef idx="1">
+            <a:schemeClr val="accent1"/>
+          </a:lnRef>
+          <a:fillRef idx="0">
+            <a:schemeClr val="accent1"/>
+          </a:fillRef>
+          <a:effectRef idx="0">
+            <a:schemeClr val="accent1"/>
+          </a:effectRef>
+          <a:fontRef idx="minor">
+            <a:schemeClr val="tx1"/>
+          </a:fontRef>
+        </p:style>
+      </p:cxnSp>
+      <p:sp>
+        <p:nvSpPr>
+          <p:cNvPr id="25" name="文本框 24"/>
+          <p:cNvSpPr txBox="1"/>
+          <p:nvPr/>
+        </p:nvSpPr>
+        <p:spPr>
+          <a:xfrm>
+            <a:off x="4253696" y="2628777"/>
+            <a:ext cx="658933" cy="246221"/>
+          </a:xfrm>
+          <a:prstGeom prst="rect">
+            <a:avLst/>
+          </a:prstGeom>
+          <a:noFill/>
+        </p:spPr>
+        <p:txBody>
+          <a:bodyPr wrap="square" rtlCol="0">
+            <a:spAutoFit/>
+          </a:bodyPr>
+          <a:lstStyle/>
+          <a:p>
+            <a:r>
+              <a:rPr lang="en-US" altLang="zh-CN" sz="1000" dirty="0" smtClean="0"/>
+              <a:t>0004000</a:t>
+            </a:r>
+            <a:endParaRPr lang="zh-CN" altLang="en-US" sz="1000" dirty="0"/>
+          </a:p>
+        </p:txBody>
+      </p:sp>
+      <p:cxnSp>
+        <p:nvCxnSpPr>
+          <p:cNvPr id="26" name="直接连接符 25"/>
+          <p:cNvCxnSpPr/>
+          <p:nvPr/>
+        </p:nvCxnSpPr>
+        <p:spPr>
+          <a:xfrm>
+            <a:off x="5721401" y="2874998"/>
+            <a:ext cx="0" cy="1103871"/>
+          </a:xfrm>
+          <a:prstGeom prst="line">
+            <a:avLst/>
+          </a:prstGeom>
+        </p:spPr>
+        <p:style>
+          <a:lnRef idx="1">
+            <a:schemeClr val="accent1"/>
+          </a:lnRef>
+          <a:fillRef idx="0">
+            <a:schemeClr val="accent1"/>
+          </a:fillRef>
+          <a:effectRef idx="0">
+            <a:schemeClr val="accent1"/>
+          </a:effectRef>
+          <a:fontRef idx="minor">
+            <a:schemeClr val="tx1"/>
+          </a:fontRef>
+        </p:style>
+      </p:cxnSp>
+      <p:sp>
+        <p:nvSpPr>
+          <p:cNvPr id="27" name="文本框 26"/>
+          <p:cNvSpPr txBox="1"/>
+          <p:nvPr/>
+        </p:nvSpPr>
+        <p:spPr>
+          <a:xfrm>
+            <a:off x="4583162" y="3303822"/>
+            <a:ext cx="1127073" cy="246221"/>
+          </a:xfrm>
+          <a:prstGeom prst="rect">
+            <a:avLst/>
+          </a:prstGeom>
+          <a:noFill/>
+        </p:spPr>
+        <p:txBody>
+          <a:bodyPr wrap="square" rtlCol="0">
+            <a:spAutoFit/>
+          </a:bodyPr>
+          <a:lstStyle/>
+          <a:p>
+            <a:r>
+              <a:rPr lang="en-US" altLang="zh-CN" sz="1000" dirty="0" smtClean="0"/>
+              <a:t>Core(code &amp; data)</a:t>
+            </a:r>
+            <a:endParaRPr lang="zh-CN" altLang="en-US" sz="1000" dirty="0"/>
+          </a:p>
+        </p:txBody>
+      </p:sp>
+      <p:cxnSp>
+        <p:nvCxnSpPr>
+          <p:cNvPr id="28" name="直接连接符 27"/>
+          <p:cNvCxnSpPr/>
+          <p:nvPr/>
+        </p:nvCxnSpPr>
+        <p:spPr>
+          <a:xfrm>
+            <a:off x="6240514" y="2871867"/>
+            <a:ext cx="0" cy="1103871"/>
+          </a:xfrm>
+          <a:prstGeom prst="line">
+            <a:avLst/>
+          </a:prstGeom>
+        </p:spPr>
+        <p:style>
+          <a:lnRef idx="1">
+            <a:schemeClr val="accent1"/>
+          </a:lnRef>
+          <a:fillRef idx="0">
+            <a:schemeClr val="accent1"/>
+          </a:fillRef>
+          <a:effectRef idx="0">
+            <a:schemeClr val="accent1"/>
+          </a:effectRef>
+          <a:fontRef idx="minor">
+            <a:schemeClr val="tx1"/>
+          </a:fontRef>
+        </p:style>
+      </p:cxnSp>
+      <p:sp>
+        <p:nvSpPr>
+          <p:cNvPr id="29" name="文本框 28"/>
+          <p:cNvSpPr txBox="1"/>
+          <p:nvPr/>
+        </p:nvSpPr>
+        <p:spPr>
+          <a:xfrm>
+            <a:off x="5928996" y="2628777"/>
+            <a:ext cx="658933" cy="246221"/>
+          </a:xfrm>
+          <a:prstGeom prst="rect">
+            <a:avLst/>
+          </a:prstGeom>
+          <a:noFill/>
+        </p:spPr>
+        <p:txBody>
+          <a:bodyPr wrap="square" rtlCol="0">
+            <a:spAutoFit/>
+          </a:bodyPr>
+          <a:lstStyle/>
+          <a:p>
+            <a:r>
+              <a:rPr lang="en-US" altLang="zh-CN" sz="1000" dirty="0" smtClean="0"/>
+              <a:t>000b800</a:t>
+            </a:r>
+            <a:endParaRPr lang="zh-CN" altLang="en-US" sz="1000" dirty="0"/>
+          </a:p>
+        </p:txBody>
+      </p:sp>
+      <p:cxnSp>
+        <p:nvCxnSpPr>
+          <p:cNvPr id="30" name="直接连接符 29"/>
+          <p:cNvCxnSpPr/>
+          <p:nvPr/>
+        </p:nvCxnSpPr>
+        <p:spPr>
+          <a:xfrm>
+            <a:off x="7121576" y="2874996"/>
+            <a:ext cx="0" cy="1103871"/>
+          </a:xfrm>
+          <a:prstGeom prst="line">
+            <a:avLst/>
+          </a:prstGeom>
+        </p:spPr>
+        <p:style>
+          <a:lnRef idx="1">
+            <a:schemeClr val="accent1"/>
+          </a:lnRef>
+          <a:fillRef idx="0">
+            <a:schemeClr val="accent1"/>
+          </a:fillRef>
+          <a:effectRef idx="0">
+            <a:schemeClr val="accent1"/>
+          </a:effectRef>
+          <a:fontRef idx="minor">
+            <a:schemeClr val="tx1"/>
+          </a:fontRef>
+        </p:style>
+      </p:cxnSp>
+      <p:sp>
+        <p:nvSpPr>
+          <p:cNvPr id="31" name="文本框 30"/>
+          <p:cNvSpPr txBox="1"/>
+          <p:nvPr/>
+        </p:nvSpPr>
+        <p:spPr>
+          <a:xfrm>
+            <a:off x="6219327" y="3303822"/>
+            <a:ext cx="935492" cy="246221"/>
+          </a:xfrm>
+          <a:prstGeom prst="rect">
+            <a:avLst/>
+          </a:prstGeom>
+          <a:noFill/>
+        </p:spPr>
+        <p:txBody>
+          <a:bodyPr wrap="square" rtlCol="0">
+            <a:spAutoFit/>
+          </a:bodyPr>
+          <a:lstStyle/>
+          <a:p>
+            <a:r>
+              <a:rPr lang="en-US" altLang="zh-CN" sz="1000" dirty="0" smtClean="0"/>
+              <a:t>Text mode buf</a:t>
+            </a:r>
+            <a:endParaRPr lang="zh-CN" altLang="en-US" sz="1000" dirty="0"/>
+          </a:p>
+        </p:txBody>
+      </p:sp>
+      <p:cxnSp>
+        <p:nvCxnSpPr>
+          <p:cNvPr id="32" name="直接连接符 31"/>
+          <p:cNvCxnSpPr/>
+          <p:nvPr/>
+        </p:nvCxnSpPr>
+        <p:spPr>
+          <a:xfrm>
+            <a:off x="7793088" y="2871866"/>
+            <a:ext cx="0" cy="1103871"/>
+          </a:xfrm>
+          <a:prstGeom prst="line">
+            <a:avLst/>
+          </a:prstGeom>
+        </p:spPr>
+        <p:style>
+          <a:lnRef idx="1">
+            <a:schemeClr val="accent1"/>
+          </a:lnRef>
+          <a:fillRef idx="0">
+            <a:schemeClr val="accent1"/>
+          </a:fillRef>
+          <a:effectRef idx="0">
+            <a:schemeClr val="accent1"/>
+          </a:effectRef>
+          <a:fontRef idx="minor">
+            <a:schemeClr val="tx1"/>
+          </a:fontRef>
+        </p:style>
+      </p:cxnSp>
+      <p:cxnSp>
+        <p:nvCxnSpPr>
+          <p:cNvPr id="33" name="直接连接符 32"/>
+          <p:cNvCxnSpPr/>
+          <p:nvPr/>
+        </p:nvCxnSpPr>
+        <p:spPr>
+          <a:xfrm>
+            <a:off x="8707488" y="2871866"/>
+            <a:ext cx="0" cy="1103871"/>
+          </a:xfrm>
+          <a:prstGeom prst="line">
+            <a:avLst/>
+          </a:prstGeom>
+        </p:spPr>
+        <p:style>
+          <a:lnRef idx="1">
+            <a:schemeClr val="accent1"/>
+          </a:lnRef>
+          <a:fillRef idx="0">
+            <a:schemeClr val="accent1"/>
+          </a:fillRef>
+          <a:effectRef idx="0">
+            <a:schemeClr val="accent1"/>
+          </a:effectRef>
+          <a:fontRef idx="minor">
+            <a:schemeClr val="tx1"/>
+          </a:fontRef>
+        </p:style>
+      </p:cxnSp>
+      <p:sp>
+        <p:nvSpPr>
+          <p:cNvPr id="34" name="文本框 33"/>
+          <p:cNvSpPr txBox="1"/>
+          <p:nvPr/>
+        </p:nvSpPr>
+        <p:spPr>
+          <a:xfrm>
+            <a:off x="7510345" y="2622506"/>
+            <a:ext cx="658933" cy="246221"/>
+          </a:xfrm>
+          <a:prstGeom prst="rect">
+            <a:avLst/>
+          </a:prstGeom>
+          <a:noFill/>
+        </p:spPr>
+        <p:txBody>
+          <a:bodyPr wrap="square" rtlCol="0">
+            <a:spAutoFit/>
+          </a:bodyPr>
+          <a:lstStyle/>
+          <a:p>
+            <a:r>
+              <a:rPr lang="en-US" altLang="zh-CN" sz="1000" dirty="0" smtClean="0"/>
+              <a:t>0010000</a:t>
+            </a:r>
+            <a:endParaRPr lang="zh-CN" altLang="en-US" sz="1000" dirty="0"/>
+          </a:p>
+        </p:txBody>
+      </p:sp>
+      <p:sp>
+        <p:nvSpPr>
+          <p:cNvPr id="35" name="文本框 34"/>
+          <p:cNvSpPr txBox="1"/>
+          <p:nvPr/>
+        </p:nvSpPr>
+        <p:spPr>
+          <a:xfrm>
+            <a:off x="7811889" y="3300690"/>
+            <a:ext cx="935492" cy="400110"/>
+          </a:xfrm>
+          <a:prstGeom prst="rect">
+            <a:avLst/>
+          </a:prstGeom>
+          <a:noFill/>
+        </p:spPr>
+        <p:txBody>
+          <a:bodyPr wrap="square" rtlCol="0">
+            <a:spAutoFit/>
+          </a:bodyPr>
+          <a:lstStyle/>
+          <a:p>
+            <a:r>
+              <a:rPr lang="en-US" altLang="zh-CN" sz="1000" dirty="0" smtClean="0"/>
+              <a:t>User Programm</a:t>
+            </a:r>
+          </a:p>
+        </p:txBody>
+      </p:sp>
+      <p:cxnSp>
+        <p:nvCxnSpPr>
+          <p:cNvPr id="37" name="直接连接符 36"/>
+          <p:cNvCxnSpPr/>
+          <p:nvPr/>
+        </p:nvCxnSpPr>
+        <p:spPr>
+          <a:xfrm>
+            <a:off x="7793088" y="4044950"/>
+            <a:ext cx="0" cy="1181100"/>
+          </a:xfrm>
+          <a:prstGeom prst="line">
+            <a:avLst/>
+          </a:prstGeom>
+        </p:spPr>
+        <p:style>
+          <a:lnRef idx="1">
+            <a:schemeClr val="accent1"/>
+          </a:lnRef>
+          <a:fillRef idx="0">
+            <a:schemeClr val="accent1"/>
+          </a:fillRef>
+          <a:effectRef idx="0">
+            <a:schemeClr val="accent1"/>
+          </a:effectRef>
+          <a:fontRef idx="minor">
+            <a:schemeClr val="tx1"/>
+          </a:fontRef>
+        </p:style>
+      </p:cxnSp>
+      <p:sp>
+        <p:nvSpPr>
+          <p:cNvPr id="38" name="文本框 37"/>
+          <p:cNvSpPr txBox="1"/>
+          <p:nvPr/>
+        </p:nvSpPr>
+        <p:spPr>
+          <a:xfrm>
+            <a:off x="7463621" y="5292124"/>
+            <a:ext cx="658933" cy="246221"/>
+          </a:xfrm>
+          <a:prstGeom prst="rect">
+            <a:avLst/>
+          </a:prstGeom>
+          <a:noFill/>
+        </p:spPr>
+        <p:txBody>
+          <a:bodyPr wrap="square" rtlCol="0">
+            <a:spAutoFit/>
+          </a:bodyPr>
+          <a:lstStyle/>
+          <a:p>
+            <a:r>
+              <a:rPr lang="en-US" altLang="zh-CN" sz="1000" dirty="0" smtClean="0"/>
+              <a:t>1M</a:t>
+            </a:r>
+            <a:r>
+              <a:rPr lang="zh-CN" altLang="en-US" sz="1000" dirty="0" smtClean="0"/>
+              <a:t>界限</a:t>
+            </a:r>
+            <a:endParaRPr lang="zh-CN" altLang="en-US" sz="1000" dirty="0"/>
+          </a:p>
+        </p:txBody>
+      </p:sp>
+      <p:pic>
+        <p:nvPicPr>
+          <p:cNvPr id="1028" name="Picture 4" descr="âhard disk iconâçå¾çæç´¢ç»æ"/>
+          <p:cNvPicPr>
+            <a:picLocks noChangeAspect="1" noChangeArrowheads="1"/>
+          </p:cNvPicPr>
+          <p:nvPr/>
+        </p:nvPicPr>
+        <p:blipFill>
+          <a:blip r:embed="rId2" cstate="print">
+            <a:extLst>
+              <a:ext uri="{28A0092B-C50C-407E-A947-70E740481C1C}">
+                <a14:useLocalDpi xmlns:a14="http://schemas.microsoft.com/office/drawing/2010/main" val="0"/>
+              </a:ext>
+            </a:extLst>
+          </a:blip>
+          <a:srcRect/>
+          <a:stretch>
+            <a:fillRect/>
+          </a:stretch>
+        </p:blipFill>
+        <p:spPr bwMode="auto">
+          <a:xfrm>
+            <a:off x="4006925" y="0"/>
+            <a:ext cx="1152474" cy="1152474"/>
+          </a:xfrm>
+          <a:prstGeom prst="rect">
+            <a:avLst/>
+          </a:prstGeom>
+          <a:noFill/>
+          <a:extLst>
+            <a:ext uri="{909E8E84-426E-40DD-AFC4-6F175D3DCCD1}">
+              <a14:hiddenFill xmlns:a14="http://schemas.microsoft.com/office/drawing/2010/main">
+                <a:solidFill>
+                  <a:srgbClr val="FFFFFF"/>
+                </a:solidFill>
+              </a14:hiddenFill>
+            </a:ext>
+          </a:extLst>
+        </p:spPr>
+      </p:pic>
+      <p:cxnSp>
+        <p:nvCxnSpPr>
+          <p:cNvPr id="41" name="肘形连接符 40"/>
+          <p:cNvCxnSpPr>
+            <a:stCxn id="1028" idx="2"/>
+            <a:endCxn id="25" idx="0"/>
+          </p:cNvCxnSpPr>
+          <p:nvPr/>
+        </p:nvCxnSpPr>
+        <p:spPr>
+          <a:xfrm rot="16200000" flipH="1">
+            <a:off x="3845011" y="1890624"/>
+            <a:ext cx="1476303" cy="1"/>
+          </a:xfrm>
+          <a:prstGeom prst="bentConnector3">
+            <a:avLst/>
+          </a:prstGeom>
+          <a:ln>
+            <a:tailEnd type="triangle"/>
+          </a:ln>
+        </p:spPr>
+        <p:style>
+          <a:lnRef idx="1">
+            <a:schemeClr val="accent1"/>
+          </a:lnRef>
+          <a:fillRef idx="0">
+            <a:schemeClr val="accent1"/>
+          </a:fillRef>
+          <a:effectRef idx="0">
+            <a:schemeClr val="accent1"/>
+          </a:effectRef>
+          <a:fontRef idx="minor">
+            <a:schemeClr val="tx1"/>
+          </a:fontRef>
+        </p:style>
+      </p:cxnSp>
+      <p:sp>
+        <p:nvSpPr>
+          <p:cNvPr id="45" name="文本框 44"/>
+          <p:cNvSpPr txBox="1"/>
+          <p:nvPr/>
+        </p:nvSpPr>
+        <p:spPr>
+          <a:xfrm>
+            <a:off x="4597146" y="1767513"/>
+            <a:ext cx="983383" cy="400110"/>
+          </a:xfrm>
+          <a:prstGeom prst="rect">
+            <a:avLst/>
+          </a:prstGeom>
+          <a:noFill/>
+        </p:spPr>
+        <p:txBody>
+          <a:bodyPr wrap="square" rtlCol="0">
+            <a:spAutoFit/>
+          </a:bodyPr>
+          <a:lstStyle/>
+          <a:p>
+            <a:r>
+              <a:rPr lang="en-US" altLang="zh-CN" sz="1000" dirty="0" smtClean="0"/>
+              <a:t>Load core from hard disk</a:t>
+            </a:r>
+            <a:endParaRPr lang="zh-CN" altLang="en-US" sz="1000" dirty="0"/>
+          </a:p>
+        </p:txBody>
+      </p:sp>
+      <p:cxnSp>
+        <p:nvCxnSpPr>
+          <p:cNvPr id="46" name="直接箭头连接符 45"/>
+          <p:cNvCxnSpPr/>
+          <p:nvPr/>
+        </p:nvCxnSpPr>
+        <p:spPr>
+          <a:xfrm flipV="1">
+            <a:off x="2248929" y="4044950"/>
+            <a:ext cx="0" cy="540497"/>
+          </a:xfrm>
+          <a:prstGeom prst="straightConnector1">
+            <a:avLst/>
+          </a:prstGeom>
+          <a:ln>
+            <a:tailEnd type="triangle"/>
+          </a:ln>
+        </p:spPr>
+        <p:style>
+          <a:lnRef idx="1">
+            <a:schemeClr val="accent1"/>
+          </a:lnRef>
+          <a:fillRef idx="0">
+            <a:schemeClr val="accent1"/>
+          </a:fillRef>
+          <a:effectRef idx="0">
+            <a:schemeClr val="accent1"/>
+          </a:effectRef>
+          <a:fontRef idx="minor">
+            <a:schemeClr val="tx1"/>
+          </a:fontRef>
+        </p:style>
+      </p:cxnSp>
+      <p:sp>
+        <p:nvSpPr>
+          <p:cNvPr id="48" name="文本框 47"/>
+          <p:cNvSpPr txBox="1"/>
+          <p:nvPr/>
+        </p:nvSpPr>
+        <p:spPr>
+          <a:xfrm>
+            <a:off x="2016010" y="4686258"/>
+            <a:ext cx="658933" cy="246221"/>
+          </a:xfrm>
+          <a:prstGeom prst="rect">
+            <a:avLst/>
+          </a:prstGeom>
+          <a:noFill/>
+        </p:spPr>
+        <p:txBody>
+          <a:bodyPr wrap="square" rtlCol="0">
+            <a:spAutoFit/>
+          </a:bodyPr>
+          <a:lstStyle/>
+          <a:p>
+            <a:r>
+              <a:rPr lang="en-US" altLang="zh-CN" sz="1000" dirty="0" smtClean="0"/>
+              <a:t>SS &amp; SP</a:t>
+            </a:r>
+            <a:endParaRPr lang="zh-CN" altLang="en-US" sz="1000" dirty="0"/>
+          </a:p>
+        </p:txBody>
+      </p:sp>
+      <p:cxnSp>
+        <p:nvCxnSpPr>
+          <p:cNvPr id="49" name="直接箭头连接符 48"/>
+          <p:cNvCxnSpPr/>
+          <p:nvPr/>
+        </p:nvCxnSpPr>
+        <p:spPr>
+          <a:xfrm flipV="1">
+            <a:off x="3047626" y="4039608"/>
+            <a:ext cx="0" cy="540497"/>
+          </a:xfrm>
+          <a:prstGeom prst="straightConnector1">
+            <a:avLst/>
+          </a:prstGeom>
+          <a:ln>
+            <a:tailEnd type="triangle"/>
+          </a:ln>
+        </p:spPr>
+        <p:style>
+          <a:lnRef idx="1">
+            <a:schemeClr val="accent1"/>
+          </a:lnRef>
+          <a:fillRef idx="0">
+            <a:schemeClr val="accent1"/>
+          </a:fillRef>
+          <a:effectRef idx="0">
+            <a:schemeClr val="accent1"/>
+          </a:effectRef>
+          <a:fontRef idx="minor">
+            <a:schemeClr val="tx1"/>
+          </a:fontRef>
+        </p:style>
+      </p:cxnSp>
+      <p:sp>
+        <p:nvSpPr>
+          <p:cNvPr id="50" name="文本框 49"/>
+          <p:cNvSpPr txBox="1"/>
+          <p:nvPr/>
+        </p:nvSpPr>
+        <p:spPr>
+          <a:xfrm>
+            <a:off x="2871059" y="4655736"/>
+            <a:ext cx="658933" cy="246221"/>
+          </a:xfrm>
+          <a:prstGeom prst="rect">
+            <a:avLst/>
+          </a:prstGeom>
+          <a:noFill/>
+        </p:spPr>
+        <p:txBody>
+          <a:bodyPr wrap="square" rtlCol="0">
+            <a:spAutoFit/>
+          </a:bodyPr>
+          <a:lstStyle/>
+          <a:p>
+            <a:r>
+              <a:rPr lang="en-US" altLang="zh-CN" sz="1000" dirty="0" smtClean="0"/>
+              <a:t>DS:EBX</a:t>
+            </a:r>
+            <a:endParaRPr lang="zh-CN" altLang="en-US" sz="1000" dirty="0"/>
+          </a:p>
+        </p:txBody>
+      </p:sp>
+      <p:pic>
+        <p:nvPicPr>
+          <p:cNvPr id="47" name="图片 46"/>
+          <p:cNvPicPr>
+            <a:picLocks noChangeAspect="1"/>
+          </p:cNvPicPr>
+          <p:nvPr/>
+        </p:nvPicPr>
+        <p:blipFill>
+          <a:blip r:embed="rId3"/>
+          <a:stretch>
+            <a:fillRect/>
+          </a:stretch>
+        </p:blipFill>
+        <p:spPr>
+          <a:xfrm>
+            <a:off x="108643" y="61167"/>
+            <a:ext cx="2381034" cy="2233373"/>
+          </a:xfrm>
+          <a:prstGeom prst="rect">
+            <a:avLst/>
+          </a:prstGeom>
+          <a:ln>
+            <a:solidFill>
+              <a:schemeClr val="accent1"/>
+            </a:solidFill>
+          </a:ln>
+        </p:spPr>
+      </p:pic>
+      <p:cxnSp>
+        <p:nvCxnSpPr>
+          <p:cNvPr id="52" name="肘形连接符 51"/>
+          <p:cNvCxnSpPr>
+            <a:stCxn id="47" idx="3"/>
+            <a:endCxn id="19" idx="0"/>
+          </p:cNvCxnSpPr>
+          <p:nvPr/>
+        </p:nvCxnSpPr>
+        <p:spPr>
+          <a:xfrm>
+            <a:off x="2489677" y="1177854"/>
+            <a:ext cx="556921" cy="1450924"/>
+          </a:xfrm>
+          <a:prstGeom prst="bentConnector2">
+            <a:avLst/>
+          </a:prstGeom>
+          <a:ln>
+            <a:tailEnd type="triangle"/>
+          </a:ln>
+        </p:spPr>
+        <p:style>
+          <a:lnRef idx="1">
+            <a:schemeClr val="accent1"/>
+          </a:lnRef>
+          <a:fillRef idx="0">
+            <a:schemeClr val="accent1"/>
+          </a:fillRef>
+          <a:effectRef idx="0">
+            <a:schemeClr val="accent1"/>
+          </a:effectRef>
+          <a:fontRef idx="minor">
+            <a:schemeClr val="tx1"/>
+          </a:fontRef>
+        </p:style>
+      </p:cxnSp>
+      <p:sp>
+        <p:nvSpPr>
+          <p:cNvPr id="55" name="文本框 54"/>
+          <p:cNvSpPr txBox="1"/>
+          <p:nvPr/>
+        </p:nvSpPr>
+        <p:spPr>
+          <a:xfrm>
+            <a:off x="3125120" y="1629279"/>
+            <a:ext cx="983383" cy="400110"/>
+          </a:xfrm>
+          <a:prstGeom prst="rect">
+            <a:avLst/>
+          </a:prstGeom>
+          <a:noFill/>
+        </p:spPr>
+        <p:txBody>
+          <a:bodyPr wrap="square" rtlCol="0">
+            <a:spAutoFit/>
+          </a:bodyPr>
+          <a:lstStyle/>
+          <a:p>
+            <a:r>
+              <a:rPr lang="en-US" altLang="zh-CN" sz="1000" dirty="0" smtClean="0"/>
+              <a:t>Make gdt for core</a:t>
+            </a:r>
+            <a:endParaRPr lang="zh-CN" altLang="en-US" sz="1000" dirty="0"/>
+          </a:p>
+        </p:txBody>
+      </p:sp>
+      <p:sp>
+        <p:nvSpPr>
+          <p:cNvPr id="54" name="矩形 53"/>
+          <p:cNvSpPr/>
+          <p:nvPr/>
+        </p:nvSpPr>
+        <p:spPr>
+          <a:xfrm>
+            <a:off x="3662441" y="5020749"/>
+            <a:ext cx="892124" cy="626076"/>
+          </a:xfrm>
+          <a:prstGeom prst="rect">
+            <a:avLst/>
+          </a:prstGeom>
+          <a:noFill/>
+        </p:spPr>
+        <p:style>
+          <a:lnRef idx="2">
+            <a:schemeClr val="accent1">
+              <a:shade val="50000"/>
+            </a:schemeClr>
+          </a:lnRef>
+          <a:fillRef idx="1">
+            <a:schemeClr val="accent1"/>
+          </a:fillRef>
+          <a:effectRef idx="0">
+            <a:schemeClr val="accent1"/>
+          </a:effectRef>
+          <a:fontRef idx="minor">
+            <a:schemeClr val="lt1"/>
+          </a:fontRef>
+        </p:style>
+        <p:txBody>
+          <a:bodyPr rtlCol="0" anchor="ctr"/>
+          <a:lstStyle/>
+          <a:p>
+            <a:pPr algn="ctr"/>
+            <a:r>
+              <a:rPr lang="en-US" altLang="zh-CN" sz="1200" dirty="0" smtClean="0">
+                <a:solidFill>
+                  <a:schemeClr val="tx1">
+                    <a:lumMod val="95000"/>
+                    <a:lumOff val="5000"/>
+                  </a:schemeClr>
+                </a:solidFill>
+              </a:rPr>
+              <a:t>Descriptors of core</a:t>
+            </a:r>
+            <a:endParaRPr lang="zh-CN" altLang="en-US" sz="1200" dirty="0">
+              <a:solidFill>
+                <a:schemeClr val="tx1">
+                  <a:lumMod val="95000"/>
+                  <a:lumOff val="5000"/>
+                </a:schemeClr>
+              </a:solidFill>
+            </a:endParaRPr>
+          </a:p>
+        </p:txBody>
+      </p:sp>
+      <p:cxnSp>
+        <p:nvCxnSpPr>
+          <p:cNvPr id="57" name="肘形连接符 56"/>
+          <p:cNvCxnSpPr>
+            <a:stCxn id="54" idx="0"/>
+          </p:cNvCxnSpPr>
+          <p:nvPr/>
+        </p:nvCxnSpPr>
+        <p:spPr>
+          <a:xfrm rot="16200000" flipV="1">
+            <a:off x="3274529" y="4186774"/>
+            <a:ext cx="981141" cy="686809"/>
+          </a:xfrm>
+          <a:prstGeom prst="bentConnector3">
+            <a:avLst/>
+          </a:prstGeom>
+          <a:ln>
+            <a:tailEnd type="triangle"/>
+          </a:ln>
+        </p:spPr>
+        <p:style>
+          <a:lnRef idx="1">
+            <a:schemeClr val="accent1"/>
+          </a:lnRef>
+          <a:fillRef idx="0">
+            <a:schemeClr val="accent1"/>
+          </a:fillRef>
+          <a:effectRef idx="0">
+            <a:schemeClr val="accent1"/>
+          </a:effectRef>
+          <a:fontRef idx="minor">
+            <a:schemeClr val="tx1"/>
+          </a:fontRef>
+        </p:style>
+      </p:cxnSp>
+      <p:sp>
+        <p:nvSpPr>
+          <p:cNvPr id="42" name="文本框 41"/>
+          <p:cNvSpPr txBox="1"/>
+          <p:nvPr/>
+        </p:nvSpPr>
+        <p:spPr>
+          <a:xfrm>
+            <a:off x="6587929" y="61167"/>
+            <a:ext cx="5344220" cy="523220"/>
+          </a:xfrm>
+          <a:prstGeom prst="rect">
+            <a:avLst/>
+          </a:prstGeom>
+          <a:noFill/>
+        </p:spPr>
+        <p:txBody>
+          <a:bodyPr wrap="none" rtlCol="0">
+            <a:spAutoFit/>
+          </a:bodyPr>
+          <a:lstStyle/>
+          <a:p>
+            <a:r>
+              <a:rPr lang="en-US" altLang="zh-CN" sz="2800" dirty="0" smtClean="0">
+                <a:latin typeface="微软雅黑" panose="020B0503020204020204" pitchFamily="34" charset="-122"/>
+                <a:ea typeface="微软雅黑" panose="020B0503020204020204" pitchFamily="34" charset="-122"/>
+              </a:rPr>
+              <a:t>MBR-&gt;Core-&gt;User Programm</a:t>
+            </a:r>
+            <a:endParaRPr lang="zh-CN" altLang="en-US" sz="2800" dirty="0">
+              <a:latin typeface="微软雅黑" panose="020B0503020204020204" pitchFamily="34" charset="-122"/>
+              <a:ea typeface="微软雅黑" panose="020B0503020204020204" pitchFamily="34" charset="-122"/>
+            </a:endParaRPr>
+          </a:p>
+        </p:txBody>
+      </p:sp>
+    </p:spTree>
+    <p:extLst>
+      <p:ext uri="{BB962C8B-B14F-4D97-AF65-F5344CB8AC3E}">
+        <p14:creationId xmlns:p14="http://schemas.microsoft.com/office/powerpoint/2010/main" val="1694174718"/>
       </p:ext>
     </p:extLst>
   </p:cSld>
